--- a/slide/dev/chapter_1/slide.pptx
+++ b/slide/dev/chapter_1/slide.pptx
@@ -3350,7 +3350,14 @@
           <a:p>
             <a:r>
               <a:rPr lang="en-US" dirty="0" smtClean="0"/>
-              <a:t>ADVANCED SOFTWARE ENGINEERING</a:t>
+              <a:t>KỸ NGHỆ PHẦN MỀM </a:t>
+            </a:r>
+            <a:br>
+              <a:rPr lang="en-US" dirty="0" smtClean="0"/>
+            </a:br>
+            <a:r>
+              <a:rPr lang="en-US" dirty="0" smtClean="0"/>
+              <a:t>NÂNG CAO</a:t>
             </a:r>
             <a:endParaRPr lang="en-US" dirty="0"/>
           </a:p>

--- a/slide/dev/chapter_1/slide.pptx
+++ b/slide/dev/chapter_1/slide.pptx
@@ -5,10 +5,12 @@
     <p:sldMasterId id="2147483703" r:id="rId2"/>
   </p:sldMasterIdLst>
   <p:notesMasterIdLst>
-    <p:notesMasterId r:id="rId4"/>
+    <p:notesMasterId r:id="rId6"/>
   </p:notesMasterIdLst>
   <p:sldIdLst>
     <p:sldId id="256" r:id="rId3"/>
+    <p:sldId id="257" r:id="rId4"/>
+    <p:sldId id="258" r:id="rId5"/>
   </p:sldIdLst>
   <p:sldSz cx="9144000" cy="6858000" type="screen4x3"/>
   <p:notesSz cx="6858000" cy="9144000"/>
@@ -505,23 +507,27 @@
         </p:nvSpPr>
         <p:spPr>
           <a:xfrm>
-            <a:off x="1143000" y="1122363"/>
-            <a:ext cx="6858000" cy="2387600"/>
+            <a:off x="1143000" y="3579216"/>
+            <a:ext cx="6858000" cy="1627784"/>
           </a:xfrm>
         </p:spPr>
         <p:txBody>
           <a:bodyPr anchor="b"/>
           <a:lstStyle>
             <a:lvl1pPr algn="ctr">
-              <a:defRPr sz="4500"/>
+              <a:defRPr sz="4500" b="1">
+                <a:latin typeface="Verdana" panose="020B0604030504040204" pitchFamily="34" charset="0"/>
+                <a:ea typeface="Verdana" panose="020B0604030504040204" pitchFamily="34" charset="0"/>
+                <a:cs typeface="Verdana" panose="020B0604030504040204" pitchFamily="34" charset="0"/>
+              </a:defRPr>
             </a:lvl1pPr>
           </a:lstStyle>
           <a:p>
             <a:r>
-              <a:rPr lang="en-US" smtClean="0"/>
+              <a:rPr lang="en-US" dirty="0" smtClean="0"/>
               <a:t>Click to edit Master title style</a:t>
             </a:r>
-            <a:endParaRPr lang="en-US"/>
+            <a:endParaRPr lang="en-US" dirty="0"/>
           </a:p>
         </p:txBody>
       </p:sp>
@@ -537,8 +543,8 @@
         </p:nvSpPr>
         <p:spPr>
           <a:xfrm>
-            <a:off x="1143000" y="3602038"/>
-            <a:ext cx="6858000" cy="1655762"/>
+            <a:off x="1143000" y="5299075"/>
+            <a:ext cx="6858000" cy="873125"/>
           </a:xfrm>
         </p:spPr>
         <p:txBody>
@@ -546,7 +552,10 @@
           <a:lstStyle>
             <a:lvl1pPr marL="0" indent="0" algn="ctr">
               <a:buNone/>
-              <a:defRPr sz="1800"/>
+              <a:defRPr sz="1800">
+                <a:latin typeface="Arial" panose="020B0604020202020204" pitchFamily="34" charset="0"/>
+                <a:cs typeface="Arial" panose="020B0604020202020204" pitchFamily="34" charset="0"/>
+              </a:defRPr>
             </a:lvl1pPr>
             <a:lvl2pPr marL="342900" indent="0" algn="ctr">
               <a:buNone/>
@@ -583,10 +592,10 @@
           </a:lstStyle>
           <a:p>
             <a:r>
-              <a:rPr lang="en-US" smtClean="0"/>
+              <a:rPr lang="en-US" dirty="0" smtClean="0"/>
               <a:t>Click to edit Master subtitle style</a:t>
             </a:r>
-            <a:endParaRPr lang="en-US"/>
+            <a:endParaRPr lang="en-US" dirty="0"/>
           </a:p>
         </p:txBody>
       </p:sp>
@@ -655,6 +664,253 @@
           </a:p>
         </p:txBody>
       </p:sp>
+      <p:grpSp>
+        <p:nvGrpSpPr>
+          <p:cNvPr id="28" name="Group 27"/>
+          <p:cNvGrpSpPr/>
+          <p:nvPr userDrawn="1"/>
+        </p:nvGrpSpPr>
+        <p:grpSpPr>
+          <a:xfrm>
+            <a:off x="2736850" y="474332"/>
+            <a:ext cx="3670300" cy="2897188"/>
+            <a:chOff x="4279900" y="218410"/>
+            <a:chExt cx="3670300" cy="2897188"/>
+          </a:xfrm>
+        </p:grpSpPr>
+        <p:grpSp>
+          <p:nvGrpSpPr>
+            <p:cNvPr id="9" name="Group 8"/>
+            <p:cNvGrpSpPr/>
+            <p:nvPr userDrawn="1"/>
+          </p:nvGrpSpPr>
+          <p:grpSpPr>
+            <a:xfrm>
+              <a:off x="4279900" y="218410"/>
+              <a:ext cx="3670300" cy="2897188"/>
+              <a:chOff x="0" y="-14288"/>
+              <a:chExt cx="6705600" cy="5284788"/>
+            </a:xfrm>
+            <a:solidFill>
+              <a:srgbClr val="FF1111"/>
+            </a:solidFill>
+          </p:grpSpPr>
+          <p:sp>
+            <p:nvSpPr>
+              <p:cNvPr id="7" name="Chevron 6"/>
+              <p:cNvSpPr/>
+              <p:nvPr userDrawn="1"/>
+            </p:nvSpPr>
+            <p:spPr>
+              <a:xfrm>
+                <a:off x="0" y="-14288"/>
+                <a:ext cx="4495800" cy="4052888"/>
+              </a:xfrm>
+              <a:prstGeom prst="chevron">
+                <a:avLst/>
+              </a:prstGeom>
+              <a:grpFill/>
+              <a:ln>
+                <a:noFill/>
+              </a:ln>
+            </p:spPr>
+            <p:style>
+              <a:lnRef idx="2">
+                <a:schemeClr val="accent1">
+                  <a:shade val="50000"/>
+                </a:schemeClr>
+              </a:lnRef>
+              <a:fillRef idx="1">
+                <a:schemeClr val="accent1"/>
+              </a:fillRef>
+              <a:effectRef idx="0">
+                <a:schemeClr val="accent1"/>
+              </a:effectRef>
+              <a:fontRef idx="minor">
+                <a:schemeClr val="lt1"/>
+              </a:fontRef>
+            </p:style>
+            <p:txBody>
+              <a:bodyPr rtlCol="0" anchor="ctr"/>
+              <a:lstStyle/>
+              <a:p>
+                <a:pPr algn="ctr"/>
+                <a:endParaRPr lang="en-US">
+                  <a:solidFill>
+                    <a:schemeClr val="tx1"/>
+                  </a:solidFill>
+                </a:endParaRPr>
+              </a:p>
+            </p:txBody>
+          </p:sp>
+          <p:sp>
+            <p:nvSpPr>
+              <p:cNvPr id="8" name="Chevron 7"/>
+              <p:cNvSpPr/>
+              <p:nvPr userDrawn="1"/>
+            </p:nvSpPr>
+            <p:spPr>
+              <a:xfrm>
+                <a:off x="4953000" y="3522663"/>
+                <a:ext cx="1752600" cy="1747837"/>
+              </a:xfrm>
+              <a:prstGeom prst="chevron">
+                <a:avLst/>
+              </a:prstGeom>
+              <a:grpFill/>
+              <a:ln>
+                <a:noFill/>
+              </a:ln>
+            </p:spPr>
+            <p:style>
+              <a:lnRef idx="2">
+                <a:schemeClr val="accent1">
+                  <a:shade val="50000"/>
+                </a:schemeClr>
+              </a:lnRef>
+              <a:fillRef idx="1">
+                <a:schemeClr val="accent1"/>
+              </a:fillRef>
+              <a:effectRef idx="0">
+                <a:schemeClr val="accent1"/>
+              </a:effectRef>
+              <a:fontRef idx="minor">
+                <a:schemeClr val="lt1"/>
+              </a:fontRef>
+            </p:style>
+            <p:txBody>
+              <a:bodyPr rtlCol="0" anchor="ctr"/>
+              <a:lstStyle/>
+              <a:p>
+                <a:pPr algn="ctr"/>
+                <a:endParaRPr lang="en-US">
+                  <a:solidFill>
+                    <a:schemeClr val="tx1"/>
+                  </a:solidFill>
+                </a:endParaRPr>
+              </a:p>
+            </p:txBody>
+          </p:sp>
+        </p:grpSp>
+        <p:grpSp>
+          <p:nvGrpSpPr>
+            <p:cNvPr id="13" name="Group 12"/>
+            <p:cNvGrpSpPr/>
+            <p:nvPr userDrawn="1"/>
+          </p:nvGrpSpPr>
+          <p:grpSpPr>
+            <a:xfrm>
+              <a:off x="5091184" y="341377"/>
+              <a:ext cx="838200" cy="607219"/>
+              <a:chOff x="0" y="-14288"/>
+              <a:chExt cx="6705600" cy="5284788"/>
+            </a:xfrm>
+            <a:solidFill>
+              <a:schemeClr val="bg1"/>
+            </a:solidFill>
+          </p:grpSpPr>
+          <p:sp>
+            <p:nvSpPr>
+              <p:cNvPr id="14" name="Chevron 13"/>
+              <p:cNvSpPr/>
+              <p:nvPr userDrawn="1"/>
+            </p:nvSpPr>
+            <p:spPr>
+              <a:xfrm>
+                <a:off x="0" y="-14288"/>
+                <a:ext cx="4495800" cy="4052888"/>
+              </a:xfrm>
+              <a:prstGeom prst="chevron">
+                <a:avLst/>
+              </a:prstGeom>
+              <a:grpFill/>
+              <a:ln>
+                <a:solidFill>
+                  <a:srgbClr val="FF1111"/>
+                </a:solidFill>
+              </a:ln>
+            </p:spPr>
+            <p:style>
+              <a:lnRef idx="2">
+                <a:schemeClr val="accent1">
+                  <a:shade val="50000"/>
+                </a:schemeClr>
+              </a:lnRef>
+              <a:fillRef idx="1">
+                <a:schemeClr val="accent1"/>
+              </a:fillRef>
+              <a:effectRef idx="0">
+                <a:schemeClr val="accent1"/>
+              </a:effectRef>
+              <a:fontRef idx="minor">
+                <a:schemeClr val="lt1"/>
+              </a:fontRef>
+            </p:style>
+            <p:txBody>
+              <a:bodyPr rtlCol="0" anchor="ctr"/>
+              <a:lstStyle/>
+              <a:p>
+                <a:pPr algn="ctr"/>
+                <a:endParaRPr lang="en-US">
+                  <a:solidFill>
+                    <a:schemeClr val="tx1"/>
+                  </a:solidFill>
+                </a:endParaRPr>
+              </a:p>
+            </p:txBody>
+          </p:sp>
+          <p:sp>
+            <p:nvSpPr>
+              <p:cNvPr id="15" name="Chevron 14"/>
+              <p:cNvSpPr/>
+              <p:nvPr userDrawn="1"/>
+            </p:nvSpPr>
+            <p:spPr>
+              <a:xfrm>
+                <a:off x="4953000" y="3522663"/>
+                <a:ext cx="1752600" cy="1747837"/>
+              </a:xfrm>
+              <a:prstGeom prst="chevron">
+                <a:avLst/>
+              </a:prstGeom>
+              <a:grpFill/>
+              <a:ln>
+                <a:solidFill>
+                  <a:srgbClr val="FF1111"/>
+                </a:solidFill>
+              </a:ln>
+            </p:spPr>
+            <p:style>
+              <a:lnRef idx="2">
+                <a:schemeClr val="accent1">
+                  <a:shade val="50000"/>
+                </a:schemeClr>
+              </a:lnRef>
+              <a:fillRef idx="1">
+                <a:schemeClr val="accent1"/>
+              </a:fillRef>
+              <a:effectRef idx="0">
+                <a:schemeClr val="accent1"/>
+              </a:effectRef>
+              <a:fontRef idx="minor">
+                <a:schemeClr val="lt1"/>
+              </a:fontRef>
+            </p:style>
+            <p:txBody>
+              <a:bodyPr rtlCol="0" anchor="ctr"/>
+              <a:lstStyle/>
+              <a:p>
+                <a:pPr algn="ctr"/>
+                <a:endParaRPr lang="en-US">
+                  <a:solidFill>
+                    <a:schemeClr val="tx1"/>
+                  </a:solidFill>
+                </a:endParaRPr>
+              </a:p>
+            </p:txBody>
+          </p:sp>
+        </p:grpSp>
+      </p:grpSp>
     </p:spTree>
     <p:extLst>
       <p:ext uri="{BB962C8B-B14F-4D97-AF65-F5344CB8AC3E}">
@@ -1045,68 +1301,116 @@
             <p:ph type="title"/>
           </p:nvPr>
         </p:nvSpPr>
+        <p:spPr>
+          <a:xfrm>
+            <a:off x="628650" y="1040610"/>
+            <a:ext cx="7886700" cy="650079"/>
+          </a:xfrm>
+        </p:spPr>
+        <p:txBody>
+          <a:bodyPr>
+            <a:normAutofit/>
+          </a:bodyPr>
+          <a:lstStyle>
+            <a:lvl1pPr>
+              <a:defRPr sz="2800" b="1">
+                <a:latin typeface="Verdana" panose="020B0604030504040204" pitchFamily="34" charset="0"/>
+                <a:ea typeface="Verdana" panose="020B0604030504040204" pitchFamily="34" charset="0"/>
+                <a:cs typeface="Verdana" panose="020B0604030504040204" pitchFamily="34" charset="0"/>
+              </a:defRPr>
+            </a:lvl1pPr>
+          </a:lstStyle>
+          <a:p>
+            <a:r>
+              <a:rPr lang="en-US" dirty="0" smtClean="0"/>
+              <a:t>Click to edit Master title style</a:t>
+            </a:r>
+            <a:endParaRPr lang="en-US" dirty="0"/>
+          </a:p>
+        </p:txBody>
+      </p:sp>
+      <p:sp>
+        <p:nvSpPr>
+          <p:cNvPr id="3" name="Content Placeholder 2"/>
+          <p:cNvSpPr>
+            <a:spLocks noGrp="1"/>
+          </p:cNvSpPr>
+          <p:nvPr>
+            <p:ph idx="1"/>
+          </p:nvPr>
+        </p:nvSpPr>
         <p:spPr/>
         <p:txBody>
-          <a:bodyPr/>
-          <a:lstStyle/>
-          <a:p>
-            <a:r>
-              <a:rPr lang="en-US" smtClean="0"/>
-              <a:t>Click to edit Master title style</a:t>
-            </a:r>
-            <a:endParaRPr lang="en-US"/>
-          </a:p>
-        </p:txBody>
-      </p:sp>
-      <p:sp>
-        <p:nvSpPr>
-          <p:cNvPr id="3" name="Content Placeholder 2"/>
-          <p:cNvSpPr>
-            <a:spLocks noGrp="1"/>
-          </p:cNvSpPr>
-          <p:nvPr>
-            <p:ph idx="1"/>
-          </p:nvPr>
-        </p:nvSpPr>
-        <p:spPr/>
-        <p:txBody>
-          <a:bodyPr/>
-          <a:lstStyle/>
+          <a:bodyPr>
+            <a:normAutofit/>
+          </a:bodyPr>
+          <a:lstStyle>
+            <a:lvl1pPr>
+              <a:defRPr sz="1400">
+                <a:latin typeface="Arial" panose="020B0604020202020204" pitchFamily="34" charset="0"/>
+                <a:cs typeface="Arial" panose="020B0604020202020204" pitchFamily="34" charset="0"/>
+              </a:defRPr>
+            </a:lvl1pPr>
+            <a:lvl2pPr>
+              <a:defRPr sz="1400">
+                <a:latin typeface="Arial" panose="020B0604020202020204" pitchFamily="34" charset="0"/>
+                <a:cs typeface="Arial" panose="020B0604020202020204" pitchFamily="34" charset="0"/>
+              </a:defRPr>
+            </a:lvl2pPr>
+            <a:lvl3pPr>
+              <a:defRPr sz="1400">
+                <a:latin typeface="Arial" panose="020B0604020202020204" pitchFamily="34" charset="0"/>
+                <a:cs typeface="Arial" panose="020B0604020202020204" pitchFamily="34" charset="0"/>
+              </a:defRPr>
+            </a:lvl3pPr>
+            <a:lvl4pPr>
+              <a:defRPr sz="1400">
+                <a:latin typeface="Arial" panose="020B0604020202020204" pitchFamily="34" charset="0"/>
+                <a:cs typeface="Arial" panose="020B0604020202020204" pitchFamily="34" charset="0"/>
+              </a:defRPr>
+            </a:lvl4pPr>
+            <a:lvl5pPr>
+              <a:defRPr sz="1400">
+                <a:latin typeface="Arial" panose="020B0604020202020204" pitchFamily="34" charset="0"/>
+                <a:cs typeface="Arial" panose="020B0604020202020204" pitchFamily="34" charset="0"/>
+              </a:defRPr>
+            </a:lvl5pPr>
+          </a:lstStyle>
           <a:p>
             <a:pPr lvl="0"/>
             <a:r>
-              <a:rPr lang="en-US" smtClean="0"/>
+              <a:rPr lang="en-US" dirty="0" smtClean="0"/>
               <a:t>Click to edit Master text styles</a:t>
             </a:r>
           </a:p>
           <a:p>
             <a:pPr lvl="1"/>
             <a:r>
-              <a:rPr lang="en-US" smtClean="0"/>
+              <a:rPr lang="en-US" dirty="0" smtClean="0"/>
               <a:t>Second level</a:t>
             </a:r>
           </a:p>
           <a:p>
             <a:pPr lvl="2"/>
             <a:r>
-              <a:rPr lang="en-US" smtClean="0"/>
+              <a:rPr lang="en-US" dirty="0" smtClean="0"/>
               <a:t>Third level</a:t>
             </a:r>
           </a:p>
           <a:p>
             <a:pPr lvl="3"/>
             <a:r>
-              <a:rPr lang="en-US" smtClean="0"/>
+              <a:rPr lang="en-US" dirty="0" smtClean="0"/>
               <a:t>Fourth level</a:t>
             </a:r>
           </a:p>
           <a:p>
             <a:pPr lvl="4"/>
             <a:r>
-              <a:rPr lang="en-US" smtClean="0"/>
+              <a:rPr lang="en-US" dirty="0" smtClean="0"/>
               <a:t>Fifth level</a:t>
             </a:r>
-            <a:endParaRPr lang="en-US"/>
+            <a:endParaRPr lang="en-US" dirty="0"/>
           </a:p>
         </p:txBody>
       </p:sp>
@@ -1171,6 +1475,168 @@
               <a:rPr lang="en-US" smtClean="0"/>
               <a:t>‹#›</a:t>
             </a:fld>
+            <a:endParaRPr lang="en-US"/>
+          </a:p>
+        </p:txBody>
+      </p:sp>
+      <p:grpSp>
+        <p:nvGrpSpPr>
+          <p:cNvPr id="7" name="Group 6"/>
+          <p:cNvGrpSpPr/>
+          <p:nvPr userDrawn="1"/>
+        </p:nvGrpSpPr>
+        <p:grpSpPr>
+          <a:xfrm>
+            <a:off x="7702550" y="365126"/>
+            <a:ext cx="838200" cy="496096"/>
+            <a:chOff x="0" y="-14288"/>
+            <a:chExt cx="6705600" cy="5284788"/>
+          </a:xfrm>
+          <a:noFill/>
+        </p:grpSpPr>
+        <p:sp>
+          <p:nvSpPr>
+            <p:cNvPr id="8" name="Chevron 7"/>
+            <p:cNvSpPr/>
+            <p:nvPr userDrawn="1"/>
+          </p:nvSpPr>
+          <p:spPr>
+            <a:xfrm>
+              <a:off x="0" y="-14288"/>
+              <a:ext cx="4495800" cy="4052887"/>
+            </a:xfrm>
+            <a:prstGeom prst="chevron">
+              <a:avLst/>
+            </a:prstGeom>
+            <a:grpFill/>
+            <a:ln>
+              <a:solidFill>
+                <a:srgbClr val="FF1111"/>
+              </a:solidFill>
+            </a:ln>
+          </p:spPr>
+          <p:style>
+            <a:lnRef idx="2">
+              <a:schemeClr val="accent1">
+                <a:shade val="50000"/>
+              </a:schemeClr>
+            </a:lnRef>
+            <a:fillRef idx="1">
+              <a:schemeClr val="accent1"/>
+            </a:fillRef>
+            <a:effectRef idx="0">
+              <a:schemeClr val="accent1"/>
+            </a:effectRef>
+            <a:fontRef idx="minor">
+              <a:schemeClr val="lt1"/>
+            </a:fontRef>
+          </p:style>
+          <p:txBody>
+            <a:bodyPr rtlCol="0" anchor="ctr"/>
+            <a:lstStyle/>
+            <a:p>
+              <a:pPr algn="ctr"/>
+              <a:endParaRPr lang="en-US">
+                <a:solidFill>
+                  <a:schemeClr val="tx1"/>
+                </a:solidFill>
+              </a:endParaRPr>
+            </a:p>
+          </p:txBody>
+        </p:sp>
+        <p:sp>
+          <p:nvSpPr>
+            <p:cNvPr id="9" name="Chevron 8"/>
+            <p:cNvSpPr/>
+            <p:nvPr userDrawn="1"/>
+          </p:nvSpPr>
+          <p:spPr>
+            <a:xfrm>
+              <a:off x="4953000" y="3522663"/>
+              <a:ext cx="1752600" cy="1747837"/>
+            </a:xfrm>
+            <a:prstGeom prst="chevron">
+              <a:avLst/>
+            </a:prstGeom>
+            <a:grpFill/>
+            <a:ln>
+              <a:solidFill>
+                <a:srgbClr val="FF1111"/>
+              </a:solidFill>
+            </a:ln>
+          </p:spPr>
+          <p:style>
+            <a:lnRef idx="2">
+              <a:schemeClr val="accent1">
+                <a:shade val="50000"/>
+              </a:schemeClr>
+            </a:lnRef>
+            <a:fillRef idx="1">
+              <a:schemeClr val="accent1"/>
+            </a:fillRef>
+            <a:effectRef idx="0">
+              <a:schemeClr val="accent1"/>
+            </a:effectRef>
+            <a:fontRef idx="minor">
+              <a:schemeClr val="lt1"/>
+            </a:fontRef>
+          </p:style>
+          <p:txBody>
+            <a:bodyPr rtlCol="0" anchor="ctr"/>
+            <a:lstStyle/>
+            <a:p>
+              <a:pPr algn="ctr"/>
+              <a:endParaRPr lang="en-US">
+                <a:solidFill>
+                  <a:schemeClr val="tx1"/>
+                </a:solidFill>
+              </a:endParaRPr>
+            </a:p>
+          </p:txBody>
+        </p:sp>
+      </p:grpSp>
+      <p:sp>
+        <p:nvSpPr>
+          <p:cNvPr id="10" name="Rectangle 9"/>
+          <p:cNvSpPr/>
+          <p:nvPr userDrawn="1"/>
+        </p:nvSpPr>
+        <p:spPr>
+          <a:xfrm>
+            <a:off x="762000" y="1630681"/>
+            <a:ext cx="5695950" cy="45719"/>
+          </a:xfrm>
+          <a:prstGeom prst="rect">
+            <a:avLst/>
+          </a:prstGeom>
+          <a:solidFill>
+            <a:srgbClr val="FF1111"/>
+          </a:solidFill>
+          <a:ln>
+            <a:noFill/>
+          </a:ln>
+        </p:spPr>
+        <p:style>
+          <a:lnRef idx="2">
+            <a:schemeClr val="accent1">
+              <a:shade val="50000"/>
+            </a:schemeClr>
+          </a:lnRef>
+          <a:fillRef idx="1">
+            <a:schemeClr val="accent1"/>
+          </a:fillRef>
+          <a:effectRef idx="0">
+            <a:schemeClr val="accent1"/>
+          </a:effectRef>
+          <a:fontRef idx="minor">
+            <a:schemeClr val="lt1"/>
+          </a:fontRef>
+        </p:style>
+        <p:txBody>
+          <a:bodyPr rtlCol="0" anchor="ctr"/>
+          <a:lstStyle/>
+          <a:p>
+            <a:pPr algn="ctr"/>
             <a:endParaRPr lang="en-US"/>
           </a:p>
         </p:txBody>
@@ -1205,6 +1671,122 @@
           <a:chExt cx="0" cy="0"/>
         </a:xfrm>
       </p:grpSpPr>
+      <p:grpSp>
+        <p:nvGrpSpPr>
+          <p:cNvPr id="7" name="Group 6"/>
+          <p:cNvGrpSpPr/>
+          <p:nvPr userDrawn="1"/>
+        </p:nvGrpSpPr>
+        <p:grpSpPr>
+          <a:xfrm>
+            <a:off x="623888" y="2057400"/>
+            <a:ext cx="2918618" cy="1558926"/>
+            <a:chOff x="0" y="-14288"/>
+            <a:chExt cx="6705600" cy="5284788"/>
+          </a:xfrm>
+          <a:noFill/>
+        </p:grpSpPr>
+        <p:sp>
+          <p:nvSpPr>
+            <p:cNvPr id="8" name="Chevron 7"/>
+            <p:cNvSpPr/>
+            <p:nvPr userDrawn="1"/>
+          </p:nvSpPr>
+          <p:spPr>
+            <a:xfrm>
+              <a:off x="0" y="-14288"/>
+              <a:ext cx="4495800" cy="4052887"/>
+            </a:xfrm>
+            <a:prstGeom prst="chevron">
+              <a:avLst/>
+            </a:prstGeom>
+            <a:grpFill/>
+            <a:ln>
+              <a:solidFill>
+                <a:srgbClr val="FF1111"/>
+              </a:solidFill>
+            </a:ln>
+          </p:spPr>
+          <p:style>
+            <a:lnRef idx="2">
+              <a:schemeClr val="accent1">
+                <a:shade val="50000"/>
+              </a:schemeClr>
+            </a:lnRef>
+            <a:fillRef idx="1">
+              <a:schemeClr val="accent1"/>
+            </a:fillRef>
+            <a:effectRef idx="0">
+              <a:schemeClr val="accent1"/>
+            </a:effectRef>
+            <a:fontRef idx="minor">
+              <a:schemeClr val="lt1"/>
+            </a:fontRef>
+          </p:style>
+          <p:txBody>
+            <a:bodyPr rtlCol="0" anchor="ctr"/>
+            <a:lstStyle/>
+            <a:p>
+              <a:pPr algn="ctr"/>
+              <a:endParaRPr lang="en-US">
+                <a:solidFill>
+                  <a:schemeClr val="tx1"/>
+                </a:solidFill>
+              </a:endParaRPr>
+            </a:p>
+          </p:txBody>
+        </p:sp>
+        <p:sp>
+          <p:nvSpPr>
+            <p:cNvPr id="9" name="Chevron 8"/>
+            <p:cNvSpPr/>
+            <p:nvPr userDrawn="1"/>
+          </p:nvSpPr>
+          <p:spPr>
+            <a:xfrm>
+              <a:off x="4953000" y="3522663"/>
+              <a:ext cx="1752600" cy="1747837"/>
+            </a:xfrm>
+            <a:prstGeom prst="chevron">
+              <a:avLst/>
+            </a:prstGeom>
+            <a:grpFill/>
+            <a:ln>
+              <a:solidFill>
+                <a:srgbClr val="FF1111"/>
+              </a:solidFill>
+            </a:ln>
+          </p:spPr>
+          <p:style>
+            <a:lnRef idx="2">
+              <a:schemeClr val="accent1">
+                <a:shade val="50000"/>
+              </a:schemeClr>
+            </a:lnRef>
+            <a:fillRef idx="1">
+              <a:schemeClr val="accent1"/>
+            </a:fillRef>
+            <a:effectRef idx="0">
+              <a:schemeClr val="accent1"/>
+            </a:effectRef>
+            <a:fontRef idx="minor">
+              <a:schemeClr val="lt1"/>
+            </a:fontRef>
+          </p:style>
+          <p:txBody>
+            <a:bodyPr rtlCol="0" anchor="ctr"/>
+            <a:lstStyle/>
+            <a:p>
+              <a:pPr algn="ctr"/>
+              <a:endParaRPr lang="en-US">
+                <a:solidFill>
+                  <a:schemeClr val="tx1"/>
+                </a:solidFill>
+              </a:endParaRPr>
+            </a:p>
+          </p:txBody>
+        </p:sp>
+      </p:grpSp>
       <p:sp>
         <p:nvSpPr>
           <p:cNvPr id="2" name="Title 1"/>
@@ -1225,15 +1807,19 @@
           <a:bodyPr anchor="b"/>
           <a:lstStyle>
             <a:lvl1pPr>
-              <a:defRPr sz="4500"/>
+              <a:defRPr sz="4500" b="1">
+                <a:latin typeface="Verdana" panose="020B0604030504040204" pitchFamily="34" charset="0"/>
+                <a:ea typeface="Verdana" panose="020B0604030504040204" pitchFamily="34" charset="0"/>
+                <a:cs typeface="Verdana" panose="020B0604030504040204" pitchFamily="34" charset="0"/>
+              </a:defRPr>
             </a:lvl1pPr>
           </a:lstStyle>
           <a:p>
             <a:r>
-              <a:rPr lang="en-US" smtClean="0"/>
+              <a:rPr lang="en-US" dirty="0" smtClean="0"/>
               <a:t>Click to edit Master title style</a:t>
             </a:r>
-            <a:endParaRPr lang="en-US"/>
+            <a:endParaRPr lang="en-US" dirty="0"/>
           </a:p>
         </p:txBody>
       </p:sp>
@@ -1264,6 +1850,8 @@
                     <a:tint val="75000"/>
                   </a:schemeClr>
                 </a:solidFill>
+                <a:latin typeface="Arial" panose="020B0604020202020204" pitchFamily="34" charset="0"/>
+                <a:cs typeface="Arial" panose="020B0604020202020204" pitchFamily="34" charset="0"/>
               </a:defRPr>
             </a:lvl1pPr>
             <a:lvl2pPr marL="342900" indent="0">
@@ -1350,7 +1938,7 @@
           <a:p>
             <a:pPr lvl="0"/>
             <a:r>
-              <a:rPr lang="en-US" smtClean="0"/>
+              <a:rPr lang="en-US" dirty="0" smtClean="0"/>
               <a:t>Click to edit Master text styles</a:t>
             </a:r>
           </a:p>
@@ -1421,6 +2009,41 @@
           </a:p>
         </p:txBody>
       </p:sp>
+      <p:cxnSp>
+        <p:nvCxnSpPr>
+          <p:cNvPr id="11" name="Straight Connector 10"/>
+          <p:cNvCxnSpPr/>
+          <p:nvPr userDrawn="1"/>
+        </p:nvCxnSpPr>
+        <p:spPr>
+          <a:xfrm>
+            <a:off x="623888" y="4562476"/>
+            <a:ext cx="6691312" cy="0"/>
+          </a:xfrm>
+          <a:prstGeom prst="line">
+            <a:avLst/>
+          </a:prstGeom>
+          <a:ln>
+            <a:solidFill>
+              <a:srgbClr val="FF1111"/>
+            </a:solidFill>
+          </a:ln>
+        </p:spPr>
+        <p:style>
+          <a:lnRef idx="1">
+            <a:schemeClr val="accent1"/>
+          </a:lnRef>
+          <a:fillRef idx="0">
+            <a:schemeClr val="accent1"/>
+          </a:fillRef>
+          <a:effectRef idx="0">
+            <a:schemeClr val="accent1"/>
+          </a:effectRef>
+          <a:fontRef idx="minor">
+            <a:schemeClr val="tx1"/>
+          </a:fontRef>
+        </p:style>
+      </p:cxnSp>
     </p:spTree>
     <p:extLst>
       <p:ext uri="{BB962C8B-B14F-4D97-AF65-F5344CB8AC3E}">
@@ -3349,17 +3972,33 @@
           <a:lstStyle/>
           <a:p>
             <a:r>
-              <a:rPr lang="en-US" dirty="0" smtClean="0"/>
+              <a:rPr lang="en-US" b="1" dirty="0" smtClean="0">
+                <a:latin typeface="Verdana" panose="020B0604030504040204" pitchFamily="34" charset="0"/>
+                <a:ea typeface="Verdana" panose="020B0604030504040204" pitchFamily="34" charset="0"/>
+                <a:cs typeface="Verdana" panose="020B0604030504040204" pitchFamily="34" charset="0"/>
+              </a:rPr>
               <a:t>KỸ NGHỆ PHẦN MỀM </a:t>
             </a:r>
             <a:br>
-              <a:rPr lang="en-US" dirty="0" smtClean="0"/>
+              <a:rPr lang="en-US" b="1" dirty="0" smtClean="0">
+                <a:latin typeface="Verdana" panose="020B0604030504040204" pitchFamily="34" charset="0"/>
+                <a:ea typeface="Verdana" panose="020B0604030504040204" pitchFamily="34" charset="0"/>
+                <a:cs typeface="Verdana" panose="020B0604030504040204" pitchFamily="34" charset="0"/>
+              </a:rPr>
             </a:br>
             <a:r>
-              <a:rPr lang="en-US" dirty="0" smtClean="0"/>
+              <a:rPr lang="en-US" b="1" dirty="0" smtClean="0">
+                <a:latin typeface="Verdana" panose="020B0604030504040204" pitchFamily="34" charset="0"/>
+                <a:ea typeface="Verdana" panose="020B0604030504040204" pitchFamily="34" charset="0"/>
+                <a:cs typeface="Verdana" panose="020B0604030504040204" pitchFamily="34" charset="0"/>
+              </a:rPr>
               <a:t>NÂNG CAO</a:t>
             </a:r>
-            <a:endParaRPr lang="en-US" dirty="0"/>
+            <a:endParaRPr lang="en-US" b="1" dirty="0">
+              <a:latin typeface="Verdana" panose="020B0604030504040204" pitchFamily="34" charset="0"/>
+              <a:ea typeface="Verdana" panose="020B0604030504040204" pitchFamily="34" charset="0"/>
+              <a:cs typeface="Verdana" panose="020B0604030504040204" pitchFamily="34" charset="0"/>
+            </a:endParaRPr>
           </a:p>
         </p:txBody>
       </p:sp>
@@ -3378,7 +4017,17 @@
           <a:bodyPr/>
           <a:lstStyle/>
           <a:p>
-            <a:endParaRPr lang="en-US" dirty="0"/>
+            <a:r>
+              <a:rPr lang="en-US" dirty="0" smtClean="0">
+                <a:latin typeface="Arial" panose="020B0604020202020204" pitchFamily="34" charset="0"/>
+                <a:cs typeface="Arial" panose="020B0604020202020204" pitchFamily="34" charset="0"/>
+              </a:rPr>
+              <a:t>(ueh-k22)</a:t>
+            </a:r>
+            <a:endParaRPr lang="en-US" dirty="0">
+              <a:latin typeface="Arial" panose="020B0604020202020204" pitchFamily="34" charset="0"/>
+              <a:cs typeface="Arial" panose="020B0604020202020204" pitchFamily="34" charset="0"/>
+            </a:endParaRPr>
           </a:p>
         </p:txBody>
       </p:sp>
@@ -3392,6 +4041,251 @@
   <p:clrMapOvr>
     <a:masterClrMapping/>
   </p:clrMapOvr>
+  <p:timing>
+    <p:tnLst>
+      <p:par>
+        <p:cTn id="1" dur="indefinite" restart="never" nodeType="tmRoot"/>
+      </p:par>
+    </p:tnLst>
+  </p:timing>
+</p:sld>
+</file>
+
+<file path=ppt/slides/slide2.xml><?xml version="1.0" encoding="utf-8"?>
+<p:sld xmlns:a="http://schemas.openxmlformats.org/drawingml/2006/main" xmlns:r="http://schemas.openxmlformats.org/officeDocument/2006/relationships" xmlns:p="http://schemas.openxmlformats.org/presentationml/2006/main">
+  <p:cSld>
+    <p:spTree>
+      <p:nvGrpSpPr>
+        <p:cNvPr id="1" name=""/>
+        <p:cNvGrpSpPr/>
+        <p:nvPr/>
+      </p:nvGrpSpPr>
+      <p:grpSpPr>
+        <a:xfrm>
+          <a:off x="0" y="0"/>
+          <a:ext cx="0" cy="0"/>
+          <a:chOff x="0" y="0"/>
+          <a:chExt cx="0" cy="0"/>
+        </a:xfrm>
+      </p:grpSpPr>
+      <p:sp>
+        <p:nvSpPr>
+          <p:cNvPr id="2" name="Title 1"/>
+          <p:cNvSpPr>
+            <a:spLocks noGrp="1"/>
+          </p:cNvSpPr>
+          <p:nvPr>
+            <p:ph type="title"/>
+          </p:nvPr>
+        </p:nvSpPr>
+        <p:spPr/>
+        <p:txBody>
+          <a:bodyPr/>
+          <a:lstStyle/>
+          <a:p>
+            <a:r>
+              <a:rPr lang="en-US" b="1" dirty="0" smtClean="0">
+                <a:latin typeface="Verdana" panose="020B0604030504040204" pitchFamily="34" charset="0"/>
+                <a:ea typeface="Verdana" panose="020B0604030504040204" pitchFamily="34" charset="0"/>
+                <a:cs typeface="Verdana" panose="020B0604030504040204" pitchFamily="34" charset="0"/>
+              </a:rPr>
+              <a:t>YÊU CẦU PHẦN MỀM</a:t>
+            </a:r>
+            <a:endParaRPr lang="en-US" b="1" dirty="0">
+              <a:latin typeface="Verdana" panose="020B0604030504040204" pitchFamily="34" charset="0"/>
+              <a:ea typeface="Verdana" panose="020B0604030504040204" pitchFamily="34" charset="0"/>
+              <a:cs typeface="Verdana" panose="020B0604030504040204" pitchFamily="34" charset="0"/>
+            </a:endParaRPr>
+          </a:p>
+        </p:txBody>
+      </p:sp>
+      <p:sp>
+        <p:nvSpPr>
+          <p:cNvPr id="3" name="Text Placeholder 2"/>
+          <p:cNvSpPr>
+            <a:spLocks noGrp="1"/>
+          </p:cNvSpPr>
+          <p:nvPr>
+            <p:ph type="body" idx="1"/>
+          </p:nvPr>
+        </p:nvSpPr>
+        <p:spPr/>
+        <p:txBody>
+          <a:bodyPr/>
+          <a:lstStyle/>
+          <a:p>
+            <a:r>
+              <a:rPr lang="en-US" dirty="0" smtClean="0">
+                <a:latin typeface="Verdana" panose="020B0604030504040204" pitchFamily="34" charset="0"/>
+                <a:ea typeface="Verdana" panose="020B0604030504040204" pitchFamily="34" charset="0"/>
+                <a:cs typeface="Verdana" panose="020B0604030504040204" pitchFamily="34" charset="0"/>
+              </a:rPr>
+              <a:t>CHƯƠNG 1</a:t>
+            </a:r>
+            <a:endParaRPr lang="en-US" dirty="0">
+              <a:latin typeface="Verdana" panose="020B0604030504040204" pitchFamily="34" charset="0"/>
+              <a:ea typeface="Verdana" panose="020B0604030504040204" pitchFamily="34" charset="0"/>
+              <a:cs typeface="Verdana" panose="020B0604030504040204" pitchFamily="34" charset="0"/>
+            </a:endParaRPr>
+          </a:p>
+        </p:txBody>
+      </p:sp>
+    </p:spTree>
+    <p:extLst>
+      <p:ext uri="{BB962C8B-B14F-4D97-AF65-F5344CB8AC3E}">
+        <p14:creationId xmlns:p14="http://schemas.microsoft.com/office/powerpoint/2010/main" val="1950466467"/>
+      </p:ext>
+    </p:extLst>
+  </p:cSld>
+  <p:clrMapOvr>
+    <a:masterClrMapping/>
+  </p:clrMapOvr>
+  <p:timing>
+    <p:tnLst>
+      <p:par>
+        <p:cTn id="1" dur="indefinite" restart="never" nodeType="tmRoot"/>
+      </p:par>
+    </p:tnLst>
+  </p:timing>
+</p:sld>
+</file>
+
+<file path=ppt/slides/slide3.xml><?xml version="1.0" encoding="utf-8"?>
+<p:sld xmlns:a="http://schemas.openxmlformats.org/drawingml/2006/main" xmlns:r="http://schemas.openxmlformats.org/officeDocument/2006/relationships" xmlns:p="http://schemas.openxmlformats.org/presentationml/2006/main">
+  <p:cSld>
+    <p:spTree>
+      <p:nvGrpSpPr>
+        <p:cNvPr id="1" name=""/>
+        <p:cNvGrpSpPr/>
+        <p:nvPr/>
+      </p:nvGrpSpPr>
+      <p:grpSpPr>
+        <a:xfrm>
+          <a:off x="0" y="0"/>
+          <a:ext cx="0" cy="0"/>
+          <a:chOff x="0" y="0"/>
+          <a:chExt cx="0" cy="0"/>
+        </a:xfrm>
+      </p:grpSpPr>
+      <p:sp>
+        <p:nvSpPr>
+          <p:cNvPr id="2" name="Title 1"/>
+          <p:cNvSpPr>
+            <a:spLocks noGrp="1"/>
+          </p:cNvSpPr>
+          <p:nvPr>
+            <p:ph type="title"/>
+          </p:nvPr>
+        </p:nvSpPr>
+        <p:spPr/>
+        <p:txBody>
+          <a:bodyPr/>
+          <a:lstStyle/>
+          <a:p>
+            <a:r>
+              <a:rPr lang="en-US" dirty="0" smtClean="0"/>
+              <a:t>Thuật ngữ thường dùng</a:t>
+            </a:r>
+            <a:endParaRPr lang="en-US" dirty="0"/>
+          </a:p>
+        </p:txBody>
+      </p:sp>
+      <p:sp>
+        <p:nvSpPr>
+          <p:cNvPr id="3" name="Content Placeholder 2"/>
+          <p:cNvSpPr>
+            <a:spLocks noGrp="1"/>
+          </p:cNvSpPr>
+          <p:nvPr>
+            <p:ph idx="1"/>
+          </p:nvPr>
+        </p:nvSpPr>
+        <p:spPr/>
+        <p:txBody>
+          <a:bodyPr>
+            <a:normAutofit/>
+          </a:bodyPr>
+          <a:lstStyle/>
+          <a:p>
+            <a:r>
+              <a:rPr lang="vi-VN" sz="1800" b="1" dirty="0" smtClean="0"/>
+              <a:t>CIA: </a:t>
+            </a:r>
+            <a:r>
+              <a:rPr lang="vi-VN" sz="1800" dirty="0" smtClean="0"/>
+              <a:t>Confidentiality, Integrity, and Availability(Độ tin cậy, Tính toàn vẹn, tính tiện lợi)</a:t>
+            </a:r>
+          </a:p>
+          <a:p>
+            <a:r>
+              <a:rPr lang="vi-VN" sz="1800" b="1" dirty="0" smtClean="0"/>
+              <a:t>DAG: </a:t>
+            </a:r>
+            <a:r>
+              <a:rPr lang="vi-VN" sz="1800" dirty="0" smtClean="0"/>
+              <a:t>Directed Acyclic Graph (Đồ thị có hướng và không có chu trình)</a:t>
+            </a:r>
+          </a:p>
+          <a:p>
+            <a:r>
+              <a:rPr lang="vi-VN" sz="1800" b="1" dirty="0" smtClean="0"/>
+              <a:t>FSM: </a:t>
+            </a:r>
+            <a:r>
+              <a:rPr lang="vi-VN" sz="1800" dirty="0" smtClean="0"/>
+              <a:t>Functional Size Measurement (Thước đo chức năng)</a:t>
+            </a:r>
+          </a:p>
+          <a:p>
+            <a:r>
+              <a:rPr lang="vi-VN" sz="1800" b="1" dirty="0" smtClean="0"/>
+              <a:t>INCOSE: </a:t>
+            </a:r>
+            <a:r>
+              <a:rPr lang="vi-VN" sz="1800" dirty="0" smtClean="0"/>
+              <a:t>International Council on Systems Engineering ()</a:t>
+            </a:r>
+          </a:p>
+          <a:p>
+            <a:r>
+              <a:rPr lang="vi-VN" sz="1800" b="1" dirty="0" smtClean="0"/>
+              <a:t>UML: </a:t>
+            </a:r>
+            <a:r>
+              <a:rPr lang="vi-VN" sz="1800" dirty="0" smtClean="0"/>
+              <a:t>Unified Modeling Language (Ngôn ngữ mô hình hóa)</a:t>
+            </a:r>
+          </a:p>
+          <a:p>
+            <a:r>
+              <a:rPr lang="vi-VN" sz="1800" b="1" dirty="0" smtClean="0"/>
+              <a:t>SysML: </a:t>
+            </a:r>
+            <a:r>
+              <a:rPr lang="vi-VN" sz="1800" dirty="0" smtClean="0"/>
+              <a:t>Systems Modeling Language (Ngôn ngữ mô hình hóa hệ thống)</a:t>
+            </a:r>
+            <a:endParaRPr lang="en-US" sz="1800" dirty="0"/>
+          </a:p>
+        </p:txBody>
+      </p:sp>
+    </p:spTree>
+    <p:extLst>
+      <p:ext uri="{BB962C8B-B14F-4D97-AF65-F5344CB8AC3E}">
+        <p14:creationId xmlns:p14="http://schemas.microsoft.com/office/powerpoint/2010/main" val="3308265844"/>
+      </p:ext>
+    </p:extLst>
+  </p:cSld>
+  <p:clrMapOvr>
+    <a:masterClrMapping/>
+  </p:clrMapOvr>
+  <p:timing>
+    <p:tnLst>
+      <p:par>
+        <p:cTn id="1" dur="indefinite" restart="never" nodeType="tmRoot"/>
+      </p:par>
+    </p:tnLst>
+  </p:timing>
 </p:sld>
 </file>
 

--- a/slide/dev/chapter_1/slide.pptx
+++ b/slide/dev/chapter_1/slide.pptx
@@ -5,12 +5,14 @@
     <p:sldMasterId id="2147483703" r:id="rId2"/>
   </p:sldMasterIdLst>
   <p:notesMasterIdLst>
-    <p:notesMasterId r:id="rId6"/>
+    <p:notesMasterId r:id="rId8"/>
   </p:notesMasterIdLst>
   <p:sldIdLst>
     <p:sldId id="256" r:id="rId3"/>
     <p:sldId id="257" r:id="rId4"/>
     <p:sldId id="258" r:id="rId5"/>
+    <p:sldId id="259" r:id="rId6"/>
+    <p:sldId id="260" r:id="rId7"/>
   </p:sldIdLst>
   <p:sldSz cx="9144000" cy="6858000" type="screen4x3"/>
   <p:notesSz cx="6858000" cy="9144000"/>
@@ -4273,6 +4275,267 @@
     <p:extLst>
       <p:ext uri="{BB962C8B-B14F-4D97-AF65-F5344CB8AC3E}">
         <p14:creationId xmlns:p14="http://schemas.microsoft.com/office/powerpoint/2010/main" val="3308265844"/>
+      </p:ext>
+    </p:extLst>
+  </p:cSld>
+  <p:clrMapOvr>
+    <a:masterClrMapping/>
+  </p:clrMapOvr>
+  <p:timing>
+    <p:tnLst>
+      <p:par>
+        <p:cTn id="1" dur="indefinite" restart="never" nodeType="tmRoot"/>
+      </p:par>
+    </p:tnLst>
+  </p:timing>
+</p:sld>
+</file>
+
+<file path=ppt/slides/slide4.xml><?xml version="1.0" encoding="utf-8"?>
+<p:sld xmlns:a="http://schemas.openxmlformats.org/drawingml/2006/main" xmlns:r="http://schemas.openxmlformats.org/officeDocument/2006/relationships" xmlns:p="http://schemas.openxmlformats.org/presentationml/2006/main">
+  <p:cSld>
+    <p:spTree>
+      <p:nvGrpSpPr>
+        <p:cNvPr id="1" name=""/>
+        <p:cNvGrpSpPr/>
+        <p:nvPr/>
+      </p:nvGrpSpPr>
+      <p:grpSpPr>
+        <a:xfrm>
+          <a:off x="0" y="0"/>
+          <a:ext cx="0" cy="0"/>
+          <a:chOff x="0" y="0"/>
+          <a:chExt cx="0" cy="0"/>
+        </a:xfrm>
+      </p:grpSpPr>
+      <p:sp>
+        <p:nvSpPr>
+          <p:cNvPr id="2" name="Title 1"/>
+          <p:cNvSpPr>
+            <a:spLocks noGrp="1"/>
+          </p:cNvSpPr>
+          <p:nvPr>
+            <p:ph type="title"/>
+          </p:nvPr>
+        </p:nvSpPr>
+        <p:spPr/>
+        <p:txBody>
+          <a:bodyPr/>
+          <a:lstStyle/>
+          <a:p>
+            <a:r>
+              <a:rPr lang="en-US" dirty="0" smtClean="0"/>
+              <a:t>Định nghĩa</a:t>
+            </a:r>
+            <a:endParaRPr lang="en-US" dirty="0"/>
+          </a:p>
+        </p:txBody>
+      </p:sp>
+      <p:sp>
+        <p:nvSpPr>
+          <p:cNvPr id="3" name="Content Placeholder 2"/>
+          <p:cNvSpPr>
+            <a:spLocks noGrp="1"/>
+          </p:cNvSpPr>
+          <p:nvPr>
+            <p:ph idx="1"/>
+          </p:nvPr>
+        </p:nvSpPr>
+        <p:spPr/>
+        <p:txBody>
+          <a:bodyPr>
+            <a:normAutofit/>
+          </a:bodyPr>
+          <a:lstStyle/>
+          <a:p>
+            <a:r>
+              <a:rPr lang="vi-VN" sz="1800" dirty="0" smtClean="0"/>
+              <a:t>Yêu cầu cho 1 phần mềm cụ thể là tổng hợp những yêu cầu từ nhiều người khác nhau về tổ chức, mức độ chuyên môn và mức độ tham gia, tương tác với phần mềm trong môi trường hoạt động của nó.</a:t>
+            </a:r>
+            <a:endParaRPr lang="en-US" sz="1800" dirty="0" smtClean="0"/>
+          </a:p>
+          <a:p>
+            <a:endParaRPr lang="vi-VN" sz="1800" dirty="0" smtClean="0"/>
+          </a:p>
+          <a:p>
+            <a:r>
+              <a:rPr lang="vi-VN" sz="1800" dirty="0" smtClean="0"/>
+              <a:t>Có thể kiểm chứng một cách riêng rẽ ở mức chức năng(yêu cầu chức năng) hoặc mức hệ thống(yêu cầu phi chức năng)</a:t>
+            </a:r>
+            <a:endParaRPr lang="en-US" sz="1800" dirty="0" smtClean="0"/>
+          </a:p>
+          <a:p>
+            <a:endParaRPr lang="vi-VN" sz="1800" dirty="0" smtClean="0"/>
+          </a:p>
+          <a:p>
+            <a:r>
+              <a:rPr lang="vi-VN" sz="1800" dirty="0" smtClean="0"/>
+              <a:t>Cung cấp các chỉ số đánh giá độ ưu tiên về các mặt khi cân nhắc về nguồn tài nguyên.</a:t>
+            </a:r>
+            <a:endParaRPr lang="en-US" sz="1800" dirty="0" smtClean="0"/>
+          </a:p>
+          <a:p>
+            <a:endParaRPr lang="vi-VN" sz="1800" dirty="0" smtClean="0"/>
+          </a:p>
+          <a:p>
+            <a:r>
+              <a:rPr lang="vi-VN" sz="1800" dirty="0" smtClean="0"/>
+              <a:t>Cung cấp các giá trị trạng thái để theo dõi tiến độ của dự án.</a:t>
+            </a:r>
+            <a:endParaRPr lang="en-US" sz="1800" dirty="0"/>
+          </a:p>
+        </p:txBody>
+      </p:sp>
+    </p:spTree>
+    <p:extLst>
+      <p:ext uri="{BB962C8B-B14F-4D97-AF65-F5344CB8AC3E}">
+        <p14:creationId xmlns:p14="http://schemas.microsoft.com/office/powerpoint/2010/main" val="3595968956"/>
+      </p:ext>
+    </p:extLst>
+  </p:cSld>
+  <p:clrMapOvr>
+    <a:masterClrMapping/>
+  </p:clrMapOvr>
+  <p:timing>
+    <p:tnLst>
+      <p:par>
+        <p:cTn id="1" dur="indefinite" restart="never" nodeType="tmRoot"/>
+      </p:par>
+    </p:tnLst>
+  </p:timing>
+</p:sld>
+</file>
+
+<file path=ppt/slides/slide5.xml><?xml version="1.0" encoding="utf-8"?>
+<p:sld xmlns:a="http://schemas.openxmlformats.org/drawingml/2006/main" xmlns:r="http://schemas.openxmlformats.org/officeDocument/2006/relationships" xmlns:p="http://schemas.openxmlformats.org/presentationml/2006/main">
+  <p:cSld>
+    <p:spTree>
+      <p:nvGrpSpPr>
+        <p:cNvPr id="1" name=""/>
+        <p:cNvGrpSpPr/>
+        <p:nvPr/>
+      </p:nvGrpSpPr>
+      <p:grpSpPr>
+        <a:xfrm>
+          <a:off x="0" y="0"/>
+          <a:ext cx="0" cy="0"/>
+          <a:chOff x="0" y="0"/>
+          <a:chExt cx="0" cy="0"/>
+        </a:xfrm>
+      </p:grpSpPr>
+      <p:sp>
+        <p:nvSpPr>
+          <p:cNvPr id="2" name="Title 1"/>
+          <p:cNvSpPr>
+            <a:spLocks noGrp="1"/>
+          </p:cNvSpPr>
+          <p:nvPr>
+            <p:ph type="title"/>
+          </p:nvPr>
+        </p:nvSpPr>
+        <p:spPr/>
+        <p:txBody>
+          <a:bodyPr/>
+          <a:lstStyle/>
+          <a:p>
+            <a:r>
+              <a:rPr lang="en-US" dirty="0" smtClean="0"/>
+              <a:t>Phân loại</a:t>
+            </a:r>
+            <a:endParaRPr lang="en-US" dirty="0"/>
+          </a:p>
+        </p:txBody>
+      </p:sp>
+      <p:sp>
+        <p:nvSpPr>
+          <p:cNvPr id="3" name="Content Placeholder 2"/>
+          <p:cNvSpPr>
+            <a:spLocks noGrp="1"/>
+          </p:cNvSpPr>
+          <p:nvPr>
+            <p:ph idx="1"/>
+          </p:nvPr>
+        </p:nvSpPr>
+        <p:spPr/>
+        <p:txBody>
+          <a:bodyPr/>
+          <a:lstStyle/>
+          <a:p>
+            <a:r>
+              <a:rPr lang="vi-VN" sz="2000" b="1" dirty="0" smtClean="0"/>
+              <a:t>Theo sản phẩm và tiến trình</a:t>
+            </a:r>
+          </a:p>
+          <a:p>
+            <a:pPr lvl="1">
+              <a:buFont typeface="Wingdings" panose="05000000000000000000" pitchFamily="2" charset="2"/>
+              <a:buChar char="Ø"/>
+            </a:pPr>
+            <a:r>
+              <a:rPr lang="vi-VN" sz="1600" dirty="0" smtClean="0"/>
+              <a:t>Yêu cầu sản phẩm: là những đòi hỏi hay ràng buộc mà phần mềm phải thực hiện.</a:t>
+            </a:r>
+            <a:endParaRPr lang="en-US" sz="1600" dirty="0" smtClean="0"/>
+          </a:p>
+          <a:p>
+            <a:pPr lvl="1">
+              <a:buFont typeface="Wingdings" panose="05000000000000000000" pitchFamily="2" charset="2"/>
+              <a:buChar char="Ø"/>
+            </a:pPr>
+            <a:endParaRPr lang="en-US" sz="1600" dirty="0"/>
+          </a:p>
+          <a:p>
+            <a:pPr lvl="1">
+              <a:buFont typeface="Wingdings" panose="05000000000000000000" pitchFamily="2" charset="2"/>
+              <a:buChar char="Ø"/>
+            </a:pPr>
+            <a:r>
+              <a:rPr lang="vi-VN" sz="1600" dirty="0" smtClean="0"/>
+              <a:t>Yêu cầu tiến trình: là những ràng buộc liên quan đến việc phát triển phần mềm đó(quy trình, đối tác kiểm thử, phân tích, kĩ thuật sử dụng,...).</a:t>
+            </a:r>
+          </a:p>
+          <a:p>
+            <a:r>
+              <a:rPr lang="vi-VN" sz="2000" b="1" dirty="0" smtClean="0"/>
+              <a:t>Theo chức năng</a:t>
+            </a:r>
+            <a:endParaRPr lang="en-US" sz="2000" b="1" dirty="0" smtClean="0"/>
+          </a:p>
+          <a:p>
+            <a:pPr lvl="1">
+              <a:buFont typeface="Wingdings" panose="05000000000000000000" pitchFamily="2" charset="2"/>
+              <a:buChar char="Ø"/>
+            </a:pPr>
+            <a:r>
+              <a:rPr lang="vi-VN" sz="1600" dirty="0" smtClean="0"/>
+              <a:t>Yêu cầu chức năng: đặc tả các chức năng mà phần mềm phải thực hiện.</a:t>
+            </a:r>
+            <a:endParaRPr lang="en-US" sz="1600" dirty="0" smtClean="0"/>
+          </a:p>
+          <a:p>
+            <a:pPr lvl="1">
+              <a:buFont typeface="Wingdings" panose="05000000000000000000" pitchFamily="2" charset="2"/>
+              <a:buChar char="Ø"/>
+            </a:pPr>
+            <a:endParaRPr lang="en-US" sz="1600" dirty="0" smtClean="0"/>
+          </a:p>
+          <a:p>
+            <a:pPr lvl="1">
+              <a:buFont typeface="Wingdings" panose="05000000000000000000" pitchFamily="2" charset="2"/>
+              <a:buChar char="Ø"/>
+            </a:pPr>
+            <a:r>
+              <a:rPr lang="vi-VN" sz="1600" dirty="0" smtClean="0"/>
+              <a:t>Yêu cầu phi chức năng: là các ràng buộc về giải pháp và chất lượng(hiệu năng, việc bảo trì, độ an toàn, bảo mật,...).</a:t>
+            </a:r>
+            <a:endParaRPr lang="en-US" sz="1600" dirty="0"/>
+          </a:p>
+        </p:txBody>
+      </p:sp>
+    </p:spTree>
+    <p:extLst>
+      <p:ext uri="{BB962C8B-B14F-4D97-AF65-F5344CB8AC3E}">
+        <p14:creationId xmlns:p14="http://schemas.microsoft.com/office/powerpoint/2010/main" val="938023546"/>
       </p:ext>
     </p:extLst>
   </p:cSld>

--- a/slide/dev/chapter_1/slide.pptx
+++ b/slide/dev/chapter_1/slide.pptx
@@ -5,7 +5,7 @@
     <p:sldMasterId id="2147483703" r:id="rId2"/>
   </p:sldMasterIdLst>
   <p:notesMasterIdLst>
-    <p:notesMasterId r:id="rId8"/>
+    <p:notesMasterId r:id="rId11"/>
   </p:notesMasterIdLst>
   <p:sldIdLst>
     <p:sldId id="256" r:id="rId3"/>
@@ -13,6 +13,9 @@
     <p:sldId id="258" r:id="rId5"/>
     <p:sldId id="259" r:id="rId6"/>
     <p:sldId id="260" r:id="rId7"/>
+    <p:sldId id="261" r:id="rId8"/>
+    <p:sldId id="262" r:id="rId9"/>
+    <p:sldId id="263" r:id="rId10"/>
   </p:sldIdLst>
   <p:sldSz cx="9144000" cy="6858000" type="screen4x3"/>
   <p:notesSz cx="6858000" cy="9144000"/>
@@ -113,7 +116,7 @@
   </p:defaultTextStyle>
   <p:extLst>
     <p:ext uri="{EFAFB233-063F-42B5-8137-9DF3F51BA10A}">
-      <p15:sldGuideLst xmlns:p15="http://schemas.microsoft.com/office/powerpoint/2012/main">
+      <p15:sldGuideLst xmlns:p15="http://schemas.microsoft.com/office/powerpoint/2012/main" xmlns="">
         <p15:guide id="1" orient="horz" pos="2160">
           <p15:clr>
             <a:srgbClr val="A4A3A4"/>
@@ -212,7 +215,7 @@
           <a:p>
             <a:fld id="{BFB7A6A1-140E-4053-A62A-AFDAF6E6ECEB}" type="datetimeFigureOut">
               <a:rPr lang="en-US" smtClean="0"/>
-              <a:t>12/4/2015</a:t>
+              <a:t>12/5/2015</a:t>
             </a:fld>
             <a:endParaRPr lang="en-US"/>
           </a:p>
@@ -480,6 +483,112 @@
 </p:notesMaster>
 </file>
 
+<file path=ppt/notesSlides/notesSlide1.xml><?xml version="1.0" encoding="utf-8"?>
+<p:notes xmlns:a="http://schemas.openxmlformats.org/drawingml/2006/main" xmlns:r="http://schemas.openxmlformats.org/officeDocument/2006/relationships" xmlns:p="http://schemas.openxmlformats.org/presentationml/2006/main">
+  <p:cSld>
+    <p:spTree>
+      <p:nvGrpSpPr>
+        <p:cNvPr id="1" name=""/>
+        <p:cNvGrpSpPr/>
+        <p:nvPr/>
+      </p:nvGrpSpPr>
+      <p:grpSpPr>
+        <a:xfrm>
+          <a:off x="0" y="0"/>
+          <a:ext cx="0" cy="0"/>
+          <a:chOff x="0" y="0"/>
+          <a:chExt cx="0" cy="0"/>
+        </a:xfrm>
+      </p:grpSpPr>
+      <p:sp>
+        <p:nvSpPr>
+          <p:cNvPr id="2" name="Slide Image Placeholder 1"/>
+          <p:cNvSpPr>
+            <a:spLocks noGrp="1" noRot="1" noChangeAspect="1"/>
+          </p:cNvSpPr>
+          <p:nvPr>
+            <p:ph type="sldImg"/>
+          </p:nvPr>
+        </p:nvSpPr>
+        <p:spPr/>
+      </p:sp>
+      <p:sp>
+        <p:nvSpPr>
+          <p:cNvPr id="3" name="Notes Placeholder 2"/>
+          <p:cNvSpPr>
+            <a:spLocks noGrp="1"/>
+          </p:cNvSpPr>
+          <p:nvPr>
+            <p:ph type="body" idx="1"/>
+          </p:nvPr>
+        </p:nvSpPr>
+        <p:spPr/>
+        <p:txBody>
+          <a:bodyPr/>
+          <a:lstStyle/>
+          <a:p>
+            <a:r>
+              <a:rPr lang="vi-VN" dirty="0" smtClean="0"/>
+              <a:t>Nhằm mục đích:</a:t>
+            </a:r>
+          </a:p>
+          <a:p>
+            <a:r>
+              <a:rPr lang="vi-VN" dirty="0" smtClean="0"/>
+              <a:t>	Phát hiện và giải quyết xung đột giữa các yêu cầu</a:t>
+            </a:r>
+          </a:p>
+          <a:p>
+            <a:r>
+              <a:rPr lang="vi-VN" dirty="0" smtClean="0"/>
+              <a:t>	Tìm ra những giới hạn của phần mềm và cách phần mềm tương tác với tổ chức và môi trường hoạt động của nó.</a:t>
+            </a:r>
+          </a:p>
+          <a:p>
+            <a:r>
+              <a:rPr lang="vi-VN" dirty="0" smtClean="0"/>
+              <a:t>	Nghiên cứu các yêu cầu hệ thống để lấy được các yêu cầu phần mềm.</a:t>
+            </a:r>
+            <a:endParaRPr lang="en-US" dirty="0"/>
+          </a:p>
+        </p:txBody>
+      </p:sp>
+      <p:sp>
+        <p:nvSpPr>
+          <p:cNvPr id="4" name="Slide Number Placeholder 3"/>
+          <p:cNvSpPr>
+            <a:spLocks noGrp="1"/>
+          </p:cNvSpPr>
+          <p:nvPr>
+            <p:ph type="sldNum" sz="quarter" idx="10"/>
+          </p:nvPr>
+        </p:nvSpPr>
+        <p:spPr/>
+        <p:txBody>
+          <a:bodyPr/>
+          <a:lstStyle/>
+          <a:p>
+            <a:fld id="{D966B8C0-8F1E-47A8-9B24-9AB8E2F126D3}" type="slidenum">
+              <a:rPr lang="en-US" smtClean="0"/>
+              <a:t>6</a:t>
+            </a:fld>
+            <a:endParaRPr lang="en-US"/>
+          </a:p>
+        </p:txBody>
+      </p:sp>
+    </p:spTree>
+    <p:extLst>
+      <p:ext uri="{BB962C8B-B14F-4D97-AF65-F5344CB8AC3E}">
+        <p14:creationId xmlns:p14="http://schemas.microsoft.com/office/powerpoint/2010/main" val="1781774870"/>
+      </p:ext>
+    </p:extLst>
+  </p:cSld>
+  <p:clrMapOvr>
+    <a:masterClrMapping/>
+  </p:clrMapOvr>
+</p:notes>
+</file>
+
 <file path=ppt/slideLayouts/slideLayout1.xml><?xml version="1.0" encoding="utf-8"?>
 <p:sldLayout xmlns:a="http://schemas.openxmlformats.org/drawingml/2006/main" xmlns:r="http://schemas.openxmlformats.org/officeDocument/2006/relationships" xmlns:p="http://schemas.openxmlformats.org/presentationml/2006/main" type="title" preserve="1">
   <p:cSld name="Title Slide">
@@ -618,7 +727,7 @@
           <a:p>
             <a:fld id="{4CBCDE7C-CCB6-471C-9199-918A33307958}" type="datetimeFigureOut">
               <a:rPr lang="en-US" smtClean="0"/>
-              <a:t>12/4/2015</a:t>
+              <a:t>12/5/2015</a:t>
             </a:fld>
             <a:endParaRPr lang="en-US"/>
           </a:p>
@@ -1035,7 +1144,7 @@
           <a:p>
             <a:fld id="{4CBCDE7C-CCB6-471C-9199-918A33307958}" type="datetimeFigureOut">
               <a:rPr lang="en-US" smtClean="0"/>
-              <a:t>12/4/2015</a:t>
+              <a:t>12/5/2015</a:t>
             </a:fld>
             <a:endParaRPr lang="en-US"/>
           </a:p>
@@ -1215,7 +1324,7 @@
           <a:p>
             <a:fld id="{4CBCDE7C-CCB6-471C-9199-918A33307958}" type="datetimeFigureOut">
               <a:rPr lang="en-US" smtClean="0"/>
-              <a:t>12/4/2015</a:t>
+              <a:t>12/5/2015</a:t>
             </a:fld>
             <a:endParaRPr lang="en-US"/>
           </a:p>
@@ -1433,7 +1542,7 @@
           <a:p>
             <a:fld id="{4CBCDE7C-CCB6-471C-9199-918A33307958}" type="datetimeFigureOut">
               <a:rPr lang="en-US" smtClean="0"/>
-              <a:t>12/4/2015</a:t>
+              <a:t>12/5/2015</a:t>
             </a:fld>
             <a:endParaRPr lang="en-US"/>
           </a:p>
@@ -1963,7 +2072,7 @@
           <a:p>
             <a:fld id="{4CBCDE7C-CCB6-471C-9199-918A33307958}" type="datetimeFigureOut">
               <a:rPr lang="en-US" smtClean="0"/>
-              <a:t>12/4/2015</a:t>
+              <a:t>12/5/2015</a:t>
             </a:fld>
             <a:endParaRPr lang="en-US"/>
           </a:p>
@@ -2230,7 +2339,7 @@
           <a:p>
             <a:fld id="{4CBCDE7C-CCB6-471C-9199-918A33307958}" type="datetimeFigureOut">
               <a:rPr lang="en-US" smtClean="0"/>
-              <a:t>12/4/2015</a:t>
+              <a:t>12/5/2015</a:t>
             </a:fld>
             <a:endParaRPr lang="en-US"/>
           </a:p>
@@ -2597,7 +2706,7 @@
           <a:p>
             <a:fld id="{4CBCDE7C-CCB6-471C-9199-918A33307958}" type="datetimeFigureOut">
               <a:rPr lang="en-US" smtClean="0"/>
-              <a:t>12/4/2015</a:t>
+              <a:t>12/5/2015</a:t>
             </a:fld>
             <a:endParaRPr lang="en-US"/>
           </a:p>
@@ -2715,7 +2824,7 @@
           <a:p>
             <a:fld id="{4CBCDE7C-CCB6-471C-9199-918A33307958}" type="datetimeFigureOut">
               <a:rPr lang="en-US" smtClean="0"/>
-              <a:t>12/4/2015</a:t>
+              <a:t>12/5/2015</a:t>
             </a:fld>
             <a:endParaRPr lang="en-US"/>
           </a:p>
@@ -2810,7 +2919,7 @@
           <a:p>
             <a:fld id="{4CBCDE7C-CCB6-471C-9199-918A33307958}" type="datetimeFigureOut">
               <a:rPr lang="en-US" smtClean="0"/>
-              <a:t>12/4/2015</a:t>
+              <a:t>12/5/2015</a:t>
             </a:fld>
             <a:endParaRPr lang="en-US"/>
           </a:p>
@@ -3087,7 +3196,7 @@
           <a:p>
             <a:fld id="{4CBCDE7C-CCB6-471C-9199-918A33307958}" type="datetimeFigureOut">
               <a:rPr lang="en-US" smtClean="0"/>
-              <a:t>12/4/2015</a:t>
+              <a:t>12/5/2015</a:t>
             </a:fld>
             <a:endParaRPr lang="en-US"/>
           </a:p>
@@ -3340,7 +3449,7 @@
           <a:p>
             <a:fld id="{4CBCDE7C-CCB6-471C-9199-918A33307958}" type="datetimeFigureOut">
               <a:rPr lang="en-US" smtClean="0"/>
-              <a:t>12/4/2015</a:t>
+              <a:t>12/5/2015</a:t>
             </a:fld>
             <a:endParaRPr lang="en-US"/>
           </a:p>
@@ -3553,7 +3662,7 @@
           <a:p>
             <a:fld id="{4CBCDE7C-CCB6-471C-9199-918A33307958}" type="datetimeFigureOut">
               <a:rPr lang="en-US" smtClean="0"/>
-              <a:t>12/4/2015</a:t>
+              <a:t>12/5/2015</a:t>
             </a:fld>
             <a:endParaRPr lang="en-US"/>
           </a:p>
@@ -4552,6 +4661,822 @@
 </p:sld>
 </file>
 
+<file path=ppt/slides/slide6.xml><?xml version="1.0" encoding="utf-8"?>
+<p:sld xmlns:a="http://schemas.openxmlformats.org/drawingml/2006/main" xmlns:r="http://schemas.openxmlformats.org/officeDocument/2006/relationships" xmlns:p="http://schemas.openxmlformats.org/presentationml/2006/main">
+  <p:cSld>
+    <p:spTree>
+      <p:nvGrpSpPr>
+        <p:cNvPr id="1" name=""/>
+        <p:cNvGrpSpPr/>
+        <p:nvPr/>
+      </p:nvGrpSpPr>
+      <p:grpSpPr>
+        <a:xfrm>
+          <a:off x="0" y="0"/>
+          <a:ext cx="0" cy="0"/>
+          <a:chOff x="0" y="0"/>
+          <a:chExt cx="0" cy="0"/>
+        </a:xfrm>
+      </p:grpSpPr>
+      <p:sp>
+        <p:nvSpPr>
+          <p:cNvPr id="2" name="Title 1"/>
+          <p:cNvSpPr>
+            <a:spLocks noGrp="1"/>
+          </p:cNvSpPr>
+          <p:nvPr>
+            <p:ph type="title"/>
+          </p:nvPr>
+        </p:nvSpPr>
+        <p:spPr/>
+        <p:txBody>
+          <a:bodyPr/>
+          <a:lstStyle/>
+          <a:p>
+            <a:r>
+              <a:rPr lang="en-US" dirty="0" err="1" smtClean="0"/>
+              <a:t>Phân</a:t>
+            </a:r>
+            <a:r>
+              <a:rPr lang="en-US" dirty="0" smtClean="0"/>
+              <a:t> </a:t>
+            </a:r>
+            <a:r>
+              <a:rPr lang="en-US" dirty="0" err="1" smtClean="0"/>
+              <a:t>tích</a:t>
+            </a:r>
+            <a:r>
+              <a:rPr lang="en-US" dirty="0" smtClean="0"/>
+              <a:t> </a:t>
+            </a:r>
+            <a:r>
+              <a:rPr lang="en-US" dirty="0" err="1" smtClean="0"/>
+              <a:t>yêu</a:t>
+            </a:r>
+            <a:r>
+              <a:rPr lang="en-US" dirty="0" smtClean="0"/>
+              <a:t> </a:t>
+            </a:r>
+            <a:r>
+              <a:rPr lang="en-US" dirty="0" err="1" smtClean="0"/>
+              <a:t>cầu</a:t>
+            </a:r>
+            <a:endParaRPr lang="en-US" dirty="0"/>
+          </a:p>
+        </p:txBody>
+      </p:sp>
+      <p:sp>
+        <p:nvSpPr>
+          <p:cNvPr id="3" name="Content Placeholder 2"/>
+          <p:cNvSpPr>
+            <a:spLocks noGrp="1"/>
+          </p:cNvSpPr>
+          <p:nvPr>
+            <p:ph idx="1"/>
+          </p:nvPr>
+        </p:nvSpPr>
+        <p:spPr/>
+        <p:txBody>
+          <a:bodyPr>
+            <a:normAutofit/>
+          </a:bodyPr>
+          <a:lstStyle/>
+          <a:p>
+            <a:r>
+              <a:rPr lang="en-US" sz="1800" b="1" dirty="0" err="1" smtClean="0"/>
+              <a:t>Phân</a:t>
+            </a:r>
+            <a:r>
+              <a:rPr lang="en-US" sz="1800" b="1" dirty="0" smtClean="0"/>
+              <a:t> </a:t>
+            </a:r>
+            <a:r>
+              <a:rPr lang="en-US" sz="1800" b="1" dirty="0" err="1" smtClean="0"/>
+              <a:t>loại</a:t>
+            </a:r>
+            <a:r>
+              <a:rPr lang="en-US" sz="1800" b="1" dirty="0" smtClean="0"/>
+              <a:t> </a:t>
+            </a:r>
+            <a:r>
+              <a:rPr lang="en-US" sz="1800" b="1" dirty="0" err="1" smtClean="0"/>
+              <a:t>yêu</a:t>
+            </a:r>
+            <a:r>
+              <a:rPr lang="en-US" sz="1800" b="1" dirty="0" smtClean="0"/>
+              <a:t> </a:t>
+            </a:r>
+            <a:r>
+              <a:rPr lang="en-US" sz="1800" b="1" dirty="0" err="1" smtClean="0"/>
+              <a:t>cầu</a:t>
+            </a:r>
+            <a:endParaRPr lang="en-US" sz="1800" b="1" dirty="0" smtClean="0"/>
+          </a:p>
+          <a:p>
+            <a:pPr lvl="1"/>
+            <a:r>
+              <a:rPr lang="vi-VN" sz="1800" dirty="0"/>
+              <a:t>Phân loại theo yêu cầu chức năng hoặc phi chức năng</a:t>
+            </a:r>
+            <a:endParaRPr lang="en-US" sz="1800" dirty="0"/>
+          </a:p>
+          <a:p>
+            <a:pPr lvl="1"/>
+            <a:r>
+              <a:rPr lang="vi-VN" sz="1800" dirty="0"/>
+              <a:t>Phân loại theo các yêu cầu đặt ra cho sản phẩm hoặc là trên từng tiến trình</a:t>
+            </a:r>
+            <a:endParaRPr lang="en-US" sz="1800" dirty="0"/>
+          </a:p>
+          <a:p>
+            <a:pPr lvl="1"/>
+            <a:r>
+              <a:rPr lang="vi-VN" sz="1800" dirty="0"/>
+              <a:t>Phân loại theo độ ưu tiên phần mềm</a:t>
+            </a:r>
+            <a:endParaRPr lang="en-US" sz="1800" dirty="0"/>
+          </a:p>
+          <a:p>
+            <a:pPr lvl="1"/>
+            <a:r>
+              <a:rPr lang="en-US" sz="1800" dirty="0" err="1"/>
+              <a:t>Phân</a:t>
+            </a:r>
+            <a:r>
+              <a:rPr lang="en-US" sz="1800" dirty="0"/>
+              <a:t> </a:t>
+            </a:r>
+            <a:r>
+              <a:rPr lang="en-US" sz="1800" dirty="0" err="1"/>
+              <a:t>theo</a:t>
+            </a:r>
+            <a:r>
+              <a:rPr lang="en-US" sz="1800" dirty="0"/>
+              <a:t> </a:t>
+            </a:r>
+            <a:r>
+              <a:rPr lang="en-US" sz="1800" dirty="0" err="1"/>
+              <a:t>phạm</a:t>
+            </a:r>
+            <a:r>
+              <a:rPr lang="en-US" sz="1800" dirty="0"/>
+              <a:t> vi </a:t>
+            </a:r>
+            <a:r>
+              <a:rPr lang="en-US" sz="1800" dirty="0" err="1"/>
+              <a:t>yêu</a:t>
+            </a:r>
+            <a:r>
+              <a:rPr lang="en-US" sz="1800" dirty="0"/>
+              <a:t> </a:t>
+            </a:r>
+            <a:r>
+              <a:rPr lang="en-US" sz="1800" dirty="0" err="1"/>
+              <a:t>cầu</a:t>
+            </a:r>
+            <a:r>
+              <a:rPr lang="en-US" sz="1800" dirty="0"/>
+              <a:t> </a:t>
+            </a:r>
+            <a:r>
+              <a:rPr lang="en-US" sz="1800" dirty="0" err="1"/>
+              <a:t>phần</a:t>
+            </a:r>
+            <a:r>
+              <a:rPr lang="en-US" sz="1800" dirty="0"/>
+              <a:t> </a:t>
+            </a:r>
+            <a:r>
+              <a:rPr lang="en-US" sz="1800" dirty="0" err="1"/>
+              <a:t>mềm</a:t>
+            </a:r>
+            <a:endParaRPr lang="en-US" sz="1800" dirty="0"/>
+          </a:p>
+          <a:p>
+            <a:pPr lvl="1"/>
+            <a:r>
+              <a:rPr lang="vi-VN" sz="1800" dirty="0"/>
+              <a:t>Phân loại theo độ dễ biến động/ tính ổn </a:t>
+            </a:r>
+            <a:r>
+              <a:rPr lang="vi-VN" sz="1800" dirty="0" smtClean="0"/>
+              <a:t>định</a:t>
+            </a:r>
+            <a:endParaRPr lang="en-US" sz="1800" b="1" dirty="0" smtClean="0"/>
+          </a:p>
+          <a:p>
+            <a:r>
+              <a:rPr lang="en-US" sz="1800" b="1" dirty="0" err="1" smtClean="0"/>
+              <a:t>Mô</a:t>
+            </a:r>
+            <a:r>
+              <a:rPr lang="en-US" sz="1800" b="1" dirty="0" smtClean="0"/>
+              <a:t> </a:t>
+            </a:r>
+            <a:r>
+              <a:rPr lang="en-US" sz="1800" b="1" dirty="0" err="1" smtClean="0"/>
+              <a:t>hình</a:t>
+            </a:r>
+            <a:r>
+              <a:rPr lang="en-US" sz="1800" b="1" dirty="0" smtClean="0"/>
+              <a:t> </a:t>
+            </a:r>
+            <a:r>
+              <a:rPr lang="en-US" sz="1800" b="1" dirty="0" err="1" smtClean="0"/>
+              <a:t>hóa</a:t>
+            </a:r>
+            <a:r>
+              <a:rPr lang="en-US" sz="1800" b="1" dirty="0" smtClean="0"/>
+              <a:t> </a:t>
+            </a:r>
+            <a:r>
+              <a:rPr lang="en-US" sz="1800" b="1" dirty="0" err="1" smtClean="0"/>
+              <a:t>khái</a:t>
+            </a:r>
+            <a:r>
+              <a:rPr lang="en-US" sz="1800" b="1" dirty="0" smtClean="0"/>
+              <a:t> </a:t>
+            </a:r>
+            <a:r>
+              <a:rPr lang="en-US" sz="1800" b="1" dirty="0" err="1" smtClean="0"/>
+              <a:t>niệm</a:t>
+            </a:r>
+            <a:endParaRPr lang="en-US" sz="1800" b="1" dirty="0" smtClean="0"/>
+          </a:p>
+          <a:p>
+            <a:r>
+              <a:rPr lang="en-US" sz="1800" b="1" dirty="0" err="1"/>
+              <a:t>Thiết</a:t>
+            </a:r>
+            <a:r>
+              <a:rPr lang="en-US" sz="1800" b="1" dirty="0"/>
+              <a:t> </a:t>
+            </a:r>
+            <a:r>
+              <a:rPr lang="en-US" sz="1800" b="1" dirty="0" err="1"/>
+              <a:t>kế</a:t>
+            </a:r>
+            <a:r>
+              <a:rPr lang="en-US" sz="1800" b="1" dirty="0"/>
+              <a:t> </a:t>
+            </a:r>
+            <a:r>
+              <a:rPr lang="en-US" sz="1800" b="1" dirty="0" err="1"/>
+              <a:t>kiến</a:t>
+            </a:r>
+            <a:r>
+              <a:rPr lang="en-US" sz="1800" b="1" dirty="0"/>
+              <a:t> </a:t>
+            </a:r>
+            <a:r>
+              <a:rPr lang="en-US" sz="1800" b="1" dirty="0" err="1"/>
+              <a:t>trúc</a:t>
+            </a:r>
+            <a:r>
+              <a:rPr lang="en-US" sz="1800" b="1" dirty="0"/>
+              <a:t> </a:t>
+            </a:r>
+            <a:r>
+              <a:rPr lang="en-US" sz="1800" b="1" dirty="0" err="1"/>
+              <a:t>và</a:t>
+            </a:r>
+            <a:r>
+              <a:rPr lang="en-US" sz="1800" b="1" dirty="0"/>
+              <a:t> </a:t>
+            </a:r>
+            <a:r>
+              <a:rPr lang="en-US" sz="1800" b="1" dirty="0" err="1"/>
+              <a:t>các</a:t>
+            </a:r>
+            <a:r>
+              <a:rPr lang="en-US" sz="1800" b="1" dirty="0"/>
+              <a:t> </a:t>
+            </a:r>
+            <a:r>
+              <a:rPr lang="en-US" sz="1800" b="1" dirty="0" err="1"/>
+              <a:t>yêu</a:t>
+            </a:r>
+            <a:r>
+              <a:rPr lang="en-US" sz="1800" b="1" dirty="0"/>
+              <a:t> </a:t>
+            </a:r>
+            <a:r>
+              <a:rPr lang="en-US" sz="1800" b="1" dirty="0" err="1"/>
+              <a:t>cầu</a:t>
+            </a:r>
+            <a:r>
+              <a:rPr lang="en-US" sz="1800" b="1" dirty="0"/>
+              <a:t> </a:t>
+            </a:r>
+            <a:r>
+              <a:rPr lang="en-US" sz="1800" b="1" dirty="0" err="1"/>
+              <a:t>phân</a:t>
+            </a:r>
+            <a:r>
+              <a:rPr lang="en-US" sz="1800" b="1" dirty="0"/>
+              <a:t> </a:t>
+            </a:r>
+            <a:r>
+              <a:rPr lang="en-US" sz="1800" b="1" dirty="0" err="1" smtClean="0"/>
+              <a:t>bổ</a:t>
+            </a:r>
+            <a:endParaRPr lang="en-US" sz="1800" b="1" dirty="0" smtClean="0"/>
+          </a:p>
+          <a:p>
+            <a:r>
+              <a:rPr lang="en-US" sz="1800" b="1" dirty="0" err="1" smtClean="0"/>
+              <a:t>Sự</a:t>
+            </a:r>
+            <a:r>
+              <a:rPr lang="en-US" sz="1800" b="1" dirty="0" smtClean="0"/>
+              <a:t> </a:t>
+            </a:r>
+            <a:r>
+              <a:rPr lang="en-US" sz="1800" b="1" dirty="0" err="1" smtClean="0"/>
+              <a:t>đàm</a:t>
+            </a:r>
+            <a:r>
+              <a:rPr lang="en-US" sz="1800" b="1" dirty="0" smtClean="0"/>
+              <a:t> </a:t>
+            </a:r>
+            <a:r>
+              <a:rPr lang="en-US" sz="1800" b="1" dirty="0" err="1" smtClean="0"/>
+              <a:t>phán</a:t>
+            </a:r>
+            <a:r>
+              <a:rPr lang="en-US" sz="1800" b="1" dirty="0" smtClean="0"/>
+              <a:t> </a:t>
+            </a:r>
+            <a:r>
+              <a:rPr lang="en-US" sz="1800" b="1" dirty="0" err="1" smtClean="0"/>
+              <a:t>của</a:t>
+            </a:r>
+            <a:r>
+              <a:rPr lang="en-US" sz="1800" b="1" dirty="0" smtClean="0"/>
+              <a:t> </a:t>
+            </a:r>
+            <a:r>
+              <a:rPr lang="en-US" sz="1800" b="1" dirty="0" err="1" smtClean="0"/>
+              <a:t>các</a:t>
+            </a:r>
+            <a:r>
+              <a:rPr lang="en-US" sz="1800" b="1" dirty="0" smtClean="0"/>
+              <a:t> </a:t>
+            </a:r>
+            <a:r>
+              <a:rPr lang="en-US" sz="1800" b="1" dirty="0" err="1" smtClean="0"/>
+              <a:t>yêu</a:t>
+            </a:r>
+            <a:r>
+              <a:rPr lang="en-US" sz="1800" b="1" dirty="0" smtClean="0"/>
+              <a:t> </a:t>
+            </a:r>
+            <a:r>
+              <a:rPr lang="en-US" sz="1800" b="1" dirty="0" err="1" smtClean="0"/>
+              <a:t>cầu</a:t>
+            </a:r>
+            <a:endParaRPr lang="en-US" sz="1800" b="1" dirty="0" smtClean="0"/>
+          </a:p>
+          <a:p>
+            <a:r>
+              <a:rPr lang="en-US" sz="1800" b="1" dirty="0" err="1"/>
+              <a:t>Phân</a:t>
+            </a:r>
+            <a:r>
+              <a:rPr lang="en-US" sz="1800" b="1" dirty="0"/>
+              <a:t> </a:t>
+            </a:r>
+            <a:r>
+              <a:rPr lang="en-US" sz="1800" b="1" dirty="0" err="1"/>
+              <a:t>tích</a:t>
+            </a:r>
+            <a:r>
+              <a:rPr lang="en-US" sz="1800" b="1" dirty="0"/>
+              <a:t> </a:t>
+            </a:r>
+            <a:r>
+              <a:rPr lang="en-US" sz="1800" b="1" dirty="0" err="1"/>
+              <a:t>chính</a:t>
+            </a:r>
+            <a:r>
+              <a:rPr lang="en-US" sz="1800" b="1" dirty="0"/>
+              <a:t> </a:t>
+            </a:r>
+            <a:r>
+              <a:rPr lang="en-US" sz="1800" b="1" dirty="0" err="1"/>
+              <a:t>thức</a:t>
+            </a:r>
+            <a:endParaRPr lang="en-US" sz="1800" b="1" dirty="0" smtClean="0"/>
+          </a:p>
+          <a:p>
+            <a:endParaRPr lang="en-US" sz="1800" dirty="0"/>
+          </a:p>
+        </p:txBody>
+      </p:sp>
+    </p:spTree>
+    <p:extLst>
+      <p:ext uri="{BB962C8B-B14F-4D97-AF65-F5344CB8AC3E}">
+        <p14:creationId xmlns:p14="http://schemas.microsoft.com/office/powerpoint/2010/main" val="3527497588"/>
+      </p:ext>
+    </p:extLst>
+  </p:cSld>
+  <p:clrMapOvr>
+    <a:masterClrMapping/>
+  </p:clrMapOvr>
+</p:sld>
+</file>
+
+<file path=ppt/slides/slide7.xml><?xml version="1.0" encoding="utf-8"?>
+<p:sld xmlns:a="http://schemas.openxmlformats.org/drawingml/2006/main" xmlns:r="http://schemas.openxmlformats.org/officeDocument/2006/relationships" xmlns:p="http://schemas.openxmlformats.org/presentationml/2006/main">
+  <p:cSld>
+    <p:spTree>
+      <p:nvGrpSpPr>
+        <p:cNvPr id="1" name=""/>
+        <p:cNvGrpSpPr/>
+        <p:nvPr/>
+      </p:nvGrpSpPr>
+      <p:grpSpPr>
+        <a:xfrm>
+          <a:off x="0" y="0"/>
+          <a:ext cx="0" cy="0"/>
+          <a:chOff x="0" y="0"/>
+          <a:chExt cx="0" cy="0"/>
+        </a:xfrm>
+      </p:grpSpPr>
+      <p:sp>
+        <p:nvSpPr>
+          <p:cNvPr id="2" name="Title 1"/>
+          <p:cNvSpPr>
+            <a:spLocks noGrp="1"/>
+          </p:cNvSpPr>
+          <p:nvPr>
+            <p:ph type="title"/>
+          </p:nvPr>
+        </p:nvSpPr>
+        <p:spPr/>
+        <p:txBody>
+          <a:bodyPr/>
+          <a:lstStyle/>
+          <a:p>
+            <a:r>
+              <a:rPr lang="en-US" dirty="0" err="1" smtClean="0"/>
+              <a:t>Yêu</a:t>
+            </a:r>
+            <a:r>
+              <a:rPr lang="en-US" dirty="0" smtClean="0"/>
+              <a:t> </a:t>
+            </a:r>
+            <a:r>
+              <a:rPr lang="en-US" dirty="0" err="1" smtClean="0"/>
+              <a:t>cầu</a:t>
+            </a:r>
+            <a:r>
+              <a:rPr lang="en-US" dirty="0" smtClean="0"/>
+              <a:t> </a:t>
+            </a:r>
+            <a:r>
+              <a:rPr lang="en-US" dirty="0" err="1" smtClean="0"/>
+              <a:t>về</a:t>
+            </a:r>
+            <a:r>
+              <a:rPr lang="en-US" dirty="0" smtClean="0"/>
+              <a:t> </a:t>
+            </a:r>
+            <a:r>
+              <a:rPr lang="en-US" dirty="0" err="1" smtClean="0"/>
+              <a:t>kỹ</a:t>
+            </a:r>
+            <a:r>
+              <a:rPr lang="en-US" dirty="0" smtClean="0"/>
+              <a:t> </a:t>
+            </a:r>
+            <a:r>
+              <a:rPr lang="en-US" dirty="0" err="1" smtClean="0"/>
+              <a:t>thuật</a:t>
+            </a:r>
+            <a:endParaRPr lang="en-US" dirty="0"/>
+          </a:p>
+        </p:txBody>
+      </p:sp>
+      <p:sp>
+        <p:nvSpPr>
+          <p:cNvPr id="3" name="Content Placeholder 2"/>
+          <p:cNvSpPr>
+            <a:spLocks noGrp="1"/>
+          </p:cNvSpPr>
+          <p:nvPr>
+            <p:ph idx="1"/>
+          </p:nvPr>
+        </p:nvSpPr>
+        <p:spPr/>
+        <p:txBody>
+          <a:bodyPr/>
+          <a:lstStyle/>
+          <a:p>
+            <a:r>
+              <a:rPr lang="vi-VN" dirty="0"/>
+              <a:t>Tài liệu định nghĩa hệ </a:t>
+            </a:r>
+            <a:r>
+              <a:rPr lang="vi-VN" dirty="0" smtClean="0"/>
+              <a:t>thống</a:t>
+            </a:r>
+            <a:endParaRPr lang="en-US" dirty="0" smtClean="0"/>
+          </a:p>
+          <a:p>
+            <a:r>
+              <a:rPr lang="en-US" dirty="0" err="1"/>
+              <a:t>Yêu</a:t>
+            </a:r>
+            <a:r>
+              <a:rPr lang="en-US" dirty="0"/>
+              <a:t> </a:t>
+            </a:r>
+            <a:r>
+              <a:rPr lang="en-US" dirty="0" err="1"/>
+              <a:t>cầu</a:t>
+            </a:r>
+            <a:r>
+              <a:rPr lang="en-US" dirty="0"/>
+              <a:t> </a:t>
+            </a:r>
+            <a:r>
+              <a:rPr lang="en-US" dirty="0" err="1"/>
+              <a:t>hệ</a:t>
+            </a:r>
+            <a:r>
+              <a:rPr lang="en-US" dirty="0"/>
+              <a:t> </a:t>
+            </a:r>
+            <a:r>
+              <a:rPr lang="en-US" dirty="0" err="1"/>
+              <a:t>thống</a:t>
+            </a:r>
+            <a:r>
+              <a:rPr lang="en-US" dirty="0"/>
+              <a:t> </a:t>
+            </a:r>
+            <a:r>
+              <a:rPr lang="en-US" dirty="0" err="1"/>
+              <a:t>kỹ</a:t>
+            </a:r>
+            <a:r>
+              <a:rPr lang="en-US" dirty="0"/>
+              <a:t> </a:t>
+            </a:r>
+            <a:r>
+              <a:rPr lang="en-US" dirty="0" err="1" smtClean="0"/>
+              <a:t>thuật</a:t>
+            </a:r>
+            <a:endParaRPr lang="en-US" dirty="0" smtClean="0"/>
+          </a:p>
+          <a:p>
+            <a:r>
+              <a:rPr lang="en-US" dirty="0" err="1"/>
+              <a:t>Yêu</a:t>
+            </a:r>
+            <a:r>
+              <a:rPr lang="en-US" dirty="0"/>
+              <a:t> </a:t>
+            </a:r>
+            <a:r>
+              <a:rPr lang="en-US" dirty="0" err="1"/>
+              <a:t>cầu</a:t>
+            </a:r>
+            <a:r>
+              <a:rPr lang="en-US" dirty="0"/>
+              <a:t> </a:t>
+            </a:r>
+            <a:r>
+              <a:rPr lang="en-US" dirty="0" err="1"/>
+              <a:t>phần</a:t>
+            </a:r>
+            <a:r>
+              <a:rPr lang="en-US" dirty="0"/>
+              <a:t> </a:t>
+            </a:r>
+            <a:r>
+              <a:rPr lang="en-US" dirty="0" err="1"/>
+              <a:t>mềm</a:t>
+            </a:r>
+            <a:r>
+              <a:rPr lang="en-US" dirty="0"/>
+              <a:t> </a:t>
+            </a:r>
+            <a:r>
+              <a:rPr lang="en-US" dirty="0" err="1"/>
+              <a:t>kỹ</a:t>
+            </a:r>
+            <a:r>
+              <a:rPr lang="en-US" dirty="0"/>
+              <a:t> </a:t>
+            </a:r>
+            <a:r>
+              <a:rPr lang="en-US" dirty="0" err="1"/>
+              <a:t>thuật</a:t>
+            </a:r>
+            <a:endParaRPr lang="en-US" dirty="0"/>
+          </a:p>
+        </p:txBody>
+      </p:sp>
+    </p:spTree>
+    <p:extLst>
+      <p:ext uri="{BB962C8B-B14F-4D97-AF65-F5344CB8AC3E}">
+        <p14:creationId xmlns:p14="http://schemas.microsoft.com/office/powerpoint/2010/main" val="3017931134"/>
+      </p:ext>
+    </p:extLst>
+  </p:cSld>
+  <p:clrMapOvr>
+    <a:masterClrMapping/>
+  </p:clrMapOvr>
+</p:sld>
+</file>
+
+<file path=ppt/slides/slide8.xml><?xml version="1.0" encoding="utf-8"?>
+<p:sld xmlns:a="http://schemas.openxmlformats.org/drawingml/2006/main" xmlns:r="http://schemas.openxmlformats.org/officeDocument/2006/relationships" xmlns:p="http://schemas.openxmlformats.org/presentationml/2006/main">
+  <p:cSld>
+    <p:spTree>
+      <p:nvGrpSpPr>
+        <p:cNvPr id="1" name=""/>
+        <p:cNvGrpSpPr/>
+        <p:nvPr/>
+      </p:nvGrpSpPr>
+      <p:grpSpPr>
+        <a:xfrm>
+          <a:off x="0" y="0"/>
+          <a:ext cx="0" cy="0"/>
+          <a:chOff x="0" y="0"/>
+          <a:chExt cx="0" cy="0"/>
+        </a:xfrm>
+      </p:grpSpPr>
+      <p:sp>
+        <p:nvSpPr>
+          <p:cNvPr id="2" name="Title 1"/>
+          <p:cNvSpPr>
+            <a:spLocks noGrp="1"/>
+          </p:cNvSpPr>
+          <p:nvPr>
+            <p:ph type="title"/>
+          </p:nvPr>
+        </p:nvSpPr>
+        <p:spPr/>
+        <p:txBody>
+          <a:bodyPr/>
+          <a:lstStyle/>
+          <a:p>
+            <a:r>
+              <a:rPr lang="en-US" dirty="0" err="1" smtClean="0"/>
+              <a:t>Xác</a:t>
+            </a:r>
+            <a:r>
+              <a:rPr lang="en-US" dirty="0" smtClean="0"/>
+              <a:t> minh </a:t>
+            </a:r>
+            <a:r>
+              <a:rPr lang="en-US" dirty="0" err="1" smtClean="0"/>
+              <a:t>yêu</a:t>
+            </a:r>
+            <a:r>
+              <a:rPr lang="en-US" dirty="0" smtClean="0"/>
+              <a:t> </a:t>
+            </a:r>
+            <a:r>
+              <a:rPr lang="en-US" dirty="0" err="1" smtClean="0"/>
+              <a:t>cầu</a:t>
+            </a:r>
+            <a:endParaRPr lang="en-US" dirty="0"/>
+          </a:p>
+        </p:txBody>
+      </p:sp>
+      <p:sp>
+        <p:nvSpPr>
+          <p:cNvPr id="3" name="Content Placeholder 2"/>
+          <p:cNvSpPr>
+            <a:spLocks noGrp="1"/>
+          </p:cNvSpPr>
+          <p:nvPr>
+            <p:ph idx="1"/>
+          </p:nvPr>
+        </p:nvSpPr>
+        <p:spPr/>
+        <p:txBody>
+          <a:bodyPr/>
+          <a:lstStyle/>
+          <a:p>
+            <a:r>
+              <a:rPr lang="en-US" dirty="0" err="1" smtClean="0"/>
+              <a:t>Đánh</a:t>
+            </a:r>
+            <a:r>
+              <a:rPr lang="en-US" dirty="0" smtClean="0"/>
+              <a:t> </a:t>
+            </a:r>
+            <a:r>
+              <a:rPr lang="en-US" dirty="0" err="1" smtClean="0"/>
+              <a:t>giá</a:t>
+            </a:r>
+            <a:r>
+              <a:rPr lang="en-US" dirty="0" smtClean="0"/>
+              <a:t> </a:t>
+            </a:r>
+            <a:r>
+              <a:rPr lang="en-US" dirty="0" err="1" smtClean="0"/>
+              <a:t>yêu</a:t>
+            </a:r>
+            <a:r>
+              <a:rPr lang="en-US" dirty="0" smtClean="0"/>
+              <a:t> </a:t>
+            </a:r>
+            <a:r>
+              <a:rPr lang="en-US" dirty="0" err="1" smtClean="0"/>
+              <a:t>cầu</a:t>
+            </a:r>
+            <a:endParaRPr lang="en-US" dirty="0" smtClean="0"/>
+          </a:p>
+          <a:p>
+            <a:r>
+              <a:rPr lang="en-US" dirty="0" err="1" smtClean="0"/>
+              <a:t>Khuôn</a:t>
+            </a:r>
+            <a:r>
+              <a:rPr lang="en-US" dirty="0" smtClean="0"/>
+              <a:t> </a:t>
+            </a:r>
+            <a:r>
+              <a:rPr lang="en-US" dirty="0" err="1" smtClean="0"/>
+              <a:t>mẫu</a:t>
+            </a:r>
+            <a:endParaRPr lang="en-US" dirty="0" smtClean="0"/>
+          </a:p>
+          <a:p>
+            <a:r>
+              <a:rPr lang="en-US" dirty="0" err="1" smtClean="0"/>
+              <a:t>Xác</a:t>
+            </a:r>
+            <a:r>
+              <a:rPr lang="en-US" dirty="0" smtClean="0"/>
+              <a:t> minh </a:t>
+            </a:r>
+            <a:r>
+              <a:rPr lang="en-US" dirty="0" err="1" smtClean="0"/>
+              <a:t>mô</a:t>
+            </a:r>
+            <a:r>
+              <a:rPr lang="en-US" dirty="0" smtClean="0"/>
+              <a:t> </a:t>
+            </a:r>
+            <a:r>
+              <a:rPr lang="en-US" dirty="0" err="1" smtClean="0"/>
+              <a:t>hình</a:t>
+            </a:r>
+            <a:endParaRPr lang="en-US" dirty="0" smtClean="0"/>
+          </a:p>
+          <a:p>
+            <a:r>
+              <a:rPr lang="en-US" dirty="0" err="1" smtClean="0"/>
+              <a:t>Kiểm</a:t>
+            </a:r>
+            <a:r>
+              <a:rPr lang="en-US" dirty="0" smtClean="0"/>
+              <a:t> </a:t>
+            </a:r>
+            <a:r>
+              <a:rPr lang="en-US" dirty="0" err="1" smtClean="0"/>
+              <a:t>thử</a:t>
+            </a:r>
+            <a:r>
+              <a:rPr lang="en-US" dirty="0" smtClean="0"/>
+              <a:t> </a:t>
+            </a:r>
+            <a:r>
+              <a:rPr lang="en-US" dirty="0" err="1" smtClean="0"/>
+              <a:t>chấp</a:t>
+            </a:r>
+            <a:r>
+              <a:rPr lang="en-US" dirty="0" smtClean="0"/>
+              <a:t> </a:t>
+            </a:r>
+            <a:r>
+              <a:rPr lang="en-US" dirty="0" err="1" smtClean="0"/>
+              <a:t>nhận</a:t>
+            </a:r>
+            <a:endParaRPr lang="en-US" dirty="0"/>
+          </a:p>
+        </p:txBody>
+      </p:sp>
+    </p:spTree>
+    <p:extLst>
+      <p:ext uri="{BB962C8B-B14F-4D97-AF65-F5344CB8AC3E}">
+        <p14:creationId xmlns:p14="http://schemas.microsoft.com/office/powerpoint/2010/main" val="1227400814"/>
+      </p:ext>
+    </p:extLst>
+  </p:cSld>
+  <p:clrMapOvr>
+    <a:masterClrMapping/>
+  </p:clrMapOvr>
+</p:sld>
+</file>
+
 <file path=ppt/theme/theme1.xml><?xml version="1.0" encoding="utf-8"?>
 <a:theme xmlns:a="http://schemas.openxmlformats.org/drawingml/2006/main" name="Office Theme">
   <a:themeElements>
@@ -4595,7 +5520,7 @@
     </a:clrScheme>
     <a:fontScheme name="Office">
       <a:majorFont>
-        <a:latin typeface="Calibri Light" panose="020F0302020204030204"/>
+        <a:latin typeface="Calibri Light"/>
         <a:ea typeface=""/>
         <a:cs typeface=""/>
         <a:font script="Jpan" typeface="ＭＳ Ｐゴシック"/>
@@ -4630,7 +5555,7 @@
         <a:font script="Geor" typeface="Sylfaen"/>
       </a:majorFont>
       <a:minorFont>
-        <a:latin typeface="Calibri" panose="020F0502020204030204"/>
+        <a:latin typeface="Calibri"/>
         <a:ea typeface=""/>
         <a:cs typeface=""/>
         <a:font script="Jpan" typeface="ＭＳ Ｐゴシック"/>
@@ -4807,7 +5732,7 @@
   <a:extraClrSchemeLst/>
   <a:extLst>
     <a:ext uri="{05A4C25C-085E-4340-85A3-A5531E510DB2}">
-      <thm15:themeFamily xmlns:thm15="http://schemas.microsoft.com/office/thememl/2012/main" name="Office Theme" id="{62F939B6-93AF-4DB8-9C6B-D6C7DFDC589F}" vid="{4A3C46E8-61CC-4603-A589-7422A47A8E4A}"/>
+      <thm15:themeFamily xmlns:thm15="http://schemas.microsoft.com/office/thememl/2012/main" xmlns="" name="Office Theme" id="{62F939B6-93AF-4DB8-9C6B-D6C7DFDC589F}" vid="{4A3C46E8-61CC-4603-A589-7422A47A8E4A}"/>
     </a:ext>
   </a:extLst>
 </a:theme>

--- a/slide/dev/chapter_1/slide.pptx
+++ b/slide/dev/chapter_1/slide.pptx
@@ -5,14 +5,15 @@
     <p:sldMasterId id="2147483703" r:id="rId2"/>
   </p:sldMasterIdLst>
   <p:notesMasterIdLst>
-    <p:notesMasterId r:id="rId8"/>
+    <p:notesMasterId r:id="rId9"/>
   </p:notesMasterIdLst>
   <p:sldIdLst>
     <p:sldId id="256" r:id="rId3"/>
     <p:sldId id="257" r:id="rId4"/>
     <p:sldId id="258" r:id="rId5"/>
-    <p:sldId id="259" r:id="rId6"/>
-    <p:sldId id="260" r:id="rId7"/>
+    <p:sldId id="261" r:id="rId6"/>
+    <p:sldId id="262" r:id="rId7"/>
+    <p:sldId id="263" r:id="rId8"/>
   </p:sldIdLst>
   <p:sldSz cx="9144000" cy="6858000" type="screen4x3"/>
   <p:notesSz cx="6858000" cy="9144000"/>
@@ -212,7 +213,7 @@
           <a:p>
             <a:fld id="{BFB7A6A1-140E-4053-A62A-AFDAF6E6ECEB}" type="datetimeFigureOut">
               <a:rPr lang="en-US" smtClean="0"/>
-              <a:t>12/4/2015</a:t>
+              <a:t>12/5/2015</a:t>
             </a:fld>
             <a:endParaRPr lang="en-US"/>
           </a:p>
@@ -618,7 +619,7 @@
           <a:p>
             <a:fld id="{4CBCDE7C-CCB6-471C-9199-918A33307958}" type="datetimeFigureOut">
               <a:rPr lang="en-US" smtClean="0"/>
-              <a:t>12/4/2015</a:t>
+              <a:t>12/5/2015</a:t>
             </a:fld>
             <a:endParaRPr lang="en-US"/>
           </a:p>
@@ -1035,7 +1036,7 @@
           <a:p>
             <a:fld id="{4CBCDE7C-CCB6-471C-9199-918A33307958}" type="datetimeFigureOut">
               <a:rPr lang="en-US" smtClean="0"/>
-              <a:t>12/4/2015</a:t>
+              <a:t>12/5/2015</a:t>
             </a:fld>
             <a:endParaRPr lang="en-US"/>
           </a:p>
@@ -1215,7 +1216,7 @@
           <a:p>
             <a:fld id="{4CBCDE7C-CCB6-471C-9199-918A33307958}" type="datetimeFigureOut">
               <a:rPr lang="en-US" smtClean="0"/>
-              <a:t>12/4/2015</a:t>
+              <a:t>12/5/2015</a:t>
             </a:fld>
             <a:endParaRPr lang="en-US"/>
           </a:p>
@@ -1277,7 +1278,7 @@
 </file>
 
 <file path=ppt/slideLayouts/slideLayout2.xml><?xml version="1.0" encoding="utf-8"?>
-<p:sldLayout xmlns:a="http://schemas.openxmlformats.org/drawingml/2006/main" xmlns:r="http://schemas.openxmlformats.org/officeDocument/2006/relationships" xmlns:p="http://schemas.openxmlformats.org/presentationml/2006/main" type="obj" preserve="1">
+<p:sldLayout xmlns:a="http://schemas.openxmlformats.org/drawingml/2006/main" xmlns:r="http://schemas.openxmlformats.org/officeDocument/2006/relationships" xmlns:p="http://schemas.openxmlformats.org/presentationml/2006/main" preserve="1" userDrawn="1">
   <p:cSld name="Title and Content">
     <p:spTree>
       <p:nvGrpSpPr>
@@ -1413,71 +1414,6 @@
               <a:t>Fifth level</a:t>
             </a:r>
             <a:endParaRPr lang="en-US" dirty="0"/>
-          </a:p>
-        </p:txBody>
-      </p:sp>
-      <p:sp>
-        <p:nvSpPr>
-          <p:cNvPr id="4" name="Date Placeholder 3"/>
-          <p:cNvSpPr>
-            <a:spLocks noGrp="1"/>
-          </p:cNvSpPr>
-          <p:nvPr>
-            <p:ph type="dt" sz="half" idx="10"/>
-          </p:nvPr>
-        </p:nvSpPr>
-        <p:spPr/>
-        <p:txBody>
-          <a:bodyPr/>
-          <a:lstStyle/>
-          <a:p>
-            <a:fld id="{4CBCDE7C-CCB6-471C-9199-918A33307958}" type="datetimeFigureOut">
-              <a:rPr lang="en-US" smtClean="0"/>
-              <a:t>12/4/2015</a:t>
-            </a:fld>
-            <a:endParaRPr lang="en-US"/>
-          </a:p>
-        </p:txBody>
-      </p:sp>
-      <p:sp>
-        <p:nvSpPr>
-          <p:cNvPr id="5" name="Footer Placeholder 4"/>
-          <p:cNvSpPr>
-            <a:spLocks noGrp="1"/>
-          </p:cNvSpPr>
-          <p:nvPr>
-            <p:ph type="ftr" sz="quarter" idx="11"/>
-          </p:nvPr>
-        </p:nvSpPr>
-        <p:spPr/>
-        <p:txBody>
-          <a:bodyPr/>
-          <a:lstStyle/>
-          <a:p>
-            <a:endParaRPr lang="en-US"/>
-          </a:p>
-        </p:txBody>
-      </p:sp>
-      <p:sp>
-        <p:nvSpPr>
-          <p:cNvPr id="6" name="Slide Number Placeholder 5"/>
-          <p:cNvSpPr>
-            <a:spLocks noGrp="1"/>
-          </p:cNvSpPr>
-          <p:nvPr>
-            <p:ph type="sldNum" sz="quarter" idx="12"/>
-          </p:nvPr>
-        </p:nvSpPr>
-        <p:spPr/>
-        <p:txBody>
-          <a:bodyPr/>
-          <a:lstStyle/>
-          <a:p>
-            <a:fld id="{8C57462E-C2AD-4C62-8C8B-6FC60C644B1B}" type="slidenum">
-              <a:rPr lang="en-US" smtClean="0"/>
-              <a:t>‹#›</a:t>
-            </a:fld>
-            <a:endParaRPr lang="en-US"/>
           </a:p>
         </p:txBody>
       </p:sp>
@@ -1640,6 +1576,111 @@
           <a:p>
             <a:pPr algn="ctr"/>
             <a:endParaRPr lang="en-US"/>
+          </a:p>
+        </p:txBody>
+      </p:sp>
+      <p:sp>
+        <p:nvSpPr>
+          <p:cNvPr id="15" name="Date Placeholder 14"/>
+          <p:cNvSpPr>
+            <a:spLocks noGrp="1"/>
+          </p:cNvSpPr>
+          <p:nvPr>
+            <p:ph type="dt" sz="half" idx="10"/>
+          </p:nvPr>
+        </p:nvSpPr>
+        <p:spPr/>
+        <p:txBody>
+          <a:bodyPr/>
+          <a:lstStyle/>
+          <a:p>
+            <a:fld id="{4CBCDE7C-CCB6-471C-9199-918A33307958}" type="datetimeFigureOut">
+              <a:rPr lang="en-US" smtClean="0"/>
+              <a:t>12/5/2015</a:t>
+            </a:fld>
+            <a:endParaRPr lang="en-US"/>
+          </a:p>
+        </p:txBody>
+      </p:sp>
+      <p:sp>
+        <p:nvSpPr>
+          <p:cNvPr id="16" name="Footer Placeholder 15"/>
+          <p:cNvSpPr>
+            <a:spLocks noGrp="1"/>
+          </p:cNvSpPr>
+          <p:nvPr>
+            <p:ph type="ftr" sz="quarter" idx="11"/>
+          </p:nvPr>
+        </p:nvSpPr>
+        <p:spPr/>
+        <p:txBody>
+          <a:bodyPr/>
+          <a:lstStyle/>
+          <a:p>
+            <a:endParaRPr lang="en-US"/>
+          </a:p>
+        </p:txBody>
+      </p:sp>
+      <p:sp>
+        <p:nvSpPr>
+          <p:cNvPr id="17" name="Slide Number Placeholder 16"/>
+          <p:cNvSpPr>
+            <a:spLocks noGrp="1"/>
+          </p:cNvSpPr>
+          <p:nvPr>
+            <p:ph type="sldNum" sz="quarter" idx="12"/>
+          </p:nvPr>
+        </p:nvSpPr>
+        <p:spPr/>
+        <p:txBody>
+          <a:bodyPr/>
+          <a:lstStyle/>
+          <a:p>
+            <a:fld id="{8C57462E-C2AD-4C62-8C8B-6FC60C644B1B}" type="slidenum">
+              <a:rPr lang="en-US" smtClean="0"/>
+              <a:t>‹#›</a:t>
+            </a:fld>
+            <a:endParaRPr lang="en-US"/>
+          </a:p>
+        </p:txBody>
+      </p:sp>
+      <p:sp>
+        <p:nvSpPr>
+          <p:cNvPr id="22" name="Content Placeholder 21"/>
+          <p:cNvSpPr>
+            <a:spLocks noGrp="1"/>
+          </p:cNvSpPr>
+          <p:nvPr>
+            <p:ph sz="quarter" idx="13" hasCustomPrompt="1"/>
+          </p:nvPr>
+        </p:nvSpPr>
+        <p:spPr>
+          <a:xfrm>
+            <a:off x="2362200" y="381000"/>
+            <a:ext cx="5257800" cy="381000"/>
+          </a:xfrm>
+        </p:spPr>
+        <p:txBody>
+          <a:bodyPr/>
+          <a:lstStyle>
+            <a:lvl1pPr marL="0" indent="0" algn="r">
+              <a:buNone/>
+              <a:defRPr baseline="0">
+                <a:solidFill>
+                  <a:schemeClr val="bg1">
+                    <a:lumMod val="75000"/>
+                  </a:schemeClr>
+                </a:solidFill>
+              </a:defRPr>
+            </a:lvl1pPr>
+          </a:lstStyle>
+          <a:p>
+            <a:pPr lvl="0"/>
+            <a:r>
+              <a:rPr lang="en-US" dirty="0" smtClean="0"/>
+              <a:t>Heading context</a:t>
+            </a:r>
+            <a:endParaRPr lang="en-US" dirty="0"/>
           </a:p>
         </p:txBody>
       </p:sp>
@@ -1963,7 +2004,7 @@
           <a:p>
             <a:fld id="{4CBCDE7C-CCB6-471C-9199-918A33307958}" type="datetimeFigureOut">
               <a:rPr lang="en-US" smtClean="0"/>
-              <a:t>12/4/2015</a:t>
+              <a:t>12/5/2015</a:t>
             </a:fld>
             <a:endParaRPr lang="en-US"/>
           </a:p>
@@ -2230,7 +2271,7 @@
           <a:p>
             <a:fld id="{4CBCDE7C-CCB6-471C-9199-918A33307958}" type="datetimeFigureOut">
               <a:rPr lang="en-US" smtClean="0"/>
-              <a:t>12/4/2015</a:t>
+              <a:t>12/5/2015</a:t>
             </a:fld>
             <a:endParaRPr lang="en-US"/>
           </a:p>
@@ -2597,7 +2638,7 @@
           <a:p>
             <a:fld id="{4CBCDE7C-CCB6-471C-9199-918A33307958}" type="datetimeFigureOut">
               <a:rPr lang="en-US" smtClean="0"/>
-              <a:t>12/4/2015</a:t>
+              <a:t>12/5/2015</a:t>
             </a:fld>
             <a:endParaRPr lang="en-US"/>
           </a:p>
@@ -2715,7 +2756,7 @@
           <a:p>
             <a:fld id="{4CBCDE7C-CCB6-471C-9199-918A33307958}" type="datetimeFigureOut">
               <a:rPr lang="en-US" smtClean="0"/>
-              <a:t>12/4/2015</a:t>
+              <a:t>12/5/2015</a:t>
             </a:fld>
             <a:endParaRPr lang="en-US"/>
           </a:p>
@@ -2810,7 +2851,7 @@
           <a:p>
             <a:fld id="{4CBCDE7C-CCB6-471C-9199-918A33307958}" type="datetimeFigureOut">
               <a:rPr lang="en-US" smtClean="0"/>
-              <a:t>12/4/2015</a:t>
+              <a:t>12/5/2015</a:t>
             </a:fld>
             <a:endParaRPr lang="en-US"/>
           </a:p>
@@ -3087,7 +3128,7 @@
           <a:p>
             <a:fld id="{4CBCDE7C-CCB6-471C-9199-918A33307958}" type="datetimeFigureOut">
               <a:rPr lang="en-US" smtClean="0"/>
-              <a:t>12/4/2015</a:t>
+              <a:t>12/5/2015</a:t>
             </a:fld>
             <a:endParaRPr lang="en-US"/>
           </a:p>
@@ -3340,7 +3381,7 @@
           <a:p>
             <a:fld id="{4CBCDE7C-CCB6-471C-9199-918A33307958}" type="datetimeFigureOut">
               <a:rPr lang="en-US" smtClean="0"/>
-              <a:t>12/4/2015</a:t>
+              <a:t>12/5/2015</a:t>
             </a:fld>
             <a:endParaRPr lang="en-US"/>
           </a:p>
@@ -3553,7 +3594,7 @@
           <a:p>
             <a:fld id="{4CBCDE7C-CCB6-471C-9199-918A33307958}" type="datetimeFigureOut">
               <a:rPr lang="en-US" smtClean="0"/>
-              <a:t>12/4/2015</a:t>
+              <a:t>12/5/2015</a:t>
             </a:fld>
             <a:endParaRPr lang="en-US"/>
           </a:p>
@@ -4271,6 +4312,34 @@
           </a:p>
         </p:txBody>
       </p:sp>
+      <p:sp>
+        <p:nvSpPr>
+          <p:cNvPr id="4" name="Content Placeholder 3"/>
+          <p:cNvSpPr>
+            <a:spLocks noGrp="1"/>
+          </p:cNvSpPr>
+          <p:nvPr>
+            <p:ph sz="quarter" idx="13"/>
+          </p:nvPr>
+        </p:nvSpPr>
+        <p:spPr>
+          <a:xfrm>
+            <a:off x="2362200" y="381000"/>
+            <a:ext cx="5257800" cy="381000"/>
+          </a:xfrm>
+        </p:spPr>
+        <p:txBody>
+          <a:bodyPr/>
+          <a:lstStyle/>
+          <a:p>
+            <a:r>
+              <a:rPr lang="en-US" dirty="0" smtClean="0"/>
+              <a:t>1. Yêu cầu phần mềm</a:t>
+            </a:r>
+            <a:endParaRPr lang="en-US" dirty="0"/>
+          </a:p>
+        </p:txBody>
+      </p:sp>
     </p:spTree>
     <p:extLst>
       <p:ext uri="{BB962C8B-B14F-4D97-AF65-F5344CB8AC3E}">
@@ -4325,71 +4394,68 @@
           <a:p>
             <a:r>
               <a:rPr lang="en-US" dirty="0" smtClean="0"/>
-              <a:t>Định nghĩa</a:t>
+              <a:t>Tổng quan</a:t>
             </a:r>
             <a:endParaRPr lang="en-US" dirty="0"/>
           </a:p>
         </p:txBody>
       </p:sp>
-      <p:sp>
-        <p:nvSpPr>
-          <p:cNvPr id="3" name="Content Placeholder 2"/>
-          <p:cNvSpPr>
-            <a:spLocks noGrp="1"/>
-          </p:cNvSpPr>
+      <p:pic>
+        <p:nvPicPr>
+          <p:cNvPr id="4" name="Content Placeholder 3"/>
+          <p:cNvPicPr>
+            <a:picLocks noGrp="1" noChangeAspect="1"/>
+          </p:cNvPicPr>
           <p:nvPr>
             <p:ph idx="1"/>
           </p:nvPr>
+        </p:nvPicPr>
+        <p:blipFill>
+          <a:blip r:embed="rId2">
+            <a:extLst>
+              <a:ext uri="{28A0092B-C50C-407E-A947-70E740481C1C}">
+                <a14:useLocalDpi xmlns:a14="http://schemas.microsoft.com/office/drawing/2010/main" val="0"/>
+              </a:ext>
+            </a:extLst>
+          </a:blip>
+          <a:stretch>
+            <a:fillRect/>
+          </a:stretch>
+        </p:blipFill>
+        <p:spPr>
+          <a:xfrm>
+            <a:off x="748868" y="1825624"/>
+            <a:ext cx="7646264" cy="4814608"/>
+          </a:xfrm>
+        </p:spPr>
+      </p:pic>
+      <p:sp>
+        <p:nvSpPr>
+          <p:cNvPr id="6" name="Content Placeholder 5"/>
+          <p:cNvSpPr>
+            <a:spLocks noGrp="1"/>
+          </p:cNvSpPr>
+          <p:nvPr>
+            <p:ph sz="quarter" idx="13"/>
+          </p:nvPr>
         </p:nvSpPr>
         <p:spPr/>
         <p:txBody>
-          <a:bodyPr>
-            <a:normAutofit/>
-          </a:bodyPr>
-          <a:lstStyle/>
-          <a:p>
-            <a:r>
-              <a:rPr lang="vi-VN" sz="1800" dirty="0" smtClean="0"/>
-              <a:t>Yêu cầu cho 1 phần mềm cụ thể là tổng hợp những yêu cầu từ nhiều người khác nhau về tổ chức, mức độ chuyên môn và mức độ tham gia, tương tác với phần mềm trong môi trường hoạt động của nó.</a:t>
-            </a:r>
-            <a:endParaRPr lang="en-US" sz="1800" dirty="0" smtClean="0"/>
-          </a:p>
-          <a:p>
-            <a:endParaRPr lang="vi-VN" sz="1800" dirty="0" smtClean="0"/>
-          </a:p>
-          <a:p>
-            <a:r>
-              <a:rPr lang="vi-VN" sz="1800" dirty="0" smtClean="0"/>
-              <a:t>Có thể kiểm chứng một cách riêng rẽ ở mức chức năng(yêu cầu chức năng) hoặc mức hệ thống(yêu cầu phi chức năng)</a:t>
-            </a:r>
-            <a:endParaRPr lang="en-US" sz="1800" dirty="0" smtClean="0"/>
-          </a:p>
-          <a:p>
-            <a:endParaRPr lang="vi-VN" sz="1800" dirty="0" smtClean="0"/>
-          </a:p>
-          <a:p>
-            <a:r>
-              <a:rPr lang="vi-VN" sz="1800" dirty="0" smtClean="0"/>
-              <a:t>Cung cấp các chỉ số đánh giá độ ưu tiên về các mặt khi cân nhắc về nguồn tài nguyên.</a:t>
-            </a:r>
-            <a:endParaRPr lang="en-US" sz="1800" dirty="0" smtClean="0"/>
-          </a:p>
-          <a:p>
-            <a:endParaRPr lang="vi-VN" sz="1800" dirty="0" smtClean="0"/>
-          </a:p>
-          <a:p>
-            <a:r>
-              <a:rPr lang="vi-VN" sz="1800" dirty="0" smtClean="0"/>
-              <a:t>Cung cấp các giá trị trạng thái để theo dõi tiến độ của dự án.</a:t>
-            </a:r>
-            <a:endParaRPr lang="en-US" sz="1800" dirty="0"/>
+          <a:bodyPr/>
+          <a:lstStyle/>
+          <a:p>
+            <a:r>
+              <a:rPr lang="en-US" dirty="0" smtClean="0"/>
+              <a:t>1. Yêu cầu phần mềm</a:t>
+            </a:r>
+            <a:endParaRPr lang="en-US" dirty="0"/>
           </a:p>
         </p:txBody>
       </p:sp>
     </p:spTree>
     <p:extLst>
       <p:ext uri="{BB962C8B-B14F-4D97-AF65-F5344CB8AC3E}">
-        <p14:creationId xmlns:p14="http://schemas.microsoft.com/office/powerpoint/2010/main" val="3595968956"/>
+        <p14:creationId xmlns:p14="http://schemas.microsoft.com/office/powerpoint/2010/main" val="3401635834"/>
       </p:ext>
     </p:extLst>
   </p:cSld>
@@ -4439,16 +4505,157 @@
           <a:lstStyle/>
           <a:p>
             <a:r>
+              <a:rPr lang="en-US" dirty="0"/>
+              <a:t>Định nghĩa</a:t>
+            </a:r>
+          </a:p>
+        </p:txBody>
+      </p:sp>
+      <p:sp>
+        <p:nvSpPr>
+          <p:cNvPr id="4" name="Content Placeholder 3"/>
+          <p:cNvSpPr>
+            <a:spLocks noGrp="1"/>
+          </p:cNvSpPr>
+          <p:nvPr>
+            <p:ph sz="quarter" idx="13"/>
+          </p:nvPr>
+        </p:nvSpPr>
+        <p:spPr/>
+        <p:txBody>
+          <a:bodyPr/>
+          <a:lstStyle/>
+          <a:p>
+            <a:r>
               <a:rPr lang="en-US" dirty="0" smtClean="0"/>
+              <a:t>1.1. Yêu cầu phần mềm | Kiến thức cơ bản</a:t>
+            </a:r>
+            <a:endParaRPr lang="en-US" dirty="0"/>
+          </a:p>
+        </p:txBody>
+      </p:sp>
+      <p:sp>
+        <p:nvSpPr>
+          <p:cNvPr id="7" name="Content Placeholder 2"/>
+          <p:cNvSpPr>
+            <a:spLocks noGrp="1"/>
+          </p:cNvSpPr>
+          <p:nvPr>
+            <p:ph idx="1"/>
+          </p:nvPr>
+        </p:nvSpPr>
+        <p:spPr>
+          <a:xfrm>
+            <a:off x="628650" y="1825625"/>
+            <a:ext cx="7886700" cy="4351338"/>
+          </a:xfrm>
+        </p:spPr>
+        <p:txBody>
+          <a:bodyPr>
+            <a:normAutofit/>
+          </a:bodyPr>
+          <a:lstStyle/>
+          <a:p>
+            <a:r>
+              <a:rPr lang="vi-VN" sz="1800" dirty="0" smtClean="0"/>
+              <a:t>Yêu cầu cho 1 phần mềm cụ thể là tổng hợp những yêu cầu từ nhiều người khác nhau về tổ chức, mức độ chuyên môn và mức độ tham gia, tương tác với phần mềm trong môi trường hoạt động của nó.</a:t>
+            </a:r>
+            <a:endParaRPr lang="en-US" sz="1800" dirty="0" smtClean="0"/>
+          </a:p>
+          <a:p>
+            <a:endParaRPr lang="vi-VN" sz="1800" dirty="0" smtClean="0"/>
+          </a:p>
+          <a:p>
+            <a:r>
+              <a:rPr lang="vi-VN" sz="1800" dirty="0" smtClean="0"/>
+              <a:t>Có thể kiểm chứng một cách riêng rẽ ở mức chức năng(yêu cầu chức năng) hoặc mức hệ thống(yêu cầu phi chức năng)</a:t>
+            </a:r>
+            <a:endParaRPr lang="en-US" sz="1800" dirty="0" smtClean="0"/>
+          </a:p>
+          <a:p>
+            <a:endParaRPr lang="vi-VN" sz="1800" dirty="0" smtClean="0"/>
+          </a:p>
+          <a:p>
+            <a:r>
+              <a:rPr lang="vi-VN" sz="1800" dirty="0" smtClean="0"/>
+              <a:t>Cung cấp các chỉ số đánh giá độ ưu tiên về các mặt khi cân nhắc về nguồn tài nguyên.</a:t>
+            </a:r>
+            <a:endParaRPr lang="en-US" sz="1800" dirty="0" smtClean="0"/>
+          </a:p>
+          <a:p>
+            <a:endParaRPr lang="vi-VN" sz="1800" dirty="0" smtClean="0"/>
+          </a:p>
+          <a:p>
+            <a:r>
+              <a:rPr lang="vi-VN" sz="1800" dirty="0" smtClean="0"/>
+              <a:t>Cung cấp các giá trị trạng thái để theo dõi tiến độ của dự án.</a:t>
+            </a:r>
+            <a:endParaRPr lang="en-US" sz="1800" dirty="0"/>
+          </a:p>
+        </p:txBody>
+      </p:sp>
+    </p:spTree>
+    <p:extLst>
+      <p:ext uri="{BB962C8B-B14F-4D97-AF65-F5344CB8AC3E}">
+        <p14:creationId xmlns:p14="http://schemas.microsoft.com/office/powerpoint/2010/main" val="4288531257"/>
+      </p:ext>
+    </p:extLst>
+  </p:cSld>
+  <p:clrMapOvr>
+    <a:masterClrMapping/>
+  </p:clrMapOvr>
+  <p:timing>
+    <p:tnLst>
+      <p:par>
+        <p:cTn id="1" dur="indefinite" restart="never" nodeType="tmRoot"/>
+      </p:par>
+    </p:tnLst>
+  </p:timing>
+</p:sld>
+</file>
+
+<file path=ppt/slides/slide6.xml><?xml version="1.0" encoding="utf-8"?>
+<p:sld xmlns:a="http://schemas.openxmlformats.org/drawingml/2006/main" xmlns:r="http://schemas.openxmlformats.org/officeDocument/2006/relationships" xmlns:p="http://schemas.openxmlformats.org/presentationml/2006/main">
+  <p:cSld>
+    <p:spTree>
+      <p:nvGrpSpPr>
+        <p:cNvPr id="1" name=""/>
+        <p:cNvGrpSpPr/>
+        <p:nvPr/>
+      </p:nvGrpSpPr>
+      <p:grpSpPr>
+        <a:xfrm>
+          <a:off x="0" y="0"/>
+          <a:ext cx="0" cy="0"/>
+          <a:chOff x="0" y="0"/>
+          <a:chExt cx="0" cy="0"/>
+        </a:xfrm>
+      </p:grpSpPr>
+      <p:sp>
+        <p:nvSpPr>
+          <p:cNvPr id="2" name="Title 1"/>
+          <p:cNvSpPr>
+            <a:spLocks noGrp="1"/>
+          </p:cNvSpPr>
+          <p:nvPr>
+            <p:ph type="title"/>
+          </p:nvPr>
+        </p:nvSpPr>
+        <p:spPr/>
+        <p:txBody>
+          <a:bodyPr/>
+          <a:lstStyle/>
+          <a:p>
+            <a:r>
+              <a:rPr lang="en-US" dirty="0"/>
               <a:t>Phân loại</a:t>
             </a:r>
-            <a:endParaRPr lang="en-US" dirty="0"/>
-          </a:p>
-        </p:txBody>
-      </p:sp>
-      <p:sp>
-        <p:nvSpPr>
-          <p:cNvPr id="3" name="Content Placeholder 2"/>
+          </a:p>
+        </p:txBody>
+      </p:sp>
+      <p:sp>
+        <p:nvSpPr>
+          <p:cNvPr id="5" name="Content Placeholder 2"/>
           <p:cNvSpPr>
             <a:spLocks noGrp="1"/>
           </p:cNvSpPr>
@@ -4456,7 +4663,12 @@
             <p:ph idx="1"/>
           </p:nvPr>
         </p:nvSpPr>
-        <p:spPr/>
+        <p:spPr>
+          <a:xfrm>
+            <a:off x="628650" y="1825625"/>
+            <a:ext cx="7886700" cy="4351338"/>
+          </a:xfrm>
+        </p:spPr>
         <p:txBody>
           <a:bodyPr/>
           <a:lstStyle/>
@@ -4532,10 +4744,38 @@
           </a:p>
         </p:txBody>
       </p:sp>
+      <p:sp>
+        <p:nvSpPr>
+          <p:cNvPr id="6" name="Content Placeholder 3"/>
+          <p:cNvSpPr>
+            <a:spLocks noGrp="1"/>
+          </p:cNvSpPr>
+          <p:nvPr>
+            <p:ph sz="quarter" idx="13"/>
+          </p:nvPr>
+        </p:nvSpPr>
+        <p:spPr>
+          <a:xfrm>
+            <a:off x="2362200" y="381000"/>
+            <a:ext cx="5257800" cy="381000"/>
+          </a:xfrm>
+        </p:spPr>
+        <p:txBody>
+          <a:bodyPr/>
+          <a:lstStyle/>
+          <a:p>
+            <a:r>
+              <a:rPr lang="en-US" dirty="0" smtClean="0"/>
+              <a:t>1.1. Yêu cầu phần mềm | Kiến thức cơ bản</a:t>
+            </a:r>
+            <a:endParaRPr lang="en-US" dirty="0"/>
+          </a:p>
+        </p:txBody>
+      </p:sp>
     </p:spTree>
     <p:extLst>
       <p:ext uri="{BB962C8B-B14F-4D97-AF65-F5344CB8AC3E}">
-        <p14:creationId xmlns:p14="http://schemas.microsoft.com/office/powerpoint/2010/main" val="938023546"/>
+        <p14:creationId xmlns:p14="http://schemas.microsoft.com/office/powerpoint/2010/main" val="1660568142"/>
       </p:ext>
     </p:extLst>
   </p:cSld>

--- a/slide/dev/chapter_1/slide.pptx
+++ b/slide/dev/chapter_1/slide.pptx
@@ -5,15 +5,20 @@
     <p:sldMasterId id="2147483703" r:id="rId2"/>
   </p:sldMasterIdLst>
   <p:notesMasterIdLst>
-    <p:notesMasterId r:id="rId9"/>
+    <p:notesMasterId r:id="rId14"/>
   </p:notesMasterIdLst>
   <p:sldIdLst>
     <p:sldId id="256" r:id="rId3"/>
     <p:sldId id="257" r:id="rId4"/>
     <p:sldId id="258" r:id="rId5"/>
     <p:sldId id="261" r:id="rId6"/>
-    <p:sldId id="262" r:id="rId7"/>
-    <p:sldId id="263" r:id="rId8"/>
+    <p:sldId id="266" r:id="rId7"/>
+    <p:sldId id="262" r:id="rId8"/>
+    <p:sldId id="263" r:id="rId9"/>
+    <p:sldId id="265" r:id="rId10"/>
+    <p:sldId id="264" r:id="rId11"/>
+    <p:sldId id="267" r:id="rId12"/>
+    <p:sldId id="268" r:id="rId13"/>
   </p:sldIdLst>
   <p:sldSz cx="9144000" cy="6858000" type="screen4x3"/>
   <p:notesSz cx="6858000" cy="9144000"/>
@@ -4094,6 +4099,280 @@
 </p:sld>
 </file>
 
+<file path=ppt/slides/slide10.xml><?xml version="1.0" encoding="utf-8"?>
+<p:sld xmlns:a="http://schemas.openxmlformats.org/drawingml/2006/main" xmlns:r="http://schemas.openxmlformats.org/officeDocument/2006/relationships" xmlns:p="http://schemas.openxmlformats.org/presentationml/2006/main">
+  <p:cSld>
+    <p:spTree>
+      <p:nvGrpSpPr>
+        <p:cNvPr id="1" name=""/>
+        <p:cNvGrpSpPr/>
+        <p:nvPr/>
+      </p:nvGrpSpPr>
+      <p:grpSpPr>
+        <a:xfrm>
+          <a:off x="0" y="0"/>
+          <a:ext cx="0" cy="0"/>
+          <a:chOff x="0" y="0"/>
+          <a:chExt cx="0" cy="0"/>
+        </a:xfrm>
+      </p:grpSpPr>
+      <p:sp>
+        <p:nvSpPr>
+          <p:cNvPr id="2" name="Title 1"/>
+          <p:cNvSpPr>
+            <a:spLocks noGrp="1"/>
+          </p:cNvSpPr>
+          <p:nvPr>
+            <p:ph type="title"/>
+          </p:nvPr>
+        </p:nvSpPr>
+        <p:spPr/>
+        <p:txBody>
+          <a:bodyPr/>
+          <a:lstStyle/>
+          <a:p>
+            <a:r>
+              <a:rPr lang="en-US" dirty="0" smtClean="0"/>
+              <a:t>Hỗ trợ và quản lý</a:t>
+            </a:r>
+            <a:endParaRPr lang="en-US" dirty="0"/>
+          </a:p>
+        </p:txBody>
+      </p:sp>
+      <p:sp>
+        <p:nvSpPr>
+          <p:cNvPr id="5" name="Content Placeholder 2"/>
+          <p:cNvSpPr>
+            <a:spLocks noGrp="1"/>
+          </p:cNvSpPr>
+          <p:nvPr>
+            <p:ph idx="1"/>
+          </p:nvPr>
+        </p:nvSpPr>
+        <p:spPr>
+          <a:xfrm>
+            <a:off x="628650" y="1825625"/>
+            <a:ext cx="7886700" cy="4351338"/>
+          </a:xfrm>
+        </p:spPr>
+        <p:txBody>
+          <a:bodyPr/>
+          <a:lstStyle/>
+          <a:p>
+            <a:r>
+              <a:rPr lang="en-US" sz="2000" b="1" dirty="0" smtClean="0"/>
+              <a:t>...</a:t>
+            </a:r>
+            <a:endParaRPr lang="en-US" sz="2000" b="1" dirty="0" smtClean="0"/>
+          </a:p>
+          <a:p>
+            <a:pPr lvl="1">
+              <a:buFont typeface="Wingdings" panose="05000000000000000000" pitchFamily="2" charset="2"/>
+              <a:buChar char="Ø"/>
+            </a:pPr>
+            <a:r>
+              <a:rPr lang="en-US" sz="1600" dirty="0" smtClean="0"/>
+              <a:t>...</a:t>
+            </a:r>
+            <a:endParaRPr lang="en-US" sz="1600" dirty="0"/>
+          </a:p>
+        </p:txBody>
+      </p:sp>
+      <p:sp>
+        <p:nvSpPr>
+          <p:cNvPr id="6" name="Content Placeholder 3"/>
+          <p:cNvSpPr>
+            <a:spLocks noGrp="1"/>
+          </p:cNvSpPr>
+          <p:nvPr>
+            <p:ph sz="quarter" idx="13"/>
+          </p:nvPr>
+        </p:nvSpPr>
+        <p:spPr>
+          <a:xfrm>
+            <a:off x="2362200" y="381000"/>
+            <a:ext cx="5257800" cy="381000"/>
+          </a:xfrm>
+        </p:spPr>
+        <p:txBody>
+          <a:bodyPr>
+            <a:normAutofit/>
+          </a:bodyPr>
+          <a:lstStyle/>
+          <a:p>
+            <a:r>
+              <a:rPr lang="en-US" dirty="0" smtClean="0"/>
+              <a:t>1.2. </a:t>
+            </a:r>
+            <a:r>
+              <a:rPr lang="en-US" dirty="0" smtClean="0"/>
+              <a:t>Yêu cầu phần mềm | </a:t>
+            </a:r>
+            <a:r>
+              <a:rPr lang="en-US" dirty="0" smtClean="0"/>
+              <a:t>Quy trình</a:t>
+            </a:r>
+            <a:endParaRPr lang="en-US" dirty="0"/>
+          </a:p>
+        </p:txBody>
+      </p:sp>
+    </p:spTree>
+    <p:extLst>
+      <p:ext uri="{BB962C8B-B14F-4D97-AF65-F5344CB8AC3E}">
+        <p14:creationId xmlns:p14="http://schemas.microsoft.com/office/powerpoint/2010/main" val="1040804180"/>
+      </p:ext>
+    </p:extLst>
+  </p:cSld>
+  <p:clrMapOvr>
+    <a:masterClrMapping/>
+  </p:clrMapOvr>
+  <p:timing>
+    <p:tnLst>
+      <p:par>
+        <p:cTn id="1" dur="indefinite" restart="never" nodeType="tmRoot"/>
+      </p:par>
+    </p:tnLst>
+  </p:timing>
+</p:sld>
+</file>
+
+<file path=ppt/slides/slide11.xml><?xml version="1.0" encoding="utf-8"?>
+<p:sld xmlns:a="http://schemas.openxmlformats.org/drawingml/2006/main" xmlns:r="http://schemas.openxmlformats.org/officeDocument/2006/relationships" xmlns:p="http://schemas.openxmlformats.org/presentationml/2006/main">
+  <p:cSld>
+    <p:spTree>
+      <p:nvGrpSpPr>
+        <p:cNvPr id="1" name=""/>
+        <p:cNvGrpSpPr/>
+        <p:nvPr/>
+      </p:nvGrpSpPr>
+      <p:grpSpPr>
+        <a:xfrm>
+          <a:off x="0" y="0"/>
+          <a:ext cx="0" cy="0"/>
+          <a:chOff x="0" y="0"/>
+          <a:chExt cx="0" cy="0"/>
+        </a:xfrm>
+      </p:grpSpPr>
+      <p:sp>
+        <p:nvSpPr>
+          <p:cNvPr id="2" name="Title 1"/>
+          <p:cNvSpPr>
+            <a:spLocks noGrp="1"/>
+          </p:cNvSpPr>
+          <p:nvPr>
+            <p:ph type="title"/>
+          </p:nvPr>
+        </p:nvSpPr>
+        <p:spPr/>
+        <p:txBody>
+          <a:bodyPr/>
+          <a:lstStyle/>
+          <a:p>
+            <a:r>
+              <a:rPr lang="en-US" dirty="0" smtClean="0"/>
+              <a:t>Chất lượng và cải tiến</a:t>
+            </a:r>
+            <a:endParaRPr lang="en-US" dirty="0"/>
+          </a:p>
+        </p:txBody>
+      </p:sp>
+      <p:sp>
+        <p:nvSpPr>
+          <p:cNvPr id="5" name="Content Placeholder 2"/>
+          <p:cNvSpPr>
+            <a:spLocks noGrp="1"/>
+          </p:cNvSpPr>
+          <p:nvPr>
+            <p:ph idx="1"/>
+          </p:nvPr>
+        </p:nvSpPr>
+        <p:spPr>
+          <a:xfrm>
+            <a:off x="628650" y="1825625"/>
+            <a:ext cx="7886700" cy="4351338"/>
+          </a:xfrm>
+        </p:spPr>
+        <p:txBody>
+          <a:bodyPr/>
+          <a:lstStyle/>
+          <a:p>
+            <a:r>
+              <a:rPr lang="en-US" sz="2000" b="1" dirty="0" smtClean="0"/>
+              <a:t>...</a:t>
+            </a:r>
+            <a:endParaRPr lang="en-US" sz="2000" b="1" dirty="0" smtClean="0"/>
+          </a:p>
+          <a:p>
+            <a:pPr lvl="1">
+              <a:buFont typeface="Wingdings" panose="05000000000000000000" pitchFamily="2" charset="2"/>
+              <a:buChar char="Ø"/>
+            </a:pPr>
+            <a:r>
+              <a:rPr lang="en-US" sz="1600" dirty="0" smtClean="0"/>
+              <a:t>...</a:t>
+            </a:r>
+            <a:endParaRPr lang="en-US" sz="1600" dirty="0"/>
+          </a:p>
+        </p:txBody>
+      </p:sp>
+      <p:sp>
+        <p:nvSpPr>
+          <p:cNvPr id="6" name="Content Placeholder 3"/>
+          <p:cNvSpPr>
+            <a:spLocks noGrp="1"/>
+          </p:cNvSpPr>
+          <p:nvPr>
+            <p:ph sz="quarter" idx="13"/>
+          </p:nvPr>
+        </p:nvSpPr>
+        <p:spPr>
+          <a:xfrm>
+            <a:off x="2362200" y="381000"/>
+            <a:ext cx="5257800" cy="381000"/>
+          </a:xfrm>
+        </p:spPr>
+        <p:txBody>
+          <a:bodyPr>
+            <a:normAutofit/>
+          </a:bodyPr>
+          <a:lstStyle/>
+          <a:p>
+            <a:r>
+              <a:rPr lang="en-US" dirty="0" smtClean="0"/>
+              <a:t>1.2. </a:t>
+            </a:r>
+            <a:r>
+              <a:rPr lang="en-US" dirty="0" smtClean="0"/>
+              <a:t>Yêu cầu phần mềm | </a:t>
+            </a:r>
+            <a:r>
+              <a:rPr lang="en-US" dirty="0" smtClean="0"/>
+              <a:t>Quy trình</a:t>
+            </a:r>
+            <a:endParaRPr lang="en-US" dirty="0"/>
+          </a:p>
+        </p:txBody>
+      </p:sp>
+    </p:spTree>
+    <p:extLst>
+      <p:ext uri="{BB962C8B-B14F-4D97-AF65-F5344CB8AC3E}">
+        <p14:creationId xmlns:p14="http://schemas.microsoft.com/office/powerpoint/2010/main" val="2855429040"/>
+      </p:ext>
+    </p:extLst>
+  </p:cSld>
+  <p:clrMapOvr>
+    <a:masterClrMapping/>
+  </p:clrMapOvr>
+  <p:timing>
+    <p:tnLst>
+      <p:par>
+        <p:cTn id="1" dur="indefinite" restart="never" nodeType="tmRoot"/>
+      </p:par>
+    </p:tnLst>
+  </p:timing>
+</p:sld>
+</file>
+
 <file path=ppt/slides/slide2.xml><?xml version="1.0" encoding="utf-8"?>
 <p:sld xmlns:a="http://schemas.openxmlformats.org/drawingml/2006/main" xmlns:r="http://schemas.openxmlformats.org/officeDocument/2006/relationships" xmlns:p="http://schemas.openxmlformats.org/presentationml/2006/main">
   <p:cSld>
@@ -4159,17 +4438,133 @@
           <a:p>
             <a:r>
               <a:rPr lang="en-US" dirty="0" smtClean="0">
+                <a:solidFill>
+                  <a:schemeClr val="bg1">
+                    <a:lumMod val="50000"/>
+                  </a:schemeClr>
+                </a:solidFill>
                 <a:latin typeface="Verdana" panose="020B0604030504040204" pitchFamily="34" charset="0"/>
                 <a:ea typeface="Verdana" panose="020B0604030504040204" pitchFamily="34" charset="0"/>
                 <a:cs typeface="Verdana" panose="020B0604030504040204" pitchFamily="34" charset="0"/>
               </a:rPr>
-              <a:t>CHƯƠNG 1</a:t>
+              <a:t>CHƯƠNG </a:t>
+            </a:r>
+            <a:r>
+              <a:rPr lang="en-US" dirty="0" smtClean="0">
+                <a:solidFill>
+                  <a:schemeClr val="bg1">
+                    <a:lumMod val="50000"/>
+                  </a:schemeClr>
+                </a:solidFill>
+                <a:latin typeface="Verdana" panose="020B0604030504040204" pitchFamily="34" charset="0"/>
+                <a:ea typeface="Verdana" panose="020B0604030504040204" pitchFamily="34" charset="0"/>
+                <a:cs typeface="Verdana" panose="020B0604030504040204" pitchFamily="34" charset="0"/>
+              </a:rPr>
+              <a:t>1</a:t>
+            </a:r>
+          </a:p>
+          <a:p>
+            <a:r>
+              <a:rPr lang="en-US" dirty="0" smtClean="0">
+                <a:solidFill>
+                  <a:schemeClr val="bg1">
+                    <a:lumMod val="50000"/>
+                  </a:schemeClr>
+                </a:solidFill>
+                <a:latin typeface="Verdana" panose="020B0604030504040204" pitchFamily="34" charset="0"/>
+                <a:ea typeface="Verdana" panose="020B0604030504040204" pitchFamily="34" charset="0"/>
+                <a:cs typeface="Verdana" panose="020B0604030504040204" pitchFamily="34" charset="0"/>
+              </a:rPr>
+              <a:t>1.1. Kiến thức cơ bản</a:t>
+            </a:r>
+          </a:p>
+          <a:p>
+            <a:r>
+              <a:rPr lang="en-US" dirty="0" smtClean="0">
+                <a:solidFill>
+                  <a:schemeClr val="bg1">
+                    <a:lumMod val="50000"/>
+                  </a:schemeClr>
+                </a:solidFill>
+                <a:latin typeface="Verdana" panose="020B0604030504040204" pitchFamily="34" charset="0"/>
+                <a:ea typeface="Verdana" panose="020B0604030504040204" pitchFamily="34" charset="0"/>
+                <a:cs typeface="Verdana" panose="020B0604030504040204" pitchFamily="34" charset="0"/>
+              </a:rPr>
+              <a:t>1.2. Quy trình</a:t>
+            </a:r>
+          </a:p>
+          <a:p>
+            <a:r>
+              <a:rPr lang="en-US" dirty="0" smtClean="0">
+                <a:solidFill>
+                  <a:schemeClr val="bg1">
+                    <a:lumMod val="50000"/>
+                  </a:schemeClr>
+                </a:solidFill>
+                <a:latin typeface="Verdana" panose="020B0604030504040204" pitchFamily="34" charset="0"/>
+                <a:ea typeface="Verdana" panose="020B0604030504040204" pitchFamily="34" charset="0"/>
+                <a:cs typeface="Verdana" panose="020B0604030504040204" pitchFamily="34" charset="0"/>
+              </a:rPr>
+              <a:t>1.3. </a:t>
             </a:r>
             <a:endParaRPr lang="en-US" dirty="0">
+              <a:solidFill>
+                <a:schemeClr val="bg1">
+                  <a:lumMod val="50000"/>
+                </a:schemeClr>
+              </a:solidFill>
               <a:latin typeface="Verdana" panose="020B0604030504040204" pitchFamily="34" charset="0"/>
               <a:ea typeface="Verdana" panose="020B0604030504040204" pitchFamily="34" charset="0"/>
               <a:cs typeface="Verdana" panose="020B0604030504040204" pitchFamily="34" charset="0"/>
             </a:endParaRPr>
+          </a:p>
+        </p:txBody>
+      </p:sp>
+      <p:sp>
+        <p:nvSpPr>
+          <p:cNvPr id="4" name="Isosceles Triangle 3"/>
+          <p:cNvSpPr/>
+          <p:nvPr/>
+        </p:nvSpPr>
+        <p:spPr>
+          <a:xfrm flipV="1">
+            <a:off x="762000" y="6089651"/>
+            <a:ext cx="304800" cy="158749"/>
+          </a:xfrm>
+          <a:prstGeom prst="triangle">
+            <a:avLst/>
+          </a:prstGeom>
+          <a:solidFill>
+            <a:schemeClr val="bg1">
+              <a:lumMod val="75000"/>
+            </a:schemeClr>
+          </a:solidFill>
+          <a:ln>
+            <a:noFill/>
+          </a:ln>
+        </p:spPr>
+        <p:style>
+          <a:lnRef idx="2">
+            <a:schemeClr val="accent1">
+              <a:shade val="50000"/>
+            </a:schemeClr>
+          </a:lnRef>
+          <a:fillRef idx="1">
+            <a:schemeClr val="accent1"/>
+          </a:fillRef>
+          <a:effectRef idx="0">
+            <a:schemeClr val="accent1"/>
+          </a:effectRef>
+          <a:fontRef idx="minor">
+            <a:schemeClr val="lt1"/>
+          </a:fontRef>
+        </p:style>
+        <p:txBody>
+          <a:bodyPr rtlCol="0" anchor="ctr"/>
+          <a:lstStyle/>
+          <a:p>
+            <a:pPr algn="ctr"/>
+            <a:endParaRPr lang="en-US"/>
           </a:p>
         </p:txBody>
       </p:sp>
@@ -4505,20 +4900,29 @@
           <a:lstStyle/>
           <a:p>
             <a:r>
-              <a:rPr lang="en-US" dirty="0"/>
-              <a:t>Định nghĩa</a:t>
-            </a:r>
-          </a:p>
-        </p:txBody>
-      </p:sp>
-      <p:sp>
-        <p:nvSpPr>
-          <p:cNvPr id="4" name="Content Placeholder 3"/>
-          <p:cNvSpPr>
-            <a:spLocks noGrp="1"/>
-          </p:cNvSpPr>
-          <p:nvPr>
-            <p:ph sz="quarter" idx="13"/>
+              <a:rPr lang="en-US" b="1" dirty="0" smtClean="0">
+                <a:latin typeface="Verdana" panose="020B0604030504040204" pitchFamily="34" charset="0"/>
+                <a:ea typeface="Verdana" panose="020B0604030504040204" pitchFamily="34" charset="0"/>
+                <a:cs typeface="Verdana" panose="020B0604030504040204" pitchFamily="34" charset="0"/>
+              </a:rPr>
+              <a:t>YÊU CẦU PHẦN MỀM</a:t>
+            </a:r>
+            <a:endParaRPr lang="en-US" b="1" dirty="0">
+              <a:latin typeface="Verdana" panose="020B0604030504040204" pitchFamily="34" charset="0"/>
+              <a:ea typeface="Verdana" panose="020B0604030504040204" pitchFamily="34" charset="0"/>
+              <a:cs typeface="Verdana" panose="020B0604030504040204" pitchFamily="34" charset="0"/>
+            </a:endParaRPr>
+          </a:p>
+        </p:txBody>
+      </p:sp>
+      <p:sp>
+        <p:nvSpPr>
+          <p:cNvPr id="3" name="Text Placeholder 2"/>
+          <p:cNvSpPr>
+            <a:spLocks noGrp="1"/>
+          </p:cNvSpPr>
+          <p:nvPr>
+            <p:ph type="body" idx="1"/>
           </p:nvPr>
         </p:nvSpPr>
         <p:spPr/>
@@ -4527,77 +4931,114 @@
           <a:lstStyle/>
           <a:p>
             <a:r>
-              <a:rPr lang="en-US" dirty="0" smtClean="0"/>
-              <a:t>1.1. Yêu cầu phần mềm | Kiến thức cơ bản</a:t>
-            </a:r>
-            <a:endParaRPr lang="en-US" dirty="0"/>
-          </a:p>
-        </p:txBody>
-      </p:sp>
-      <p:sp>
-        <p:nvSpPr>
-          <p:cNvPr id="7" name="Content Placeholder 2"/>
-          <p:cNvSpPr>
-            <a:spLocks noGrp="1"/>
-          </p:cNvSpPr>
-          <p:nvPr>
-            <p:ph idx="1"/>
-          </p:nvPr>
+              <a:rPr lang="en-US" dirty="0" smtClean="0">
+                <a:latin typeface="Verdana" panose="020B0604030504040204" pitchFamily="34" charset="0"/>
+                <a:ea typeface="Verdana" panose="020B0604030504040204" pitchFamily="34" charset="0"/>
+                <a:cs typeface="Verdana" panose="020B0604030504040204" pitchFamily="34" charset="0"/>
+              </a:rPr>
+              <a:t>CHƯƠNG </a:t>
+            </a:r>
+            <a:r>
+              <a:rPr lang="en-US" dirty="0" smtClean="0">
+                <a:latin typeface="Verdana" panose="020B0604030504040204" pitchFamily="34" charset="0"/>
+                <a:ea typeface="Verdana" panose="020B0604030504040204" pitchFamily="34" charset="0"/>
+                <a:cs typeface="Verdana" panose="020B0604030504040204" pitchFamily="34" charset="0"/>
+              </a:rPr>
+              <a:t>1</a:t>
+            </a:r>
+          </a:p>
+          <a:p>
+            <a:r>
+              <a:rPr lang="en-US" dirty="0" smtClean="0">
+                <a:solidFill>
+                  <a:srgbClr val="FF1111"/>
+                </a:solidFill>
+                <a:latin typeface="Verdana" panose="020B0604030504040204" pitchFamily="34" charset="0"/>
+                <a:ea typeface="Verdana" panose="020B0604030504040204" pitchFamily="34" charset="0"/>
+                <a:cs typeface="Verdana" panose="020B0604030504040204" pitchFamily="34" charset="0"/>
+              </a:rPr>
+              <a:t>1.1. Kiến thức cơ bản</a:t>
+            </a:r>
+          </a:p>
+          <a:p>
+            <a:r>
+              <a:rPr lang="en-US" dirty="0" smtClean="0">
+                <a:latin typeface="Verdana" panose="020B0604030504040204" pitchFamily="34" charset="0"/>
+                <a:ea typeface="Verdana" panose="020B0604030504040204" pitchFamily="34" charset="0"/>
+                <a:cs typeface="Verdana" panose="020B0604030504040204" pitchFamily="34" charset="0"/>
+              </a:rPr>
+              <a:t>1.2. Quy trình</a:t>
+            </a:r>
+          </a:p>
+          <a:p>
+            <a:r>
+              <a:rPr lang="en-US" dirty="0" smtClean="0">
+                <a:latin typeface="Verdana" panose="020B0604030504040204" pitchFamily="34" charset="0"/>
+                <a:ea typeface="Verdana" panose="020B0604030504040204" pitchFamily="34" charset="0"/>
+                <a:cs typeface="Verdana" panose="020B0604030504040204" pitchFamily="34" charset="0"/>
+              </a:rPr>
+              <a:t>1.3. </a:t>
+            </a:r>
+            <a:endParaRPr lang="en-US" dirty="0">
+              <a:latin typeface="Verdana" panose="020B0604030504040204" pitchFamily="34" charset="0"/>
+              <a:ea typeface="Verdana" panose="020B0604030504040204" pitchFamily="34" charset="0"/>
+              <a:cs typeface="Verdana" panose="020B0604030504040204" pitchFamily="34" charset="0"/>
+            </a:endParaRPr>
+          </a:p>
+        </p:txBody>
+      </p:sp>
+      <p:sp>
+        <p:nvSpPr>
+          <p:cNvPr id="4" name="Isosceles Triangle 3"/>
+          <p:cNvSpPr/>
+          <p:nvPr/>
         </p:nvSpPr>
         <p:spPr>
-          <a:xfrm>
-            <a:off x="628650" y="1825625"/>
-            <a:ext cx="7886700" cy="4351338"/>
+          <a:xfrm flipV="1">
+            <a:off x="762000" y="6089651"/>
+            <a:ext cx="304800" cy="158749"/>
           </a:xfrm>
+          <a:prstGeom prst="triangle">
+            <a:avLst/>
+          </a:prstGeom>
+          <a:solidFill>
+            <a:schemeClr val="bg1">
+              <a:lumMod val="75000"/>
+            </a:schemeClr>
+          </a:solidFill>
+          <a:ln>
+            <a:noFill/>
+          </a:ln>
         </p:spPr>
-        <p:txBody>
-          <a:bodyPr>
-            <a:normAutofit/>
-          </a:bodyPr>
-          <a:lstStyle/>
-          <a:p>
-            <a:r>
-              <a:rPr lang="vi-VN" sz="1800" dirty="0" smtClean="0"/>
-              <a:t>Yêu cầu cho 1 phần mềm cụ thể là tổng hợp những yêu cầu từ nhiều người khác nhau về tổ chức, mức độ chuyên môn và mức độ tham gia, tương tác với phần mềm trong môi trường hoạt động của nó.</a:t>
-            </a:r>
-            <a:endParaRPr lang="en-US" sz="1800" dirty="0" smtClean="0"/>
-          </a:p>
-          <a:p>
-            <a:endParaRPr lang="vi-VN" sz="1800" dirty="0" smtClean="0"/>
-          </a:p>
-          <a:p>
-            <a:r>
-              <a:rPr lang="vi-VN" sz="1800" dirty="0" smtClean="0"/>
-              <a:t>Có thể kiểm chứng một cách riêng rẽ ở mức chức năng(yêu cầu chức năng) hoặc mức hệ thống(yêu cầu phi chức năng)</a:t>
-            </a:r>
-            <a:endParaRPr lang="en-US" sz="1800" dirty="0" smtClean="0"/>
-          </a:p>
-          <a:p>
-            <a:endParaRPr lang="vi-VN" sz="1800" dirty="0" smtClean="0"/>
-          </a:p>
-          <a:p>
-            <a:r>
-              <a:rPr lang="vi-VN" sz="1800" dirty="0" smtClean="0"/>
-              <a:t>Cung cấp các chỉ số đánh giá độ ưu tiên về các mặt khi cân nhắc về nguồn tài nguyên.</a:t>
-            </a:r>
-            <a:endParaRPr lang="en-US" sz="1800" dirty="0" smtClean="0"/>
-          </a:p>
-          <a:p>
-            <a:endParaRPr lang="vi-VN" sz="1800" dirty="0" smtClean="0"/>
-          </a:p>
-          <a:p>
-            <a:r>
-              <a:rPr lang="vi-VN" sz="1800" dirty="0" smtClean="0"/>
-              <a:t>Cung cấp các giá trị trạng thái để theo dõi tiến độ của dự án.</a:t>
-            </a:r>
-            <a:endParaRPr lang="en-US" sz="1800" dirty="0"/>
+        <p:style>
+          <a:lnRef idx="2">
+            <a:schemeClr val="accent1">
+              <a:shade val="50000"/>
+            </a:schemeClr>
+          </a:lnRef>
+          <a:fillRef idx="1">
+            <a:schemeClr val="accent1"/>
+          </a:fillRef>
+          <a:effectRef idx="0">
+            <a:schemeClr val="accent1"/>
+          </a:effectRef>
+          <a:fontRef idx="minor">
+            <a:schemeClr val="lt1"/>
+          </a:fontRef>
+        </p:style>
+        <p:txBody>
+          <a:bodyPr rtlCol="0" anchor="ctr"/>
+          <a:lstStyle/>
+          <a:p>
+            <a:pPr algn="ctr"/>
+            <a:endParaRPr lang="en-US"/>
           </a:p>
         </p:txBody>
       </p:sp>
     </p:spTree>
     <p:extLst>
       <p:ext uri="{BB962C8B-B14F-4D97-AF65-F5344CB8AC3E}">
-        <p14:creationId xmlns:p14="http://schemas.microsoft.com/office/powerpoint/2010/main" val="4288531257"/>
+        <p14:creationId xmlns:p14="http://schemas.microsoft.com/office/powerpoint/2010/main" val="2824940162"/>
       </p:ext>
     </p:extLst>
   </p:cSld>
@@ -4648,14 +5089,37 @@
           <a:p>
             <a:r>
               <a:rPr lang="en-US" dirty="0"/>
-              <a:t>Phân loại</a:t>
-            </a:r>
-          </a:p>
-        </p:txBody>
-      </p:sp>
-      <p:sp>
-        <p:nvSpPr>
-          <p:cNvPr id="5" name="Content Placeholder 2"/>
+              <a:t>Định nghĩa</a:t>
+            </a:r>
+          </a:p>
+        </p:txBody>
+      </p:sp>
+      <p:sp>
+        <p:nvSpPr>
+          <p:cNvPr id="4" name="Content Placeholder 3"/>
+          <p:cNvSpPr>
+            <a:spLocks noGrp="1"/>
+          </p:cNvSpPr>
+          <p:nvPr>
+            <p:ph sz="quarter" idx="13"/>
+          </p:nvPr>
+        </p:nvSpPr>
+        <p:spPr/>
+        <p:txBody>
+          <a:bodyPr/>
+          <a:lstStyle/>
+          <a:p>
+            <a:r>
+              <a:rPr lang="en-US" dirty="0" smtClean="0"/>
+              <a:t>1.1. Yêu cầu phần mềm | Kiến thức cơ bản</a:t>
+            </a:r>
+            <a:endParaRPr lang="en-US" dirty="0"/>
+          </a:p>
+        </p:txBody>
+      </p:sp>
+      <p:sp>
+        <p:nvSpPr>
+          <p:cNvPr id="7" name="Content Placeholder 2"/>
           <p:cNvSpPr>
             <a:spLocks noGrp="1"/>
           </p:cNvSpPr>
@@ -4670,6 +5134,125 @@
           </a:xfrm>
         </p:spPr>
         <p:txBody>
+          <a:bodyPr>
+            <a:normAutofit/>
+          </a:bodyPr>
+          <a:lstStyle/>
+          <a:p>
+            <a:r>
+              <a:rPr lang="vi-VN" sz="1800" dirty="0" smtClean="0"/>
+              <a:t>Yêu cầu cho 1 phần mềm cụ thể là tổng hợp những yêu cầu từ nhiều người khác nhau về tổ chức, mức độ chuyên môn và mức độ tham gia, tương tác với phần mềm trong môi trường hoạt động của nó.</a:t>
+            </a:r>
+            <a:endParaRPr lang="en-US" sz="1800" dirty="0" smtClean="0"/>
+          </a:p>
+          <a:p>
+            <a:endParaRPr lang="vi-VN" sz="1800" dirty="0" smtClean="0"/>
+          </a:p>
+          <a:p>
+            <a:r>
+              <a:rPr lang="vi-VN" sz="1800" dirty="0" smtClean="0"/>
+              <a:t>Có thể kiểm chứng một cách riêng rẽ ở mức chức năng(yêu cầu chức năng) hoặc mức hệ thống(yêu cầu phi chức năng)</a:t>
+            </a:r>
+            <a:endParaRPr lang="en-US" sz="1800" dirty="0" smtClean="0"/>
+          </a:p>
+          <a:p>
+            <a:endParaRPr lang="vi-VN" sz="1800" dirty="0" smtClean="0"/>
+          </a:p>
+          <a:p>
+            <a:r>
+              <a:rPr lang="vi-VN" sz="1800" dirty="0" smtClean="0"/>
+              <a:t>Cung cấp các chỉ số đánh giá độ ưu tiên về các mặt khi cân nhắc về nguồn tài nguyên.</a:t>
+            </a:r>
+            <a:endParaRPr lang="en-US" sz="1800" dirty="0" smtClean="0"/>
+          </a:p>
+          <a:p>
+            <a:endParaRPr lang="vi-VN" sz="1800" dirty="0" smtClean="0"/>
+          </a:p>
+          <a:p>
+            <a:r>
+              <a:rPr lang="vi-VN" sz="1800" dirty="0" smtClean="0"/>
+              <a:t>Cung cấp các giá trị trạng thái để theo dõi tiến độ của dự án.</a:t>
+            </a:r>
+            <a:endParaRPr lang="en-US" sz="1800" dirty="0"/>
+          </a:p>
+        </p:txBody>
+      </p:sp>
+    </p:spTree>
+    <p:extLst>
+      <p:ext uri="{BB962C8B-B14F-4D97-AF65-F5344CB8AC3E}">
+        <p14:creationId xmlns:p14="http://schemas.microsoft.com/office/powerpoint/2010/main" val="4288531257"/>
+      </p:ext>
+    </p:extLst>
+  </p:cSld>
+  <p:clrMapOvr>
+    <a:masterClrMapping/>
+  </p:clrMapOvr>
+  <p:timing>
+    <p:tnLst>
+      <p:par>
+        <p:cTn id="1" dur="indefinite" restart="never" nodeType="tmRoot"/>
+      </p:par>
+    </p:tnLst>
+  </p:timing>
+</p:sld>
+</file>
+
+<file path=ppt/slides/slide7.xml><?xml version="1.0" encoding="utf-8"?>
+<p:sld xmlns:a="http://schemas.openxmlformats.org/drawingml/2006/main" xmlns:r="http://schemas.openxmlformats.org/officeDocument/2006/relationships" xmlns:p="http://schemas.openxmlformats.org/presentationml/2006/main">
+  <p:cSld>
+    <p:spTree>
+      <p:nvGrpSpPr>
+        <p:cNvPr id="1" name=""/>
+        <p:cNvGrpSpPr/>
+        <p:nvPr/>
+      </p:nvGrpSpPr>
+      <p:grpSpPr>
+        <a:xfrm>
+          <a:off x="0" y="0"/>
+          <a:ext cx="0" cy="0"/>
+          <a:chOff x="0" y="0"/>
+          <a:chExt cx="0" cy="0"/>
+        </a:xfrm>
+      </p:grpSpPr>
+      <p:sp>
+        <p:nvSpPr>
+          <p:cNvPr id="2" name="Title 1"/>
+          <p:cNvSpPr>
+            <a:spLocks noGrp="1"/>
+          </p:cNvSpPr>
+          <p:nvPr>
+            <p:ph type="title"/>
+          </p:nvPr>
+        </p:nvSpPr>
+        <p:spPr/>
+        <p:txBody>
+          <a:bodyPr/>
+          <a:lstStyle/>
+          <a:p>
+            <a:r>
+              <a:rPr lang="en-US" dirty="0"/>
+              <a:t>Phân loại</a:t>
+            </a:r>
+          </a:p>
+        </p:txBody>
+      </p:sp>
+      <p:sp>
+        <p:nvSpPr>
+          <p:cNvPr id="5" name="Content Placeholder 2"/>
+          <p:cNvSpPr>
+            <a:spLocks noGrp="1"/>
+          </p:cNvSpPr>
+          <p:nvPr>
+            <p:ph idx="1"/>
+          </p:nvPr>
+        </p:nvSpPr>
+        <p:spPr>
+          <a:xfrm>
+            <a:off x="628650" y="1825625"/>
+            <a:ext cx="7886700" cy="4351338"/>
+          </a:xfrm>
+        </p:spPr>
+        <p:txBody>
           <a:bodyPr/>
           <a:lstStyle/>
           <a:p>
@@ -4738,7 +5321,22 @@
             </a:pPr>
             <a:r>
               <a:rPr lang="vi-VN" sz="1600" dirty="0" smtClean="0"/>
-              <a:t>Yêu cầu phi chức năng: là các ràng buộc về giải pháp và chất lượng(hiệu năng, việc bảo trì, độ an toàn, bảo mật,...).</a:t>
+              <a:t>Yêu cầu phi chức năng: là các ràng buộc về giải pháp và chất lượng(hiệu năng, việc bảo trì, độ an toàn, bảo mật</a:t>
+            </a:r>
+            <a:r>
+              <a:rPr lang="vi-VN" sz="1600" dirty="0" smtClean="0"/>
+              <a:t>,...).</a:t>
+            </a:r>
+            <a:endParaRPr lang="en-US" sz="1600" dirty="0" smtClean="0"/>
+          </a:p>
+          <a:p>
+            <a:pPr lvl="1">
+              <a:buFont typeface="Wingdings" panose="05000000000000000000" pitchFamily="2" charset="2"/>
+              <a:buChar char="Ø"/>
+            </a:pPr>
+            <a:r>
+              <a:rPr lang="en-US" sz="1600" dirty="0" smtClean="0"/>
+              <a:t>Yêu cầu đặc tả Emergent properties.</a:t>
             </a:r>
             <a:endParaRPr lang="en-US" sz="1600" dirty="0"/>
           </a:p>
@@ -4776,6 +5374,354 @@
     <p:extLst>
       <p:ext uri="{BB962C8B-B14F-4D97-AF65-F5344CB8AC3E}">
         <p14:creationId xmlns:p14="http://schemas.microsoft.com/office/powerpoint/2010/main" val="1660568142"/>
+      </p:ext>
+    </p:extLst>
+  </p:cSld>
+  <p:clrMapOvr>
+    <a:masterClrMapping/>
+  </p:clrMapOvr>
+  <p:timing>
+    <p:tnLst>
+      <p:par>
+        <p:cTn id="1" dur="indefinite" restart="never" nodeType="tmRoot"/>
+      </p:par>
+    </p:tnLst>
+  </p:timing>
+</p:sld>
+</file>
+
+<file path=ppt/slides/slide8.xml><?xml version="1.0" encoding="utf-8"?>
+<p:sld xmlns:a="http://schemas.openxmlformats.org/drawingml/2006/main" xmlns:r="http://schemas.openxmlformats.org/officeDocument/2006/relationships" xmlns:p="http://schemas.openxmlformats.org/presentationml/2006/main">
+  <p:cSld>
+    <p:spTree>
+      <p:nvGrpSpPr>
+        <p:cNvPr id="1" name=""/>
+        <p:cNvGrpSpPr/>
+        <p:nvPr/>
+      </p:nvGrpSpPr>
+      <p:grpSpPr>
+        <a:xfrm>
+          <a:off x="0" y="0"/>
+          <a:ext cx="0" cy="0"/>
+          <a:chOff x="0" y="0"/>
+          <a:chExt cx="0" cy="0"/>
+        </a:xfrm>
+      </p:grpSpPr>
+      <p:sp>
+        <p:nvSpPr>
+          <p:cNvPr id="2" name="Title 1"/>
+          <p:cNvSpPr>
+            <a:spLocks noGrp="1"/>
+          </p:cNvSpPr>
+          <p:nvPr>
+            <p:ph type="title"/>
+          </p:nvPr>
+        </p:nvSpPr>
+        <p:spPr/>
+        <p:txBody>
+          <a:bodyPr/>
+          <a:lstStyle/>
+          <a:p>
+            <a:r>
+              <a:rPr lang="en-US" b="1" dirty="0" smtClean="0">
+                <a:latin typeface="Verdana" panose="020B0604030504040204" pitchFamily="34" charset="0"/>
+                <a:ea typeface="Verdana" panose="020B0604030504040204" pitchFamily="34" charset="0"/>
+                <a:cs typeface="Verdana" panose="020B0604030504040204" pitchFamily="34" charset="0"/>
+              </a:rPr>
+              <a:t>YÊU CẦU PHẦN MỀM</a:t>
+            </a:r>
+            <a:endParaRPr lang="en-US" b="1" dirty="0">
+              <a:latin typeface="Verdana" panose="020B0604030504040204" pitchFamily="34" charset="0"/>
+              <a:ea typeface="Verdana" panose="020B0604030504040204" pitchFamily="34" charset="0"/>
+              <a:cs typeface="Verdana" panose="020B0604030504040204" pitchFamily="34" charset="0"/>
+            </a:endParaRPr>
+          </a:p>
+        </p:txBody>
+      </p:sp>
+      <p:sp>
+        <p:nvSpPr>
+          <p:cNvPr id="3" name="Text Placeholder 2"/>
+          <p:cNvSpPr>
+            <a:spLocks noGrp="1"/>
+          </p:cNvSpPr>
+          <p:nvPr>
+            <p:ph type="body" idx="1"/>
+          </p:nvPr>
+        </p:nvSpPr>
+        <p:spPr/>
+        <p:txBody>
+          <a:bodyPr/>
+          <a:lstStyle/>
+          <a:p>
+            <a:r>
+              <a:rPr lang="en-US" dirty="0" smtClean="0">
+                <a:latin typeface="Verdana" panose="020B0604030504040204" pitchFamily="34" charset="0"/>
+                <a:ea typeface="Verdana" panose="020B0604030504040204" pitchFamily="34" charset="0"/>
+                <a:cs typeface="Verdana" panose="020B0604030504040204" pitchFamily="34" charset="0"/>
+              </a:rPr>
+              <a:t>CHƯƠNG </a:t>
+            </a:r>
+            <a:r>
+              <a:rPr lang="en-US" dirty="0" smtClean="0">
+                <a:latin typeface="Verdana" panose="020B0604030504040204" pitchFamily="34" charset="0"/>
+                <a:ea typeface="Verdana" panose="020B0604030504040204" pitchFamily="34" charset="0"/>
+                <a:cs typeface="Verdana" panose="020B0604030504040204" pitchFamily="34" charset="0"/>
+              </a:rPr>
+              <a:t>1</a:t>
+            </a:r>
+          </a:p>
+          <a:p>
+            <a:r>
+              <a:rPr lang="en-US" dirty="0" smtClean="0">
+                <a:solidFill>
+                  <a:schemeClr val="bg1">
+                    <a:lumMod val="50000"/>
+                  </a:schemeClr>
+                </a:solidFill>
+                <a:latin typeface="Verdana" panose="020B0604030504040204" pitchFamily="34" charset="0"/>
+                <a:ea typeface="Verdana" panose="020B0604030504040204" pitchFamily="34" charset="0"/>
+                <a:cs typeface="Verdana" panose="020B0604030504040204" pitchFamily="34" charset="0"/>
+              </a:rPr>
+              <a:t>1.1. Kiến thức cơ bản</a:t>
+            </a:r>
+          </a:p>
+          <a:p>
+            <a:r>
+              <a:rPr lang="en-US" dirty="0" smtClean="0">
+                <a:solidFill>
+                  <a:srgbClr val="FF1111"/>
+                </a:solidFill>
+                <a:latin typeface="Verdana" panose="020B0604030504040204" pitchFamily="34" charset="0"/>
+                <a:ea typeface="Verdana" panose="020B0604030504040204" pitchFamily="34" charset="0"/>
+                <a:cs typeface="Verdana" panose="020B0604030504040204" pitchFamily="34" charset="0"/>
+              </a:rPr>
+              <a:t>1.2. Quy trình</a:t>
+            </a:r>
+          </a:p>
+          <a:p>
+            <a:r>
+              <a:rPr lang="en-US" dirty="0" smtClean="0">
+                <a:latin typeface="Verdana" panose="020B0604030504040204" pitchFamily="34" charset="0"/>
+                <a:ea typeface="Verdana" panose="020B0604030504040204" pitchFamily="34" charset="0"/>
+                <a:cs typeface="Verdana" panose="020B0604030504040204" pitchFamily="34" charset="0"/>
+              </a:rPr>
+              <a:t>1.3. </a:t>
+            </a:r>
+            <a:endParaRPr lang="en-US" dirty="0">
+              <a:latin typeface="Verdana" panose="020B0604030504040204" pitchFamily="34" charset="0"/>
+              <a:ea typeface="Verdana" panose="020B0604030504040204" pitchFamily="34" charset="0"/>
+              <a:cs typeface="Verdana" panose="020B0604030504040204" pitchFamily="34" charset="0"/>
+            </a:endParaRPr>
+          </a:p>
+        </p:txBody>
+      </p:sp>
+      <p:sp>
+        <p:nvSpPr>
+          <p:cNvPr id="4" name="Isosceles Triangle 3"/>
+          <p:cNvSpPr/>
+          <p:nvPr/>
+        </p:nvSpPr>
+        <p:spPr>
+          <a:xfrm flipV="1">
+            <a:off x="762000" y="6089651"/>
+            <a:ext cx="304800" cy="158749"/>
+          </a:xfrm>
+          <a:prstGeom prst="triangle">
+            <a:avLst/>
+          </a:prstGeom>
+          <a:solidFill>
+            <a:schemeClr val="bg1">
+              <a:lumMod val="75000"/>
+            </a:schemeClr>
+          </a:solidFill>
+          <a:ln>
+            <a:noFill/>
+          </a:ln>
+        </p:spPr>
+        <p:style>
+          <a:lnRef idx="2">
+            <a:schemeClr val="accent1">
+              <a:shade val="50000"/>
+            </a:schemeClr>
+          </a:lnRef>
+          <a:fillRef idx="1">
+            <a:schemeClr val="accent1"/>
+          </a:fillRef>
+          <a:effectRef idx="0">
+            <a:schemeClr val="accent1"/>
+          </a:effectRef>
+          <a:fontRef idx="minor">
+            <a:schemeClr val="lt1"/>
+          </a:fontRef>
+        </p:style>
+        <p:txBody>
+          <a:bodyPr rtlCol="0" anchor="ctr"/>
+          <a:lstStyle/>
+          <a:p>
+            <a:pPr algn="ctr"/>
+            <a:endParaRPr lang="en-US"/>
+          </a:p>
+        </p:txBody>
+      </p:sp>
+    </p:spTree>
+    <p:extLst>
+      <p:ext uri="{BB962C8B-B14F-4D97-AF65-F5344CB8AC3E}">
+        <p14:creationId xmlns:p14="http://schemas.microsoft.com/office/powerpoint/2010/main" val="824416328"/>
+      </p:ext>
+    </p:extLst>
+  </p:cSld>
+  <p:clrMapOvr>
+    <a:masterClrMapping/>
+  </p:clrMapOvr>
+  <p:timing>
+    <p:tnLst>
+      <p:par>
+        <p:cTn id="1" dur="indefinite" restart="never" nodeType="tmRoot"/>
+      </p:par>
+    </p:tnLst>
+  </p:timing>
+</p:sld>
+</file>
+
+<file path=ppt/slides/slide9.xml><?xml version="1.0" encoding="utf-8"?>
+<p:sld xmlns:a="http://schemas.openxmlformats.org/drawingml/2006/main" xmlns:r="http://schemas.openxmlformats.org/officeDocument/2006/relationships" xmlns:p="http://schemas.openxmlformats.org/presentationml/2006/main">
+  <p:cSld>
+    <p:spTree>
+      <p:nvGrpSpPr>
+        <p:cNvPr id="1" name=""/>
+        <p:cNvGrpSpPr/>
+        <p:nvPr/>
+      </p:nvGrpSpPr>
+      <p:grpSpPr>
+        <a:xfrm>
+          <a:off x="0" y="0"/>
+          <a:ext cx="0" cy="0"/>
+          <a:chOff x="0" y="0"/>
+          <a:chExt cx="0" cy="0"/>
+        </a:xfrm>
+      </p:grpSpPr>
+      <p:sp>
+        <p:nvSpPr>
+          <p:cNvPr id="2" name="Title 1"/>
+          <p:cNvSpPr>
+            <a:spLocks noGrp="1"/>
+          </p:cNvSpPr>
+          <p:nvPr>
+            <p:ph type="title"/>
+          </p:nvPr>
+        </p:nvSpPr>
+        <p:spPr/>
+        <p:txBody>
+          <a:bodyPr/>
+          <a:lstStyle/>
+          <a:p>
+            <a:r>
+              <a:rPr lang="en-US" dirty="0" smtClean="0"/>
+              <a:t>Mô hình và tác nhân</a:t>
+            </a:r>
+            <a:endParaRPr lang="en-US" dirty="0"/>
+          </a:p>
+        </p:txBody>
+      </p:sp>
+      <p:sp>
+        <p:nvSpPr>
+          <p:cNvPr id="5" name="Content Placeholder 2"/>
+          <p:cNvSpPr>
+            <a:spLocks noGrp="1"/>
+          </p:cNvSpPr>
+          <p:nvPr>
+            <p:ph idx="1"/>
+          </p:nvPr>
+        </p:nvSpPr>
+        <p:spPr>
+          <a:xfrm>
+            <a:off x="628650" y="1825625"/>
+            <a:ext cx="7886700" cy="4351338"/>
+          </a:xfrm>
+        </p:spPr>
+        <p:txBody>
+          <a:bodyPr/>
+          <a:lstStyle/>
+          <a:p>
+            <a:r>
+              <a:rPr lang="en-US" sz="2000" b="1" dirty="0" smtClean="0"/>
+              <a:t>Mô hình</a:t>
+            </a:r>
+            <a:endParaRPr lang="vi-VN" sz="2000" b="1" dirty="0" smtClean="0"/>
+          </a:p>
+          <a:p>
+            <a:pPr lvl="1">
+              <a:buFont typeface="Wingdings" panose="05000000000000000000" pitchFamily="2" charset="2"/>
+              <a:buChar char="Ø"/>
+            </a:pPr>
+            <a:r>
+              <a:rPr lang="en-US" sz="1600" dirty="0" smtClean="0"/>
+              <a:t>...</a:t>
+            </a:r>
+            <a:endParaRPr lang="vi-VN" sz="1600" dirty="0" smtClean="0"/>
+          </a:p>
+          <a:p>
+            <a:r>
+              <a:rPr lang="en-US" sz="2000" b="1" dirty="0" smtClean="0"/>
+              <a:t>Tác nhân</a:t>
+            </a:r>
+            <a:endParaRPr lang="en-US" sz="2000" b="1" dirty="0" smtClean="0"/>
+          </a:p>
+          <a:p>
+            <a:pPr lvl="1">
+              <a:buFont typeface="Wingdings" panose="05000000000000000000" pitchFamily="2" charset="2"/>
+              <a:buChar char="Ø"/>
+            </a:pPr>
+            <a:r>
+              <a:rPr lang="en-US" sz="1600" dirty="0" smtClean="0"/>
+              <a:t>...</a:t>
+            </a:r>
+            <a:endParaRPr lang="en-US" sz="1600" dirty="0"/>
+          </a:p>
+        </p:txBody>
+      </p:sp>
+      <p:sp>
+        <p:nvSpPr>
+          <p:cNvPr id="6" name="Content Placeholder 3"/>
+          <p:cNvSpPr>
+            <a:spLocks noGrp="1"/>
+          </p:cNvSpPr>
+          <p:nvPr>
+            <p:ph sz="quarter" idx="13"/>
+          </p:nvPr>
+        </p:nvSpPr>
+        <p:spPr>
+          <a:xfrm>
+            <a:off x="2362200" y="381000"/>
+            <a:ext cx="5257800" cy="381000"/>
+          </a:xfrm>
+        </p:spPr>
+        <p:txBody>
+          <a:bodyPr>
+            <a:normAutofit/>
+          </a:bodyPr>
+          <a:lstStyle/>
+          <a:p>
+            <a:r>
+              <a:rPr lang="en-US" dirty="0" smtClean="0"/>
+              <a:t>1.2. </a:t>
+            </a:r>
+            <a:r>
+              <a:rPr lang="en-US" dirty="0" smtClean="0"/>
+              <a:t>Yêu cầu phần mềm | </a:t>
+            </a:r>
+            <a:r>
+              <a:rPr lang="en-US" dirty="0" smtClean="0"/>
+              <a:t>Quy trình</a:t>
+            </a:r>
+            <a:endParaRPr lang="en-US" dirty="0"/>
+          </a:p>
+        </p:txBody>
+      </p:sp>
+    </p:spTree>
+    <p:extLst>
+      <p:ext uri="{BB962C8B-B14F-4D97-AF65-F5344CB8AC3E}">
+        <p14:creationId xmlns:p14="http://schemas.microsoft.com/office/powerpoint/2010/main" val="1474894134"/>
       </p:ext>
     </p:extLst>
   </p:cSld>

--- a/slide/dev/chapter_1/slide.pptx
+++ b/slide/dev/chapter_1/slide.pptx
@@ -4163,7 +4163,6 @@
               <a:rPr lang="en-US" sz="2000" b="1" dirty="0" smtClean="0"/>
               <a:t>...</a:t>
             </a:r>
-            <a:endParaRPr lang="en-US" sz="2000" b="1" dirty="0" smtClean="0"/>
           </a:p>
           <a:p>
             <a:pPr lvl="1">
@@ -4202,15 +4201,7 @@
           <a:p>
             <a:r>
               <a:rPr lang="en-US" dirty="0" smtClean="0"/>
-              <a:t>1.2. </a:t>
-            </a:r>
-            <a:r>
-              <a:rPr lang="en-US" dirty="0" smtClean="0"/>
-              <a:t>Yêu cầu phần mềm | </a:t>
-            </a:r>
-            <a:r>
-              <a:rPr lang="en-US" dirty="0" smtClean="0"/>
-              <a:t>Quy trình</a:t>
+              <a:t>1.2. Yêu cầu phần mềm | Quy trình</a:t>
             </a:r>
             <a:endParaRPr lang="en-US" dirty="0"/>
           </a:p>
@@ -4300,7 +4291,6 @@
               <a:rPr lang="en-US" sz="2000" b="1" dirty="0" smtClean="0"/>
               <a:t>...</a:t>
             </a:r>
-            <a:endParaRPr lang="en-US" sz="2000" b="1" dirty="0" smtClean="0"/>
           </a:p>
           <a:p>
             <a:pPr lvl="1">
@@ -4339,15 +4329,7 @@
           <a:p>
             <a:r>
               <a:rPr lang="en-US" dirty="0" smtClean="0"/>
-              <a:t>1.2. </a:t>
-            </a:r>
-            <a:r>
-              <a:rPr lang="en-US" dirty="0" smtClean="0"/>
-              <a:t>Yêu cầu phần mềm | </a:t>
-            </a:r>
-            <a:r>
-              <a:rPr lang="en-US" dirty="0" smtClean="0"/>
-              <a:t>Quy trình</a:t>
+              <a:t>1.2. Yêu cầu phần mềm | Quy trình</a:t>
             </a:r>
             <a:endParaRPr lang="en-US" dirty="0"/>
           </a:p>
@@ -4439,28 +4421,13 @@
             <a:r>
               <a:rPr lang="en-US" dirty="0" smtClean="0">
                 <a:solidFill>
-                  <a:schemeClr val="bg1">
-                    <a:lumMod val="50000"/>
-                  </a:schemeClr>
+                  <a:srgbClr val="FF0000"/>
                 </a:solidFill>
                 <a:latin typeface="Verdana" panose="020B0604030504040204" pitchFamily="34" charset="0"/>
                 <a:ea typeface="Verdana" panose="020B0604030504040204" pitchFamily="34" charset="0"/>
                 <a:cs typeface="Verdana" panose="020B0604030504040204" pitchFamily="34" charset="0"/>
               </a:rPr>
-              <a:t>CHƯƠNG </a:t>
-            </a:r>
-            <a:r>
-              <a:rPr lang="en-US" dirty="0" smtClean="0">
-                <a:solidFill>
-                  <a:schemeClr val="bg1">
-                    <a:lumMod val="50000"/>
-                  </a:schemeClr>
-                </a:solidFill>
-                <a:latin typeface="Verdana" panose="020B0604030504040204" pitchFamily="34" charset="0"/>
-                <a:ea typeface="Verdana" panose="020B0604030504040204" pitchFamily="34" charset="0"/>
-                <a:cs typeface="Verdana" panose="020B0604030504040204" pitchFamily="34" charset="0"/>
-              </a:rPr>
-              <a:t>1</a:t>
+              <a:t>CHƯƠNG 1</a:t>
             </a:r>
           </a:p>
           <a:p>
@@ -4936,15 +4903,7 @@
                 <a:ea typeface="Verdana" panose="020B0604030504040204" pitchFamily="34" charset="0"/>
                 <a:cs typeface="Verdana" panose="020B0604030504040204" pitchFamily="34" charset="0"/>
               </a:rPr>
-              <a:t>CHƯƠNG </a:t>
-            </a:r>
-            <a:r>
-              <a:rPr lang="en-US" dirty="0" smtClean="0">
-                <a:latin typeface="Verdana" panose="020B0604030504040204" pitchFamily="34" charset="0"/>
-                <a:ea typeface="Verdana" panose="020B0604030504040204" pitchFamily="34" charset="0"/>
-                <a:cs typeface="Verdana" panose="020B0604030504040204" pitchFamily="34" charset="0"/>
-              </a:rPr>
-              <a:t>1</a:t>
+              <a:t>CHƯƠNG 1</a:t>
             </a:r>
           </a:p>
           <a:p>
@@ -5321,11 +5280,7 @@
             </a:pPr>
             <a:r>
               <a:rPr lang="vi-VN" sz="1600" dirty="0" smtClean="0"/>
-              <a:t>Yêu cầu phi chức năng: là các ràng buộc về giải pháp và chất lượng(hiệu năng, việc bảo trì, độ an toàn, bảo mật</a:t>
-            </a:r>
-            <a:r>
-              <a:rPr lang="vi-VN" sz="1600" dirty="0" smtClean="0"/>
-              <a:t>,...).</a:t>
+              <a:t>Yêu cầu phi chức năng: là các ràng buộc về giải pháp và chất lượng(hiệu năng, việc bảo trì, độ an toàn, bảo mật,...).</a:t>
             </a:r>
             <a:endParaRPr lang="en-US" sz="1600" dirty="0" smtClean="0"/>
           </a:p>
@@ -5459,15 +5414,7 @@
                 <a:ea typeface="Verdana" panose="020B0604030504040204" pitchFamily="34" charset="0"/>
                 <a:cs typeface="Verdana" panose="020B0604030504040204" pitchFamily="34" charset="0"/>
               </a:rPr>
-              <a:t>CHƯƠNG </a:t>
-            </a:r>
-            <a:r>
-              <a:rPr lang="en-US" dirty="0" smtClean="0">
-                <a:latin typeface="Verdana" panose="020B0604030504040204" pitchFamily="34" charset="0"/>
-                <a:ea typeface="Verdana" panose="020B0604030504040204" pitchFamily="34" charset="0"/>
-                <a:cs typeface="Verdana" panose="020B0604030504040204" pitchFamily="34" charset="0"/>
-              </a:rPr>
-              <a:t>1</a:t>
+              <a:t>CHƯƠNG 1</a:t>
             </a:r>
           </a:p>
           <a:p>
@@ -5665,7 +5612,6 @@
               <a:rPr lang="en-US" sz="2000" b="1" dirty="0" smtClean="0"/>
               <a:t>Tác nhân</a:t>
             </a:r>
-            <a:endParaRPr lang="en-US" sz="2000" b="1" dirty="0" smtClean="0"/>
           </a:p>
           <a:p>
             <a:pPr lvl="1">
@@ -5704,15 +5650,7 @@
           <a:p>
             <a:r>
               <a:rPr lang="en-US" dirty="0" smtClean="0"/>
-              <a:t>1.2. </a:t>
-            </a:r>
-            <a:r>
-              <a:rPr lang="en-US" dirty="0" smtClean="0"/>
-              <a:t>Yêu cầu phần mềm | </a:t>
-            </a:r>
-            <a:r>
-              <a:rPr lang="en-US" dirty="0" smtClean="0"/>
-              <a:t>Quy trình</a:t>
+              <a:t>1.2. Yêu cầu phần mềm | Quy trình</a:t>
             </a:r>
             <a:endParaRPr lang="en-US" dirty="0"/>
           </a:p>

--- a/slide/dev/chapter_1/slide.pptx
+++ b/slide/dev/chapter_1/slide.pptx
@@ -116,7 +116,7 @@
   </p:defaultTextStyle>
   <p:extLst>
     <p:ext uri="{EFAFB233-063F-42B5-8137-9DF3F51BA10A}">
-      <p15:sldGuideLst xmlns:p15="http://schemas.microsoft.com/office/powerpoint/2012/main" xmlns="">
+      <p15:sldGuideLst xmlns="" xmlns:p15="http://schemas.microsoft.com/office/powerpoint/2012/main">
         <p15:guide id="1" orient="horz" pos="2160">
           <p15:clr>
             <a:srgbClr val="A4A3A4"/>
@@ -215,7 +215,7 @@
           <a:p>
             <a:fld id="{BFB7A6A1-140E-4053-A62A-AFDAF6E6ECEB}" type="datetimeFigureOut">
               <a:rPr lang="en-US" smtClean="0"/>
-              <a:t>12/5/2015</a:t>
+              <a:t>12/6/2015</a:t>
             </a:fld>
             <a:endParaRPr lang="en-US"/>
           </a:p>
@@ -727,7 +727,7 @@
           <a:p>
             <a:fld id="{4CBCDE7C-CCB6-471C-9199-918A33307958}" type="datetimeFigureOut">
               <a:rPr lang="en-US" smtClean="0"/>
-              <a:t>12/5/2015</a:t>
+              <a:t>12/6/2015</a:t>
             </a:fld>
             <a:endParaRPr lang="en-US"/>
           </a:p>
@@ -1144,7 +1144,7 @@
           <a:p>
             <a:fld id="{4CBCDE7C-CCB6-471C-9199-918A33307958}" type="datetimeFigureOut">
               <a:rPr lang="en-US" smtClean="0"/>
-              <a:t>12/5/2015</a:t>
+              <a:t>12/6/2015</a:t>
             </a:fld>
             <a:endParaRPr lang="en-US"/>
           </a:p>
@@ -1324,7 +1324,7 @@
           <a:p>
             <a:fld id="{4CBCDE7C-CCB6-471C-9199-918A33307958}" type="datetimeFigureOut">
               <a:rPr lang="en-US" smtClean="0"/>
-              <a:t>12/5/2015</a:t>
+              <a:t>12/6/2015</a:t>
             </a:fld>
             <a:endParaRPr lang="en-US"/>
           </a:p>
@@ -1542,7 +1542,7 @@
           <a:p>
             <a:fld id="{4CBCDE7C-CCB6-471C-9199-918A33307958}" type="datetimeFigureOut">
               <a:rPr lang="en-US" smtClean="0"/>
-              <a:t>12/5/2015</a:t>
+              <a:t>12/6/2015</a:t>
             </a:fld>
             <a:endParaRPr lang="en-US"/>
           </a:p>
@@ -2072,7 +2072,7 @@
           <a:p>
             <a:fld id="{4CBCDE7C-CCB6-471C-9199-918A33307958}" type="datetimeFigureOut">
               <a:rPr lang="en-US" smtClean="0"/>
-              <a:t>12/5/2015</a:t>
+              <a:t>12/6/2015</a:t>
             </a:fld>
             <a:endParaRPr lang="en-US"/>
           </a:p>
@@ -2339,7 +2339,7 @@
           <a:p>
             <a:fld id="{4CBCDE7C-CCB6-471C-9199-918A33307958}" type="datetimeFigureOut">
               <a:rPr lang="en-US" smtClean="0"/>
-              <a:t>12/5/2015</a:t>
+              <a:t>12/6/2015</a:t>
             </a:fld>
             <a:endParaRPr lang="en-US"/>
           </a:p>
@@ -2706,7 +2706,7 @@
           <a:p>
             <a:fld id="{4CBCDE7C-CCB6-471C-9199-918A33307958}" type="datetimeFigureOut">
               <a:rPr lang="en-US" smtClean="0"/>
-              <a:t>12/5/2015</a:t>
+              <a:t>12/6/2015</a:t>
             </a:fld>
             <a:endParaRPr lang="en-US"/>
           </a:p>
@@ -2824,7 +2824,7 @@
           <a:p>
             <a:fld id="{4CBCDE7C-CCB6-471C-9199-918A33307958}" type="datetimeFigureOut">
               <a:rPr lang="en-US" smtClean="0"/>
-              <a:t>12/5/2015</a:t>
+              <a:t>12/6/2015</a:t>
             </a:fld>
             <a:endParaRPr lang="en-US"/>
           </a:p>
@@ -2919,7 +2919,7 @@
           <a:p>
             <a:fld id="{4CBCDE7C-CCB6-471C-9199-918A33307958}" type="datetimeFigureOut">
               <a:rPr lang="en-US" smtClean="0"/>
-              <a:t>12/5/2015</a:t>
+              <a:t>12/6/2015</a:t>
             </a:fld>
             <a:endParaRPr lang="en-US"/>
           </a:p>
@@ -3196,7 +3196,7 @@
           <a:p>
             <a:fld id="{4CBCDE7C-CCB6-471C-9199-918A33307958}" type="datetimeFigureOut">
               <a:rPr lang="en-US" smtClean="0"/>
-              <a:t>12/5/2015</a:t>
+              <a:t>12/6/2015</a:t>
             </a:fld>
             <a:endParaRPr lang="en-US"/>
           </a:p>
@@ -3449,7 +3449,7 @@
           <a:p>
             <a:fld id="{4CBCDE7C-CCB6-471C-9199-918A33307958}" type="datetimeFigureOut">
               <a:rPr lang="en-US" smtClean="0"/>
-              <a:t>12/5/2015</a:t>
+              <a:t>12/6/2015</a:t>
             </a:fld>
             <a:endParaRPr lang="en-US"/>
           </a:p>
@@ -3662,7 +3662,7 @@
           <a:p>
             <a:fld id="{4CBCDE7C-CCB6-471C-9199-918A33307958}" type="datetimeFigureOut">
               <a:rPr lang="en-US" smtClean="0"/>
-              <a:t>12/5/2015</a:t>
+              <a:t>12/6/2015</a:t>
             </a:fld>
             <a:endParaRPr lang="en-US"/>
           </a:p>
@@ -5115,12 +5115,30 @@
         </p:nvSpPr>
         <p:spPr/>
         <p:txBody>
-          <a:bodyPr/>
+          <a:bodyPr>
+            <a:normAutofit/>
+          </a:bodyPr>
           <a:lstStyle/>
           <a:p>
             <a:r>
               <a:rPr lang="en-US" dirty="0" err="1" smtClean="0"/>
-              <a:t>Yêu</a:t>
+              <a:t>Đặc</a:t>
+            </a:r>
+            <a:r>
+              <a:rPr lang="en-US" dirty="0" smtClean="0"/>
+              <a:t> </a:t>
+            </a:r>
+            <a:r>
+              <a:rPr lang="en-US" dirty="0" err="1" smtClean="0"/>
+              <a:t>tả</a:t>
+            </a:r>
+            <a:r>
+              <a:rPr lang="en-US" dirty="0" smtClean="0"/>
+              <a:t> </a:t>
+            </a:r>
+            <a:r>
+              <a:rPr lang="en-US" dirty="0" err="1" smtClean="0"/>
+              <a:t>yêu</a:t>
             </a:r>
             <a:r>
               <a:rPr lang="en-US" dirty="0" smtClean="0"/>
@@ -5130,30 +5148,6 @@
               <a:rPr lang="en-US" dirty="0" err="1" smtClean="0"/>
               <a:t>cầu</a:t>
             </a:r>
-            <a:r>
-              <a:rPr lang="en-US" dirty="0" smtClean="0"/>
-              <a:t> </a:t>
-            </a:r>
-            <a:r>
-              <a:rPr lang="en-US" dirty="0" err="1" smtClean="0"/>
-              <a:t>về</a:t>
-            </a:r>
-            <a:r>
-              <a:rPr lang="en-US" dirty="0" smtClean="0"/>
-              <a:t> </a:t>
-            </a:r>
-            <a:r>
-              <a:rPr lang="en-US" dirty="0" err="1" smtClean="0"/>
-              <a:t>kỹ</a:t>
-            </a:r>
-            <a:r>
-              <a:rPr lang="en-US" dirty="0" smtClean="0"/>
-              <a:t> </a:t>
-            </a:r>
-            <a:r>
-              <a:rPr lang="en-US" dirty="0" err="1" smtClean="0"/>
-              <a:t>thuật</a:t>
-            </a:r>
             <a:endParaRPr lang="en-US" dirty="0"/>
           </a:p>
         </p:txBody>
@@ -5173,109 +5167,516 @@
           <a:bodyPr/>
           <a:lstStyle/>
           <a:p>
-            <a:r>
-              <a:rPr lang="vi-VN" dirty="0"/>
-              <a:t>Tài liệu định nghĩa hệ </a:t>
-            </a:r>
-            <a:r>
-              <a:rPr lang="vi-VN" dirty="0" smtClean="0"/>
+            <a:pPr marL="0" indent="0">
+              <a:buNone/>
+            </a:pPr>
+            <a:r>
+              <a:rPr lang="en-US" sz="2000" b="1" dirty="0" err="1" smtClean="0"/>
+              <a:t>Các</a:t>
+            </a:r>
+            <a:r>
+              <a:rPr lang="en-US" sz="2000" b="1" dirty="0" smtClean="0"/>
+              <a:t> </a:t>
+            </a:r>
+            <a:r>
+              <a:rPr lang="en-US" sz="2000" b="1" dirty="0" err="1" smtClean="0"/>
+              <a:t>hoạt</a:t>
+            </a:r>
+            <a:r>
+              <a:rPr lang="en-US" sz="2000" b="1" dirty="0" smtClean="0"/>
+              <a:t> </a:t>
+            </a:r>
+            <a:r>
+              <a:rPr lang="en-US" sz="2000" b="1" dirty="0" err="1" smtClean="0"/>
+              <a:t>động</a:t>
+            </a:r>
+            <a:endParaRPr lang="en-US" sz="2000" b="1" dirty="0" smtClean="0"/>
+          </a:p>
+          <a:p>
+            <a:r>
+              <a:rPr lang="en-US" sz="1800" dirty="0" err="1" smtClean="0"/>
+              <a:t>Áp</a:t>
+            </a:r>
+            <a:r>
+              <a:rPr lang="en-US" sz="1800" dirty="0" smtClean="0"/>
+              <a:t> </a:t>
+            </a:r>
+            <a:r>
+              <a:rPr lang="en-US" sz="1800" dirty="0" err="1" smtClean="0"/>
+              <a:t>dụng</a:t>
+            </a:r>
+            <a:r>
+              <a:rPr lang="en-US" sz="1800" dirty="0" smtClean="0"/>
+              <a:t> </a:t>
+            </a:r>
+            <a:r>
+              <a:rPr lang="en-US" sz="1800" dirty="0" err="1" smtClean="0"/>
+              <a:t>các</a:t>
+            </a:r>
+            <a:r>
+              <a:rPr lang="en-US" sz="1800" dirty="0" smtClean="0"/>
+              <a:t> </a:t>
+            </a:r>
+            <a:r>
+              <a:rPr lang="en-US" sz="1800" dirty="0" err="1" smtClean="0"/>
+              <a:t>mẫu</a:t>
+            </a:r>
+            <a:r>
+              <a:rPr lang="en-US" sz="1800" dirty="0" smtClean="0"/>
+              <a:t> </a:t>
+            </a:r>
+            <a:r>
+              <a:rPr lang="en-US" sz="1800" dirty="0" err="1" smtClean="0"/>
+              <a:t>đặc</a:t>
+            </a:r>
+            <a:r>
+              <a:rPr lang="en-US" sz="1800" dirty="0" smtClean="0"/>
+              <a:t> </a:t>
+            </a:r>
+            <a:r>
+              <a:rPr lang="en-US" sz="1800" dirty="0" err="1" smtClean="0"/>
+              <a:t>tả</a:t>
+            </a:r>
+            <a:r>
+              <a:rPr lang="en-US" sz="1800" dirty="0" smtClean="0"/>
+              <a:t> </a:t>
+            </a:r>
+            <a:r>
+              <a:rPr lang="en-US" sz="1800" dirty="0" err="1" smtClean="0"/>
+              <a:t>yêu</a:t>
+            </a:r>
+            <a:r>
+              <a:rPr lang="en-US" sz="1800" dirty="0" smtClean="0"/>
+              <a:t> </a:t>
+            </a:r>
+            <a:r>
+              <a:rPr lang="en-US" sz="1800" dirty="0" err="1" smtClean="0"/>
+              <a:t>cầu</a:t>
+            </a:r>
+            <a:r>
+              <a:rPr lang="en-US" sz="1800" dirty="0" smtClean="0"/>
+              <a:t> </a:t>
+            </a:r>
+            <a:r>
+              <a:rPr lang="en-US" sz="1800" dirty="0" err="1" smtClean="0"/>
+              <a:t>phần</a:t>
+            </a:r>
+            <a:r>
+              <a:rPr lang="en-US" sz="1800" dirty="0" smtClean="0"/>
+              <a:t> </a:t>
+            </a:r>
+            <a:r>
+              <a:rPr lang="en-US" sz="1800" dirty="0" err="1" smtClean="0"/>
+              <a:t>mềm</a:t>
+            </a:r>
+            <a:r>
+              <a:rPr lang="en-US" sz="1800" dirty="0" smtClean="0"/>
+              <a:t>.</a:t>
+            </a:r>
+            <a:endParaRPr lang="en-US" sz="1800" dirty="0" smtClean="0"/>
+          </a:p>
+          <a:p>
+            <a:r>
+              <a:rPr lang="en-US" sz="1800" dirty="0" err="1" smtClean="0"/>
+              <a:t>Xác</a:t>
+            </a:r>
+            <a:r>
+              <a:rPr lang="en-US" sz="1800" dirty="0" smtClean="0"/>
+              <a:t> </a:t>
+            </a:r>
+            <a:r>
+              <a:rPr lang="en-US" sz="1800" dirty="0" err="1" smtClean="0"/>
+              <a:t>định</a:t>
+            </a:r>
+            <a:r>
+              <a:rPr lang="en-US" sz="1800" dirty="0" smtClean="0"/>
+              <a:t> </a:t>
+            </a:r>
+            <a:r>
+              <a:rPr lang="en-US" sz="1800" dirty="0" err="1" smtClean="0"/>
+              <a:t>các</a:t>
+            </a:r>
+            <a:r>
+              <a:rPr lang="en-US" sz="1800" dirty="0" smtClean="0"/>
+              <a:t> </a:t>
+            </a:r>
+            <a:r>
+              <a:rPr lang="en-US" sz="1800" dirty="0" err="1" smtClean="0"/>
+              <a:t>nguồn</a:t>
+            </a:r>
+            <a:r>
+              <a:rPr lang="en-US" sz="1800" dirty="0" smtClean="0"/>
+              <a:t> </a:t>
+            </a:r>
+            <a:r>
+              <a:rPr lang="en-US" sz="1800" dirty="0" err="1" smtClean="0"/>
+              <a:t>yêu</a:t>
+            </a:r>
+            <a:r>
+              <a:rPr lang="en-US" sz="1800" dirty="0" smtClean="0"/>
+              <a:t> </a:t>
+            </a:r>
+            <a:r>
+              <a:rPr lang="en-US" sz="1800" dirty="0" err="1" smtClean="0"/>
+              <a:t>cầu</a:t>
+            </a:r>
+            <a:endParaRPr lang="en-US" sz="1800" dirty="0" smtClean="0"/>
+          </a:p>
+          <a:p>
+            <a:r>
+              <a:rPr lang="en-US" sz="1800" dirty="0" err="1" smtClean="0"/>
+              <a:t>Gán</a:t>
+            </a:r>
+            <a:r>
+              <a:rPr lang="en-US" sz="1800" dirty="0" smtClean="0"/>
+              <a:t> </a:t>
+            </a:r>
+            <a:r>
+              <a:rPr lang="en-US" sz="1800" dirty="0" err="1" smtClean="0"/>
+              <a:t>nhãn</a:t>
+            </a:r>
+            <a:r>
+              <a:rPr lang="en-US" sz="1800" dirty="0" smtClean="0"/>
+              <a:t> </a:t>
+            </a:r>
+            <a:r>
+              <a:rPr lang="en-US" sz="1800" dirty="0" err="1" smtClean="0"/>
+              <a:t>riêng</a:t>
+            </a:r>
+            <a:r>
+              <a:rPr lang="en-US" sz="1800" dirty="0" smtClean="0"/>
+              <a:t> </a:t>
+            </a:r>
+            <a:r>
+              <a:rPr lang="en-US" sz="1800" dirty="0" err="1" smtClean="0"/>
+              <a:t>cho</a:t>
+            </a:r>
+            <a:r>
+              <a:rPr lang="en-US" sz="1800" dirty="0" smtClean="0"/>
+              <a:t> </a:t>
+            </a:r>
+            <a:r>
+              <a:rPr lang="en-US" sz="1800" dirty="0" err="1" smtClean="0"/>
+              <a:t>mỗi</a:t>
+            </a:r>
+            <a:r>
+              <a:rPr lang="en-US" sz="1800" dirty="0" smtClean="0"/>
+              <a:t> </a:t>
+            </a:r>
+            <a:r>
+              <a:rPr lang="en-US" sz="1800" dirty="0" err="1" smtClean="0"/>
+              <a:t>yêu</a:t>
+            </a:r>
+            <a:r>
+              <a:rPr lang="en-US" sz="1800" dirty="0" smtClean="0"/>
+              <a:t> </a:t>
+            </a:r>
+            <a:r>
+              <a:rPr lang="en-US" sz="1800" dirty="0" err="1" smtClean="0"/>
+              <a:t>cầu</a:t>
+            </a:r>
+            <a:endParaRPr lang="en-US" sz="1800" dirty="0" smtClean="0"/>
+          </a:p>
+          <a:p>
+            <a:r>
+              <a:rPr lang="en-US" sz="1800" dirty="0" err="1" smtClean="0"/>
+              <a:t>Ghi</a:t>
+            </a:r>
+            <a:r>
+              <a:rPr lang="en-US" sz="1800" dirty="0" smtClean="0"/>
+              <a:t> </a:t>
+            </a:r>
+            <a:r>
+              <a:rPr lang="en-US" sz="1800" dirty="0" err="1" smtClean="0"/>
+              <a:t>lại</a:t>
+            </a:r>
+            <a:r>
+              <a:rPr lang="en-US" sz="1800" dirty="0" smtClean="0"/>
+              <a:t> </a:t>
+            </a:r>
+            <a:r>
+              <a:rPr lang="en-US" sz="1800" dirty="0" err="1" smtClean="0"/>
+              <a:t>các</a:t>
+            </a:r>
+            <a:r>
+              <a:rPr lang="en-US" sz="1800" dirty="0" smtClean="0"/>
+              <a:t> </a:t>
+            </a:r>
+            <a:r>
+              <a:rPr lang="en-US" sz="1800" dirty="0" err="1" smtClean="0"/>
+              <a:t>quy</a:t>
+            </a:r>
+            <a:r>
+              <a:rPr lang="en-US" sz="1800" dirty="0" smtClean="0"/>
+              <a:t> </a:t>
+            </a:r>
+            <a:r>
+              <a:rPr lang="en-US" sz="1800" dirty="0" err="1" smtClean="0"/>
+              <a:t>tắc</a:t>
+            </a:r>
+            <a:r>
+              <a:rPr lang="en-US" sz="1800" dirty="0" smtClean="0"/>
+              <a:t> </a:t>
+            </a:r>
+            <a:r>
+              <a:rPr lang="en-US" sz="1800" dirty="0" err="1" smtClean="0"/>
+              <a:t>kinh</a:t>
+            </a:r>
+            <a:r>
+              <a:rPr lang="en-US" sz="1800" dirty="0" smtClean="0"/>
+              <a:t> </a:t>
+            </a:r>
+            <a:r>
+              <a:rPr lang="en-US" sz="1800" dirty="0" err="1" smtClean="0"/>
+              <a:t>doanh</a:t>
+            </a:r>
+            <a:endParaRPr lang="en-US" sz="1800" dirty="0" smtClean="0"/>
+          </a:p>
+          <a:p>
+            <a:r>
+              <a:rPr lang="en-US" sz="1800" dirty="0" err="1" smtClean="0"/>
+              <a:t>Xác</a:t>
+            </a:r>
+            <a:r>
+              <a:rPr lang="en-US" sz="1800" dirty="0" smtClean="0"/>
+              <a:t> </a:t>
+            </a:r>
+            <a:r>
+              <a:rPr lang="en-US" sz="1800" dirty="0" err="1" smtClean="0"/>
+              <a:t>định</a:t>
+            </a:r>
+            <a:r>
+              <a:rPr lang="en-US" sz="1800" dirty="0" smtClean="0"/>
+              <a:t> </a:t>
+            </a:r>
+            <a:r>
+              <a:rPr lang="en-US" sz="1800" dirty="0" err="1" smtClean="0"/>
+              <a:t>các</a:t>
+            </a:r>
+            <a:r>
+              <a:rPr lang="en-US" sz="1800" dirty="0" smtClean="0"/>
+              <a:t> </a:t>
+            </a:r>
+            <a:r>
+              <a:rPr lang="en-US" sz="1800" dirty="0" err="1" smtClean="0"/>
+              <a:t>thuộc</a:t>
+            </a:r>
+            <a:r>
+              <a:rPr lang="en-US" sz="1800" dirty="0" smtClean="0"/>
+              <a:t> </a:t>
+            </a:r>
+            <a:r>
+              <a:rPr lang="en-US" sz="1800" dirty="0" err="1" smtClean="0"/>
+              <a:t>tính</a:t>
+            </a:r>
+            <a:r>
+              <a:rPr lang="en-US" sz="1800" dirty="0" smtClean="0"/>
+              <a:t> </a:t>
+            </a:r>
+            <a:r>
+              <a:rPr lang="en-US" sz="1800" dirty="0" err="1" smtClean="0"/>
+              <a:t>chất</a:t>
+            </a:r>
+            <a:r>
+              <a:rPr lang="en-US" sz="1800" dirty="0" smtClean="0"/>
+              <a:t> </a:t>
+            </a:r>
+            <a:r>
+              <a:rPr lang="en-US" sz="1800" dirty="0" err="1" smtClean="0"/>
+              <a:t>lượng</a:t>
+            </a:r>
+            <a:endParaRPr lang="en-US" sz="1800" dirty="0" smtClean="0"/>
+          </a:p>
+          <a:p>
+            <a:pPr marL="0" indent="0">
+              <a:buNone/>
+            </a:pPr>
+            <a:r>
+              <a:rPr lang="en-US" sz="2000" b="1" dirty="0" err="1" smtClean="0"/>
+              <a:t>Mục</a:t>
+            </a:r>
+            <a:r>
+              <a:rPr lang="en-US" sz="2000" b="1" dirty="0" smtClean="0"/>
+              <a:t> </a:t>
+            </a:r>
+            <a:r>
+              <a:rPr lang="en-US" sz="2000" b="1" dirty="0" err="1" smtClean="0"/>
+              <a:t>tiêu</a:t>
+            </a:r>
+            <a:endParaRPr lang="en-US" sz="2000" b="1" dirty="0" smtClean="0"/>
+          </a:p>
+          <a:p>
+            <a:r>
+              <a:rPr lang="en-US" sz="1800" dirty="0" err="1" smtClean="0"/>
+              <a:t>Tạo</a:t>
+            </a:r>
+            <a:r>
+              <a:rPr lang="en-US" sz="1800" dirty="0" smtClean="0"/>
+              <a:t> </a:t>
+            </a:r>
+            <a:r>
+              <a:rPr lang="en-US" sz="1800" dirty="0" err="1" smtClean="0"/>
+              <a:t>tài</a:t>
+            </a:r>
+            <a:r>
+              <a:rPr lang="en-US" sz="1800" dirty="0" smtClean="0"/>
+              <a:t> </a:t>
+            </a:r>
+            <a:r>
+              <a:rPr lang="en-US" sz="1800" dirty="0" err="1" smtClean="0"/>
+              <a:t>liệu</a:t>
+            </a:r>
+            <a:r>
+              <a:rPr lang="en-US" sz="1800" dirty="0" smtClean="0"/>
+              <a:t> </a:t>
+            </a:r>
+            <a:r>
+              <a:rPr lang="en-US" sz="1800" dirty="0" err="1" smtClean="0"/>
+              <a:t>định</a:t>
+            </a:r>
+            <a:r>
+              <a:rPr lang="en-US" sz="1800" dirty="0" smtClean="0"/>
+              <a:t> </a:t>
+            </a:r>
+            <a:r>
+              <a:rPr lang="en-US" sz="1800" dirty="0" err="1" smtClean="0"/>
+              <a:t>nghĩa</a:t>
+            </a:r>
+            <a:r>
+              <a:rPr lang="en-US" sz="1800" dirty="0" smtClean="0"/>
+              <a:t> </a:t>
+            </a:r>
+            <a:r>
+              <a:rPr lang="en-US" sz="1800" dirty="0" err="1" smtClean="0"/>
+              <a:t>hệ</a:t>
+            </a:r>
+            <a:r>
+              <a:rPr lang="en-US" sz="1800" dirty="0" smtClean="0"/>
+              <a:t> </a:t>
+            </a:r>
+            <a:r>
+              <a:rPr lang="en-US" sz="1800" dirty="0" err="1" smtClean="0"/>
               <a:t>thống</a:t>
             </a:r>
-            <a:endParaRPr lang="en-US" dirty="0" smtClean="0"/>
-          </a:p>
-          <a:p>
-            <a:r>
-              <a:rPr lang="en-US" dirty="0" err="1"/>
-              <a:t>Yêu</a:t>
-            </a:r>
-            <a:r>
-              <a:rPr lang="en-US" dirty="0"/>
-              <a:t> </a:t>
-            </a:r>
-            <a:r>
-              <a:rPr lang="en-US" dirty="0" err="1"/>
+            <a:endParaRPr lang="en-US" sz="1800" dirty="0" smtClean="0"/>
+          </a:p>
+          <a:p>
+            <a:r>
+              <a:rPr lang="en-US" sz="1800" dirty="0" err="1" smtClean="0"/>
+              <a:t>Đặc</a:t>
+            </a:r>
+            <a:r>
+              <a:rPr lang="en-US" sz="1800" dirty="0" smtClean="0"/>
+              <a:t> </a:t>
+            </a:r>
+            <a:r>
+              <a:rPr lang="en-US" sz="1800" dirty="0" err="1" smtClean="0"/>
+              <a:t>tả</a:t>
+            </a:r>
+            <a:r>
+              <a:rPr lang="en-US" sz="1800" dirty="0" smtClean="0"/>
+              <a:t> </a:t>
+            </a:r>
+            <a:r>
+              <a:rPr lang="en-US" sz="1800" dirty="0" err="1" smtClean="0"/>
+              <a:t>được</a:t>
+            </a:r>
+            <a:r>
+              <a:rPr lang="en-US" sz="1800" dirty="0" smtClean="0"/>
+              <a:t> </a:t>
+            </a:r>
+            <a:r>
+              <a:rPr lang="en-US" sz="1800" dirty="0" err="1" smtClean="0"/>
+              <a:t>yêu</a:t>
+            </a:r>
+            <a:r>
+              <a:rPr lang="en-US" sz="1800" dirty="0" smtClean="0"/>
+              <a:t> </a:t>
+            </a:r>
+            <a:r>
+              <a:rPr lang="en-US" sz="1800" dirty="0" err="1" smtClean="0"/>
               <a:t>cầu</a:t>
             </a:r>
             <a:r>
-              <a:rPr lang="en-US" dirty="0"/>
-              <a:t> </a:t>
-            </a:r>
-            <a:r>
-              <a:rPr lang="en-US" dirty="0" err="1"/>
+              <a:rPr lang="en-US" sz="1800" dirty="0" smtClean="0"/>
+              <a:t> </a:t>
+            </a:r>
+            <a:r>
+              <a:rPr lang="en-US" sz="1800" dirty="0" err="1" smtClean="0"/>
               <a:t>hệ</a:t>
             </a:r>
             <a:r>
-              <a:rPr lang="en-US" dirty="0"/>
-              <a:t> </a:t>
-            </a:r>
-            <a:r>
-              <a:rPr lang="en-US" dirty="0" err="1"/>
+              <a:rPr lang="en-US" sz="1800" dirty="0" smtClean="0"/>
+              <a:t> </a:t>
+            </a:r>
+            <a:r>
+              <a:rPr lang="en-US" sz="1800" dirty="0" err="1" smtClean="0"/>
               <a:t>thống</a:t>
             </a:r>
-            <a:r>
-              <a:rPr lang="en-US" dirty="0"/>
-              <a:t> </a:t>
-            </a:r>
-            <a:r>
-              <a:rPr lang="en-US" dirty="0" err="1"/>
-              <a:t>kỹ</a:t>
-            </a:r>
-            <a:r>
-              <a:rPr lang="en-US" dirty="0"/>
-              <a:t> </a:t>
-            </a:r>
-            <a:r>
-              <a:rPr lang="en-US" dirty="0" err="1" smtClean="0"/>
-              <a:t>thuật</a:t>
-            </a:r>
-            <a:endParaRPr lang="en-US" dirty="0" smtClean="0"/>
-          </a:p>
-          <a:p>
-            <a:r>
-              <a:rPr lang="en-US" dirty="0" err="1"/>
-              <a:t>Yêu</a:t>
-            </a:r>
-            <a:r>
-              <a:rPr lang="en-US" dirty="0"/>
-              <a:t> </a:t>
-            </a:r>
-            <a:r>
-              <a:rPr lang="en-US" dirty="0" err="1"/>
+            <a:endParaRPr lang="en-US" sz="1800" dirty="0" smtClean="0"/>
+          </a:p>
+          <a:p>
+            <a:r>
+              <a:rPr lang="en-US" sz="1800" dirty="0" err="1" smtClean="0"/>
+              <a:t>Đặc</a:t>
+            </a:r>
+            <a:r>
+              <a:rPr lang="en-US" sz="1800" dirty="0" smtClean="0"/>
+              <a:t> </a:t>
+            </a:r>
+            <a:r>
+              <a:rPr lang="en-US" sz="1800" dirty="0" err="1" smtClean="0"/>
+              <a:t>tả</a:t>
+            </a:r>
+            <a:r>
+              <a:rPr lang="en-US" sz="1800" dirty="0" smtClean="0"/>
+              <a:t> </a:t>
+            </a:r>
+            <a:r>
+              <a:rPr lang="en-US" sz="1800" dirty="0" err="1" smtClean="0"/>
+              <a:t>được</a:t>
+            </a:r>
+            <a:r>
+              <a:rPr lang="en-US" sz="1800" dirty="0" smtClean="0"/>
+              <a:t> </a:t>
+            </a:r>
+            <a:r>
+              <a:rPr lang="en-US" sz="1800" dirty="0" err="1" smtClean="0"/>
+              <a:t>yêu</a:t>
+            </a:r>
+            <a:r>
+              <a:rPr lang="en-US" sz="1800" dirty="0" smtClean="0"/>
+              <a:t> </a:t>
+            </a:r>
+            <a:r>
+              <a:rPr lang="en-US" sz="1800" dirty="0" err="1" smtClean="0"/>
               <a:t>cầu</a:t>
             </a:r>
             <a:r>
-              <a:rPr lang="en-US" dirty="0"/>
-              <a:t> </a:t>
-            </a:r>
-            <a:r>
-              <a:rPr lang="en-US" dirty="0" err="1"/>
+              <a:rPr lang="en-US" sz="1800" dirty="0" smtClean="0"/>
+              <a:t> </a:t>
+            </a:r>
+            <a:r>
+              <a:rPr lang="en-US" sz="1800" dirty="0" err="1" smtClean="0"/>
+              <a:t>của</a:t>
+            </a:r>
+            <a:r>
+              <a:rPr lang="en-US" sz="1800" dirty="0" smtClean="0"/>
+              <a:t> </a:t>
+            </a:r>
+            <a:r>
+              <a:rPr lang="en-US" sz="1800" dirty="0" err="1" smtClean="0"/>
               <a:t>phần</a:t>
             </a:r>
             <a:r>
-              <a:rPr lang="en-US" dirty="0"/>
-              <a:t> </a:t>
-            </a:r>
-            <a:r>
-              <a:rPr lang="en-US" dirty="0" err="1"/>
+              <a:rPr lang="en-US" sz="1800" dirty="0" smtClean="0"/>
+              <a:t> </a:t>
+            </a:r>
+            <a:r>
+              <a:rPr lang="en-US" sz="1800" dirty="0" err="1" smtClean="0"/>
               <a:t>mềm</a:t>
             </a:r>
-            <a:r>
-              <a:rPr lang="en-US" dirty="0"/>
-              <a:t> </a:t>
-            </a:r>
-            <a:r>
-              <a:rPr lang="en-US" dirty="0" err="1"/>
-              <a:t>kỹ</a:t>
-            </a:r>
-            <a:r>
-              <a:rPr lang="en-US" dirty="0"/>
-              <a:t> </a:t>
-            </a:r>
-            <a:r>
-              <a:rPr lang="en-US" dirty="0" err="1"/>
-              <a:t>thuật</a:t>
-            </a:r>
-            <a:endParaRPr lang="en-US" dirty="0"/>
+            <a:endParaRPr lang="en-US" sz="1800" dirty="0"/>
           </a:p>
         </p:txBody>
       </p:sp>
@@ -5326,11 +5727,19 @@
           <a:p>
             <a:r>
               <a:rPr lang="en-US" dirty="0" err="1" smtClean="0"/>
-              <a:t>Xác</a:t>
+              <a:t>Thẩm</a:t>
             </a:r>
             <a:r>
               <a:rPr lang="en-US" dirty="0" smtClean="0"/>
-              <a:t> minh </a:t>
+              <a:t> </a:t>
+            </a:r>
+            <a:r>
+              <a:rPr lang="en-US" dirty="0" err="1" smtClean="0"/>
+              <a:t>định</a:t>
+            </a:r>
+            <a:r>
+              <a:rPr lang="en-US" dirty="0" smtClean="0"/>
+              <a:t> </a:t>
             </a:r>
             <a:r>
               <a:rPr lang="en-US" dirty="0" err="1" smtClean="0"/>
@@ -5732,7 +6141,7 @@
   <a:extraClrSchemeLst/>
   <a:extLst>
     <a:ext uri="{05A4C25C-085E-4340-85A3-A5531E510DB2}">
-      <thm15:themeFamily xmlns:thm15="http://schemas.microsoft.com/office/thememl/2012/main" xmlns="" name="Office Theme" id="{62F939B6-93AF-4DB8-9C6B-D6C7DFDC589F}" vid="{4A3C46E8-61CC-4603-A589-7422A47A8E4A}"/>
+      <thm15:themeFamily xmlns="" xmlns:thm15="http://schemas.microsoft.com/office/thememl/2012/main" name="Office Theme" id="{62F939B6-93AF-4DB8-9C6B-D6C7DFDC589F}" vid="{4A3C46E8-61CC-4603-A589-7422A47A8E4A}"/>
     </a:ext>
   </a:extLst>
 </a:theme>

--- a/slide/dev/chapter_1/slide.pptx
+++ b/slide/dev/chapter_1/slide.pptx
@@ -528,28 +528,28 @@
           <a:lstStyle/>
           <a:p>
             <a:r>
-              <a:rPr lang="vi-VN" dirty="0" smtClean="0"/>
+              <a:rPr lang="vi-VN" smtClean="0"/>
               <a:t>Nhằm mục đích:</a:t>
             </a:r>
           </a:p>
           <a:p>
             <a:r>
-              <a:rPr lang="vi-VN" dirty="0" smtClean="0"/>
+              <a:rPr lang="vi-VN" smtClean="0"/>
               <a:t>	Phát hiện và giải quyết xung đột giữa các yêu cầu</a:t>
             </a:r>
           </a:p>
           <a:p>
             <a:r>
-              <a:rPr lang="vi-VN" dirty="0" smtClean="0"/>
+              <a:rPr lang="vi-VN" smtClean="0"/>
               <a:t>	Tìm ra những giới hạn của phần mềm và cách phần mềm tương tác với tổ chức và môi trường hoạt động của nó.</a:t>
             </a:r>
           </a:p>
           <a:p>
             <a:r>
-              <a:rPr lang="vi-VN" dirty="0" smtClean="0"/>
+              <a:rPr lang="vi-VN" smtClean="0"/>
               <a:t>	Nghiên cứu các yêu cầu hệ thống để lấy được các yêu cầu phần mềm.</a:t>
             </a:r>
-            <a:endParaRPr lang="en-US" dirty="0"/>
+            <a:endParaRPr lang="en-US"/>
           </a:p>
         </p:txBody>
       </p:sp>
@@ -4083,7 +4083,7 @@
           <a:lstStyle/>
           <a:p>
             <a:r>
-              <a:rPr lang="en-US" b="1" dirty="0" smtClean="0">
+              <a:rPr lang="en-US" b="1" smtClean="0">
                 <a:latin typeface="Verdana" panose="020B0604030504040204" pitchFamily="34" charset="0"/>
                 <a:ea typeface="Verdana" panose="020B0604030504040204" pitchFamily="34" charset="0"/>
                 <a:cs typeface="Verdana" panose="020B0604030504040204" pitchFamily="34" charset="0"/>
@@ -4091,21 +4091,21 @@
               <a:t>KỸ NGHỆ PHẦN MỀM </a:t>
             </a:r>
             <a:br>
-              <a:rPr lang="en-US" b="1" dirty="0" smtClean="0">
+              <a:rPr lang="en-US" b="1" smtClean="0">
                 <a:latin typeface="Verdana" panose="020B0604030504040204" pitchFamily="34" charset="0"/>
                 <a:ea typeface="Verdana" panose="020B0604030504040204" pitchFamily="34" charset="0"/>
                 <a:cs typeface="Verdana" panose="020B0604030504040204" pitchFamily="34" charset="0"/>
               </a:rPr>
             </a:br>
             <a:r>
-              <a:rPr lang="en-US" b="1" dirty="0" smtClean="0">
+              <a:rPr lang="en-US" b="1" smtClean="0">
                 <a:latin typeface="Verdana" panose="020B0604030504040204" pitchFamily="34" charset="0"/>
                 <a:ea typeface="Verdana" panose="020B0604030504040204" pitchFamily="34" charset="0"/>
                 <a:cs typeface="Verdana" panose="020B0604030504040204" pitchFamily="34" charset="0"/>
               </a:rPr>
               <a:t>NÂNG CAO</a:t>
             </a:r>
-            <a:endParaRPr lang="en-US" b="1" dirty="0">
+            <a:endParaRPr lang="en-US" b="1">
               <a:latin typeface="Verdana" panose="020B0604030504040204" pitchFamily="34" charset="0"/>
               <a:ea typeface="Verdana" panose="020B0604030504040204" pitchFamily="34" charset="0"/>
               <a:cs typeface="Verdana" panose="020B0604030504040204" pitchFamily="34" charset="0"/>
@@ -4129,13 +4129,13 @@
           <a:lstStyle/>
           <a:p>
             <a:r>
-              <a:rPr lang="en-US" dirty="0" smtClean="0">
+              <a:rPr lang="en-US" smtClean="0">
                 <a:latin typeface="Arial" panose="020B0604020202020204" pitchFamily="34" charset="0"/>
                 <a:cs typeface="Arial" panose="020B0604020202020204" pitchFamily="34" charset="0"/>
               </a:rPr>
               <a:t>(ueh-k22)</a:t>
             </a:r>
-            <a:endParaRPr lang="en-US" dirty="0">
+            <a:endParaRPr lang="en-US">
               <a:latin typeface="Arial" panose="020B0604020202020204" pitchFamily="34" charset="0"/>
               <a:cs typeface="Arial" panose="020B0604020202020204" pitchFamily="34" charset="0"/>
             </a:endParaRPr>
@@ -4195,14 +4195,14 @@
           <a:lstStyle/>
           <a:p>
             <a:r>
-              <a:rPr lang="en-US" b="1" dirty="0" smtClean="0">
+              <a:rPr lang="en-US" b="1" smtClean="0">
                 <a:latin typeface="Verdana" panose="020B0604030504040204" pitchFamily="34" charset="0"/>
                 <a:ea typeface="Verdana" panose="020B0604030504040204" pitchFamily="34" charset="0"/>
                 <a:cs typeface="Verdana" panose="020B0604030504040204" pitchFamily="34" charset="0"/>
               </a:rPr>
               <a:t>YÊU CẦU PHẦN MỀM</a:t>
             </a:r>
-            <a:endParaRPr lang="en-US" b="1" dirty="0">
+            <a:endParaRPr lang="en-US" b="1">
               <a:latin typeface="Verdana" panose="020B0604030504040204" pitchFamily="34" charset="0"/>
               <a:ea typeface="Verdana" panose="020B0604030504040204" pitchFamily="34" charset="0"/>
               <a:cs typeface="Verdana" panose="020B0604030504040204" pitchFamily="34" charset="0"/>
@@ -4226,14 +4226,14 @@
           <a:lstStyle/>
           <a:p>
             <a:r>
-              <a:rPr lang="en-US" dirty="0" smtClean="0">
+              <a:rPr lang="en-US" smtClean="0">
                 <a:latin typeface="Verdana" panose="020B0604030504040204" pitchFamily="34" charset="0"/>
                 <a:ea typeface="Verdana" panose="020B0604030504040204" pitchFamily="34" charset="0"/>
                 <a:cs typeface="Verdana" panose="020B0604030504040204" pitchFamily="34" charset="0"/>
               </a:rPr>
               <a:t>CHƯƠNG 1</a:t>
             </a:r>
-            <a:endParaRPr lang="en-US" dirty="0">
+            <a:endParaRPr lang="en-US">
               <a:latin typeface="Verdana" panose="020B0604030504040204" pitchFamily="34" charset="0"/>
               <a:ea typeface="Verdana" panose="020B0604030504040204" pitchFamily="34" charset="0"/>
               <a:cs typeface="Verdana" panose="020B0604030504040204" pitchFamily="34" charset="0"/>
@@ -4294,10 +4294,10 @@
           <a:lstStyle/>
           <a:p>
             <a:r>
-              <a:rPr lang="en-US" dirty="0" smtClean="0"/>
+              <a:rPr lang="en-US" smtClean="0"/>
               <a:t>Thuật ngữ thường dùng</a:t>
             </a:r>
-            <a:endParaRPr lang="en-US" dirty="0"/>
+            <a:endParaRPr lang="en-US"/>
           </a:p>
         </p:txBody>
       </p:sp>
@@ -4319,64 +4319,64 @@
           <a:lstStyle/>
           <a:p>
             <a:r>
-              <a:rPr lang="vi-VN" sz="1800" b="1" dirty="0" smtClean="0"/>
+              <a:rPr lang="vi-VN" sz="1800" b="1" smtClean="0"/>
               <a:t>CIA: </a:t>
             </a:r>
             <a:r>
-              <a:rPr lang="vi-VN" sz="1800" dirty="0" smtClean="0"/>
+              <a:rPr lang="vi-VN" sz="1800" smtClean="0"/>
               <a:t>Confidentiality, Integrity, and Availability(Độ tin cậy, Tính toàn vẹn, tính tiện lợi)</a:t>
             </a:r>
           </a:p>
           <a:p>
             <a:r>
-              <a:rPr lang="vi-VN" sz="1800" b="1" dirty="0" smtClean="0"/>
+              <a:rPr lang="vi-VN" sz="1800" b="1" smtClean="0"/>
               <a:t>DAG: </a:t>
             </a:r>
             <a:r>
-              <a:rPr lang="vi-VN" sz="1800" dirty="0" smtClean="0"/>
+              <a:rPr lang="vi-VN" sz="1800" smtClean="0"/>
               <a:t>Directed Acyclic Graph (Đồ thị có hướng và không có chu trình)</a:t>
             </a:r>
           </a:p>
           <a:p>
             <a:r>
-              <a:rPr lang="vi-VN" sz="1800" b="1" dirty="0" smtClean="0"/>
+              <a:rPr lang="vi-VN" sz="1800" b="1" smtClean="0"/>
               <a:t>FSM: </a:t>
             </a:r>
             <a:r>
-              <a:rPr lang="vi-VN" sz="1800" dirty="0" smtClean="0"/>
+              <a:rPr lang="vi-VN" sz="1800" smtClean="0"/>
               <a:t>Functional Size Measurement (Thước đo chức năng)</a:t>
             </a:r>
           </a:p>
           <a:p>
             <a:r>
-              <a:rPr lang="vi-VN" sz="1800" b="1" dirty="0" smtClean="0"/>
+              <a:rPr lang="vi-VN" sz="1800" b="1" smtClean="0"/>
               <a:t>INCOSE: </a:t>
             </a:r>
             <a:r>
-              <a:rPr lang="vi-VN" sz="1800" dirty="0" smtClean="0"/>
+              <a:rPr lang="vi-VN" sz="1800" smtClean="0"/>
               <a:t>International Council on Systems Engineering ()</a:t>
             </a:r>
           </a:p>
           <a:p>
             <a:r>
-              <a:rPr lang="vi-VN" sz="1800" b="1" dirty="0" smtClean="0"/>
+              <a:rPr lang="vi-VN" sz="1800" b="1" smtClean="0"/>
               <a:t>UML: </a:t>
             </a:r>
             <a:r>
-              <a:rPr lang="vi-VN" sz="1800" dirty="0" smtClean="0"/>
+              <a:rPr lang="vi-VN" sz="1800" smtClean="0"/>
               <a:t>Unified Modeling Language (Ngôn ngữ mô hình hóa)</a:t>
             </a:r>
           </a:p>
           <a:p>
             <a:r>
-              <a:rPr lang="vi-VN" sz="1800" b="1" dirty="0" smtClean="0"/>
+              <a:rPr lang="vi-VN" sz="1800" b="1" smtClean="0"/>
               <a:t>SysML: </a:t>
             </a:r>
             <a:r>
-              <a:rPr lang="vi-VN" sz="1800" dirty="0" smtClean="0"/>
+              <a:rPr lang="vi-VN" sz="1800" smtClean="0"/>
               <a:t>Systems Modeling Language (Ngôn ngữ mô hình hóa hệ thống)</a:t>
             </a:r>
-            <a:endParaRPr lang="en-US" sz="1800" dirty="0"/>
+            <a:endParaRPr lang="en-US" sz="1800"/>
           </a:p>
         </p:txBody>
       </p:sp>
@@ -4433,10 +4433,10 @@
           <a:lstStyle/>
           <a:p>
             <a:r>
-              <a:rPr lang="en-US" dirty="0" smtClean="0"/>
+              <a:rPr lang="en-US" smtClean="0"/>
               <a:t>Định nghĩa</a:t>
             </a:r>
-            <a:endParaRPr lang="en-US" dirty="0"/>
+            <a:endParaRPr lang="en-US"/>
           </a:p>
         </p:txBody>
       </p:sp>
@@ -4458,40 +4458,40 @@
           <a:lstStyle/>
           <a:p>
             <a:r>
-              <a:rPr lang="vi-VN" sz="1800" dirty="0" smtClean="0"/>
+              <a:rPr lang="vi-VN" sz="1800" smtClean="0"/>
               <a:t>Yêu cầu cho 1 phần mềm cụ thể là tổng hợp những yêu cầu từ nhiều người khác nhau về tổ chức, mức độ chuyên môn và mức độ tham gia, tương tác với phần mềm trong môi trường hoạt động của nó.</a:t>
             </a:r>
-            <a:endParaRPr lang="en-US" sz="1800" dirty="0" smtClean="0"/>
-          </a:p>
-          <a:p>
-            <a:endParaRPr lang="vi-VN" sz="1800" dirty="0" smtClean="0"/>
-          </a:p>
-          <a:p>
-            <a:r>
-              <a:rPr lang="vi-VN" sz="1800" dirty="0" smtClean="0"/>
+            <a:endParaRPr lang="en-US" sz="1800" smtClean="0"/>
+          </a:p>
+          <a:p>
+            <a:endParaRPr lang="vi-VN" sz="1800" smtClean="0"/>
+          </a:p>
+          <a:p>
+            <a:r>
+              <a:rPr lang="vi-VN" sz="1800" smtClean="0"/>
               <a:t>Có thể kiểm chứng một cách riêng rẽ ở mức chức năng(yêu cầu chức năng) hoặc mức hệ thống(yêu cầu phi chức năng)</a:t>
             </a:r>
-            <a:endParaRPr lang="en-US" sz="1800" dirty="0" smtClean="0"/>
-          </a:p>
-          <a:p>
-            <a:endParaRPr lang="vi-VN" sz="1800" dirty="0" smtClean="0"/>
-          </a:p>
-          <a:p>
-            <a:r>
-              <a:rPr lang="vi-VN" sz="1800" dirty="0" smtClean="0"/>
+            <a:endParaRPr lang="en-US" sz="1800" smtClean="0"/>
+          </a:p>
+          <a:p>
+            <a:endParaRPr lang="vi-VN" sz="1800" smtClean="0"/>
+          </a:p>
+          <a:p>
+            <a:r>
+              <a:rPr lang="vi-VN" sz="1800" smtClean="0"/>
               <a:t>Cung cấp các chỉ số đánh giá độ ưu tiên về các mặt khi cân nhắc về nguồn tài nguyên.</a:t>
             </a:r>
-            <a:endParaRPr lang="en-US" sz="1800" dirty="0" smtClean="0"/>
-          </a:p>
-          <a:p>
-            <a:endParaRPr lang="vi-VN" sz="1800" dirty="0" smtClean="0"/>
-          </a:p>
-          <a:p>
-            <a:r>
-              <a:rPr lang="vi-VN" sz="1800" dirty="0" smtClean="0"/>
+            <a:endParaRPr lang="en-US" sz="1800" smtClean="0"/>
+          </a:p>
+          <a:p>
+            <a:endParaRPr lang="vi-VN" sz="1800" smtClean="0"/>
+          </a:p>
+          <a:p>
+            <a:r>
+              <a:rPr lang="vi-VN" sz="1800" smtClean="0"/>
               <a:t>Cung cấp các giá trị trạng thái để theo dõi tiến độ của dự án.</a:t>
             </a:r>
-            <a:endParaRPr lang="en-US" sz="1800" dirty="0"/>
+            <a:endParaRPr lang="en-US" sz="1800"/>
           </a:p>
         </p:txBody>
       </p:sp>
@@ -4548,10 +4548,10 @@
           <a:lstStyle/>
           <a:p>
             <a:r>
-              <a:rPr lang="en-US" dirty="0" smtClean="0"/>
+              <a:rPr lang="en-US" smtClean="0"/>
               <a:t>Phân loại</a:t>
             </a:r>
-            <a:endParaRPr lang="en-US" dirty="0"/>
+            <a:endParaRPr lang="en-US"/>
           </a:p>
         </p:txBody>
       </p:sp>
@@ -4571,7 +4571,7 @@
           <a:lstStyle/>
           <a:p>
             <a:r>
-              <a:rPr lang="vi-VN" sz="2000" b="1" dirty="0" smtClean="0"/>
+              <a:rPr lang="vi-VN" sz="2000" b="1" smtClean="0"/>
               <a:t>Theo sản phẩm và tiến trình</a:t>
             </a:r>
           </a:p>
@@ -4581,17 +4581,17 @@
               <a:buChar char="Ø"/>
             </a:pPr>
             <a:r>
-              <a:rPr lang="vi-VN" sz="1600" dirty="0" smtClean="0"/>
+              <a:rPr lang="vi-VN" sz="1600" smtClean="0"/>
               <a:t>Yêu cầu sản phẩm: là những đòi hỏi hay ràng buộc mà phần mềm phải thực hiện.</a:t>
             </a:r>
-            <a:endParaRPr lang="en-US" sz="1600" dirty="0" smtClean="0"/>
+            <a:endParaRPr lang="en-US" sz="1600" smtClean="0"/>
           </a:p>
           <a:p>
             <a:pPr lvl="1">
               <a:buFont typeface="Wingdings" panose="05000000000000000000" pitchFamily="2" charset="2"/>
               <a:buChar char="Ø"/>
             </a:pPr>
-            <a:endParaRPr lang="en-US" sz="1600" dirty="0"/>
+            <a:endParaRPr lang="en-US" sz="1600"/>
           </a:p>
           <a:p>
             <a:pPr lvl="1">
@@ -4599,16 +4599,16 @@
               <a:buChar char="Ø"/>
             </a:pPr>
             <a:r>
-              <a:rPr lang="vi-VN" sz="1600" dirty="0" smtClean="0"/>
+              <a:rPr lang="vi-VN" sz="1600" smtClean="0"/>
               <a:t>Yêu cầu tiến trình: là những ràng buộc liên quan đến việc phát triển phần mềm đó(quy trình, đối tác kiểm thử, phân tích, kĩ thuật sử dụng,...).</a:t>
             </a:r>
           </a:p>
           <a:p>
             <a:r>
-              <a:rPr lang="vi-VN" sz="2000" b="1" dirty="0" smtClean="0"/>
+              <a:rPr lang="vi-VN" sz="2000" b="1" smtClean="0"/>
               <a:t>Theo chức năng</a:t>
             </a:r>
-            <a:endParaRPr lang="en-US" sz="2000" b="1" dirty="0" smtClean="0"/>
+            <a:endParaRPr lang="en-US" sz="2000" b="1" smtClean="0"/>
           </a:p>
           <a:p>
             <a:pPr lvl="1">
@@ -4616,17 +4616,17 @@
               <a:buChar char="Ø"/>
             </a:pPr>
             <a:r>
-              <a:rPr lang="vi-VN" sz="1600" dirty="0" smtClean="0"/>
+              <a:rPr lang="vi-VN" sz="1600" smtClean="0"/>
               <a:t>Yêu cầu chức năng: đặc tả các chức năng mà phần mềm phải thực hiện.</a:t>
             </a:r>
-            <a:endParaRPr lang="en-US" sz="1600" dirty="0" smtClean="0"/>
+            <a:endParaRPr lang="en-US" sz="1600" smtClean="0"/>
           </a:p>
           <a:p>
             <a:pPr lvl="1">
               <a:buFont typeface="Wingdings" panose="05000000000000000000" pitchFamily="2" charset="2"/>
               <a:buChar char="Ø"/>
             </a:pPr>
-            <a:endParaRPr lang="en-US" sz="1600" dirty="0" smtClean="0"/>
+            <a:endParaRPr lang="en-US" sz="1600" smtClean="0"/>
           </a:p>
           <a:p>
             <a:pPr lvl="1">
@@ -4634,10 +4634,10 @@
               <a:buChar char="Ø"/>
             </a:pPr>
             <a:r>
-              <a:rPr lang="vi-VN" sz="1600" dirty="0" smtClean="0"/>
+              <a:rPr lang="vi-VN" sz="1600" smtClean="0"/>
               <a:t>Yêu cầu phi chức năng: là các ràng buộc về giải pháp và chất lượng(hiệu năng, việc bảo trì, độ an toàn, bảo mật,...).</a:t>
             </a:r>
-            <a:endParaRPr lang="en-US" sz="1600" dirty="0"/>
+            <a:endParaRPr lang="en-US" sz="1600"/>
           </a:p>
         </p:txBody>
       </p:sp>
@@ -4694,34 +4694,34 @@
           <a:lstStyle/>
           <a:p>
             <a:r>
-              <a:rPr lang="en-US" dirty="0" err="1" smtClean="0"/>
+              <a:rPr lang="en-US" err="1" smtClean="0"/>
               <a:t>Phân</a:t>
             </a:r>
             <a:r>
-              <a:rPr lang="en-US" dirty="0" smtClean="0"/>
-              <a:t> </a:t>
-            </a:r>
-            <a:r>
-              <a:rPr lang="en-US" dirty="0" err="1" smtClean="0"/>
+              <a:rPr lang="en-US" smtClean="0"/>
+              <a:t> </a:t>
+            </a:r>
+            <a:r>
+              <a:rPr lang="en-US" err="1" smtClean="0"/>
               <a:t>tích</a:t>
             </a:r>
             <a:r>
-              <a:rPr lang="en-US" dirty="0" smtClean="0"/>
-              <a:t> </a:t>
-            </a:r>
-            <a:r>
-              <a:rPr lang="en-US" dirty="0" err="1" smtClean="0"/>
+              <a:rPr lang="en-US" smtClean="0"/>
+              <a:t> </a:t>
+            </a:r>
+            <a:r>
+              <a:rPr lang="en-US" err="1" smtClean="0"/>
               <a:t>yêu</a:t>
             </a:r>
             <a:r>
-              <a:rPr lang="en-US" dirty="0" smtClean="0"/>
-              <a:t> </a:t>
-            </a:r>
-            <a:r>
-              <a:rPr lang="en-US" dirty="0" err="1" smtClean="0"/>
+              <a:rPr lang="en-US" smtClean="0"/>
+              <a:t> </a:t>
+            </a:r>
+            <a:r>
+              <a:rPr lang="en-US" err="1" smtClean="0"/>
               <a:t>cầu</a:t>
             </a:r>
-            <a:endParaRPr lang="en-US" dirty="0"/>
+            <a:endParaRPr lang="en-US"/>
           </a:p>
         </p:txBody>
       </p:sp>
@@ -4743,333 +4743,333 @@
           <a:lstStyle/>
           <a:p>
             <a:r>
-              <a:rPr lang="en-US" sz="1800" b="1" dirty="0" err="1" smtClean="0"/>
+              <a:rPr lang="en-US" sz="1800" b="1" err="1" smtClean="0"/>
               <a:t>Phân</a:t>
             </a:r>
             <a:r>
-              <a:rPr lang="en-US" sz="1800" b="1" dirty="0" smtClean="0"/>
-              <a:t> </a:t>
-            </a:r>
-            <a:r>
-              <a:rPr lang="en-US" sz="1800" b="1" dirty="0" err="1" smtClean="0"/>
+              <a:rPr lang="en-US" sz="1800" b="1" smtClean="0"/>
+              <a:t> </a:t>
+            </a:r>
+            <a:r>
+              <a:rPr lang="en-US" sz="1800" b="1" err="1" smtClean="0"/>
               <a:t>loại</a:t>
             </a:r>
             <a:r>
-              <a:rPr lang="en-US" sz="1800" b="1" dirty="0" smtClean="0"/>
-              <a:t> </a:t>
-            </a:r>
-            <a:r>
-              <a:rPr lang="en-US" sz="1800" b="1" dirty="0" err="1" smtClean="0"/>
+              <a:rPr lang="en-US" sz="1800" b="1" smtClean="0"/>
+              <a:t> </a:t>
+            </a:r>
+            <a:r>
+              <a:rPr lang="en-US" sz="1800" b="1" err="1" smtClean="0"/>
               <a:t>yêu</a:t>
             </a:r>
             <a:r>
-              <a:rPr lang="en-US" sz="1800" b="1" dirty="0" smtClean="0"/>
-              <a:t> </a:t>
-            </a:r>
-            <a:r>
-              <a:rPr lang="en-US" sz="1800" b="1" dirty="0" err="1" smtClean="0"/>
+              <a:rPr lang="en-US" sz="1800" b="1" smtClean="0"/>
+              <a:t> </a:t>
+            </a:r>
+            <a:r>
+              <a:rPr lang="en-US" sz="1800" b="1" err="1" smtClean="0"/>
               <a:t>cầu</a:t>
             </a:r>
-            <a:endParaRPr lang="en-US" sz="1800" b="1" dirty="0" smtClean="0"/>
+            <a:endParaRPr lang="en-US" sz="1800" b="1" smtClean="0"/>
           </a:p>
           <a:p>
             <a:pPr lvl="1"/>
             <a:r>
-              <a:rPr lang="vi-VN" sz="1800" dirty="0"/>
+              <a:rPr lang="vi-VN" sz="1800"/>
               <a:t>Phân loại theo yêu cầu chức năng hoặc phi chức năng</a:t>
             </a:r>
-            <a:endParaRPr lang="en-US" sz="1800" dirty="0"/>
+            <a:endParaRPr lang="en-US" sz="1800"/>
           </a:p>
           <a:p>
             <a:pPr lvl="1"/>
             <a:r>
-              <a:rPr lang="vi-VN" sz="1800" dirty="0"/>
+              <a:rPr lang="vi-VN" sz="1800"/>
               <a:t>Phân loại theo các yêu cầu đặt ra cho sản phẩm hoặc là trên từng tiến trình</a:t>
             </a:r>
-            <a:endParaRPr lang="en-US" sz="1800" dirty="0"/>
+            <a:endParaRPr lang="en-US" sz="1800"/>
           </a:p>
           <a:p>
             <a:pPr lvl="1"/>
             <a:r>
-              <a:rPr lang="vi-VN" sz="1800" dirty="0"/>
+              <a:rPr lang="vi-VN" sz="1800"/>
               <a:t>Phân loại theo độ ưu tiên phần mềm</a:t>
             </a:r>
-            <a:endParaRPr lang="en-US" sz="1800" dirty="0"/>
+            <a:endParaRPr lang="en-US" sz="1800"/>
           </a:p>
           <a:p>
             <a:pPr lvl="1"/>
             <a:r>
-              <a:rPr lang="en-US" sz="1800" dirty="0" err="1"/>
+              <a:rPr lang="en-US" sz="1800" err="1"/>
               <a:t>Phân</a:t>
             </a:r>
             <a:r>
-              <a:rPr lang="en-US" sz="1800" dirty="0"/>
-              <a:t> </a:t>
-            </a:r>
-            <a:r>
-              <a:rPr lang="en-US" sz="1800" dirty="0" err="1"/>
+              <a:rPr lang="en-US" sz="1800"/>
+              <a:t> </a:t>
+            </a:r>
+            <a:r>
+              <a:rPr lang="en-US" sz="1800" err="1"/>
               <a:t>theo</a:t>
             </a:r>
             <a:r>
-              <a:rPr lang="en-US" sz="1800" dirty="0"/>
-              <a:t> </a:t>
-            </a:r>
-            <a:r>
-              <a:rPr lang="en-US" sz="1800" dirty="0" err="1"/>
+              <a:rPr lang="en-US" sz="1800"/>
+              <a:t> </a:t>
+            </a:r>
+            <a:r>
+              <a:rPr lang="en-US" sz="1800" err="1"/>
               <a:t>phạm</a:t>
             </a:r>
             <a:r>
-              <a:rPr lang="en-US" sz="1800" dirty="0"/>
+              <a:rPr lang="en-US" sz="1800"/>
               <a:t> vi </a:t>
             </a:r>
             <a:r>
-              <a:rPr lang="en-US" sz="1800" dirty="0" err="1"/>
+              <a:rPr lang="en-US" sz="1800" err="1"/>
               <a:t>yêu</a:t>
             </a:r>
             <a:r>
-              <a:rPr lang="en-US" sz="1800" dirty="0"/>
-              <a:t> </a:t>
-            </a:r>
-            <a:r>
-              <a:rPr lang="en-US" sz="1800" dirty="0" err="1"/>
+              <a:rPr lang="en-US" sz="1800"/>
+              <a:t> </a:t>
+            </a:r>
+            <a:r>
+              <a:rPr lang="en-US" sz="1800" err="1"/>
               <a:t>cầu</a:t>
             </a:r>
             <a:r>
-              <a:rPr lang="en-US" sz="1800" dirty="0"/>
-              <a:t> </a:t>
-            </a:r>
-            <a:r>
-              <a:rPr lang="en-US" sz="1800" dirty="0" err="1"/>
+              <a:rPr lang="en-US" sz="1800"/>
+              <a:t> </a:t>
+            </a:r>
+            <a:r>
+              <a:rPr lang="en-US" sz="1800" err="1"/>
               <a:t>phần</a:t>
             </a:r>
             <a:r>
-              <a:rPr lang="en-US" sz="1800" dirty="0"/>
-              <a:t> </a:t>
-            </a:r>
-            <a:r>
-              <a:rPr lang="en-US" sz="1800" dirty="0" err="1"/>
+              <a:rPr lang="en-US" sz="1800"/>
+              <a:t> </a:t>
+            </a:r>
+            <a:r>
+              <a:rPr lang="en-US" sz="1800" err="1"/>
               <a:t>mềm</a:t>
             </a:r>
-            <a:endParaRPr lang="en-US" sz="1800" dirty="0"/>
+            <a:endParaRPr lang="en-US" sz="1800"/>
           </a:p>
           <a:p>
             <a:pPr lvl="1"/>
             <a:r>
-              <a:rPr lang="vi-VN" sz="1800" dirty="0"/>
+              <a:rPr lang="vi-VN" sz="1800"/>
               <a:t>Phân loại theo độ dễ biến động/ tính ổn </a:t>
             </a:r>
             <a:r>
-              <a:rPr lang="vi-VN" sz="1800" dirty="0" smtClean="0"/>
+              <a:rPr lang="vi-VN" sz="1800" smtClean="0"/>
               <a:t>định</a:t>
             </a:r>
-            <a:endParaRPr lang="en-US" sz="1800" b="1" dirty="0" smtClean="0"/>
-          </a:p>
-          <a:p>
-            <a:r>
-              <a:rPr lang="en-US" sz="1800" b="1" dirty="0" err="1" smtClean="0"/>
+            <a:endParaRPr lang="en-US" sz="1800" b="1" smtClean="0"/>
+          </a:p>
+          <a:p>
+            <a:r>
+              <a:rPr lang="en-US" sz="1800" b="1" err="1" smtClean="0"/>
               <a:t>Mô</a:t>
             </a:r>
             <a:r>
-              <a:rPr lang="en-US" sz="1800" b="1" dirty="0" smtClean="0"/>
-              <a:t> </a:t>
-            </a:r>
-            <a:r>
-              <a:rPr lang="en-US" sz="1800" b="1" dirty="0" err="1" smtClean="0"/>
+              <a:rPr lang="en-US" sz="1800" b="1" smtClean="0"/>
+              <a:t> </a:t>
+            </a:r>
+            <a:r>
+              <a:rPr lang="en-US" sz="1800" b="1" err="1" smtClean="0"/>
               <a:t>hình</a:t>
             </a:r>
             <a:r>
-              <a:rPr lang="en-US" sz="1800" b="1" dirty="0" smtClean="0"/>
-              <a:t> </a:t>
-            </a:r>
-            <a:r>
-              <a:rPr lang="en-US" sz="1800" b="1" dirty="0" err="1" smtClean="0"/>
+              <a:rPr lang="en-US" sz="1800" b="1" smtClean="0"/>
+              <a:t> </a:t>
+            </a:r>
+            <a:r>
+              <a:rPr lang="en-US" sz="1800" b="1" err="1" smtClean="0"/>
               <a:t>hóa</a:t>
             </a:r>
             <a:r>
-              <a:rPr lang="en-US" sz="1800" b="1" dirty="0" smtClean="0"/>
-              <a:t> </a:t>
-            </a:r>
-            <a:r>
-              <a:rPr lang="en-US" sz="1800" b="1" dirty="0" err="1" smtClean="0"/>
+              <a:rPr lang="en-US" sz="1800" b="1" smtClean="0"/>
+              <a:t> </a:t>
+            </a:r>
+            <a:r>
+              <a:rPr lang="en-US" sz="1800" b="1" err="1" smtClean="0"/>
               <a:t>khái</a:t>
             </a:r>
             <a:r>
-              <a:rPr lang="en-US" sz="1800" b="1" dirty="0" smtClean="0"/>
-              <a:t> </a:t>
-            </a:r>
-            <a:r>
-              <a:rPr lang="en-US" sz="1800" b="1" dirty="0" err="1" smtClean="0"/>
+              <a:rPr lang="en-US" sz="1800" b="1" smtClean="0"/>
+              <a:t> </a:t>
+            </a:r>
+            <a:r>
+              <a:rPr lang="en-US" sz="1800" b="1" err="1" smtClean="0"/>
               <a:t>niệm</a:t>
             </a:r>
-            <a:endParaRPr lang="en-US" sz="1800" b="1" dirty="0" smtClean="0"/>
-          </a:p>
-          <a:p>
-            <a:r>
-              <a:rPr lang="en-US" sz="1800" b="1" dirty="0" err="1"/>
+            <a:endParaRPr lang="en-US" sz="1800" b="1" smtClean="0"/>
+          </a:p>
+          <a:p>
+            <a:r>
+              <a:rPr lang="en-US" sz="1800" b="1" err="1"/>
               <a:t>Thiết</a:t>
             </a:r>
             <a:r>
-              <a:rPr lang="en-US" sz="1800" b="1" dirty="0"/>
-              <a:t> </a:t>
-            </a:r>
-            <a:r>
-              <a:rPr lang="en-US" sz="1800" b="1" dirty="0" err="1"/>
+              <a:rPr lang="en-US" sz="1800" b="1"/>
+              <a:t> </a:t>
+            </a:r>
+            <a:r>
+              <a:rPr lang="en-US" sz="1800" b="1" err="1"/>
               <a:t>kế</a:t>
             </a:r>
             <a:r>
-              <a:rPr lang="en-US" sz="1800" b="1" dirty="0"/>
-              <a:t> </a:t>
-            </a:r>
-            <a:r>
-              <a:rPr lang="en-US" sz="1800" b="1" dirty="0" err="1"/>
+              <a:rPr lang="en-US" sz="1800" b="1"/>
+              <a:t> </a:t>
+            </a:r>
+            <a:r>
+              <a:rPr lang="en-US" sz="1800" b="1" err="1"/>
               <a:t>kiến</a:t>
             </a:r>
             <a:r>
-              <a:rPr lang="en-US" sz="1800" b="1" dirty="0"/>
-              <a:t> </a:t>
-            </a:r>
-            <a:r>
-              <a:rPr lang="en-US" sz="1800" b="1" dirty="0" err="1"/>
+              <a:rPr lang="en-US" sz="1800" b="1"/>
+              <a:t> </a:t>
+            </a:r>
+            <a:r>
+              <a:rPr lang="en-US" sz="1800" b="1" err="1"/>
               <a:t>trúc</a:t>
             </a:r>
             <a:r>
-              <a:rPr lang="en-US" sz="1800" b="1" dirty="0"/>
-              <a:t> </a:t>
-            </a:r>
-            <a:r>
-              <a:rPr lang="en-US" sz="1800" b="1" dirty="0" err="1"/>
+              <a:rPr lang="en-US" sz="1800" b="1"/>
+              <a:t> </a:t>
+            </a:r>
+            <a:r>
+              <a:rPr lang="en-US" sz="1800" b="1" err="1"/>
               <a:t>và</a:t>
             </a:r>
             <a:r>
-              <a:rPr lang="en-US" sz="1800" b="1" dirty="0"/>
-              <a:t> </a:t>
-            </a:r>
-            <a:r>
-              <a:rPr lang="en-US" sz="1800" b="1" dirty="0" err="1"/>
+              <a:rPr lang="en-US" sz="1800" b="1"/>
+              <a:t> </a:t>
+            </a:r>
+            <a:r>
+              <a:rPr lang="en-US" sz="1800" b="1" err="1"/>
               <a:t>các</a:t>
             </a:r>
             <a:r>
-              <a:rPr lang="en-US" sz="1800" b="1" dirty="0"/>
-              <a:t> </a:t>
-            </a:r>
-            <a:r>
-              <a:rPr lang="en-US" sz="1800" b="1" dirty="0" err="1"/>
+              <a:rPr lang="en-US" sz="1800" b="1"/>
+              <a:t> </a:t>
+            </a:r>
+            <a:r>
+              <a:rPr lang="en-US" sz="1800" b="1" err="1"/>
               <a:t>yêu</a:t>
             </a:r>
             <a:r>
-              <a:rPr lang="en-US" sz="1800" b="1" dirty="0"/>
-              <a:t> </a:t>
-            </a:r>
-            <a:r>
-              <a:rPr lang="en-US" sz="1800" b="1" dirty="0" err="1"/>
+              <a:rPr lang="en-US" sz="1800" b="1"/>
+              <a:t> </a:t>
+            </a:r>
+            <a:r>
+              <a:rPr lang="en-US" sz="1800" b="1" err="1"/>
               <a:t>cầu</a:t>
             </a:r>
             <a:r>
-              <a:rPr lang="en-US" sz="1800" b="1" dirty="0"/>
-              <a:t> </a:t>
-            </a:r>
-            <a:r>
-              <a:rPr lang="en-US" sz="1800" b="1" dirty="0" err="1"/>
+              <a:rPr lang="en-US" sz="1800" b="1"/>
+              <a:t> </a:t>
+            </a:r>
+            <a:r>
+              <a:rPr lang="en-US" sz="1800" b="1" err="1"/>
               <a:t>phân</a:t>
             </a:r>
             <a:r>
-              <a:rPr lang="en-US" sz="1800" b="1" dirty="0"/>
-              <a:t> </a:t>
-            </a:r>
-            <a:r>
-              <a:rPr lang="en-US" sz="1800" b="1" dirty="0" err="1" smtClean="0"/>
+              <a:rPr lang="en-US" sz="1800" b="1"/>
+              <a:t> </a:t>
+            </a:r>
+            <a:r>
+              <a:rPr lang="en-US" sz="1800" b="1" err="1" smtClean="0"/>
               <a:t>bổ</a:t>
             </a:r>
-            <a:endParaRPr lang="en-US" sz="1800" b="1" dirty="0" smtClean="0"/>
-          </a:p>
-          <a:p>
-            <a:r>
-              <a:rPr lang="en-US" sz="1800" b="1" dirty="0" err="1" smtClean="0"/>
+            <a:endParaRPr lang="en-US" sz="1800" b="1" smtClean="0"/>
+          </a:p>
+          <a:p>
+            <a:r>
+              <a:rPr lang="en-US" sz="1800" b="1" err="1" smtClean="0"/>
               <a:t>Sự</a:t>
             </a:r>
             <a:r>
-              <a:rPr lang="en-US" sz="1800" b="1" dirty="0" smtClean="0"/>
-              <a:t> </a:t>
-            </a:r>
-            <a:r>
-              <a:rPr lang="en-US" sz="1800" b="1" dirty="0" err="1" smtClean="0"/>
+              <a:rPr lang="en-US" sz="1800" b="1" smtClean="0"/>
+              <a:t> </a:t>
+            </a:r>
+            <a:r>
+              <a:rPr lang="en-US" sz="1800" b="1" err="1" smtClean="0"/>
               <a:t>đàm</a:t>
             </a:r>
             <a:r>
-              <a:rPr lang="en-US" sz="1800" b="1" dirty="0" smtClean="0"/>
-              <a:t> </a:t>
-            </a:r>
-            <a:r>
-              <a:rPr lang="en-US" sz="1800" b="1" dirty="0" err="1" smtClean="0"/>
+              <a:rPr lang="en-US" sz="1800" b="1" smtClean="0"/>
+              <a:t> </a:t>
+            </a:r>
+            <a:r>
+              <a:rPr lang="en-US" sz="1800" b="1" err="1" smtClean="0"/>
               <a:t>phán</a:t>
             </a:r>
             <a:r>
-              <a:rPr lang="en-US" sz="1800" b="1" dirty="0" smtClean="0"/>
-              <a:t> </a:t>
-            </a:r>
-            <a:r>
-              <a:rPr lang="en-US" sz="1800" b="1" dirty="0" err="1" smtClean="0"/>
+              <a:rPr lang="en-US" sz="1800" b="1" smtClean="0"/>
+              <a:t> </a:t>
+            </a:r>
+            <a:r>
+              <a:rPr lang="en-US" sz="1800" b="1" err="1" smtClean="0"/>
               <a:t>của</a:t>
             </a:r>
             <a:r>
-              <a:rPr lang="en-US" sz="1800" b="1" dirty="0" smtClean="0"/>
-              <a:t> </a:t>
-            </a:r>
-            <a:r>
-              <a:rPr lang="en-US" sz="1800" b="1" dirty="0" err="1" smtClean="0"/>
+              <a:rPr lang="en-US" sz="1800" b="1" smtClean="0"/>
+              <a:t> </a:t>
+            </a:r>
+            <a:r>
+              <a:rPr lang="en-US" sz="1800" b="1" err="1" smtClean="0"/>
               <a:t>các</a:t>
             </a:r>
             <a:r>
-              <a:rPr lang="en-US" sz="1800" b="1" dirty="0" smtClean="0"/>
-              <a:t> </a:t>
-            </a:r>
-            <a:r>
-              <a:rPr lang="en-US" sz="1800" b="1" dirty="0" err="1" smtClean="0"/>
+              <a:rPr lang="en-US" sz="1800" b="1" smtClean="0"/>
+              <a:t> </a:t>
+            </a:r>
+            <a:r>
+              <a:rPr lang="en-US" sz="1800" b="1" err="1" smtClean="0"/>
               <a:t>yêu</a:t>
             </a:r>
             <a:r>
-              <a:rPr lang="en-US" sz="1800" b="1" dirty="0" smtClean="0"/>
-              <a:t> </a:t>
-            </a:r>
-            <a:r>
-              <a:rPr lang="en-US" sz="1800" b="1" dirty="0" err="1" smtClean="0"/>
+              <a:rPr lang="en-US" sz="1800" b="1" smtClean="0"/>
+              <a:t> </a:t>
+            </a:r>
+            <a:r>
+              <a:rPr lang="en-US" sz="1800" b="1" err="1" smtClean="0"/>
               <a:t>cầu</a:t>
             </a:r>
-            <a:endParaRPr lang="en-US" sz="1800" b="1" dirty="0" smtClean="0"/>
-          </a:p>
-          <a:p>
-            <a:r>
-              <a:rPr lang="en-US" sz="1800" b="1" dirty="0" err="1"/>
+            <a:endParaRPr lang="en-US" sz="1800" b="1" smtClean="0"/>
+          </a:p>
+          <a:p>
+            <a:r>
+              <a:rPr lang="en-US" sz="1800" b="1" err="1"/>
               <a:t>Phân</a:t>
             </a:r>
             <a:r>
-              <a:rPr lang="en-US" sz="1800" b="1" dirty="0"/>
-              <a:t> </a:t>
-            </a:r>
-            <a:r>
-              <a:rPr lang="en-US" sz="1800" b="1" dirty="0" err="1"/>
+              <a:rPr lang="en-US" sz="1800" b="1"/>
+              <a:t> </a:t>
+            </a:r>
+            <a:r>
+              <a:rPr lang="en-US" sz="1800" b="1" err="1"/>
               <a:t>tích</a:t>
             </a:r>
             <a:r>
-              <a:rPr lang="en-US" sz="1800" b="1" dirty="0"/>
-              <a:t> </a:t>
-            </a:r>
-            <a:r>
-              <a:rPr lang="en-US" sz="1800" b="1" dirty="0" err="1"/>
+              <a:rPr lang="en-US" sz="1800" b="1"/>
+              <a:t> </a:t>
+            </a:r>
+            <a:r>
+              <a:rPr lang="en-US" sz="1800" b="1" err="1"/>
               <a:t>chính</a:t>
             </a:r>
             <a:r>
-              <a:rPr lang="en-US" sz="1800" b="1" dirty="0"/>
-              <a:t> </a:t>
-            </a:r>
-            <a:r>
-              <a:rPr lang="en-US" sz="1800" b="1" dirty="0" err="1"/>
+              <a:rPr lang="en-US" sz="1800" b="1"/>
+              <a:t> </a:t>
+            </a:r>
+            <a:r>
+              <a:rPr lang="en-US" sz="1800" b="1" err="1"/>
               <a:t>thức</a:t>
             </a:r>
-            <a:endParaRPr lang="en-US" sz="1800" b="1" dirty="0" smtClean="0"/>
-          </a:p>
-          <a:p>
-            <a:endParaRPr lang="en-US" sz="1800" dirty="0"/>
+            <a:endParaRPr lang="en-US" sz="1800" b="1" smtClean="0"/>
+          </a:p>
+          <a:p>
+            <a:endParaRPr lang="en-US" sz="1800"/>
           </a:p>
         </p:txBody>
       </p:sp>
@@ -5121,34 +5121,34 @@
           <a:lstStyle/>
           <a:p>
             <a:r>
-              <a:rPr lang="en-US" dirty="0" err="1" smtClean="0"/>
+              <a:rPr lang="en-US" err="1" smtClean="0"/>
               <a:t>Đặc</a:t>
             </a:r>
             <a:r>
-              <a:rPr lang="en-US" dirty="0" smtClean="0"/>
-              <a:t> </a:t>
-            </a:r>
-            <a:r>
-              <a:rPr lang="en-US" dirty="0" err="1" smtClean="0"/>
+              <a:rPr lang="en-US" smtClean="0"/>
+              <a:t> </a:t>
+            </a:r>
+            <a:r>
+              <a:rPr lang="en-US" err="1" smtClean="0"/>
               <a:t>tả</a:t>
             </a:r>
             <a:r>
-              <a:rPr lang="en-US" dirty="0" smtClean="0"/>
-              <a:t> </a:t>
-            </a:r>
-            <a:r>
-              <a:rPr lang="en-US" dirty="0" err="1" smtClean="0"/>
+              <a:rPr lang="en-US" smtClean="0"/>
+              <a:t> </a:t>
+            </a:r>
+            <a:r>
+              <a:rPr lang="en-US" err="1" smtClean="0"/>
               <a:t>yêu</a:t>
             </a:r>
             <a:r>
-              <a:rPr lang="en-US" dirty="0" smtClean="0"/>
-              <a:t> </a:t>
-            </a:r>
-            <a:r>
-              <a:rPr lang="en-US" dirty="0" err="1" smtClean="0"/>
+              <a:rPr lang="en-US" smtClean="0"/>
+              <a:t> </a:t>
+            </a:r>
+            <a:r>
+              <a:rPr lang="en-US" err="1" smtClean="0"/>
               <a:t>cầu</a:t>
             </a:r>
-            <a:endParaRPr lang="en-US" dirty="0"/>
+            <a:endParaRPr lang="en-US"/>
           </a:p>
         </p:txBody>
       </p:sp>
@@ -5171,512 +5171,512 @@
               <a:buNone/>
             </a:pPr>
             <a:r>
-              <a:rPr lang="en-US" sz="2000" b="1" dirty="0" err="1" smtClean="0"/>
+              <a:rPr lang="en-US" sz="2000" b="1" err="1" smtClean="0"/>
               <a:t>Các</a:t>
             </a:r>
             <a:r>
-              <a:rPr lang="en-US" sz="2000" b="1" dirty="0" smtClean="0"/>
-              <a:t> </a:t>
-            </a:r>
-            <a:r>
-              <a:rPr lang="en-US" sz="2000" b="1" dirty="0" err="1" smtClean="0"/>
+              <a:rPr lang="en-US" sz="2000" b="1" smtClean="0"/>
+              <a:t> </a:t>
+            </a:r>
+            <a:r>
+              <a:rPr lang="en-US" sz="2000" b="1" err="1" smtClean="0"/>
               <a:t>hoạt</a:t>
             </a:r>
             <a:r>
-              <a:rPr lang="en-US" sz="2000" b="1" dirty="0" smtClean="0"/>
-              <a:t> </a:t>
-            </a:r>
-            <a:r>
-              <a:rPr lang="en-US" sz="2000" b="1" dirty="0" err="1" smtClean="0"/>
+              <a:rPr lang="en-US" sz="2000" b="1" smtClean="0"/>
+              <a:t> </a:t>
+            </a:r>
+            <a:r>
+              <a:rPr lang="en-US" sz="2000" b="1" err="1" smtClean="0"/>
               <a:t>động</a:t>
             </a:r>
-            <a:endParaRPr lang="en-US" sz="2000" b="1" dirty="0" smtClean="0"/>
-          </a:p>
-          <a:p>
-            <a:r>
-              <a:rPr lang="en-US" sz="1800" dirty="0" err="1" smtClean="0"/>
+            <a:endParaRPr lang="en-US" sz="2000" b="1" smtClean="0"/>
+          </a:p>
+          <a:p>
+            <a:r>
+              <a:rPr lang="en-US" sz="1800" err="1" smtClean="0"/>
               <a:t>Áp</a:t>
             </a:r>
             <a:r>
-              <a:rPr lang="en-US" sz="1800" dirty="0" smtClean="0"/>
-              <a:t> </a:t>
-            </a:r>
-            <a:r>
-              <a:rPr lang="en-US" sz="1800" dirty="0" err="1" smtClean="0"/>
+              <a:rPr lang="en-US" sz="1800" smtClean="0"/>
+              <a:t> </a:t>
+            </a:r>
+            <a:r>
+              <a:rPr lang="en-US" sz="1800" err="1" smtClean="0"/>
               <a:t>dụng</a:t>
             </a:r>
             <a:r>
-              <a:rPr lang="en-US" sz="1800" dirty="0" smtClean="0"/>
-              <a:t> </a:t>
-            </a:r>
-            <a:r>
-              <a:rPr lang="en-US" sz="1800" dirty="0" err="1" smtClean="0"/>
+              <a:rPr lang="en-US" sz="1800" smtClean="0"/>
+              <a:t> </a:t>
+            </a:r>
+            <a:r>
+              <a:rPr lang="en-US" sz="1800" err="1" smtClean="0"/>
               <a:t>các</a:t>
             </a:r>
             <a:r>
-              <a:rPr lang="en-US" sz="1800" dirty="0" smtClean="0"/>
-              <a:t> </a:t>
-            </a:r>
-            <a:r>
-              <a:rPr lang="en-US" sz="1800" dirty="0" err="1" smtClean="0"/>
+              <a:rPr lang="en-US" sz="1800" smtClean="0"/>
+              <a:t> </a:t>
+            </a:r>
+            <a:r>
+              <a:rPr lang="en-US" sz="1800" err="1" smtClean="0"/>
               <a:t>mẫu</a:t>
             </a:r>
             <a:r>
-              <a:rPr lang="en-US" sz="1800" dirty="0" smtClean="0"/>
-              <a:t> </a:t>
-            </a:r>
-            <a:r>
-              <a:rPr lang="en-US" sz="1800" dirty="0" err="1" smtClean="0"/>
+              <a:rPr lang="en-US" sz="1800" smtClean="0"/>
+              <a:t> </a:t>
+            </a:r>
+            <a:r>
+              <a:rPr lang="en-US" sz="1800" err="1" smtClean="0"/>
               <a:t>đặc</a:t>
             </a:r>
             <a:r>
-              <a:rPr lang="en-US" sz="1800" dirty="0" smtClean="0"/>
-              <a:t> </a:t>
-            </a:r>
-            <a:r>
-              <a:rPr lang="en-US" sz="1800" dirty="0" err="1" smtClean="0"/>
+              <a:rPr lang="en-US" sz="1800" smtClean="0"/>
+              <a:t> </a:t>
+            </a:r>
+            <a:r>
+              <a:rPr lang="en-US" sz="1800" err="1" smtClean="0"/>
               <a:t>tả</a:t>
             </a:r>
             <a:r>
-              <a:rPr lang="en-US" sz="1800" dirty="0" smtClean="0"/>
-              <a:t> </a:t>
-            </a:r>
-            <a:r>
-              <a:rPr lang="en-US" sz="1800" dirty="0" err="1" smtClean="0"/>
+              <a:rPr lang="en-US" sz="1800" smtClean="0"/>
+              <a:t> </a:t>
+            </a:r>
+            <a:r>
+              <a:rPr lang="en-US" sz="1800" err="1" smtClean="0"/>
               <a:t>yêu</a:t>
             </a:r>
             <a:r>
-              <a:rPr lang="en-US" sz="1800" dirty="0" smtClean="0"/>
-              <a:t> </a:t>
-            </a:r>
-            <a:r>
-              <a:rPr lang="en-US" sz="1800" dirty="0" err="1" smtClean="0"/>
+              <a:rPr lang="en-US" sz="1800" smtClean="0"/>
+              <a:t> </a:t>
+            </a:r>
+            <a:r>
+              <a:rPr lang="en-US" sz="1800" err="1" smtClean="0"/>
               <a:t>cầu</a:t>
             </a:r>
             <a:r>
-              <a:rPr lang="en-US" sz="1800" dirty="0" smtClean="0"/>
-              <a:t> </a:t>
-            </a:r>
-            <a:r>
-              <a:rPr lang="en-US" sz="1800" dirty="0" err="1" smtClean="0"/>
+              <a:rPr lang="en-US" sz="1800" smtClean="0"/>
+              <a:t> </a:t>
+            </a:r>
+            <a:r>
+              <a:rPr lang="en-US" sz="1800" err="1" smtClean="0"/>
               <a:t>phần</a:t>
             </a:r>
             <a:r>
-              <a:rPr lang="en-US" sz="1800" dirty="0" smtClean="0"/>
-              <a:t> </a:t>
-            </a:r>
-            <a:r>
-              <a:rPr lang="en-US" sz="1800" dirty="0" err="1" smtClean="0"/>
+              <a:rPr lang="en-US" sz="1800" smtClean="0"/>
+              <a:t> </a:t>
+            </a:r>
+            <a:r>
+              <a:rPr lang="en-US" sz="1800" err="1" smtClean="0"/>
               <a:t>mềm</a:t>
             </a:r>
             <a:r>
-              <a:rPr lang="en-US" sz="1800" dirty="0" smtClean="0"/>
+              <a:rPr lang="en-US" sz="1800" smtClean="0"/>
               <a:t>.</a:t>
             </a:r>
-            <a:endParaRPr lang="en-US" sz="1800" dirty="0" smtClean="0"/>
-          </a:p>
-          <a:p>
-            <a:r>
-              <a:rPr lang="en-US" sz="1800" dirty="0" err="1" smtClean="0"/>
+            <a:endParaRPr lang="en-US" sz="1800" smtClean="0"/>
+          </a:p>
+          <a:p>
+            <a:r>
+              <a:rPr lang="en-US" sz="1800" err="1" smtClean="0"/>
               <a:t>Xác</a:t>
             </a:r>
             <a:r>
-              <a:rPr lang="en-US" sz="1800" dirty="0" smtClean="0"/>
-              <a:t> </a:t>
-            </a:r>
-            <a:r>
-              <a:rPr lang="en-US" sz="1800" dirty="0" err="1" smtClean="0"/>
+              <a:rPr lang="en-US" sz="1800" smtClean="0"/>
+              <a:t> </a:t>
+            </a:r>
+            <a:r>
+              <a:rPr lang="en-US" sz="1800" err="1" smtClean="0"/>
               <a:t>định</a:t>
             </a:r>
             <a:r>
-              <a:rPr lang="en-US" sz="1800" dirty="0" smtClean="0"/>
-              <a:t> </a:t>
-            </a:r>
-            <a:r>
-              <a:rPr lang="en-US" sz="1800" dirty="0" err="1" smtClean="0"/>
+              <a:rPr lang="en-US" sz="1800" smtClean="0"/>
+              <a:t> </a:t>
+            </a:r>
+            <a:r>
+              <a:rPr lang="en-US" sz="1800" err="1" smtClean="0"/>
               <a:t>các</a:t>
             </a:r>
             <a:r>
-              <a:rPr lang="en-US" sz="1800" dirty="0" smtClean="0"/>
-              <a:t> </a:t>
-            </a:r>
-            <a:r>
-              <a:rPr lang="en-US" sz="1800" dirty="0" err="1" smtClean="0"/>
+              <a:rPr lang="en-US" sz="1800" smtClean="0"/>
+              <a:t> </a:t>
+            </a:r>
+            <a:r>
+              <a:rPr lang="en-US" sz="1800" err="1" smtClean="0"/>
               <a:t>nguồn</a:t>
             </a:r>
             <a:r>
-              <a:rPr lang="en-US" sz="1800" dirty="0" smtClean="0"/>
-              <a:t> </a:t>
-            </a:r>
-            <a:r>
-              <a:rPr lang="en-US" sz="1800" dirty="0" err="1" smtClean="0"/>
+              <a:rPr lang="en-US" sz="1800" smtClean="0"/>
+              <a:t> </a:t>
+            </a:r>
+            <a:r>
+              <a:rPr lang="en-US" sz="1800" err="1" smtClean="0"/>
               <a:t>yêu</a:t>
             </a:r>
             <a:r>
-              <a:rPr lang="en-US" sz="1800" dirty="0" smtClean="0"/>
-              <a:t> </a:t>
-            </a:r>
-            <a:r>
-              <a:rPr lang="en-US" sz="1800" dirty="0" err="1" smtClean="0"/>
+              <a:rPr lang="en-US" sz="1800" smtClean="0"/>
+              <a:t> </a:t>
+            </a:r>
+            <a:r>
+              <a:rPr lang="en-US" sz="1800" err="1" smtClean="0"/>
               <a:t>cầu</a:t>
             </a:r>
-            <a:endParaRPr lang="en-US" sz="1800" dirty="0" smtClean="0"/>
-          </a:p>
-          <a:p>
-            <a:r>
-              <a:rPr lang="en-US" sz="1800" dirty="0" err="1" smtClean="0"/>
+            <a:endParaRPr lang="en-US" sz="1800" smtClean="0"/>
+          </a:p>
+          <a:p>
+            <a:r>
+              <a:rPr lang="en-US" sz="1800" err="1" smtClean="0"/>
               <a:t>Gán</a:t>
             </a:r>
             <a:r>
-              <a:rPr lang="en-US" sz="1800" dirty="0" smtClean="0"/>
-              <a:t> </a:t>
-            </a:r>
-            <a:r>
-              <a:rPr lang="en-US" sz="1800" dirty="0" err="1" smtClean="0"/>
+              <a:rPr lang="en-US" sz="1800" smtClean="0"/>
+              <a:t> </a:t>
+            </a:r>
+            <a:r>
+              <a:rPr lang="en-US" sz="1800" err="1" smtClean="0"/>
               <a:t>nhãn</a:t>
             </a:r>
             <a:r>
-              <a:rPr lang="en-US" sz="1800" dirty="0" smtClean="0"/>
-              <a:t> </a:t>
-            </a:r>
-            <a:r>
-              <a:rPr lang="en-US" sz="1800" dirty="0" err="1" smtClean="0"/>
+              <a:rPr lang="en-US" sz="1800" smtClean="0"/>
+              <a:t> </a:t>
+            </a:r>
+            <a:r>
+              <a:rPr lang="en-US" sz="1800" err="1" smtClean="0"/>
               <a:t>riêng</a:t>
             </a:r>
             <a:r>
-              <a:rPr lang="en-US" sz="1800" dirty="0" smtClean="0"/>
-              <a:t> </a:t>
-            </a:r>
-            <a:r>
-              <a:rPr lang="en-US" sz="1800" dirty="0" err="1" smtClean="0"/>
+              <a:rPr lang="en-US" sz="1800" smtClean="0"/>
+              <a:t> </a:t>
+            </a:r>
+            <a:r>
+              <a:rPr lang="en-US" sz="1800" err="1" smtClean="0"/>
               <a:t>cho</a:t>
             </a:r>
             <a:r>
-              <a:rPr lang="en-US" sz="1800" dirty="0" smtClean="0"/>
-              <a:t> </a:t>
-            </a:r>
-            <a:r>
-              <a:rPr lang="en-US" sz="1800" dirty="0" err="1" smtClean="0"/>
+              <a:rPr lang="en-US" sz="1800" smtClean="0"/>
+              <a:t> </a:t>
+            </a:r>
+            <a:r>
+              <a:rPr lang="en-US" sz="1800" err="1" smtClean="0"/>
               <a:t>mỗi</a:t>
             </a:r>
             <a:r>
-              <a:rPr lang="en-US" sz="1800" dirty="0" smtClean="0"/>
-              <a:t> </a:t>
-            </a:r>
-            <a:r>
-              <a:rPr lang="en-US" sz="1800" dirty="0" err="1" smtClean="0"/>
+              <a:rPr lang="en-US" sz="1800" smtClean="0"/>
+              <a:t> </a:t>
+            </a:r>
+            <a:r>
+              <a:rPr lang="en-US" sz="1800" err="1" smtClean="0"/>
               <a:t>yêu</a:t>
             </a:r>
             <a:r>
-              <a:rPr lang="en-US" sz="1800" dirty="0" smtClean="0"/>
-              <a:t> </a:t>
-            </a:r>
-            <a:r>
-              <a:rPr lang="en-US" sz="1800" dirty="0" err="1" smtClean="0"/>
+              <a:rPr lang="en-US" sz="1800" smtClean="0"/>
+              <a:t> </a:t>
+            </a:r>
+            <a:r>
+              <a:rPr lang="en-US" sz="1800" err="1" smtClean="0"/>
               <a:t>cầu</a:t>
             </a:r>
-            <a:endParaRPr lang="en-US" sz="1800" dirty="0" smtClean="0"/>
-          </a:p>
-          <a:p>
-            <a:r>
-              <a:rPr lang="en-US" sz="1800" dirty="0" err="1" smtClean="0"/>
+            <a:endParaRPr lang="en-US" sz="1800" smtClean="0"/>
+          </a:p>
+          <a:p>
+            <a:r>
+              <a:rPr lang="en-US" sz="1800" err="1" smtClean="0"/>
               <a:t>Ghi</a:t>
             </a:r>
             <a:r>
-              <a:rPr lang="en-US" sz="1800" dirty="0" smtClean="0"/>
-              <a:t> </a:t>
-            </a:r>
-            <a:r>
-              <a:rPr lang="en-US" sz="1800" dirty="0" err="1" smtClean="0"/>
+              <a:rPr lang="en-US" sz="1800" smtClean="0"/>
+              <a:t> </a:t>
+            </a:r>
+            <a:r>
+              <a:rPr lang="en-US" sz="1800" err="1" smtClean="0"/>
               <a:t>lại</a:t>
             </a:r>
             <a:r>
-              <a:rPr lang="en-US" sz="1800" dirty="0" smtClean="0"/>
-              <a:t> </a:t>
-            </a:r>
-            <a:r>
-              <a:rPr lang="en-US" sz="1800" dirty="0" err="1" smtClean="0"/>
+              <a:rPr lang="en-US" sz="1800" smtClean="0"/>
+              <a:t> </a:t>
+            </a:r>
+            <a:r>
+              <a:rPr lang="en-US" sz="1800" err="1" smtClean="0"/>
               <a:t>các</a:t>
             </a:r>
             <a:r>
-              <a:rPr lang="en-US" sz="1800" dirty="0" smtClean="0"/>
-              <a:t> </a:t>
-            </a:r>
-            <a:r>
-              <a:rPr lang="en-US" sz="1800" dirty="0" err="1" smtClean="0"/>
+              <a:rPr lang="en-US" sz="1800" smtClean="0"/>
+              <a:t> </a:t>
+            </a:r>
+            <a:r>
+              <a:rPr lang="en-US" sz="1800" err="1" smtClean="0"/>
               <a:t>quy</a:t>
             </a:r>
             <a:r>
-              <a:rPr lang="en-US" sz="1800" dirty="0" smtClean="0"/>
-              <a:t> </a:t>
-            </a:r>
-            <a:r>
-              <a:rPr lang="en-US" sz="1800" dirty="0" err="1" smtClean="0"/>
+              <a:rPr lang="en-US" sz="1800" smtClean="0"/>
+              <a:t> </a:t>
+            </a:r>
+            <a:r>
+              <a:rPr lang="en-US" sz="1800" err="1" smtClean="0"/>
               <a:t>tắc</a:t>
             </a:r>
             <a:r>
-              <a:rPr lang="en-US" sz="1800" dirty="0" smtClean="0"/>
-              <a:t> </a:t>
-            </a:r>
-            <a:r>
-              <a:rPr lang="en-US" sz="1800" dirty="0" err="1" smtClean="0"/>
+              <a:rPr lang="en-US" sz="1800" smtClean="0"/>
+              <a:t> </a:t>
+            </a:r>
+            <a:r>
+              <a:rPr lang="en-US" sz="1800" err="1" smtClean="0"/>
               <a:t>kinh</a:t>
             </a:r>
             <a:r>
-              <a:rPr lang="en-US" sz="1800" dirty="0" smtClean="0"/>
-              <a:t> </a:t>
-            </a:r>
-            <a:r>
-              <a:rPr lang="en-US" sz="1800" dirty="0" err="1" smtClean="0"/>
+              <a:rPr lang="en-US" sz="1800" smtClean="0"/>
+              <a:t> </a:t>
+            </a:r>
+            <a:r>
+              <a:rPr lang="en-US" sz="1800" err="1" smtClean="0"/>
               <a:t>doanh</a:t>
             </a:r>
-            <a:endParaRPr lang="en-US" sz="1800" dirty="0" smtClean="0"/>
-          </a:p>
-          <a:p>
-            <a:r>
-              <a:rPr lang="en-US" sz="1800" dirty="0" err="1" smtClean="0"/>
+            <a:endParaRPr lang="en-US" sz="1800" smtClean="0"/>
+          </a:p>
+          <a:p>
+            <a:r>
+              <a:rPr lang="en-US" sz="1800" err="1" smtClean="0"/>
               <a:t>Xác</a:t>
             </a:r>
             <a:r>
-              <a:rPr lang="en-US" sz="1800" dirty="0" smtClean="0"/>
-              <a:t> </a:t>
-            </a:r>
-            <a:r>
-              <a:rPr lang="en-US" sz="1800" dirty="0" err="1" smtClean="0"/>
+              <a:rPr lang="en-US" sz="1800" smtClean="0"/>
+              <a:t> </a:t>
+            </a:r>
+            <a:r>
+              <a:rPr lang="en-US" sz="1800" err="1" smtClean="0"/>
               <a:t>định</a:t>
             </a:r>
             <a:r>
-              <a:rPr lang="en-US" sz="1800" dirty="0" smtClean="0"/>
-              <a:t> </a:t>
-            </a:r>
-            <a:r>
-              <a:rPr lang="en-US" sz="1800" dirty="0" err="1" smtClean="0"/>
+              <a:rPr lang="en-US" sz="1800" smtClean="0"/>
+              <a:t> </a:t>
+            </a:r>
+            <a:r>
+              <a:rPr lang="en-US" sz="1800" err="1" smtClean="0"/>
               <a:t>các</a:t>
             </a:r>
             <a:r>
-              <a:rPr lang="en-US" sz="1800" dirty="0" smtClean="0"/>
-              <a:t> </a:t>
-            </a:r>
-            <a:r>
-              <a:rPr lang="en-US" sz="1800" dirty="0" err="1" smtClean="0"/>
+              <a:rPr lang="en-US" sz="1800" smtClean="0"/>
+              <a:t> </a:t>
+            </a:r>
+            <a:r>
+              <a:rPr lang="en-US" sz="1800" err="1" smtClean="0"/>
               <a:t>thuộc</a:t>
             </a:r>
             <a:r>
-              <a:rPr lang="en-US" sz="1800" dirty="0" smtClean="0"/>
-              <a:t> </a:t>
-            </a:r>
-            <a:r>
-              <a:rPr lang="en-US" sz="1800" dirty="0" err="1" smtClean="0"/>
+              <a:rPr lang="en-US" sz="1800" smtClean="0"/>
+              <a:t> </a:t>
+            </a:r>
+            <a:r>
+              <a:rPr lang="en-US" sz="1800" err="1" smtClean="0"/>
               <a:t>tính</a:t>
             </a:r>
             <a:r>
-              <a:rPr lang="en-US" sz="1800" dirty="0" smtClean="0"/>
-              <a:t> </a:t>
-            </a:r>
-            <a:r>
-              <a:rPr lang="en-US" sz="1800" dirty="0" err="1" smtClean="0"/>
+              <a:rPr lang="en-US" sz="1800" smtClean="0"/>
+              <a:t> </a:t>
+            </a:r>
+            <a:r>
+              <a:rPr lang="en-US" sz="1800" err="1" smtClean="0"/>
               <a:t>chất</a:t>
             </a:r>
             <a:r>
-              <a:rPr lang="en-US" sz="1800" dirty="0" smtClean="0"/>
-              <a:t> </a:t>
-            </a:r>
-            <a:r>
-              <a:rPr lang="en-US" sz="1800" dirty="0" err="1" smtClean="0"/>
+              <a:rPr lang="en-US" sz="1800" smtClean="0"/>
+              <a:t> </a:t>
+            </a:r>
+            <a:r>
+              <a:rPr lang="en-US" sz="1800" err="1" smtClean="0"/>
               <a:t>lượng</a:t>
             </a:r>
-            <a:endParaRPr lang="en-US" sz="1800" dirty="0" smtClean="0"/>
+            <a:endParaRPr lang="en-US" sz="1800" smtClean="0"/>
           </a:p>
           <a:p>
             <a:pPr marL="0" indent="0">
               <a:buNone/>
             </a:pPr>
             <a:r>
-              <a:rPr lang="en-US" sz="2000" b="1" dirty="0" err="1" smtClean="0"/>
+              <a:rPr lang="en-US" sz="2000" b="1" err="1" smtClean="0"/>
               <a:t>Mục</a:t>
             </a:r>
             <a:r>
-              <a:rPr lang="en-US" sz="2000" b="1" dirty="0" smtClean="0"/>
-              <a:t> </a:t>
-            </a:r>
-            <a:r>
-              <a:rPr lang="en-US" sz="2000" b="1" dirty="0" err="1" smtClean="0"/>
+              <a:rPr lang="en-US" sz="2000" b="1" smtClean="0"/>
+              <a:t> </a:t>
+            </a:r>
+            <a:r>
+              <a:rPr lang="en-US" sz="2000" b="1" err="1" smtClean="0"/>
               <a:t>tiêu</a:t>
             </a:r>
-            <a:endParaRPr lang="en-US" sz="2000" b="1" dirty="0" smtClean="0"/>
-          </a:p>
-          <a:p>
-            <a:r>
-              <a:rPr lang="en-US" sz="1800" dirty="0" err="1" smtClean="0"/>
+            <a:endParaRPr lang="en-US" sz="2000" b="1" smtClean="0"/>
+          </a:p>
+          <a:p>
+            <a:r>
+              <a:rPr lang="en-US" sz="1800" err="1" smtClean="0"/>
               <a:t>Tạo</a:t>
             </a:r>
             <a:r>
-              <a:rPr lang="en-US" sz="1800" dirty="0" smtClean="0"/>
-              <a:t> </a:t>
-            </a:r>
-            <a:r>
-              <a:rPr lang="en-US" sz="1800" dirty="0" err="1" smtClean="0"/>
+              <a:rPr lang="en-US" sz="1800" smtClean="0"/>
+              <a:t> </a:t>
+            </a:r>
+            <a:r>
+              <a:rPr lang="en-US" sz="1800" err="1" smtClean="0"/>
               <a:t>tài</a:t>
             </a:r>
             <a:r>
-              <a:rPr lang="en-US" sz="1800" dirty="0" smtClean="0"/>
-              <a:t> </a:t>
-            </a:r>
-            <a:r>
-              <a:rPr lang="en-US" sz="1800" dirty="0" err="1" smtClean="0"/>
+              <a:rPr lang="en-US" sz="1800" smtClean="0"/>
+              <a:t> </a:t>
+            </a:r>
+            <a:r>
+              <a:rPr lang="en-US" sz="1800" err="1" smtClean="0"/>
               <a:t>liệu</a:t>
             </a:r>
             <a:r>
-              <a:rPr lang="en-US" sz="1800" dirty="0" smtClean="0"/>
-              <a:t> </a:t>
-            </a:r>
-            <a:r>
-              <a:rPr lang="en-US" sz="1800" dirty="0" err="1" smtClean="0"/>
+              <a:rPr lang="en-US" sz="1800" smtClean="0"/>
+              <a:t> </a:t>
+            </a:r>
+            <a:r>
+              <a:rPr lang="en-US" sz="1800" err="1" smtClean="0"/>
               <a:t>định</a:t>
             </a:r>
             <a:r>
-              <a:rPr lang="en-US" sz="1800" dirty="0" smtClean="0"/>
-              <a:t> </a:t>
-            </a:r>
-            <a:r>
-              <a:rPr lang="en-US" sz="1800" dirty="0" err="1" smtClean="0"/>
+              <a:rPr lang="en-US" sz="1800" smtClean="0"/>
+              <a:t> </a:t>
+            </a:r>
+            <a:r>
+              <a:rPr lang="en-US" sz="1800" err="1" smtClean="0"/>
               <a:t>nghĩa</a:t>
             </a:r>
             <a:r>
-              <a:rPr lang="en-US" sz="1800" dirty="0" smtClean="0"/>
-              <a:t> </a:t>
-            </a:r>
-            <a:r>
-              <a:rPr lang="en-US" sz="1800" dirty="0" err="1" smtClean="0"/>
+              <a:rPr lang="en-US" sz="1800" smtClean="0"/>
+              <a:t> </a:t>
+            </a:r>
+            <a:r>
+              <a:rPr lang="en-US" sz="1800" err="1" smtClean="0"/>
               <a:t>hệ</a:t>
             </a:r>
             <a:r>
-              <a:rPr lang="en-US" sz="1800" dirty="0" smtClean="0"/>
-              <a:t> </a:t>
-            </a:r>
-            <a:r>
-              <a:rPr lang="en-US" sz="1800" dirty="0" err="1" smtClean="0"/>
+              <a:rPr lang="en-US" sz="1800" smtClean="0"/>
+              <a:t> </a:t>
+            </a:r>
+            <a:r>
+              <a:rPr lang="en-US" sz="1800" err="1" smtClean="0"/>
               <a:t>thống</a:t>
             </a:r>
-            <a:endParaRPr lang="en-US" sz="1800" dirty="0" smtClean="0"/>
-          </a:p>
-          <a:p>
-            <a:r>
-              <a:rPr lang="en-US" sz="1800" dirty="0" err="1" smtClean="0"/>
+            <a:endParaRPr lang="en-US" sz="1800" smtClean="0"/>
+          </a:p>
+          <a:p>
+            <a:r>
+              <a:rPr lang="en-US" sz="1800" err="1" smtClean="0"/>
               <a:t>Đặc</a:t>
             </a:r>
             <a:r>
-              <a:rPr lang="en-US" sz="1800" dirty="0" smtClean="0"/>
-              <a:t> </a:t>
-            </a:r>
-            <a:r>
-              <a:rPr lang="en-US" sz="1800" dirty="0" err="1" smtClean="0"/>
+              <a:rPr lang="en-US" sz="1800" smtClean="0"/>
+              <a:t> </a:t>
+            </a:r>
+            <a:r>
+              <a:rPr lang="en-US" sz="1800" err="1" smtClean="0"/>
               <a:t>tả</a:t>
             </a:r>
             <a:r>
-              <a:rPr lang="en-US" sz="1800" dirty="0" smtClean="0"/>
-              <a:t> </a:t>
-            </a:r>
-            <a:r>
-              <a:rPr lang="en-US" sz="1800" dirty="0" err="1" smtClean="0"/>
+              <a:rPr lang="en-US" sz="1800" smtClean="0"/>
+              <a:t> </a:t>
+            </a:r>
+            <a:r>
+              <a:rPr lang="en-US" sz="1800" err="1" smtClean="0"/>
               <a:t>được</a:t>
             </a:r>
             <a:r>
-              <a:rPr lang="en-US" sz="1800" dirty="0" smtClean="0"/>
-              <a:t> </a:t>
-            </a:r>
-            <a:r>
-              <a:rPr lang="en-US" sz="1800" dirty="0" err="1" smtClean="0"/>
+              <a:rPr lang="en-US" sz="1800" smtClean="0"/>
+              <a:t> </a:t>
+            </a:r>
+            <a:r>
+              <a:rPr lang="en-US" sz="1800" err="1" smtClean="0"/>
               <a:t>yêu</a:t>
             </a:r>
             <a:r>
-              <a:rPr lang="en-US" sz="1800" dirty="0" smtClean="0"/>
-              <a:t> </a:t>
-            </a:r>
-            <a:r>
-              <a:rPr lang="en-US" sz="1800" dirty="0" err="1" smtClean="0"/>
+              <a:rPr lang="en-US" sz="1800" smtClean="0"/>
+              <a:t> </a:t>
+            </a:r>
+            <a:r>
+              <a:rPr lang="en-US" sz="1800" err="1" smtClean="0"/>
               <a:t>cầu</a:t>
             </a:r>
             <a:r>
-              <a:rPr lang="en-US" sz="1800" dirty="0" smtClean="0"/>
-              <a:t> </a:t>
-            </a:r>
-            <a:r>
-              <a:rPr lang="en-US" sz="1800" dirty="0" err="1" smtClean="0"/>
+              <a:rPr lang="en-US" sz="1800" smtClean="0"/>
+              <a:t> </a:t>
+            </a:r>
+            <a:r>
+              <a:rPr lang="en-US" sz="1800" err="1" smtClean="0"/>
               <a:t>hệ</a:t>
             </a:r>
             <a:r>
-              <a:rPr lang="en-US" sz="1800" dirty="0" smtClean="0"/>
-              <a:t> </a:t>
-            </a:r>
-            <a:r>
-              <a:rPr lang="en-US" sz="1800" dirty="0" err="1" smtClean="0"/>
+              <a:rPr lang="en-US" sz="1800" smtClean="0"/>
+              <a:t> </a:t>
+            </a:r>
+            <a:r>
+              <a:rPr lang="en-US" sz="1800" err="1" smtClean="0"/>
               <a:t>thống</a:t>
             </a:r>
-            <a:endParaRPr lang="en-US" sz="1800" dirty="0" smtClean="0"/>
-          </a:p>
-          <a:p>
-            <a:r>
-              <a:rPr lang="en-US" sz="1800" dirty="0" err="1" smtClean="0"/>
+            <a:endParaRPr lang="en-US" sz="1800" smtClean="0"/>
+          </a:p>
+          <a:p>
+            <a:r>
+              <a:rPr lang="en-US" sz="1800" err="1" smtClean="0"/>
               <a:t>Đặc</a:t>
             </a:r>
             <a:r>
-              <a:rPr lang="en-US" sz="1800" dirty="0" smtClean="0"/>
-              <a:t> </a:t>
-            </a:r>
-            <a:r>
-              <a:rPr lang="en-US" sz="1800" dirty="0" err="1" smtClean="0"/>
+              <a:rPr lang="en-US" sz="1800" smtClean="0"/>
+              <a:t> </a:t>
+            </a:r>
+            <a:r>
+              <a:rPr lang="en-US" sz="1800" err="1" smtClean="0"/>
               <a:t>tả</a:t>
             </a:r>
             <a:r>
-              <a:rPr lang="en-US" sz="1800" dirty="0" smtClean="0"/>
-              <a:t> </a:t>
-            </a:r>
-            <a:r>
-              <a:rPr lang="en-US" sz="1800" dirty="0" err="1" smtClean="0"/>
+              <a:rPr lang="en-US" sz="1800" smtClean="0"/>
+              <a:t> </a:t>
+            </a:r>
+            <a:r>
+              <a:rPr lang="en-US" sz="1800" err="1" smtClean="0"/>
               <a:t>được</a:t>
             </a:r>
             <a:r>
-              <a:rPr lang="en-US" sz="1800" dirty="0" smtClean="0"/>
-              <a:t> </a:t>
-            </a:r>
-            <a:r>
-              <a:rPr lang="en-US" sz="1800" dirty="0" err="1" smtClean="0"/>
+              <a:rPr lang="en-US" sz="1800" smtClean="0"/>
+              <a:t> </a:t>
+            </a:r>
+            <a:r>
+              <a:rPr lang="en-US" sz="1800" err="1" smtClean="0"/>
               <a:t>yêu</a:t>
             </a:r>
             <a:r>
-              <a:rPr lang="en-US" sz="1800" dirty="0" smtClean="0"/>
-              <a:t> </a:t>
-            </a:r>
-            <a:r>
-              <a:rPr lang="en-US" sz="1800" dirty="0" err="1" smtClean="0"/>
+              <a:rPr lang="en-US" sz="1800" smtClean="0"/>
+              <a:t> </a:t>
+            </a:r>
+            <a:r>
+              <a:rPr lang="en-US" sz="1800" err="1" smtClean="0"/>
               <a:t>cầu</a:t>
             </a:r>
             <a:r>
-              <a:rPr lang="en-US" sz="1800" dirty="0" smtClean="0"/>
-              <a:t> </a:t>
-            </a:r>
-            <a:r>
-              <a:rPr lang="en-US" sz="1800" dirty="0" err="1" smtClean="0"/>
+              <a:rPr lang="en-US" sz="1800" smtClean="0"/>
+              <a:t> </a:t>
+            </a:r>
+            <a:r>
+              <a:rPr lang="en-US" sz="1800" err="1" smtClean="0"/>
               <a:t>của</a:t>
             </a:r>
             <a:r>
-              <a:rPr lang="en-US" sz="1800" dirty="0" smtClean="0"/>
-              <a:t> </a:t>
-            </a:r>
-            <a:r>
-              <a:rPr lang="en-US" sz="1800" dirty="0" err="1" smtClean="0"/>
+              <a:rPr lang="en-US" sz="1800" smtClean="0"/>
+              <a:t> </a:t>
+            </a:r>
+            <a:r>
+              <a:rPr lang="en-US" sz="1800" err="1" smtClean="0"/>
               <a:t>phần</a:t>
             </a:r>
             <a:r>
-              <a:rPr lang="en-US" sz="1800" dirty="0" smtClean="0"/>
-              <a:t> </a:t>
-            </a:r>
-            <a:r>
-              <a:rPr lang="en-US" sz="1800" dirty="0" err="1" smtClean="0"/>
+              <a:rPr lang="en-US" sz="1800" smtClean="0"/>
+              <a:t> </a:t>
+            </a:r>
+            <a:r>
+              <a:rPr lang="en-US" sz="1800" err="1" smtClean="0"/>
               <a:t>mềm</a:t>
             </a:r>
-            <a:endParaRPr lang="en-US" sz="1800" dirty="0"/>
+            <a:endParaRPr lang="en-US" sz="1800"/>
           </a:p>
         </p:txBody>
       </p:sp>
@@ -5726,34 +5726,34 @@
           <a:lstStyle/>
           <a:p>
             <a:r>
-              <a:rPr lang="en-US" dirty="0" err="1" smtClean="0"/>
+              <a:rPr lang="en-US" err="1" smtClean="0"/>
               <a:t>Thẩm</a:t>
             </a:r>
             <a:r>
-              <a:rPr lang="en-US" dirty="0" smtClean="0"/>
-              <a:t> </a:t>
-            </a:r>
-            <a:r>
-              <a:rPr lang="en-US" dirty="0" err="1" smtClean="0"/>
+              <a:rPr lang="en-US" smtClean="0"/>
+              <a:t> </a:t>
+            </a:r>
+            <a:r>
+              <a:rPr lang="en-US" err="1" smtClean="0"/>
               <a:t>định</a:t>
             </a:r>
             <a:r>
-              <a:rPr lang="en-US" dirty="0" smtClean="0"/>
-              <a:t> </a:t>
-            </a:r>
-            <a:r>
-              <a:rPr lang="en-US" dirty="0" err="1" smtClean="0"/>
+              <a:rPr lang="en-US" smtClean="0"/>
+              <a:t> </a:t>
+            </a:r>
+            <a:r>
+              <a:rPr lang="en-US" err="1" smtClean="0"/>
               <a:t>yêu</a:t>
             </a:r>
             <a:r>
-              <a:rPr lang="en-US" dirty="0" smtClean="0"/>
-              <a:t> </a:t>
-            </a:r>
-            <a:r>
-              <a:rPr lang="en-US" dirty="0" err="1" smtClean="0"/>
+              <a:rPr lang="en-US" smtClean="0"/>
+              <a:t> </a:t>
+            </a:r>
+            <a:r>
+              <a:rPr lang="en-US" err="1" smtClean="0"/>
               <a:t>cầu</a:t>
             </a:r>
-            <a:endParaRPr lang="en-US" dirty="0"/>
+            <a:endParaRPr lang="en-US"/>
           </a:p>
         </p:txBody>
       </p:sp>
@@ -5773,103 +5773,1057 @@
           <a:lstStyle/>
           <a:p>
             <a:r>
-              <a:rPr lang="en-US" dirty="0" err="1" smtClean="0"/>
-              <a:t>Đánh</a:t>
-            </a:r>
-            <a:r>
-              <a:rPr lang="en-US" dirty="0" smtClean="0"/>
-              <a:t> </a:t>
-            </a:r>
-            <a:r>
-              <a:rPr lang="en-US" dirty="0" err="1" smtClean="0"/>
-              <a:t>giá</a:t>
-            </a:r>
-            <a:r>
-              <a:rPr lang="en-US" dirty="0" smtClean="0"/>
-              <a:t> </a:t>
-            </a:r>
-            <a:r>
-              <a:rPr lang="en-US" dirty="0" err="1" smtClean="0"/>
+              <a:rPr lang="en-US" sz="1800" err="1" smtClean="0"/>
+              <a:t>Kiểm</a:t>
+            </a:r>
+            <a:r>
+              <a:rPr lang="en-US" sz="1800" smtClean="0"/>
+              <a:t> </a:t>
+            </a:r>
+            <a:r>
+              <a:rPr lang="en-US" sz="1800" err="1" smtClean="0"/>
+              <a:t>tra</a:t>
+            </a:r>
+            <a:r>
+              <a:rPr lang="en-US" sz="1800" smtClean="0"/>
+              <a:t> </a:t>
+            </a:r>
+            <a:r>
+              <a:rPr lang="en-US" sz="1800" err="1" smtClean="0"/>
+              <a:t>tính</a:t>
+            </a:r>
+            <a:r>
+              <a:rPr lang="en-US" sz="1800" smtClean="0"/>
+              <a:t> </a:t>
+            </a:r>
+            <a:r>
+              <a:rPr lang="en-US" sz="1800" err="1" smtClean="0"/>
+              <a:t>nhất</a:t>
+            </a:r>
+            <a:r>
+              <a:rPr lang="en-US" sz="1800" smtClean="0"/>
+              <a:t> </a:t>
+            </a:r>
+            <a:r>
+              <a:rPr lang="en-US" sz="1800" err="1" smtClean="0"/>
+              <a:t>quán</a:t>
+            </a:r>
+            <a:r>
+              <a:rPr lang="en-US" sz="1800" smtClean="0"/>
+              <a:t> </a:t>
+            </a:r>
+            <a:r>
+              <a:rPr lang="en-US" sz="1800" err="1" smtClean="0"/>
+              <a:t>của</a:t>
+            </a:r>
+            <a:r>
+              <a:rPr lang="en-US" sz="1800" smtClean="0"/>
+              <a:t> </a:t>
+            </a:r>
+            <a:r>
+              <a:rPr lang="en-US" sz="1800" err="1" smtClean="0"/>
+              <a:t>các</a:t>
+            </a:r>
+            <a:r>
+              <a:rPr lang="en-US" sz="1800" smtClean="0"/>
+              <a:t> </a:t>
+            </a:r>
+            <a:r>
+              <a:rPr lang="en-US" sz="1800" err="1" smtClean="0"/>
+              <a:t>đặc</a:t>
+            </a:r>
+            <a:r>
+              <a:rPr lang="en-US" sz="1800" smtClean="0"/>
+              <a:t> </a:t>
+            </a:r>
+            <a:r>
+              <a:rPr lang="en-US" sz="1800" err="1" smtClean="0"/>
+              <a:t>tả</a:t>
+            </a:r>
+            <a:r>
+              <a:rPr lang="en-US" sz="1800" smtClean="0"/>
+              <a:t> </a:t>
+            </a:r>
+            <a:r>
+              <a:rPr lang="en-US" sz="1800" err="1" smtClean="0"/>
               <a:t>yêu</a:t>
             </a:r>
             <a:r>
-              <a:rPr lang="en-US" dirty="0" smtClean="0"/>
-              <a:t> </a:t>
-            </a:r>
-            <a:r>
-              <a:rPr lang="en-US" dirty="0" err="1" smtClean="0"/>
+              <a:rPr lang="en-US" sz="1800" smtClean="0"/>
+              <a:t> </a:t>
+            </a:r>
+            <a:r>
+              <a:rPr lang="en-US" sz="1800" err="1" smtClean="0"/>
               <a:t>cầu</a:t>
             </a:r>
-            <a:endParaRPr lang="en-US" dirty="0" smtClean="0"/>
-          </a:p>
-          <a:p>
-            <a:r>
-              <a:rPr lang="en-US" dirty="0" err="1" smtClean="0"/>
-              <a:t>Khuôn</a:t>
-            </a:r>
-            <a:r>
-              <a:rPr lang="en-US" dirty="0" smtClean="0"/>
-              <a:t> </a:t>
-            </a:r>
-            <a:r>
-              <a:rPr lang="en-US" dirty="0" err="1" smtClean="0"/>
-              <a:t>mẫu</a:t>
-            </a:r>
-            <a:endParaRPr lang="en-US" dirty="0" smtClean="0"/>
-          </a:p>
-          <a:p>
-            <a:r>
-              <a:rPr lang="en-US" dirty="0" err="1" smtClean="0"/>
-              <a:t>Xác</a:t>
-            </a:r>
-            <a:r>
-              <a:rPr lang="en-US" dirty="0" smtClean="0"/>
-              <a:t> minh </a:t>
-            </a:r>
-            <a:r>
-              <a:rPr lang="en-US" dirty="0" err="1" smtClean="0"/>
+            <a:r>
+              <a:rPr lang="en-US" sz="1800" smtClean="0"/>
+              <a:t> </a:t>
+            </a:r>
+            <a:r>
+              <a:rPr lang="en-US" sz="1800" err="1" smtClean="0"/>
+              <a:t>của</a:t>
+            </a:r>
+            <a:r>
+              <a:rPr lang="en-US" sz="1800" smtClean="0"/>
+              <a:t> </a:t>
+            </a:r>
+            <a:r>
+              <a:rPr lang="en-US" sz="1800" err="1" smtClean="0"/>
+              <a:t>các</a:t>
+            </a:r>
+            <a:r>
+              <a:rPr lang="en-US" sz="1800" smtClean="0"/>
+              <a:t> </a:t>
+            </a:r>
+            <a:r>
+              <a:rPr lang="en-US" sz="1800" err="1" smtClean="0"/>
+              <a:t>sản</a:t>
+            </a:r>
+            <a:r>
+              <a:rPr lang="en-US" sz="1800" smtClean="0"/>
+              <a:t> </a:t>
+            </a:r>
+            <a:r>
+              <a:rPr lang="en-US" sz="1800" err="1" smtClean="0"/>
+              <a:t>phẩm</a:t>
+            </a:r>
+            <a:r>
+              <a:rPr lang="en-US" sz="1800" smtClean="0"/>
+              <a:t> </a:t>
+            </a:r>
+            <a:r>
+              <a:rPr lang="en-US" sz="1800" err="1" smtClean="0"/>
+              <a:t>phần</a:t>
+            </a:r>
+            <a:r>
+              <a:rPr lang="en-US" sz="1800" smtClean="0"/>
+              <a:t> </a:t>
+            </a:r>
+            <a:r>
+              <a:rPr lang="en-US" sz="1800" err="1" smtClean="0"/>
+              <a:t>mềm</a:t>
+            </a:r>
+            <a:r>
+              <a:rPr lang="en-US" sz="1800" smtClean="0"/>
+              <a:t> </a:t>
+            </a:r>
+            <a:r>
+              <a:rPr lang="en-US" sz="1800" err="1" smtClean="0"/>
+              <a:t>đang</a:t>
+            </a:r>
+            <a:r>
+              <a:rPr lang="en-US" sz="1800" smtClean="0"/>
+              <a:t> </a:t>
+            </a:r>
+            <a:r>
+              <a:rPr lang="en-US" sz="1800" err="1" smtClean="0"/>
+              <a:t>phá</a:t>
+            </a:r>
+            <a:r>
+              <a:rPr lang="en-US" sz="1800" err="1" smtClean="0"/>
+              <a:t>t</a:t>
+            </a:r>
+            <a:r>
+              <a:rPr lang="en-US" sz="1800" smtClean="0"/>
+              <a:t> </a:t>
+            </a:r>
+            <a:r>
+              <a:rPr lang="en-US" sz="1800" err="1" smtClean="0"/>
+              <a:t>triển</a:t>
+            </a:r>
+            <a:r>
+              <a:rPr lang="en-US" sz="1800"/>
+              <a:t> </a:t>
+            </a:r>
+            <a:r>
+              <a:rPr lang="en-US" sz="1800" smtClean="0"/>
+              <a:t>(</a:t>
+            </a:r>
+            <a:r>
+              <a:rPr lang="en-US" sz="1800" err="1" smtClean="0"/>
+              <a:t>thiết</a:t>
+            </a:r>
+            <a:r>
+              <a:rPr lang="en-US" sz="1800" smtClean="0"/>
+              <a:t> </a:t>
+            </a:r>
+            <a:r>
+              <a:rPr lang="en-US" sz="1800" err="1" smtClean="0"/>
+              <a:t>kế</a:t>
+            </a:r>
+            <a:r>
+              <a:rPr lang="en-US" sz="1800" smtClean="0"/>
+              <a:t>, </a:t>
+            </a:r>
+            <a:r>
+              <a:rPr lang="en-US" sz="1800" err="1" smtClean="0"/>
+              <a:t>thực</a:t>
+            </a:r>
+            <a:r>
+              <a:rPr lang="en-US" sz="1800" smtClean="0"/>
+              <a:t> </a:t>
+            </a:r>
+            <a:r>
+              <a:rPr lang="en-US" sz="1800" err="1" smtClean="0"/>
+              <a:t>hiện</a:t>
+            </a:r>
+            <a:r>
+              <a:rPr lang="en-US" sz="1800" smtClean="0"/>
+              <a:t>, …) </a:t>
+            </a:r>
+            <a:r>
+              <a:rPr lang="en-US" sz="1800" err="1" smtClean="0"/>
+              <a:t>đối</a:t>
+            </a:r>
+            <a:r>
+              <a:rPr lang="en-US" sz="1800" smtClean="0"/>
+              <a:t> </a:t>
+            </a:r>
+            <a:r>
+              <a:rPr lang="en-US" sz="1800" err="1" smtClean="0"/>
+              <a:t>với</a:t>
+            </a:r>
+            <a:r>
+              <a:rPr lang="en-US" sz="1800" smtClean="0"/>
+              <a:t> </a:t>
+            </a:r>
+            <a:r>
+              <a:rPr lang="en-US" sz="1800" err="1" smtClean="0"/>
+              <a:t>các</a:t>
+            </a:r>
+            <a:r>
+              <a:rPr lang="en-US" sz="1800" smtClean="0"/>
+              <a:t> </a:t>
+            </a:r>
+            <a:r>
+              <a:rPr lang="en-US" sz="1800" err="1" smtClean="0"/>
+              <a:t>đặc</a:t>
+            </a:r>
+            <a:r>
+              <a:rPr lang="en-US" sz="1800" smtClean="0"/>
+              <a:t> </a:t>
+            </a:r>
+            <a:r>
+              <a:rPr lang="en-US" sz="1800" err="1" smtClean="0"/>
+              <a:t>tả</a:t>
+            </a:r>
+            <a:r>
+              <a:rPr lang="en-US" sz="1800" smtClean="0"/>
+              <a:t> </a:t>
+            </a:r>
+            <a:r>
+              <a:rPr lang="en-US" sz="1800" err="1" smtClean="0"/>
+              <a:t>kỹ</a:t>
+            </a:r>
+            <a:r>
+              <a:rPr lang="en-US" sz="1800" smtClean="0"/>
+              <a:t> </a:t>
+            </a:r>
+            <a:r>
+              <a:rPr lang="en-US" sz="1800" err="1" smtClean="0"/>
+              <a:t>thuật</a:t>
+            </a:r>
+            <a:r>
+              <a:rPr lang="en-US" sz="1800" smtClean="0"/>
+              <a:t>.</a:t>
+            </a:r>
+          </a:p>
+          <a:p>
+            <a:pPr marL="0" indent="0">
+              <a:buNone/>
+            </a:pPr>
+            <a:r>
+              <a:rPr lang="en-US" sz="1800" b="1" err="1" smtClean="0"/>
+              <a:t>Kỹ</a:t>
+            </a:r>
+            <a:r>
+              <a:rPr lang="en-US" sz="1800" b="1" smtClean="0"/>
+              <a:t> </a:t>
+            </a:r>
+            <a:r>
+              <a:rPr lang="en-US" sz="1800" b="1" err="1" smtClean="0"/>
+              <a:t>thuật</a:t>
+            </a:r>
+            <a:r>
+              <a:rPr lang="en-US" sz="1800" b="1" smtClean="0"/>
+              <a:t> </a:t>
+            </a:r>
+            <a:r>
+              <a:rPr lang="en-US" sz="1800" b="1" err="1" smtClean="0"/>
+              <a:t>thẩm</a:t>
+            </a:r>
+            <a:r>
+              <a:rPr lang="en-US" sz="1800" b="1" smtClean="0"/>
+              <a:t> </a:t>
+            </a:r>
+            <a:r>
+              <a:rPr lang="en-US" sz="1800" b="1" err="1" smtClean="0"/>
+              <a:t>định</a:t>
+            </a:r>
+            <a:r>
+              <a:rPr lang="en-US" sz="1800" b="1" smtClean="0"/>
+              <a:t> </a:t>
+            </a:r>
+            <a:r>
+              <a:rPr lang="en-US" sz="1800" b="1" err="1" smtClean="0"/>
+              <a:t>yêu</a:t>
+            </a:r>
+            <a:r>
+              <a:rPr lang="en-US" sz="1800" b="1" smtClean="0"/>
+              <a:t> </a:t>
+            </a:r>
+            <a:r>
+              <a:rPr lang="en-US" sz="1800" b="1" err="1" smtClean="0"/>
+              <a:t>cầu</a:t>
+            </a:r>
+            <a:endParaRPr lang="en-US" sz="1800" b="1" smtClean="0"/>
+          </a:p>
+          <a:p>
+            <a:pPr>
+              <a:defRPr/>
+            </a:pPr>
+            <a:r>
+              <a:rPr lang="en-GB" sz="1800" b="1" i="1" err="1"/>
+              <a:t>Duyệt</a:t>
+            </a:r>
+            <a:r>
+              <a:rPr lang="en-GB" sz="1800" b="1" i="1"/>
+              <a:t> </a:t>
+            </a:r>
+            <a:r>
+              <a:rPr lang="en-GB" sz="1800" b="1" i="1" err="1"/>
+              <a:t>yêu</a:t>
+            </a:r>
+            <a:r>
+              <a:rPr lang="en-GB" sz="1800" b="1" i="1"/>
+              <a:t> </a:t>
+            </a:r>
+            <a:r>
+              <a:rPr lang="en-GB" sz="1800" b="1" i="1" err="1"/>
+              <a:t>cầu</a:t>
+            </a:r>
+            <a:r>
+              <a:rPr lang="en-GB" sz="1800" b="1" i="1"/>
+              <a:t> – Requirements reviews</a:t>
+            </a:r>
+          </a:p>
+          <a:p>
+            <a:pPr lvl="1">
+              <a:buFont typeface="Wingdings" pitchFamily="2" charset="2"/>
+              <a:buChar char="Ø"/>
+              <a:defRPr/>
+            </a:pPr>
+            <a:r>
+              <a:rPr lang="en-GB" sz="1800" err="1">
+                <a:solidFill>
+                  <a:srgbClr val="0070C0"/>
+                </a:solidFill>
+              </a:rPr>
+              <a:t>Đọc</a:t>
+            </a:r>
+            <a:r>
+              <a:rPr lang="en-GB" sz="1800">
+                <a:solidFill>
+                  <a:srgbClr val="0070C0"/>
+                </a:solidFill>
+              </a:rPr>
+              <a:t> </a:t>
+            </a:r>
+            <a:r>
+              <a:rPr lang="en-GB" sz="1800" err="1">
+                <a:solidFill>
+                  <a:srgbClr val="0070C0"/>
+                </a:solidFill>
+              </a:rPr>
+              <a:t>và</a:t>
+            </a:r>
+            <a:r>
+              <a:rPr lang="en-GB" sz="1800">
+                <a:solidFill>
+                  <a:srgbClr val="0070C0"/>
+                </a:solidFill>
+              </a:rPr>
+              <a:t> </a:t>
+            </a:r>
+            <a:r>
+              <a:rPr lang="en-GB" sz="1800" err="1">
+                <a:solidFill>
+                  <a:srgbClr val="0070C0"/>
+                </a:solidFill>
+              </a:rPr>
+              <a:t>phân</a:t>
+            </a:r>
+            <a:r>
+              <a:rPr lang="en-GB" sz="1800">
+                <a:solidFill>
+                  <a:srgbClr val="0070C0"/>
+                </a:solidFill>
+              </a:rPr>
+              <a:t> </a:t>
+            </a:r>
+            <a:r>
+              <a:rPr lang="en-GB" sz="1800" err="1">
+                <a:solidFill>
+                  <a:srgbClr val="0070C0"/>
+                </a:solidFill>
+              </a:rPr>
+              <a:t>tích</a:t>
+            </a:r>
+            <a:r>
+              <a:rPr lang="en-GB" sz="1800">
+                <a:solidFill>
+                  <a:srgbClr val="0070C0"/>
+                </a:solidFill>
+              </a:rPr>
+              <a:t> </a:t>
+            </a:r>
+            <a:r>
+              <a:rPr lang="en-GB" sz="1800" err="1">
+                <a:solidFill>
+                  <a:srgbClr val="0070C0"/>
+                </a:solidFill>
+              </a:rPr>
+              <a:t>lại</a:t>
+            </a:r>
+            <a:r>
+              <a:rPr lang="en-GB" sz="1800">
+                <a:solidFill>
+                  <a:srgbClr val="0070C0"/>
+                </a:solidFill>
+              </a:rPr>
+              <a:t> </a:t>
+            </a:r>
+            <a:r>
+              <a:rPr lang="en-GB" sz="1800" err="1">
+                <a:solidFill>
+                  <a:srgbClr val="0070C0"/>
+                </a:solidFill>
+              </a:rPr>
+              <a:t>một</a:t>
+            </a:r>
+            <a:r>
+              <a:rPr lang="en-GB" sz="1800">
+                <a:solidFill>
+                  <a:srgbClr val="0070C0"/>
+                </a:solidFill>
+              </a:rPr>
+              <a:t> </a:t>
+            </a:r>
+            <a:r>
+              <a:rPr lang="en-GB" sz="1800" err="1">
+                <a:solidFill>
+                  <a:srgbClr val="0070C0"/>
+                </a:solidFill>
+              </a:rPr>
+              <a:t>cách</a:t>
+            </a:r>
+            <a:r>
+              <a:rPr lang="en-GB" sz="1800">
+                <a:solidFill>
+                  <a:srgbClr val="0070C0"/>
+                </a:solidFill>
+              </a:rPr>
+              <a:t> </a:t>
+            </a:r>
+            <a:r>
+              <a:rPr lang="en-GB" sz="1800" err="1">
+                <a:solidFill>
+                  <a:srgbClr val="0070C0"/>
+                </a:solidFill>
+              </a:rPr>
+              <a:t>có</a:t>
+            </a:r>
+            <a:r>
+              <a:rPr lang="en-GB" sz="1800">
+                <a:solidFill>
+                  <a:srgbClr val="0070C0"/>
+                </a:solidFill>
+              </a:rPr>
+              <a:t> </a:t>
+            </a:r>
+            <a:r>
+              <a:rPr lang="en-GB" sz="1800" err="1">
+                <a:solidFill>
+                  <a:srgbClr val="0070C0"/>
+                </a:solidFill>
+              </a:rPr>
+              <a:t>hệ</a:t>
+            </a:r>
+            <a:r>
+              <a:rPr lang="en-GB" sz="1800">
+                <a:solidFill>
+                  <a:srgbClr val="0070C0"/>
+                </a:solidFill>
+              </a:rPr>
+              <a:t> </a:t>
+            </a:r>
+            <a:r>
+              <a:rPr lang="en-GB" sz="1800" err="1">
+                <a:solidFill>
+                  <a:srgbClr val="0070C0"/>
+                </a:solidFill>
+              </a:rPr>
+              <a:t>thống</a:t>
+            </a:r>
+            <a:r>
+              <a:rPr lang="en-GB" sz="1800">
+                <a:solidFill>
+                  <a:srgbClr val="0070C0"/>
+                </a:solidFill>
+              </a:rPr>
+              <a:t> (</a:t>
+            </a:r>
+            <a:r>
+              <a:rPr lang="en-GB" sz="1800" err="1">
+                <a:solidFill>
+                  <a:srgbClr val="0070C0"/>
+                </a:solidFill>
+              </a:rPr>
+              <a:t>không</a:t>
+            </a:r>
+            <a:r>
+              <a:rPr lang="en-GB" sz="1800">
+                <a:solidFill>
+                  <a:srgbClr val="0070C0"/>
+                </a:solidFill>
+              </a:rPr>
+              <a:t> </a:t>
+            </a:r>
+            <a:r>
+              <a:rPr lang="en-GB" sz="1800" err="1">
+                <a:solidFill>
+                  <a:srgbClr val="0070C0"/>
+                </a:solidFill>
+              </a:rPr>
+              <a:t>dùng</a:t>
+            </a:r>
+            <a:r>
+              <a:rPr lang="en-GB" sz="1800">
+                <a:solidFill>
+                  <a:srgbClr val="0070C0"/>
+                </a:solidFill>
+              </a:rPr>
+              <a:t> </a:t>
+            </a:r>
+            <a:r>
+              <a:rPr lang="en-GB" sz="1800" err="1">
+                <a:solidFill>
+                  <a:srgbClr val="0070C0"/>
+                </a:solidFill>
+              </a:rPr>
+              <a:t>chương</a:t>
+            </a:r>
+            <a:r>
+              <a:rPr lang="en-GB" sz="1800">
+                <a:solidFill>
+                  <a:srgbClr val="0070C0"/>
+                </a:solidFill>
+              </a:rPr>
+              <a:t> </a:t>
+            </a:r>
+            <a:r>
+              <a:rPr lang="en-GB" sz="1800" err="1">
+                <a:solidFill>
+                  <a:srgbClr val="0070C0"/>
+                </a:solidFill>
+              </a:rPr>
+              <a:t>trình</a:t>
+            </a:r>
+            <a:r>
+              <a:rPr lang="en-GB" sz="1800">
+                <a:solidFill>
+                  <a:srgbClr val="0070C0"/>
+                </a:solidFill>
+              </a:rPr>
+              <a:t> </a:t>
+            </a:r>
+            <a:r>
+              <a:rPr lang="en-GB" sz="1800" err="1">
+                <a:solidFill>
+                  <a:srgbClr val="0070C0"/>
+                </a:solidFill>
+              </a:rPr>
+              <a:t>tự</a:t>
+            </a:r>
+            <a:r>
+              <a:rPr lang="en-GB" sz="1800">
+                <a:solidFill>
+                  <a:srgbClr val="0070C0"/>
+                </a:solidFill>
+              </a:rPr>
+              <a:t> </a:t>
+            </a:r>
+            <a:r>
+              <a:rPr lang="en-GB" sz="1800" err="1">
+                <a:solidFill>
+                  <a:srgbClr val="0070C0"/>
+                </a:solidFill>
+              </a:rPr>
+              <a:t>động</a:t>
+            </a:r>
+            <a:r>
+              <a:rPr lang="en-GB" sz="1800">
+                <a:solidFill>
+                  <a:srgbClr val="0070C0"/>
+                </a:solidFill>
+              </a:rPr>
+              <a:t>).</a:t>
+            </a:r>
+          </a:p>
+          <a:p>
+            <a:pPr>
+              <a:defRPr/>
+            </a:pPr>
+            <a:r>
+              <a:rPr lang="en-GB" sz="1800" b="1" i="1" err="1"/>
+              <a:t>Phiên</a:t>
+            </a:r>
+            <a:r>
+              <a:rPr lang="en-GB" sz="1800" b="1" i="1"/>
+              <a:t> </a:t>
+            </a:r>
+            <a:r>
+              <a:rPr lang="en-GB" sz="1800" b="1" i="1" err="1"/>
+              <a:t>bản</a:t>
+            </a:r>
+            <a:r>
+              <a:rPr lang="en-GB" sz="1800" b="1" i="1"/>
+              <a:t> </a:t>
+            </a:r>
+            <a:r>
+              <a:rPr lang="en-GB" sz="1800" b="1" i="1" err="1"/>
+              <a:t>thử</a:t>
+            </a:r>
+            <a:r>
+              <a:rPr lang="en-GB" sz="1800" b="1" i="1"/>
+              <a:t> </a:t>
+            </a:r>
+            <a:r>
+              <a:rPr lang="en-GB" sz="1800" b="1" i="1" err="1"/>
+              <a:t>nghiệm</a:t>
+            </a:r>
+            <a:r>
+              <a:rPr lang="en-GB" sz="1800" b="1" i="1"/>
+              <a:t> – Prototyping</a:t>
+            </a:r>
+          </a:p>
+          <a:p>
+            <a:pPr lvl="1">
+              <a:buFont typeface="Wingdings" pitchFamily="2" charset="2"/>
+              <a:buChar char="Ø"/>
+              <a:defRPr/>
+            </a:pPr>
+            <a:r>
+              <a:rPr lang="en-GB" sz="1800" err="1">
+                <a:solidFill>
+                  <a:srgbClr val="0070C0"/>
+                </a:solidFill>
+              </a:rPr>
+              <a:t>Dùng</a:t>
+            </a:r>
+            <a:r>
+              <a:rPr lang="en-GB" sz="1800">
+                <a:solidFill>
+                  <a:srgbClr val="0070C0"/>
+                </a:solidFill>
+              </a:rPr>
+              <a:t> </a:t>
+            </a:r>
+            <a:r>
+              <a:rPr lang="en-GB" sz="1800" err="1">
+                <a:solidFill>
+                  <a:srgbClr val="0070C0"/>
+                </a:solidFill>
+              </a:rPr>
+              <a:t>một</a:t>
+            </a:r>
+            <a:r>
+              <a:rPr lang="en-GB" sz="1800">
+                <a:solidFill>
+                  <a:srgbClr val="0070C0"/>
+                </a:solidFill>
+              </a:rPr>
+              <a:t> </a:t>
+            </a:r>
+            <a:r>
+              <a:rPr lang="en-GB" sz="1800" err="1">
+                <a:solidFill>
+                  <a:srgbClr val="0070C0"/>
+                </a:solidFill>
+              </a:rPr>
               <a:t>mô</a:t>
             </a:r>
             <a:r>
-              <a:rPr lang="en-US" dirty="0" smtClean="0"/>
-              <a:t> </a:t>
-            </a:r>
-            <a:r>
-              <a:rPr lang="en-US" dirty="0" err="1" smtClean="0"/>
+              <a:rPr lang="en-GB" sz="1800">
+                <a:solidFill>
+                  <a:srgbClr val="0070C0"/>
+                </a:solidFill>
+              </a:rPr>
+              <a:t> </a:t>
+            </a:r>
+            <a:r>
+              <a:rPr lang="en-GB" sz="1800" err="1">
+                <a:solidFill>
+                  <a:srgbClr val="0070C0"/>
+                </a:solidFill>
+              </a:rPr>
               <a:t>hình</a:t>
             </a:r>
-            <a:endParaRPr lang="en-US" dirty="0" smtClean="0"/>
-          </a:p>
-          <a:p>
-            <a:r>
-              <a:rPr lang="en-US" dirty="0" err="1" smtClean="0"/>
+            <a:r>
+              <a:rPr lang="en-GB" sz="1800">
+                <a:solidFill>
+                  <a:srgbClr val="0070C0"/>
+                </a:solidFill>
+              </a:rPr>
+              <a:t> </a:t>
+            </a:r>
+            <a:r>
+              <a:rPr lang="en-GB" sz="1800" err="1">
+                <a:solidFill>
+                  <a:srgbClr val="0070C0"/>
+                </a:solidFill>
+              </a:rPr>
+              <a:t>chạy</a:t>
+            </a:r>
+            <a:r>
+              <a:rPr lang="en-GB" sz="1800">
+                <a:solidFill>
+                  <a:srgbClr val="0070C0"/>
+                </a:solidFill>
+              </a:rPr>
+              <a:t> </a:t>
+            </a:r>
+            <a:r>
+              <a:rPr lang="en-GB" sz="1800" err="1">
+                <a:solidFill>
+                  <a:srgbClr val="0070C0"/>
+                </a:solidFill>
+              </a:rPr>
+              <a:t>được</a:t>
+            </a:r>
+            <a:r>
+              <a:rPr lang="en-GB" sz="1800">
+                <a:solidFill>
+                  <a:srgbClr val="0070C0"/>
+                </a:solidFill>
+              </a:rPr>
+              <a:t> </a:t>
+            </a:r>
+            <a:r>
+              <a:rPr lang="en-GB" sz="1800" err="1">
+                <a:solidFill>
+                  <a:srgbClr val="0070C0"/>
+                </a:solidFill>
+              </a:rPr>
+              <a:t>của</a:t>
+            </a:r>
+            <a:r>
+              <a:rPr lang="en-GB" sz="1800">
+                <a:solidFill>
+                  <a:srgbClr val="0070C0"/>
+                </a:solidFill>
+              </a:rPr>
+              <a:t> </a:t>
+            </a:r>
+            <a:r>
+              <a:rPr lang="en-GB" sz="1800" err="1">
+                <a:solidFill>
+                  <a:srgbClr val="0070C0"/>
+                </a:solidFill>
+              </a:rPr>
+              <a:t>hệ</a:t>
+            </a:r>
+            <a:r>
+              <a:rPr lang="en-GB" sz="1800">
+                <a:solidFill>
+                  <a:srgbClr val="0070C0"/>
+                </a:solidFill>
+              </a:rPr>
+              <a:t> </a:t>
+            </a:r>
+            <a:r>
+              <a:rPr lang="en-GB" sz="1800" err="1">
+                <a:solidFill>
+                  <a:srgbClr val="0070C0"/>
+                </a:solidFill>
+              </a:rPr>
+              <a:t>thống</a:t>
+            </a:r>
+            <a:r>
+              <a:rPr lang="en-GB" sz="1800">
+                <a:solidFill>
+                  <a:srgbClr val="0070C0"/>
+                </a:solidFill>
+              </a:rPr>
+              <a:t> </a:t>
+            </a:r>
+            <a:r>
+              <a:rPr lang="en-GB" sz="1800" err="1">
+                <a:solidFill>
+                  <a:srgbClr val="0070C0"/>
+                </a:solidFill>
+              </a:rPr>
+              <a:t>để</a:t>
+            </a:r>
+            <a:r>
+              <a:rPr lang="en-GB" sz="1800">
+                <a:solidFill>
+                  <a:srgbClr val="0070C0"/>
+                </a:solidFill>
+              </a:rPr>
+              <a:t> </a:t>
+            </a:r>
+            <a:r>
+              <a:rPr lang="en-GB" sz="1800" err="1">
+                <a:solidFill>
+                  <a:srgbClr val="0070C0"/>
+                </a:solidFill>
+              </a:rPr>
+              <a:t>kiểm</a:t>
+            </a:r>
+            <a:r>
+              <a:rPr lang="en-GB" sz="1800">
+                <a:solidFill>
+                  <a:srgbClr val="0070C0"/>
+                </a:solidFill>
+              </a:rPr>
+              <a:t> </a:t>
+            </a:r>
+            <a:r>
+              <a:rPr lang="en-GB" sz="1800" err="1">
+                <a:solidFill>
+                  <a:srgbClr val="0070C0"/>
+                </a:solidFill>
+              </a:rPr>
+              <a:t>tra</a:t>
+            </a:r>
+            <a:r>
+              <a:rPr lang="en-GB" sz="1800">
+                <a:solidFill>
+                  <a:srgbClr val="0070C0"/>
+                </a:solidFill>
+              </a:rPr>
+              <a:t> </a:t>
+            </a:r>
+            <a:r>
+              <a:rPr lang="en-GB" sz="1800" err="1">
+                <a:solidFill>
+                  <a:srgbClr val="0070C0"/>
+                </a:solidFill>
+              </a:rPr>
+              <a:t>các</a:t>
+            </a:r>
+            <a:r>
+              <a:rPr lang="en-GB" sz="1800">
+                <a:solidFill>
+                  <a:srgbClr val="0070C0"/>
+                </a:solidFill>
+              </a:rPr>
+              <a:t> </a:t>
+            </a:r>
+            <a:r>
+              <a:rPr lang="en-GB" sz="1800" err="1">
+                <a:solidFill>
+                  <a:srgbClr val="0070C0"/>
+                </a:solidFill>
+              </a:rPr>
+              <a:t>yêu</a:t>
+            </a:r>
+            <a:r>
+              <a:rPr lang="en-GB" sz="1800">
+                <a:solidFill>
+                  <a:srgbClr val="0070C0"/>
+                </a:solidFill>
+              </a:rPr>
+              <a:t> </a:t>
+            </a:r>
+            <a:r>
+              <a:rPr lang="en-GB" sz="1800" err="1">
+                <a:solidFill>
+                  <a:srgbClr val="0070C0"/>
+                </a:solidFill>
+              </a:rPr>
+              <a:t>cầu</a:t>
+            </a:r>
+            <a:r>
+              <a:rPr lang="en-GB" sz="1800">
+                <a:solidFill>
+                  <a:srgbClr val="0070C0"/>
+                </a:solidFill>
+              </a:rPr>
+              <a:t> </a:t>
+            </a:r>
+          </a:p>
+          <a:p>
+            <a:pPr>
+              <a:defRPr/>
+            </a:pPr>
+            <a:r>
+              <a:rPr lang="en-US" sz="1800" b="1" i="1" err="1" smtClean="0"/>
+              <a:t>Thẩm</a:t>
+            </a:r>
+            <a:r>
+              <a:rPr lang="en-US" sz="1800" b="1" i="1" smtClean="0"/>
+              <a:t> </a:t>
+            </a:r>
+            <a:r>
+              <a:rPr lang="en-US" sz="1800" b="1" i="1" err="1" smtClean="0"/>
+              <a:t>định</a:t>
+            </a:r>
+            <a:r>
+              <a:rPr lang="en-US" sz="1800" b="1" i="1" smtClean="0"/>
+              <a:t> </a:t>
+            </a:r>
+            <a:r>
+              <a:rPr lang="en-US" sz="1800" b="1" i="1" err="1" smtClean="0"/>
+              <a:t>mô</a:t>
+            </a:r>
+            <a:r>
+              <a:rPr lang="en-US" sz="1800" b="1" i="1" smtClean="0"/>
+              <a:t> </a:t>
+            </a:r>
+            <a:r>
+              <a:rPr lang="en-US" sz="1800" b="1" i="1" err="1" smtClean="0"/>
+              <a:t>hình</a:t>
+            </a:r>
+            <a:r>
+              <a:rPr lang="en-US" sz="1800" b="1" i="1" smtClean="0"/>
+              <a:t> - Model Validation</a:t>
+            </a:r>
+          </a:p>
+          <a:p>
+            <a:pPr lvl="1">
+              <a:buFont typeface="Wingdings" pitchFamily="2" charset="2"/>
+              <a:buChar char="Ø"/>
+              <a:defRPr/>
+            </a:pPr>
+            <a:r>
+              <a:rPr lang="en-US" sz="1800" err="1" smtClean="0">
+                <a:solidFill>
+                  <a:srgbClr val="0070C0"/>
+                </a:solidFill>
+              </a:rPr>
+              <a:t>Để</a:t>
+            </a:r>
+            <a:r>
+              <a:rPr lang="en-US" sz="1800" smtClean="0">
+                <a:solidFill>
+                  <a:srgbClr val="0070C0"/>
+                </a:solidFill>
+              </a:rPr>
+              <a:t> </a:t>
+            </a:r>
+            <a:r>
+              <a:rPr lang="vi-VN" sz="1800" smtClean="0">
+                <a:solidFill>
+                  <a:srgbClr val="0070C0"/>
+                </a:solidFill>
+              </a:rPr>
+              <a:t>xác </a:t>
+            </a:r>
+            <a:r>
+              <a:rPr lang="vi-VN" sz="1800">
+                <a:solidFill>
+                  <a:srgbClr val="0070C0"/>
+                </a:solidFill>
+              </a:rPr>
+              <a:t>nhận chất lượng của các mô hình phát triển trong quá trình phân tích</a:t>
+            </a:r>
+            <a:endParaRPr lang="en-US" sz="1800" smtClean="0">
+              <a:solidFill>
+                <a:srgbClr val="0070C0"/>
+              </a:solidFill>
+            </a:endParaRPr>
+          </a:p>
+          <a:p>
+            <a:pPr>
+              <a:defRPr/>
+            </a:pPr>
+            <a:r>
+              <a:rPr lang="en-US" sz="1800" b="1" i="1" err="1"/>
               <a:t>Kiểm</a:t>
             </a:r>
             <a:r>
-              <a:rPr lang="en-US" dirty="0" smtClean="0"/>
-              <a:t> </a:t>
-            </a:r>
-            <a:r>
-              <a:rPr lang="en-US" dirty="0" err="1" smtClean="0"/>
+              <a:rPr lang="en-US" sz="1800" b="1" i="1"/>
+              <a:t> </a:t>
+            </a:r>
+            <a:r>
+              <a:rPr lang="en-US" sz="1800" b="1" i="1" err="1"/>
               <a:t>thử</a:t>
             </a:r>
             <a:r>
-              <a:rPr lang="en-US" dirty="0" smtClean="0"/>
-              <a:t> </a:t>
-            </a:r>
-            <a:r>
-              <a:rPr lang="en-US" dirty="0" err="1" smtClean="0"/>
+              <a:rPr lang="en-US" sz="1800" b="1" i="1"/>
+              <a:t> </a:t>
+            </a:r>
+            <a:r>
+              <a:rPr lang="en-US" sz="1800" b="1" i="1" err="1"/>
               <a:t>chấp</a:t>
             </a:r>
             <a:r>
-              <a:rPr lang="en-US" dirty="0" smtClean="0"/>
-              <a:t> </a:t>
-            </a:r>
-            <a:r>
-              <a:rPr lang="en-US" dirty="0" err="1" smtClean="0"/>
+              <a:rPr lang="en-US" sz="1800" b="1" i="1"/>
+              <a:t> </a:t>
+            </a:r>
+            <a:r>
+              <a:rPr lang="en-US" sz="1800" b="1" i="1" err="1"/>
               <a:t>nhận</a:t>
             </a:r>
-            <a:endParaRPr lang="en-US" dirty="0"/>
+            <a:r>
+              <a:rPr lang="en-US" sz="1800" b="1" i="1"/>
+              <a:t> </a:t>
+            </a:r>
+            <a:r>
+              <a:rPr lang="en-US" sz="1800" b="1" i="1" err="1"/>
+              <a:t>sản</a:t>
+            </a:r>
+            <a:r>
+              <a:rPr lang="en-US" sz="1800" b="1" i="1"/>
+              <a:t> </a:t>
+            </a:r>
+            <a:r>
+              <a:rPr lang="en-US" sz="1800" b="1" i="1" err="1" smtClean="0"/>
+              <a:t>phẩm</a:t>
+            </a:r>
+            <a:r>
+              <a:rPr lang="en-US" sz="1800" b="1" i="1" smtClean="0"/>
+              <a:t> </a:t>
+            </a:r>
+            <a:r>
+              <a:rPr lang="en-US" sz="1800" b="1" i="1"/>
+              <a:t>- Acceptance </a:t>
+            </a:r>
+            <a:r>
+              <a:rPr lang="en-US" sz="1800" b="1" i="1" smtClean="0"/>
+              <a:t>Tests</a:t>
+            </a:r>
+          </a:p>
+          <a:p>
+            <a:pPr lvl="1">
+              <a:buFont typeface="Wingdings" pitchFamily="2" charset="2"/>
+              <a:buChar char="Ø"/>
+              <a:defRPr/>
+            </a:pPr>
+            <a:r>
+              <a:rPr lang="en-US" sz="1800" smtClean="0">
+                <a:solidFill>
+                  <a:srgbClr val="0070C0"/>
+                </a:solidFill>
+              </a:rPr>
+              <a:t>Chứng </a:t>
+            </a:r>
+            <a:r>
+              <a:rPr lang="en-US" sz="1800">
+                <a:solidFill>
+                  <a:srgbClr val="0070C0"/>
+                </a:solidFill>
+              </a:rPr>
+              <a:t>minh phần mềm thỏa mãn tất cả yêu cầu của khách hàng và khách hàng chấp nhận sản phẩm</a:t>
+            </a:r>
+            <a:endParaRPr lang="en-GB" sz="1800" b="1" i="1">
+              <a:solidFill>
+                <a:srgbClr val="0070C0"/>
+              </a:solidFill>
+            </a:endParaRPr>
           </a:p>
         </p:txBody>
       </p:sp>

--- a/slide/dev/chapter_1/slide.pptx
+++ b/slide/dev/chapter_1/slide.pptx
@@ -5,7 +5,7 @@
     <p:sldMasterId id="2147483703" r:id="rId2"/>
   </p:sldMasterIdLst>
   <p:notesMasterIdLst>
-    <p:notesMasterId r:id="rId11"/>
+    <p:notesMasterId r:id="rId12"/>
   </p:notesMasterIdLst>
   <p:sldIdLst>
     <p:sldId id="256" r:id="rId3"/>
@@ -14,8 +14,9 @@
     <p:sldId id="259" r:id="rId6"/>
     <p:sldId id="260" r:id="rId7"/>
     <p:sldId id="261" r:id="rId8"/>
-    <p:sldId id="262" r:id="rId9"/>
-    <p:sldId id="263" r:id="rId10"/>
+    <p:sldId id="264" r:id="rId9"/>
+    <p:sldId id="262" r:id="rId10"/>
+    <p:sldId id="263" r:id="rId11"/>
   </p:sldIdLst>
   <p:sldSz cx="9144000" cy="6858000" type="screen4x3"/>
   <p:notesSz cx="6858000" cy="9144000"/>
@@ -116,7 +117,7 @@
   </p:defaultTextStyle>
   <p:extLst>
     <p:ext uri="{EFAFB233-063F-42B5-8137-9DF3F51BA10A}">
-      <p15:sldGuideLst xmlns="" xmlns:p15="http://schemas.microsoft.com/office/powerpoint/2012/main">
+      <p15:sldGuideLst xmlns:p15="http://schemas.microsoft.com/office/powerpoint/2012/main" xmlns="">
         <p15:guide id="1" orient="horz" pos="2160">
           <p15:clr>
             <a:srgbClr val="A4A3A4"/>
@@ -4133,7 +4134,21 @@
                 <a:latin typeface="Arial" panose="020B0604020202020204" pitchFamily="34" charset="0"/>
                 <a:cs typeface="Arial" panose="020B0604020202020204" pitchFamily="34" charset="0"/>
               </a:rPr>
-              <a:t>(ueh-k22)</a:t>
+              <a:t>(</a:t>
+            </a:r>
+            <a:r>
+              <a:rPr lang="en-US" smtClean="0">
+                <a:latin typeface="Arial" panose="020B0604020202020204" pitchFamily="34" charset="0"/>
+                <a:cs typeface="Arial" panose="020B0604020202020204" pitchFamily="34" charset="0"/>
+              </a:rPr>
+              <a:t>uet-k22</a:t>
+            </a:r>
+            <a:r>
+              <a:rPr lang="en-US" smtClean="0">
+                <a:latin typeface="Arial" panose="020B0604020202020204" pitchFamily="34" charset="0"/>
+                <a:cs typeface="Arial" panose="020B0604020202020204" pitchFamily="34" charset="0"/>
+              </a:rPr>
+              <a:t>)</a:t>
             </a:r>
             <a:endParaRPr lang="en-US">
               <a:latin typeface="Arial" panose="020B0604020202020204" pitchFamily="34" charset="0"/>
@@ -4735,7 +4750,12 @@
             <p:ph idx="1"/>
           </p:nvPr>
         </p:nvSpPr>
-        <p:spPr/>
+        <p:spPr>
+          <a:xfrm>
+            <a:off x="628650" y="1825625"/>
+            <a:ext cx="8134350" cy="4351338"/>
+          </a:xfrm>
+        </p:spPr>
         <p:txBody>
           <a:bodyPr>
             <a:normAutofit/>
@@ -4773,96 +4793,203 @@
             <a:endParaRPr lang="en-US" sz="1800" b="1" smtClean="0"/>
           </a:p>
           <a:p>
-            <a:pPr lvl="1"/>
-            <a:r>
-              <a:rPr lang="vi-VN" sz="1800"/>
+            <a:pPr lvl="1">
+              <a:buFont typeface="Wingdings" pitchFamily="2" charset="2"/>
+              <a:buChar char="Ø"/>
+            </a:pPr>
+            <a:r>
+              <a:rPr lang="vi-VN" sz="1800">
+                <a:solidFill>
+                  <a:srgbClr val="0070C0"/>
+                </a:solidFill>
+              </a:rPr>
               <a:t>Phân loại theo yêu cầu chức năng hoặc phi chức năng</a:t>
             </a:r>
-            <a:endParaRPr lang="en-US" sz="1800"/>
-          </a:p>
-          <a:p>
-            <a:pPr lvl="1"/>
-            <a:r>
-              <a:rPr lang="vi-VN" sz="1800"/>
+            <a:endParaRPr lang="en-US" sz="1800">
+              <a:solidFill>
+                <a:srgbClr val="0070C0"/>
+              </a:solidFill>
+            </a:endParaRPr>
+          </a:p>
+          <a:p>
+            <a:pPr lvl="1">
+              <a:buFont typeface="Wingdings" pitchFamily="2" charset="2"/>
+              <a:buChar char="Ø"/>
+            </a:pPr>
+            <a:r>
+              <a:rPr lang="vi-VN" sz="1800">
+                <a:solidFill>
+                  <a:srgbClr val="0070C0"/>
+                </a:solidFill>
+              </a:rPr>
               <a:t>Phân loại theo các yêu cầu đặt ra cho sản phẩm hoặc là trên từng tiến trình</a:t>
             </a:r>
-            <a:endParaRPr lang="en-US" sz="1800"/>
-          </a:p>
-          <a:p>
-            <a:pPr lvl="1"/>
-            <a:r>
-              <a:rPr lang="vi-VN" sz="1800"/>
+            <a:endParaRPr lang="en-US" sz="1800">
+              <a:solidFill>
+                <a:srgbClr val="0070C0"/>
+              </a:solidFill>
+            </a:endParaRPr>
+          </a:p>
+          <a:p>
+            <a:pPr lvl="1">
+              <a:buFont typeface="Wingdings" pitchFamily="2" charset="2"/>
+              <a:buChar char="Ø"/>
+            </a:pPr>
+            <a:r>
+              <a:rPr lang="vi-VN" sz="1800">
+                <a:solidFill>
+                  <a:srgbClr val="0070C0"/>
+                </a:solidFill>
+              </a:rPr>
               <a:t>Phân loại theo độ ưu tiên phần mềm</a:t>
             </a:r>
-            <a:endParaRPr lang="en-US" sz="1800"/>
-          </a:p>
-          <a:p>
-            <a:pPr lvl="1"/>
-            <a:r>
-              <a:rPr lang="en-US" sz="1800" err="1"/>
+            <a:endParaRPr lang="en-US" sz="1800">
+              <a:solidFill>
+                <a:srgbClr val="0070C0"/>
+              </a:solidFill>
+            </a:endParaRPr>
+          </a:p>
+          <a:p>
+            <a:pPr lvl="1">
+              <a:buFont typeface="Wingdings" pitchFamily="2" charset="2"/>
+              <a:buChar char="Ø"/>
+            </a:pPr>
+            <a:r>
+              <a:rPr lang="en-US" sz="1800" err="1">
+                <a:solidFill>
+                  <a:srgbClr val="0070C0"/>
+                </a:solidFill>
+              </a:rPr>
               <a:t>Phân</a:t>
             </a:r>
             <a:r>
-              <a:rPr lang="en-US" sz="1800"/>
-              <a:t> </a:t>
-            </a:r>
-            <a:r>
-              <a:rPr lang="en-US" sz="1800" err="1"/>
+              <a:rPr lang="en-US" sz="1800">
+                <a:solidFill>
+                  <a:srgbClr val="0070C0"/>
+                </a:solidFill>
+              </a:rPr>
+              <a:t> </a:t>
+            </a:r>
+            <a:r>
+              <a:rPr lang="en-US" sz="1800" err="1">
+                <a:solidFill>
+                  <a:srgbClr val="0070C0"/>
+                </a:solidFill>
+              </a:rPr>
               <a:t>theo</a:t>
             </a:r>
             <a:r>
-              <a:rPr lang="en-US" sz="1800"/>
-              <a:t> </a:t>
-            </a:r>
-            <a:r>
-              <a:rPr lang="en-US" sz="1800" err="1"/>
+              <a:rPr lang="en-US" sz="1800">
+                <a:solidFill>
+                  <a:srgbClr val="0070C0"/>
+                </a:solidFill>
+              </a:rPr>
+              <a:t> </a:t>
+            </a:r>
+            <a:r>
+              <a:rPr lang="en-US" sz="1800" err="1">
+                <a:solidFill>
+                  <a:srgbClr val="0070C0"/>
+                </a:solidFill>
+              </a:rPr>
               <a:t>phạm</a:t>
             </a:r>
             <a:r>
-              <a:rPr lang="en-US" sz="1800"/>
+              <a:rPr lang="en-US" sz="1800">
+                <a:solidFill>
+                  <a:srgbClr val="0070C0"/>
+                </a:solidFill>
+              </a:rPr>
               <a:t> vi </a:t>
             </a:r>
             <a:r>
-              <a:rPr lang="en-US" sz="1800" err="1"/>
+              <a:rPr lang="en-US" sz="1800" err="1">
+                <a:solidFill>
+                  <a:srgbClr val="0070C0"/>
+                </a:solidFill>
+              </a:rPr>
               <a:t>yêu</a:t>
             </a:r>
             <a:r>
-              <a:rPr lang="en-US" sz="1800"/>
-              <a:t> </a:t>
-            </a:r>
-            <a:r>
-              <a:rPr lang="en-US" sz="1800" err="1"/>
+              <a:rPr lang="en-US" sz="1800">
+                <a:solidFill>
+                  <a:srgbClr val="0070C0"/>
+                </a:solidFill>
+              </a:rPr>
+              <a:t> </a:t>
+            </a:r>
+            <a:r>
+              <a:rPr lang="en-US" sz="1800" err="1">
+                <a:solidFill>
+                  <a:srgbClr val="0070C0"/>
+                </a:solidFill>
+              </a:rPr>
               <a:t>cầu</a:t>
             </a:r>
             <a:r>
-              <a:rPr lang="en-US" sz="1800"/>
-              <a:t> </a:t>
-            </a:r>
-            <a:r>
-              <a:rPr lang="en-US" sz="1800" err="1"/>
+              <a:rPr lang="en-US" sz="1800">
+                <a:solidFill>
+                  <a:srgbClr val="0070C0"/>
+                </a:solidFill>
+              </a:rPr>
+              <a:t> </a:t>
+            </a:r>
+            <a:r>
+              <a:rPr lang="en-US" sz="1800" err="1">
+                <a:solidFill>
+                  <a:srgbClr val="0070C0"/>
+                </a:solidFill>
+              </a:rPr>
               <a:t>phần</a:t>
             </a:r>
             <a:r>
-              <a:rPr lang="en-US" sz="1800"/>
-              <a:t> </a:t>
-            </a:r>
-            <a:r>
-              <a:rPr lang="en-US" sz="1800" err="1"/>
+              <a:rPr lang="en-US" sz="1800">
+                <a:solidFill>
+                  <a:srgbClr val="0070C0"/>
+                </a:solidFill>
+              </a:rPr>
+              <a:t> </a:t>
+            </a:r>
+            <a:r>
+              <a:rPr lang="en-US" sz="1800" err="1">
+                <a:solidFill>
+                  <a:srgbClr val="0070C0"/>
+                </a:solidFill>
+              </a:rPr>
               <a:t>mềm</a:t>
             </a:r>
-            <a:endParaRPr lang="en-US" sz="1800"/>
-          </a:p>
-          <a:p>
-            <a:pPr lvl="1"/>
-            <a:r>
-              <a:rPr lang="vi-VN" sz="1800"/>
+            <a:endParaRPr lang="en-US" sz="1800">
+              <a:solidFill>
+                <a:srgbClr val="0070C0"/>
+              </a:solidFill>
+            </a:endParaRPr>
+          </a:p>
+          <a:p>
+            <a:pPr lvl="1">
+              <a:buFont typeface="Wingdings" pitchFamily="2" charset="2"/>
+              <a:buChar char="Ø"/>
+            </a:pPr>
+            <a:r>
+              <a:rPr lang="vi-VN" sz="1800">
+                <a:solidFill>
+                  <a:srgbClr val="0070C0"/>
+                </a:solidFill>
+              </a:rPr>
               <a:t>Phân loại theo độ dễ biến động/ tính ổn </a:t>
             </a:r>
             <a:r>
-              <a:rPr lang="vi-VN" sz="1800" smtClean="0"/>
+              <a:rPr lang="vi-VN" sz="1800" smtClean="0">
+                <a:solidFill>
+                  <a:srgbClr val="0070C0"/>
+                </a:solidFill>
+              </a:rPr>
               <a:t>định</a:t>
             </a:r>
-            <a:endParaRPr lang="en-US" sz="1800" b="1" smtClean="0"/>
+            <a:endParaRPr lang="en-US" sz="1800" b="1" smtClean="0">
+              <a:solidFill>
+                <a:srgbClr val="0070C0"/>
+              </a:solidFill>
+            </a:endParaRPr>
           </a:p>
           <a:p>
             <a:r>
@@ -4898,10 +5025,28 @@
               <a:t> </a:t>
             </a:r>
             <a:r>
-              <a:rPr lang="en-US" sz="1800" b="1" err="1" smtClean="0"/>
+              <a:rPr lang="en-US" sz="1800" b="1" smtClean="0"/>
               <a:t>niệm</a:t>
             </a:r>
-            <a:endParaRPr lang="en-US" sz="1800" b="1" smtClean="0"/>
+          </a:p>
+          <a:p>
+            <a:pPr lvl="1">
+              <a:buFont typeface="Wingdings" pitchFamily="2" charset="2"/>
+              <a:buChar char="Ø"/>
+            </a:pPr>
+            <a:r>
+              <a:rPr lang="vi-VN" sz="1800">
+                <a:solidFill>
+                  <a:srgbClr val="0070C0"/>
+                </a:solidFill>
+              </a:rPr>
+              <a:t>Mục đích của nó là để hiểu được những vấn đề xảy ra cũng như miêu tả một giải pháp</a:t>
+            </a:r>
+            <a:endParaRPr lang="en-US" sz="1800" smtClean="0">
+              <a:solidFill>
+                <a:srgbClr val="0070C0"/>
+              </a:solidFill>
+            </a:endParaRPr>
           </a:p>
           <a:p>
             <a:r>
@@ -4977,99 +5122,12 @@
               <a:t> </a:t>
             </a:r>
             <a:r>
-              <a:rPr lang="en-US" sz="1800" b="1" err="1" smtClean="0"/>
+              <a:rPr lang="en-US" sz="1800" b="1" smtClean="0"/>
               <a:t>bổ</a:t>
             </a:r>
+          </a:p>
+          <a:p>
             <a:endParaRPr lang="en-US" sz="1800" b="1" smtClean="0"/>
-          </a:p>
-          <a:p>
-            <a:r>
-              <a:rPr lang="en-US" sz="1800" b="1" err="1" smtClean="0"/>
-              <a:t>Sự</a:t>
-            </a:r>
-            <a:r>
-              <a:rPr lang="en-US" sz="1800" b="1" smtClean="0"/>
-              <a:t> </a:t>
-            </a:r>
-            <a:r>
-              <a:rPr lang="en-US" sz="1800" b="1" err="1" smtClean="0"/>
-              <a:t>đàm</a:t>
-            </a:r>
-            <a:r>
-              <a:rPr lang="en-US" sz="1800" b="1" smtClean="0"/>
-              <a:t> </a:t>
-            </a:r>
-            <a:r>
-              <a:rPr lang="en-US" sz="1800" b="1" err="1" smtClean="0"/>
-              <a:t>phán</a:t>
-            </a:r>
-            <a:r>
-              <a:rPr lang="en-US" sz="1800" b="1" smtClean="0"/>
-              <a:t> </a:t>
-            </a:r>
-            <a:r>
-              <a:rPr lang="en-US" sz="1800" b="1" err="1" smtClean="0"/>
-              <a:t>của</a:t>
-            </a:r>
-            <a:r>
-              <a:rPr lang="en-US" sz="1800" b="1" smtClean="0"/>
-              <a:t> </a:t>
-            </a:r>
-            <a:r>
-              <a:rPr lang="en-US" sz="1800" b="1" err="1" smtClean="0"/>
-              <a:t>các</a:t>
-            </a:r>
-            <a:r>
-              <a:rPr lang="en-US" sz="1800" b="1" smtClean="0"/>
-              <a:t> </a:t>
-            </a:r>
-            <a:r>
-              <a:rPr lang="en-US" sz="1800" b="1" err="1" smtClean="0"/>
-              <a:t>yêu</a:t>
-            </a:r>
-            <a:r>
-              <a:rPr lang="en-US" sz="1800" b="1" smtClean="0"/>
-              <a:t> </a:t>
-            </a:r>
-            <a:r>
-              <a:rPr lang="en-US" sz="1800" b="1" err="1" smtClean="0"/>
-              <a:t>cầu</a:t>
-            </a:r>
-            <a:endParaRPr lang="en-US" sz="1800" b="1" smtClean="0"/>
-          </a:p>
-          <a:p>
-            <a:r>
-              <a:rPr lang="en-US" sz="1800" b="1" err="1"/>
-              <a:t>Phân</a:t>
-            </a:r>
-            <a:r>
-              <a:rPr lang="en-US" sz="1800" b="1"/>
-              <a:t> </a:t>
-            </a:r>
-            <a:r>
-              <a:rPr lang="en-US" sz="1800" b="1" err="1"/>
-              <a:t>tích</a:t>
-            </a:r>
-            <a:r>
-              <a:rPr lang="en-US" sz="1800" b="1"/>
-              <a:t> </a:t>
-            </a:r>
-            <a:r>
-              <a:rPr lang="en-US" sz="1800" b="1" err="1"/>
-              <a:t>chính</a:t>
-            </a:r>
-            <a:r>
-              <a:rPr lang="en-US" sz="1800" b="1"/>
-              <a:t> </a:t>
-            </a:r>
-            <a:r>
-              <a:rPr lang="en-US" sz="1800" b="1" err="1"/>
-              <a:t>thức</a:t>
-            </a:r>
-            <a:endParaRPr lang="en-US" sz="1800" b="1" smtClean="0"/>
-          </a:p>
-          <a:p>
-            <a:endParaRPr lang="en-US" sz="1800"/>
           </a:p>
         </p:txBody>
       </p:sp>
@@ -5115,575 +5173,128 @@
         </p:nvSpPr>
         <p:spPr/>
         <p:txBody>
-          <a:bodyPr>
-            <a:normAutofit/>
-          </a:bodyPr>
-          <a:lstStyle/>
-          <a:p>
-            <a:r>
-              <a:rPr lang="en-US" err="1" smtClean="0"/>
-              <a:t>Đặc</a:t>
-            </a:r>
-            <a:r>
-              <a:rPr lang="en-US" smtClean="0"/>
-              <a:t> </a:t>
-            </a:r>
-            <a:r>
-              <a:rPr lang="en-US" err="1" smtClean="0"/>
-              <a:t>tả</a:t>
-            </a:r>
-            <a:r>
-              <a:rPr lang="en-US" smtClean="0"/>
-              <a:t> </a:t>
-            </a:r>
-            <a:r>
-              <a:rPr lang="en-US" err="1" smtClean="0"/>
-              <a:t>yêu</a:t>
-            </a:r>
-            <a:r>
-              <a:rPr lang="en-US" smtClean="0"/>
-              <a:t> </a:t>
-            </a:r>
-            <a:r>
-              <a:rPr lang="en-US" err="1" smtClean="0"/>
-              <a:t>cầu</a:t>
-            </a:r>
-            <a:endParaRPr lang="en-US"/>
-          </a:p>
-        </p:txBody>
-      </p:sp>
-      <p:sp>
-        <p:nvSpPr>
-          <p:cNvPr id="3" name="Content Placeholder 2"/>
-          <p:cNvSpPr>
-            <a:spLocks noGrp="1"/>
-          </p:cNvSpPr>
-          <p:nvPr>
-            <p:ph idx="1"/>
-          </p:nvPr>
-        </p:nvSpPr>
-        <p:spPr/>
-        <p:txBody>
           <a:bodyPr/>
           <a:lstStyle/>
           <a:p>
-            <a:pPr marL="0" indent="0">
-              <a:buNone/>
+            <a:r>
+              <a:rPr lang="en-US"/>
+              <a:t>Phân tích </a:t>
+            </a:r>
+            <a:r>
+              <a:rPr lang="en-US"/>
+              <a:t>yêu </a:t>
+            </a:r>
+            <a:r>
+              <a:rPr lang="en-US" smtClean="0"/>
+              <a:t>cầu (Tiếp)</a:t>
+            </a:r>
+            <a:endParaRPr lang="en-US"/>
+          </a:p>
+        </p:txBody>
+      </p:sp>
+      <p:sp>
+        <p:nvSpPr>
+          <p:cNvPr id="3" name="Content Placeholder 2"/>
+          <p:cNvSpPr>
+            <a:spLocks noGrp="1"/>
+          </p:cNvSpPr>
+          <p:nvPr>
+            <p:ph idx="1"/>
+          </p:nvPr>
+        </p:nvSpPr>
+        <p:spPr/>
+        <p:txBody>
+          <a:bodyPr/>
+          <a:lstStyle/>
+          <a:p>
+            <a:r>
+              <a:rPr lang="en-US" sz="1800" b="1"/>
+              <a:t>Sự đàm phán của các yêu cầu</a:t>
+            </a:r>
+          </a:p>
+          <a:p>
+            <a:pPr lvl="1">
+              <a:buFont typeface="Wingdings" pitchFamily="2" charset="2"/>
+              <a:buChar char="Ø"/>
             </a:pPr>
             <a:r>
-              <a:rPr lang="en-US" sz="2000" b="1" err="1" smtClean="0"/>
-              <a:t>Các</a:t>
-            </a:r>
-            <a:r>
-              <a:rPr lang="en-US" sz="2000" b="1" smtClean="0"/>
-              <a:t> </a:t>
-            </a:r>
-            <a:r>
-              <a:rPr lang="en-US" sz="2000" b="1" err="1" smtClean="0"/>
-              <a:t>hoạt</a:t>
-            </a:r>
-            <a:r>
-              <a:rPr lang="en-US" sz="2000" b="1" smtClean="0"/>
-              <a:t> </a:t>
-            </a:r>
-            <a:r>
-              <a:rPr lang="en-US" sz="2000" b="1" err="1" smtClean="0"/>
-              <a:t>động</a:t>
-            </a:r>
-            <a:endParaRPr lang="en-US" sz="2000" b="1" smtClean="0"/>
-          </a:p>
-          <a:p>
-            <a:r>
-              <a:rPr lang="en-US" sz="1800" err="1" smtClean="0"/>
-              <a:t>Áp</a:t>
-            </a:r>
-            <a:r>
-              <a:rPr lang="en-US" sz="1800" smtClean="0"/>
-              <a:t> </a:t>
-            </a:r>
-            <a:r>
-              <a:rPr lang="en-US" sz="1800" err="1" smtClean="0"/>
-              <a:t>dụng</a:t>
-            </a:r>
-            <a:r>
-              <a:rPr lang="en-US" sz="1800" smtClean="0"/>
-              <a:t> </a:t>
-            </a:r>
-            <a:r>
-              <a:rPr lang="en-US" sz="1800" err="1" smtClean="0"/>
-              <a:t>các</a:t>
-            </a:r>
-            <a:r>
-              <a:rPr lang="en-US" sz="1800" smtClean="0"/>
-              <a:t> </a:t>
-            </a:r>
-            <a:r>
-              <a:rPr lang="en-US" sz="1800" err="1" smtClean="0"/>
-              <a:t>mẫu</a:t>
-            </a:r>
-            <a:r>
-              <a:rPr lang="en-US" sz="1800" smtClean="0"/>
-              <a:t> </a:t>
-            </a:r>
-            <a:r>
-              <a:rPr lang="en-US" sz="1800" err="1" smtClean="0"/>
-              <a:t>đặc</a:t>
-            </a:r>
-            <a:r>
-              <a:rPr lang="en-US" sz="1800" smtClean="0"/>
-              <a:t> </a:t>
-            </a:r>
-            <a:r>
-              <a:rPr lang="en-US" sz="1800" err="1" smtClean="0"/>
-              <a:t>tả</a:t>
-            </a:r>
-            <a:r>
-              <a:rPr lang="en-US" sz="1800" smtClean="0"/>
-              <a:t> </a:t>
-            </a:r>
-            <a:r>
-              <a:rPr lang="en-US" sz="1800" err="1" smtClean="0"/>
-              <a:t>yêu</a:t>
-            </a:r>
-            <a:r>
-              <a:rPr lang="en-US" sz="1800" smtClean="0"/>
-              <a:t> </a:t>
-            </a:r>
-            <a:r>
-              <a:rPr lang="en-US" sz="1800" err="1" smtClean="0"/>
-              <a:t>cầu</a:t>
-            </a:r>
-            <a:r>
-              <a:rPr lang="en-US" sz="1800" smtClean="0"/>
-              <a:t> </a:t>
-            </a:r>
-            <a:r>
-              <a:rPr lang="en-US" sz="1800" err="1" smtClean="0"/>
-              <a:t>phần</a:t>
-            </a:r>
-            <a:r>
-              <a:rPr lang="en-US" sz="1800" smtClean="0"/>
-              <a:t> </a:t>
-            </a:r>
-            <a:r>
-              <a:rPr lang="en-US" sz="1800" err="1" smtClean="0"/>
-              <a:t>mềm</a:t>
-            </a:r>
-            <a:r>
-              <a:rPr lang="en-US" sz="1800" smtClean="0"/>
+              <a:rPr lang="en-US" sz="1800">
+                <a:solidFill>
+                  <a:srgbClr val="0070C0"/>
+                </a:solidFill>
+              </a:rPr>
+              <a:t>Giải quyết các vấn đề xung đột  giữa các yêu cầu và nguồn lực hoặc giữa yêu cầu chức năng và yêu cầu phi chức năng</a:t>
+            </a:r>
+            <a:r>
+              <a:rPr lang="en-US" sz="1900">
+                <a:solidFill>
+                  <a:srgbClr val="0070C0"/>
+                </a:solidFill>
+              </a:rPr>
               <a:t>.</a:t>
             </a:r>
-            <a:endParaRPr lang="en-US" sz="1800" smtClean="0"/>
-          </a:p>
-          <a:p>
-            <a:r>
-              <a:rPr lang="en-US" sz="1800" err="1" smtClean="0"/>
-              <a:t>Xác</a:t>
-            </a:r>
-            <a:r>
-              <a:rPr lang="en-US" sz="1800" smtClean="0"/>
-              <a:t> </a:t>
-            </a:r>
-            <a:r>
-              <a:rPr lang="en-US" sz="1800" err="1" smtClean="0"/>
-              <a:t>định</a:t>
-            </a:r>
-            <a:r>
-              <a:rPr lang="en-US" sz="1800" smtClean="0"/>
-              <a:t> </a:t>
-            </a:r>
-            <a:r>
-              <a:rPr lang="en-US" sz="1800" err="1" smtClean="0"/>
-              <a:t>các</a:t>
-            </a:r>
-            <a:r>
-              <a:rPr lang="en-US" sz="1800" smtClean="0"/>
-              <a:t> </a:t>
-            </a:r>
-            <a:r>
-              <a:rPr lang="en-US" sz="1800" err="1" smtClean="0"/>
-              <a:t>nguồn</a:t>
-            </a:r>
-            <a:r>
-              <a:rPr lang="en-US" sz="1800" smtClean="0"/>
-              <a:t> </a:t>
-            </a:r>
-            <a:r>
-              <a:rPr lang="en-US" sz="1800" err="1" smtClean="0"/>
-              <a:t>yêu</a:t>
-            </a:r>
-            <a:r>
-              <a:rPr lang="en-US" sz="1800" smtClean="0"/>
-              <a:t> </a:t>
-            </a:r>
-            <a:r>
-              <a:rPr lang="en-US" sz="1800" err="1" smtClean="0"/>
-              <a:t>cầu</a:t>
-            </a:r>
-            <a:endParaRPr lang="en-US" sz="1800" smtClean="0"/>
-          </a:p>
-          <a:p>
-            <a:r>
-              <a:rPr lang="en-US" sz="1800" err="1" smtClean="0"/>
-              <a:t>Gán</a:t>
-            </a:r>
-            <a:r>
-              <a:rPr lang="en-US" sz="1800" smtClean="0"/>
-              <a:t> </a:t>
-            </a:r>
-            <a:r>
-              <a:rPr lang="en-US" sz="1800" err="1" smtClean="0"/>
-              <a:t>nhãn</a:t>
-            </a:r>
-            <a:r>
-              <a:rPr lang="en-US" sz="1800" smtClean="0"/>
-              <a:t> </a:t>
-            </a:r>
-            <a:r>
-              <a:rPr lang="en-US" sz="1800" err="1" smtClean="0"/>
-              <a:t>riêng</a:t>
-            </a:r>
-            <a:r>
-              <a:rPr lang="en-US" sz="1800" smtClean="0"/>
-              <a:t> </a:t>
-            </a:r>
-            <a:r>
-              <a:rPr lang="en-US" sz="1800" err="1" smtClean="0"/>
-              <a:t>cho</a:t>
-            </a:r>
-            <a:r>
-              <a:rPr lang="en-US" sz="1800" smtClean="0"/>
-              <a:t> </a:t>
-            </a:r>
-            <a:r>
-              <a:rPr lang="en-US" sz="1800" err="1" smtClean="0"/>
-              <a:t>mỗi</a:t>
-            </a:r>
-            <a:r>
-              <a:rPr lang="en-US" sz="1800" smtClean="0"/>
-              <a:t> </a:t>
-            </a:r>
-            <a:r>
-              <a:rPr lang="en-US" sz="1800" err="1" smtClean="0"/>
-              <a:t>yêu</a:t>
-            </a:r>
-            <a:r>
-              <a:rPr lang="en-US" sz="1800" smtClean="0"/>
-              <a:t> </a:t>
-            </a:r>
-            <a:r>
-              <a:rPr lang="en-US" sz="1800" err="1" smtClean="0"/>
-              <a:t>cầu</a:t>
-            </a:r>
-            <a:endParaRPr lang="en-US" sz="1800" smtClean="0"/>
-          </a:p>
-          <a:p>
-            <a:r>
-              <a:rPr lang="en-US" sz="1800" err="1" smtClean="0"/>
-              <a:t>Ghi</a:t>
-            </a:r>
-            <a:r>
-              <a:rPr lang="en-US" sz="1800" smtClean="0"/>
-              <a:t> </a:t>
-            </a:r>
-            <a:r>
-              <a:rPr lang="en-US" sz="1800" err="1" smtClean="0"/>
-              <a:t>lại</a:t>
-            </a:r>
-            <a:r>
-              <a:rPr lang="en-US" sz="1800" smtClean="0"/>
-              <a:t> </a:t>
-            </a:r>
-            <a:r>
-              <a:rPr lang="en-US" sz="1800" err="1" smtClean="0"/>
-              <a:t>các</a:t>
-            </a:r>
-            <a:r>
-              <a:rPr lang="en-US" sz="1800" smtClean="0"/>
-              <a:t> </a:t>
-            </a:r>
-            <a:r>
-              <a:rPr lang="en-US" sz="1800" err="1" smtClean="0"/>
-              <a:t>quy</a:t>
-            </a:r>
-            <a:r>
-              <a:rPr lang="en-US" sz="1800" smtClean="0"/>
-              <a:t> </a:t>
-            </a:r>
-            <a:r>
-              <a:rPr lang="en-US" sz="1800" err="1" smtClean="0"/>
-              <a:t>tắc</a:t>
-            </a:r>
-            <a:r>
-              <a:rPr lang="en-US" sz="1800" smtClean="0"/>
-              <a:t> </a:t>
-            </a:r>
-            <a:r>
-              <a:rPr lang="en-US" sz="1800" err="1" smtClean="0"/>
-              <a:t>kinh</a:t>
-            </a:r>
-            <a:r>
-              <a:rPr lang="en-US" sz="1800" smtClean="0"/>
-              <a:t> </a:t>
-            </a:r>
-            <a:r>
-              <a:rPr lang="en-US" sz="1800" err="1" smtClean="0"/>
-              <a:t>doanh</a:t>
-            </a:r>
-            <a:endParaRPr lang="en-US" sz="1800" smtClean="0"/>
-          </a:p>
-          <a:p>
-            <a:r>
-              <a:rPr lang="en-US" sz="1800" err="1" smtClean="0"/>
-              <a:t>Xác</a:t>
-            </a:r>
-            <a:r>
-              <a:rPr lang="en-US" sz="1800" smtClean="0"/>
-              <a:t> </a:t>
-            </a:r>
-            <a:r>
-              <a:rPr lang="en-US" sz="1800" err="1" smtClean="0"/>
-              <a:t>định</a:t>
-            </a:r>
-            <a:r>
-              <a:rPr lang="en-US" sz="1800" smtClean="0"/>
-              <a:t> </a:t>
-            </a:r>
-            <a:r>
-              <a:rPr lang="en-US" sz="1800" err="1" smtClean="0"/>
-              <a:t>các</a:t>
-            </a:r>
-            <a:r>
-              <a:rPr lang="en-US" sz="1800" smtClean="0"/>
-              <a:t> </a:t>
-            </a:r>
-            <a:r>
-              <a:rPr lang="en-US" sz="1800" err="1" smtClean="0"/>
-              <a:t>thuộc</a:t>
-            </a:r>
-            <a:r>
-              <a:rPr lang="en-US" sz="1800" smtClean="0"/>
-              <a:t> </a:t>
-            </a:r>
-            <a:r>
-              <a:rPr lang="en-US" sz="1800" err="1" smtClean="0"/>
-              <a:t>tính</a:t>
-            </a:r>
-            <a:r>
-              <a:rPr lang="en-US" sz="1800" smtClean="0"/>
-              <a:t> </a:t>
-            </a:r>
-            <a:r>
-              <a:rPr lang="en-US" sz="1800" err="1" smtClean="0"/>
-              <a:t>chất</a:t>
-            </a:r>
-            <a:r>
-              <a:rPr lang="en-US" sz="1800" smtClean="0"/>
-              <a:t> </a:t>
-            </a:r>
-            <a:r>
-              <a:rPr lang="en-US" sz="1800" err="1" smtClean="0"/>
-              <a:t>lượng</a:t>
-            </a:r>
-            <a:endParaRPr lang="en-US" sz="1800" smtClean="0"/>
-          </a:p>
-          <a:p>
-            <a:pPr marL="0" indent="0">
-              <a:buNone/>
+          </a:p>
+          <a:p>
+            <a:endParaRPr lang="en-US" sz="1800" b="1"/>
+          </a:p>
+          <a:p>
+            <a:r>
+              <a:rPr lang="en-US" sz="1800" b="1"/>
+              <a:t>Phân tích chính thức</a:t>
+            </a:r>
+          </a:p>
+          <a:p>
+            <a:pPr lvl="1">
+              <a:buFont typeface="Wingdings" pitchFamily="2" charset="2"/>
+              <a:buChar char="Ø"/>
             </a:pPr>
             <a:r>
-              <a:rPr lang="en-US" sz="2000" b="1" err="1" smtClean="0"/>
-              <a:t>Mục</a:t>
-            </a:r>
-            <a:r>
-              <a:rPr lang="en-US" sz="2000" b="1" smtClean="0"/>
-              <a:t> </a:t>
-            </a:r>
-            <a:r>
-              <a:rPr lang="en-US" sz="2000" b="1" err="1" smtClean="0"/>
-              <a:t>tiêu</a:t>
-            </a:r>
-            <a:endParaRPr lang="en-US" sz="2000" b="1" smtClean="0"/>
-          </a:p>
-          <a:p>
-            <a:r>
-              <a:rPr lang="en-US" sz="1800" err="1" smtClean="0"/>
-              <a:t>Tạo</a:t>
-            </a:r>
-            <a:r>
-              <a:rPr lang="en-US" sz="1800" smtClean="0"/>
-              <a:t> </a:t>
-            </a:r>
-            <a:r>
-              <a:rPr lang="en-US" sz="1800" err="1" smtClean="0"/>
-              <a:t>tài</a:t>
-            </a:r>
-            <a:r>
-              <a:rPr lang="en-US" sz="1800" smtClean="0"/>
-              <a:t> </a:t>
-            </a:r>
-            <a:r>
-              <a:rPr lang="en-US" sz="1800" err="1" smtClean="0"/>
-              <a:t>liệu</a:t>
-            </a:r>
-            <a:r>
-              <a:rPr lang="en-US" sz="1800" smtClean="0"/>
-              <a:t> </a:t>
-            </a:r>
-            <a:r>
-              <a:rPr lang="en-US" sz="1800" err="1" smtClean="0"/>
-              <a:t>định</a:t>
-            </a:r>
-            <a:r>
-              <a:rPr lang="en-US" sz="1800" smtClean="0"/>
-              <a:t> </a:t>
-            </a:r>
-            <a:r>
-              <a:rPr lang="en-US" sz="1800" err="1" smtClean="0"/>
-              <a:t>nghĩa</a:t>
-            </a:r>
-            <a:r>
-              <a:rPr lang="en-US" sz="1800" smtClean="0"/>
-              <a:t> </a:t>
-            </a:r>
-            <a:r>
-              <a:rPr lang="en-US" sz="1800" err="1" smtClean="0"/>
-              <a:t>hệ</a:t>
-            </a:r>
-            <a:r>
-              <a:rPr lang="en-US" sz="1800" smtClean="0"/>
-              <a:t> </a:t>
-            </a:r>
-            <a:r>
-              <a:rPr lang="en-US" sz="1800" err="1" smtClean="0"/>
-              <a:t>thống</a:t>
-            </a:r>
-            <a:endParaRPr lang="en-US" sz="1800" smtClean="0"/>
-          </a:p>
-          <a:p>
-            <a:r>
-              <a:rPr lang="en-US" sz="1800" err="1" smtClean="0"/>
-              <a:t>Đặc</a:t>
-            </a:r>
-            <a:r>
-              <a:rPr lang="en-US" sz="1800" smtClean="0"/>
-              <a:t> </a:t>
-            </a:r>
-            <a:r>
-              <a:rPr lang="en-US" sz="1800" err="1" smtClean="0"/>
-              <a:t>tả</a:t>
-            </a:r>
-            <a:r>
-              <a:rPr lang="en-US" sz="1800" smtClean="0"/>
-              <a:t> </a:t>
-            </a:r>
-            <a:r>
-              <a:rPr lang="en-US" sz="1800" err="1" smtClean="0"/>
-              <a:t>được</a:t>
-            </a:r>
-            <a:r>
-              <a:rPr lang="en-US" sz="1800" smtClean="0"/>
-              <a:t> </a:t>
-            </a:r>
-            <a:r>
-              <a:rPr lang="en-US" sz="1800" err="1" smtClean="0"/>
-              <a:t>yêu</a:t>
-            </a:r>
-            <a:r>
-              <a:rPr lang="en-US" sz="1800" smtClean="0"/>
-              <a:t> </a:t>
-            </a:r>
-            <a:r>
-              <a:rPr lang="en-US" sz="1800" err="1" smtClean="0"/>
-              <a:t>cầu</a:t>
-            </a:r>
-            <a:r>
-              <a:rPr lang="en-US" sz="1800" smtClean="0"/>
-              <a:t> </a:t>
-            </a:r>
-            <a:r>
-              <a:rPr lang="en-US" sz="1800" err="1" smtClean="0"/>
-              <a:t>hệ</a:t>
-            </a:r>
-            <a:r>
-              <a:rPr lang="en-US" sz="1800" smtClean="0"/>
-              <a:t> </a:t>
-            </a:r>
-            <a:r>
-              <a:rPr lang="en-US" sz="1800" err="1" smtClean="0"/>
-              <a:t>thống</a:t>
-            </a:r>
-            <a:endParaRPr lang="en-US" sz="1800" smtClean="0"/>
-          </a:p>
-          <a:p>
-            <a:r>
-              <a:rPr lang="en-US" sz="1800" err="1" smtClean="0"/>
-              <a:t>Đặc</a:t>
-            </a:r>
-            <a:r>
-              <a:rPr lang="en-US" sz="1800" smtClean="0"/>
-              <a:t> </a:t>
-            </a:r>
-            <a:r>
-              <a:rPr lang="en-US" sz="1800" err="1" smtClean="0"/>
-              <a:t>tả</a:t>
-            </a:r>
-            <a:r>
-              <a:rPr lang="en-US" sz="1800" smtClean="0"/>
-              <a:t> </a:t>
-            </a:r>
-            <a:r>
-              <a:rPr lang="en-US" sz="1800" err="1" smtClean="0"/>
-              <a:t>được</a:t>
-            </a:r>
-            <a:r>
-              <a:rPr lang="en-US" sz="1800" smtClean="0"/>
-              <a:t> </a:t>
-            </a:r>
-            <a:r>
-              <a:rPr lang="en-US" sz="1800" err="1" smtClean="0"/>
-              <a:t>yêu</a:t>
-            </a:r>
-            <a:r>
-              <a:rPr lang="en-US" sz="1800" smtClean="0"/>
-              <a:t> </a:t>
-            </a:r>
-            <a:r>
-              <a:rPr lang="en-US" sz="1800" err="1" smtClean="0"/>
-              <a:t>cầu</a:t>
-            </a:r>
-            <a:r>
-              <a:rPr lang="en-US" sz="1800" smtClean="0"/>
-              <a:t> </a:t>
-            </a:r>
-            <a:r>
-              <a:rPr lang="en-US" sz="1800" err="1" smtClean="0"/>
-              <a:t>của</a:t>
-            </a:r>
-            <a:r>
-              <a:rPr lang="en-US" sz="1800" smtClean="0"/>
-              <a:t> </a:t>
-            </a:r>
-            <a:r>
-              <a:rPr lang="en-US" sz="1800" err="1" smtClean="0"/>
-              <a:t>phần</a:t>
-            </a:r>
-            <a:r>
-              <a:rPr lang="en-US" sz="1800" smtClean="0"/>
-              <a:t> </a:t>
-            </a:r>
-            <a:r>
-              <a:rPr lang="en-US" sz="1800" err="1" smtClean="0"/>
-              <a:t>mềm</a:t>
-            </a:r>
-            <a:endParaRPr lang="en-US" sz="1800"/>
+              <a:rPr lang="en-US" sz="1800">
+                <a:solidFill>
+                  <a:srgbClr val="0070C0"/>
+                </a:solidFill>
+              </a:rPr>
+              <a:t>P</a:t>
+            </a:r>
+            <a:r>
+              <a:rPr lang="vi-VN" sz="1800">
+                <a:solidFill>
+                  <a:srgbClr val="0070C0"/>
+                </a:solidFill>
+              </a:rPr>
+              <a:t>hân tích toán học các mô</a:t>
+            </a:r>
+            <a:r>
+              <a:rPr lang="en-US" sz="1800">
+                <a:solidFill>
+                  <a:srgbClr val="0070C0"/>
+                </a:solidFill>
+              </a:rPr>
+              <a:t>, </a:t>
+            </a:r>
+            <a:r>
+              <a:rPr lang="vi-VN" sz="1800">
+                <a:solidFill>
+                  <a:srgbClr val="0070C0"/>
+                </a:solidFill>
+              </a:rPr>
+              <a:t>cộng thêm các buổi họp &amp; giao tiếp thường xuyên với các đối tác</a:t>
+            </a:r>
+            <a:endParaRPr lang="en-US" sz="1800">
+              <a:solidFill>
+                <a:srgbClr val="0070C0"/>
+              </a:solidFill>
+            </a:endParaRPr>
+          </a:p>
+          <a:p>
+            <a:endParaRPr lang="en-US"/>
           </a:p>
         </p:txBody>
       </p:sp>
     </p:spTree>
     <p:extLst>
       <p:ext uri="{BB962C8B-B14F-4D97-AF65-F5344CB8AC3E}">
-        <p14:creationId xmlns:p14="http://schemas.microsoft.com/office/powerpoint/2010/main" val="3017931134"/>
+        <p14:creationId xmlns:p14="http://schemas.microsoft.com/office/powerpoint/2010/main" val="3131712531"/>
       </p:ext>
     </p:extLst>
   </p:cSld>
@@ -5722,9 +5333,1119 @@
         </p:nvSpPr>
         <p:spPr/>
         <p:txBody>
+          <a:bodyPr>
+            <a:normAutofit/>
+          </a:bodyPr>
+          <a:lstStyle/>
+          <a:p>
+            <a:r>
+              <a:rPr lang="en-US" err="1" smtClean="0"/>
+              <a:t>Đặc</a:t>
+            </a:r>
+            <a:r>
+              <a:rPr lang="en-US" smtClean="0"/>
+              <a:t> </a:t>
+            </a:r>
+            <a:r>
+              <a:rPr lang="en-US" err="1" smtClean="0"/>
+              <a:t>tả</a:t>
+            </a:r>
+            <a:r>
+              <a:rPr lang="en-US" smtClean="0"/>
+              <a:t> </a:t>
+            </a:r>
+            <a:r>
+              <a:rPr lang="en-US" err="1" smtClean="0"/>
+              <a:t>yêu</a:t>
+            </a:r>
+            <a:r>
+              <a:rPr lang="en-US" smtClean="0"/>
+              <a:t> </a:t>
+            </a:r>
+            <a:r>
+              <a:rPr lang="en-US" err="1" smtClean="0"/>
+              <a:t>cầu</a:t>
+            </a:r>
+            <a:endParaRPr lang="en-US"/>
+          </a:p>
+        </p:txBody>
+      </p:sp>
+      <p:sp>
+        <p:nvSpPr>
+          <p:cNvPr id="3" name="Content Placeholder 2"/>
+          <p:cNvSpPr>
+            <a:spLocks noGrp="1"/>
+          </p:cNvSpPr>
+          <p:nvPr>
+            <p:ph idx="1"/>
+          </p:nvPr>
+        </p:nvSpPr>
+        <p:spPr/>
+        <p:txBody>
           <a:bodyPr/>
           <a:lstStyle/>
           <a:p>
+            <a:pPr marL="0" indent="0">
+              <a:buNone/>
+            </a:pPr>
+            <a:r>
+              <a:rPr lang="en-US" sz="2000" b="1" err="1" smtClean="0"/>
+              <a:t>Các</a:t>
+            </a:r>
+            <a:r>
+              <a:rPr lang="en-US" sz="2000" b="1" smtClean="0"/>
+              <a:t> </a:t>
+            </a:r>
+            <a:r>
+              <a:rPr lang="en-US" sz="2000" b="1" err="1" smtClean="0"/>
+              <a:t>hoạt</a:t>
+            </a:r>
+            <a:r>
+              <a:rPr lang="en-US" sz="2000" b="1" smtClean="0"/>
+              <a:t> </a:t>
+            </a:r>
+            <a:r>
+              <a:rPr lang="en-US" sz="2000" b="1" err="1" smtClean="0"/>
+              <a:t>động</a:t>
+            </a:r>
+            <a:endParaRPr lang="en-US" sz="2000" b="1" smtClean="0"/>
+          </a:p>
+          <a:p>
+            <a:pPr lvl="1">
+              <a:buFont typeface="Wingdings" pitchFamily="2" charset="2"/>
+              <a:buChar char="Ø"/>
+            </a:pPr>
+            <a:r>
+              <a:rPr lang="en-US" sz="1800" err="1" smtClean="0">
+                <a:solidFill>
+                  <a:srgbClr val="0070C0"/>
+                </a:solidFill>
+              </a:rPr>
+              <a:t>Áp</a:t>
+            </a:r>
+            <a:r>
+              <a:rPr lang="en-US" sz="1800" smtClean="0">
+                <a:solidFill>
+                  <a:srgbClr val="0070C0"/>
+                </a:solidFill>
+              </a:rPr>
+              <a:t> </a:t>
+            </a:r>
+            <a:r>
+              <a:rPr lang="en-US" sz="1800" err="1" smtClean="0">
+                <a:solidFill>
+                  <a:srgbClr val="0070C0"/>
+                </a:solidFill>
+              </a:rPr>
+              <a:t>dụng</a:t>
+            </a:r>
+            <a:r>
+              <a:rPr lang="en-US" sz="1800" smtClean="0">
+                <a:solidFill>
+                  <a:srgbClr val="0070C0"/>
+                </a:solidFill>
+              </a:rPr>
+              <a:t> </a:t>
+            </a:r>
+            <a:r>
+              <a:rPr lang="en-US" sz="1800" err="1" smtClean="0">
+                <a:solidFill>
+                  <a:srgbClr val="0070C0"/>
+                </a:solidFill>
+              </a:rPr>
+              <a:t>các</a:t>
+            </a:r>
+            <a:r>
+              <a:rPr lang="en-US" sz="1800" smtClean="0">
+                <a:solidFill>
+                  <a:srgbClr val="0070C0"/>
+                </a:solidFill>
+              </a:rPr>
+              <a:t> </a:t>
+            </a:r>
+            <a:r>
+              <a:rPr lang="en-US" sz="1800" err="1" smtClean="0">
+                <a:solidFill>
+                  <a:srgbClr val="0070C0"/>
+                </a:solidFill>
+              </a:rPr>
+              <a:t>mẫu</a:t>
+            </a:r>
+            <a:r>
+              <a:rPr lang="en-US" sz="1800" smtClean="0">
+                <a:solidFill>
+                  <a:srgbClr val="0070C0"/>
+                </a:solidFill>
+              </a:rPr>
+              <a:t> </a:t>
+            </a:r>
+            <a:r>
+              <a:rPr lang="en-US" sz="1800" err="1" smtClean="0">
+                <a:solidFill>
+                  <a:srgbClr val="0070C0"/>
+                </a:solidFill>
+              </a:rPr>
+              <a:t>đặc</a:t>
+            </a:r>
+            <a:r>
+              <a:rPr lang="en-US" sz="1800" smtClean="0">
+                <a:solidFill>
+                  <a:srgbClr val="0070C0"/>
+                </a:solidFill>
+              </a:rPr>
+              <a:t> </a:t>
+            </a:r>
+            <a:r>
+              <a:rPr lang="en-US" sz="1800" err="1" smtClean="0">
+                <a:solidFill>
+                  <a:srgbClr val="0070C0"/>
+                </a:solidFill>
+              </a:rPr>
+              <a:t>tả</a:t>
+            </a:r>
+            <a:r>
+              <a:rPr lang="en-US" sz="1800" smtClean="0">
+                <a:solidFill>
+                  <a:srgbClr val="0070C0"/>
+                </a:solidFill>
+              </a:rPr>
+              <a:t> </a:t>
+            </a:r>
+            <a:r>
+              <a:rPr lang="en-US" sz="1800" err="1" smtClean="0">
+                <a:solidFill>
+                  <a:srgbClr val="0070C0"/>
+                </a:solidFill>
+              </a:rPr>
+              <a:t>yêu</a:t>
+            </a:r>
+            <a:r>
+              <a:rPr lang="en-US" sz="1800" smtClean="0">
+                <a:solidFill>
+                  <a:srgbClr val="0070C0"/>
+                </a:solidFill>
+              </a:rPr>
+              <a:t> </a:t>
+            </a:r>
+            <a:r>
+              <a:rPr lang="en-US" sz="1800" err="1" smtClean="0">
+                <a:solidFill>
+                  <a:srgbClr val="0070C0"/>
+                </a:solidFill>
+              </a:rPr>
+              <a:t>cầu</a:t>
+            </a:r>
+            <a:r>
+              <a:rPr lang="en-US" sz="1800" smtClean="0">
+                <a:solidFill>
+                  <a:srgbClr val="0070C0"/>
+                </a:solidFill>
+              </a:rPr>
+              <a:t> </a:t>
+            </a:r>
+            <a:r>
+              <a:rPr lang="en-US" sz="1800" err="1" smtClean="0">
+                <a:solidFill>
+                  <a:srgbClr val="0070C0"/>
+                </a:solidFill>
+              </a:rPr>
+              <a:t>phần</a:t>
+            </a:r>
+            <a:r>
+              <a:rPr lang="en-US" sz="1800" smtClean="0">
+                <a:solidFill>
+                  <a:srgbClr val="0070C0"/>
+                </a:solidFill>
+              </a:rPr>
+              <a:t> </a:t>
+            </a:r>
+            <a:r>
+              <a:rPr lang="en-US" sz="1800" err="1" smtClean="0">
+                <a:solidFill>
+                  <a:srgbClr val="0070C0"/>
+                </a:solidFill>
+              </a:rPr>
+              <a:t>mềm</a:t>
+            </a:r>
+            <a:r>
+              <a:rPr lang="en-US" sz="1800" smtClean="0">
+                <a:solidFill>
+                  <a:srgbClr val="0070C0"/>
+                </a:solidFill>
+              </a:rPr>
+              <a:t>.</a:t>
+            </a:r>
+          </a:p>
+          <a:p>
+            <a:pPr lvl="1">
+              <a:buFont typeface="Wingdings" pitchFamily="2" charset="2"/>
+              <a:buChar char="Ø"/>
+            </a:pPr>
+            <a:r>
+              <a:rPr lang="en-US" sz="1800" err="1" smtClean="0">
+                <a:solidFill>
+                  <a:srgbClr val="0070C0"/>
+                </a:solidFill>
+              </a:rPr>
+              <a:t>Xác</a:t>
+            </a:r>
+            <a:r>
+              <a:rPr lang="en-US" sz="1800" smtClean="0">
+                <a:solidFill>
+                  <a:srgbClr val="0070C0"/>
+                </a:solidFill>
+              </a:rPr>
+              <a:t> </a:t>
+            </a:r>
+            <a:r>
+              <a:rPr lang="en-US" sz="1800" err="1" smtClean="0">
+                <a:solidFill>
+                  <a:srgbClr val="0070C0"/>
+                </a:solidFill>
+              </a:rPr>
+              <a:t>định</a:t>
+            </a:r>
+            <a:r>
+              <a:rPr lang="en-US" sz="1800" smtClean="0">
+                <a:solidFill>
+                  <a:srgbClr val="0070C0"/>
+                </a:solidFill>
+              </a:rPr>
+              <a:t> </a:t>
+            </a:r>
+            <a:r>
+              <a:rPr lang="en-US" sz="1800" err="1" smtClean="0">
+                <a:solidFill>
+                  <a:srgbClr val="0070C0"/>
+                </a:solidFill>
+              </a:rPr>
+              <a:t>các</a:t>
+            </a:r>
+            <a:r>
+              <a:rPr lang="en-US" sz="1800" smtClean="0">
+                <a:solidFill>
+                  <a:srgbClr val="0070C0"/>
+                </a:solidFill>
+              </a:rPr>
+              <a:t> </a:t>
+            </a:r>
+            <a:r>
+              <a:rPr lang="en-US" sz="1800" err="1" smtClean="0">
+                <a:solidFill>
+                  <a:srgbClr val="0070C0"/>
+                </a:solidFill>
+              </a:rPr>
+              <a:t>nguồn</a:t>
+            </a:r>
+            <a:r>
+              <a:rPr lang="en-US" sz="1800" smtClean="0">
+                <a:solidFill>
+                  <a:srgbClr val="0070C0"/>
+                </a:solidFill>
+              </a:rPr>
+              <a:t> </a:t>
+            </a:r>
+            <a:r>
+              <a:rPr lang="en-US" sz="1800" err="1" smtClean="0">
+                <a:solidFill>
+                  <a:srgbClr val="0070C0"/>
+                </a:solidFill>
+              </a:rPr>
+              <a:t>yêu</a:t>
+            </a:r>
+            <a:r>
+              <a:rPr lang="en-US" sz="1800" smtClean="0">
+                <a:solidFill>
+                  <a:srgbClr val="0070C0"/>
+                </a:solidFill>
+              </a:rPr>
+              <a:t> </a:t>
+            </a:r>
+            <a:r>
+              <a:rPr lang="en-US" sz="1800" err="1" smtClean="0">
+                <a:solidFill>
+                  <a:srgbClr val="0070C0"/>
+                </a:solidFill>
+              </a:rPr>
+              <a:t>cầu</a:t>
+            </a:r>
+            <a:endParaRPr lang="en-US" sz="1800" smtClean="0">
+              <a:solidFill>
+                <a:srgbClr val="0070C0"/>
+              </a:solidFill>
+            </a:endParaRPr>
+          </a:p>
+          <a:p>
+            <a:pPr lvl="1">
+              <a:buFont typeface="Wingdings" pitchFamily="2" charset="2"/>
+              <a:buChar char="Ø"/>
+            </a:pPr>
+            <a:r>
+              <a:rPr lang="en-US" sz="1800" err="1" smtClean="0">
+                <a:solidFill>
+                  <a:srgbClr val="0070C0"/>
+                </a:solidFill>
+              </a:rPr>
+              <a:t>Gán</a:t>
+            </a:r>
+            <a:r>
+              <a:rPr lang="en-US" sz="1800" smtClean="0">
+                <a:solidFill>
+                  <a:srgbClr val="0070C0"/>
+                </a:solidFill>
+              </a:rPr>
+              <a:t> </a:t>
+            </a:r>
+            <a:r>
+              <a:rPr lang="en-US" sz="1800" err="1" smtClean="0">
+                <a:solidFill>
+                  <a:srgbClr val="0070C0"/>
+                </a:solidFill>
+              </a:rPr>
+              <a:t>nhãn</a:t>
+            </a:r>
+            <a:r>
+              <a:rPr lang="en-US" sz="1800" smtClean="0">
+                <a:solidFill>
+                  <a:srgbClr val="0070C0"/>
+                </a:solidFill>
+              </a:rPr>
+              <a:t> </a:t>
+            </a:r>
+            <a:r>
+              <a:rPr lang="en-US" sz="1800" err="1" smtClean="0">
+                <a:solidFill>
+                  <a:srgbClr val="0070C0"/>
+                </a:solidFill>
+              </a:rPr>
+              <a:t>riêng</a:t>
+            </a:r>
+            <a:r>
+              <a:rPr lang="en-US" sz="1800" smtClean="0">
+                <a:solidFill>
+                  <a:srgbClr val="0070C0"/>
+                </a:solidFill>
+              </a:rPr>
+              <a:t> </a:t>
+            </a:r>
+            <a:r>
+              <a:rPr lang="en-US" sz="1800" err="1" smtClean="0">
+                <a:solidFill>
+                  <a:srgbClr val="0070C0"/>
+                </a:solidFill>
+              </a:rPr>
+              <a:t>cho</a:t>
+            </a:r>
+            <a:r>
+              <a:rPr lang="en-US" sz="1800" smtClean="0">
+                <a:solidFill>
+                  <a:srgbClr val="0070C0"/>
+                </a:solidFill>
+              </a:rPr>
+              <a:t> </a:t>
+            </a:r>
+            <a:r>
+              <a:rPr lang="en-US" sz="1800" err="1" smtClean="0">
+                <a:solidFill>
+                  <a:srgbClr val="0070C0"/>
+                </a:solidFill>
+              </a:rPr>
+              <a:t>mỗi</a:t>
+            </a:r>
+            <a:r>
+              <a:rPr lang="en-US" sz="1800" smtClean="0">
+                <a:solidFill>
+                  <a:srgbClr val="0070C0"/>
+                </a:solidFill>
+              </a:rPr>
+              <a:t> </a:t>
+            </a:r>
+            <a:r>
+              <a:rPr lang="en-US" sz="1800" err="1" smtClean="0">
+                <a:solidFill>
+                  <a:srgbClr val="0070C0"/>
+                </a:solidFill>
+              </a:rPr>
+              <a:t>yêu</a:t>
+            </a:r>
+            <a:r>
+              <a:rPr lang="en-US" sz="1800" smtClean="0">
+                <a:solidFill>
+                  <a:srgbClr val="0070C0"/>
+                </a:solidFill>
+              </a:rPr>
+              <a:t> </a:t>
+            </a:r>
+            <a:r>
+              <a:rPr lang="en-US" sz="1800" err="1" smtClean="0">
+                <a:solidFill>
+                  <a:srgbClr val="0070C0"/>
+                </a:solidFill>
+              </a:rPr>
+              <a:t>cầu</a:t>
+            </a:r>
+            <a:endParaRPr lang="en-US" sz="1800" smtClean="0">
+              <a:solidFill>
+                <a:srgbClr val="0070C0"/>
+              </a:solidFill>
+            </a:endParaRPr>
+          </a:p>
+          <a:p>
+            <a:pPr lvl="1">
+              <a:buFont typeface="Wingdings" pitchFamily="2" charset="2"/>
+              <a:buChar char="Ø"/>
+            </a:pPr>
+            <a:r>
+              <a:rPr lang="en-US" sz="1800" err="1" smtClean="0">
+                <a:solidFill>
+                  <a:srgbClr val="0070C0"/>
+                </a:solidFill>
+              </a:rPr>
+              <a:t>Ghi</a:t>
+            </a:r>
+            <a:r>
+              <a:rPr lang="en-US" sz="1800" smtClean="0">
+                <a:solidFill>
+                  <a:srgbClr val="0070C0"/>
+                </a:solidFill>
+              </a:rPr>
+              <a:t> </a:t>
+            </a:r>
+            <a:r>
+              <a:rPr lang="en-US" sz="1800" err="1" smtClean="0">
+                <a:solidFill>
+                  <a:srgbClr val="0070C0"/>
+                </a:solidFill>
+              </a:rPr>
+              <a:t>lại</a:t>
+            </a:r>
+            <a:r>
+              <a:rPr lang="en-US" sz="1800" smtClean="0">
+                <a:solidFill>
+                  <a:srgbClr val="0070C0"/>
+                </a:solidFill>
+              </a:rPr>
+              <a:t> </a:t>
+            </a:r>
+            <a:r>
+              <a:rPr lang="en-US" sz="1800" err="1" smtClean="0">
+                <a:solidFill>
+                  <a:srgbClr val="0070C0"/>
+                </a:solidFill>
+              </a:rPr>
+              <a:t>các</a:t>
+            </a:r>
+            <a:r>
+              <a:rPr lang="en-US" sz="1800" smtClean="0">
+                <a:solidFill>
+                  <a:srgbClr val="0070C0"/>
+                </a:solidFill>
+              </a:rPr>
+              <a:t> </a:t>
+            </a:r>
+            <a:r>
+              <a:rPr lang="en-US" sz="1800" err="1" smtClean="0">
+                <a:solidFill>
+                  <a:srgbClr val="0070C0"/>
+                </a:solidFill>
+              </a:rPr>
+              <a:t>quy</a:t>
+            </a:r>
+            <a:r>
+              <a:rPr lang="en-US" sz="1800" smtClean="0">
+                <a:solidFill>
+                  <a:srgbClr val="0070C0"/>
+                </a:solidFill>
+              </a:rPr>
+              <a:t> </a:t>
+            </a:r>
+            <a:r>
+              <a:rPr lang="en-US" sz="1800" err="1" smtClean="0">
+                <a:solidFill>
+                  <a:srgbClr val="0070C0"/>
+                </a:solidFill>
+              </a:rPr>
+              <a:t>tắc</a:t>
+            </a:r>
+            <a:r>
+              <a:rPr lang="en-US" sz="1800" smtClean="0">
+                <a:solidFill>
+                  <a:srgbClr val="0070C0"/>
+                </a:solidFill>
+              </a:rPr>
+              <a:t> </a:t>
+            </a:r>
+            <a:r>
+              <a:rPr lang="en-US" sz="1800" err="1" smtClean="0">
+                <a:solidFill>
+                  <a:srgbClr val="0070C0"/>
+                </a:solidFill>
+              </a:rPr>
+              <a:t>kinh</a:t>
+            </a:r>
+            <a:r>
+              <a:rPr lang="en-US" sz="1800" smtClean="0">
+                <a:solidFill>
+                  <a:srgbClr val="0070C0"/>
+                </a:solidFill>
+              </a:rPr>
+              <a:t> </a:t>
+            </a:r>
+            <a:r>
+              <a:rPr lang="en-US" sz="1800" err="1" smtClean="0">
+                <a:solidFill>
+                  <a:srgbClr val="0070C0"/>
+                </a:solidFill>
+              </a:rPr>
+              <a:t>doanh</a:t>
+            </a:r>
+            <a:endParaRPr lang="en-US" sz="1800" smtClean="0">
+              <a:solidFill>
+                <a:srgbClr val="0070C0"/>
+              </a:solidFill>
+            </a:endParaRPr>
+          </a:p>
+          <a:p>
+            <a:pPr lvl="1">
+              <a:buFont typeface="Wingdings" pitchFamily="2" charset="2"/>
+              <a:buChar char="Ø"/>
+            </a:pPr>
+            <a:r>
+              <a:rPr lang="en-US" sz="1800" err="1" smtClean="0">
+                <a:solidFill>
+                  <a:srgbClr val="0070C0"/>
+                </a:solidFill>
+              </a:rPr>
+              <a:t>Xác</a:t>
+            </a:r>
+            <a:r>
+              <a:rPr lang="en-US" sz="1800" smtClean="0">
+                <a:solidFill>
+                  <a:srgbClr val="0070C0"/>
+                </a:solidFill>
+              </a:rPr>
+              <a:t> </a:t>
+            </a:r>
+            <a:r>
+              <a:rPr lang="en-US" sz="1800" err="1" smtClean="0">
+                <a:solidFill>
+                  <a:srgbClr val="0070C0"/>
+                </a:solidFill>
+              </a:rPr>
+              <a:t>định</a:t>
+            </a:r>
+            <a:r>
+              <a:rPr lang="en-US" sz="1800" smtClean="0">
+                <a:solidFill>
+                  <a:srgbClr val="0070C0"/>
+                </a:solidFill>
+              </a:rPr>
+              <a:t> </a:t>
+            </a:r>
+            <a:r>
+              <a:rPr lang="en-US" sz="1800" err="1" smtClean="0">
+                <a:solidFill>
+                  <a:srgbClr val="0070C0"/>
+                </a:solidFill>
+              </a:rPr>
+              <a:t>các</a:t>
+            </a:r>
+            <a:r>
+              <a:rPr lang="en-US" sz="1800" smtClean="0">
+                <a:solidFill>
+                  <a:srgbClr val="0070C0"/>
+                </a:solidFill>
+              </a:rPr>
+              <a:t> </a:t>
+            </a:r>
+            <a:r>
+              <a:rPr lang="en-US" sz="1800" err="1" smtClean="0">
+                <a:solidFill>
+                  <a:srgbClr val="0070C0"/>
+                </a:solidFill>
+              </a:rPr>
+              <a:t>thuộc</a:t>
+            </a:r>
+            <a:r>
+              <a:rPr lang="en-US" sz="1800" smtClean="0">
+                <a:solidFill>
+                  <a:srgbClr val="0070C0"/>
+                </a:solidFill>
+              </a:rPr>
+              <a:t> </a:t>
+            </a:r>
+            <a:r>
+              <a:rPr lang="en-US" sz="1800" err="1" smtClean="0">
+                <a:solidFill>
+                  <a:srgbClr val="0070C0"/>
+                </a:solidFill>
+              </a:rPr>
+              <a:t>tính</a:t>
+            </a:r>
+            <a:r>
+              <a:rPr lang="en-US" sz="1800" smtClean="0">
+                <a:solidFill>
+                  <a:srgbClr val="0070C0"/>
+                </a:solidFill>
+              </a:rPr>
+              <a:t> </a:t>
+            </a:r>
+            <a:r>
+              <a:rPr lang="en-US" sz="1800" err="1" smtClean="0">
+                <a:solidFill>
+                  <a:srgbClr val="0070C0"/>
+                </a:solidFill>
+              </a:rPr>
+              <a:t>chất</a:t>
+            </a:r>
+            <a:r>
+              <a:rPr lang="en-US" sz="1800" smtClean="0">
+                <a:solidFill>
+                  <a:srgbClr val="0070C0"/>
+                </a:solidFill>
+              </a:rPr>
+              <a:t> </a:t>
+            </a:r>
+            <a:r>
+              <a:rPr lang="en-US" sz="1800" err="1" smtClean="0">
+                <a:solidFill>
+                  <a:srgbClr val="0070C0"/>
+                </a:solidFill>
+              </a:rPr>
+              <a:t>lượng</a:t>
+            </a:r>
+            <a:endParaRPr lang="en-US" sz="1800" smtClean="0">
+              <a:solidFill>
+                <a:srgbClr val="0070C0"/>
+              </a:solidFill>
+            </a:endParaRPr>
+          </a:p>
+          <a:p>
+            <a:pPr marL="0" indent="0">
+              <a:buNone/>
+            </a:pPr>
+            <a:r>
+              <a:rPr lang="en-US" sz="2000" b="1" err="1" smtClean="0"/>
+              <a:t>Mục</a:t>
+            </a:r>
+            <a:r>
+              <a:rPr lang="en-US" sz="2000" b="1" smtClean="0"/>
+              <a:t> </a:t>
+            </a:r>
+            <a:r>
+              <a:rPr lang="en-US" sz="2000" b="1" err="1" smtClean="0"/>
+              <a:t>tiêu</a:t>
+            </a:r>
+            <a:endParaRPr lang="en-US" sz="2000" b="1" smtClean="0"/>
+          </a:p>
+          <a:p>
+            <a:pPr lvl="1">
+              <a:buFont typeface="Wingdings" pitchFamily="2" charset="2"/>
+              <a:buChar char="Ø"/>
+            </a:pPr>
+            <a:r>
+              <a:rPr lang="en-US" sz="1800" err="1" smtClean="0">
+                <a:solidFill>
+                  <a:srgbClr val="0070C0"/>
+                </a:solidFill>
+              </a:rPr>
+              <a:t>Tạo</a:t>
+            </a:r>
+            <a:r>
+              <a:rPr lang="en-US" sz="1800" smtClean="0">
+                <a:solidFill>
+                  <a:srgbClr val="0070C0"/>
+                </a:solidFill>
+              </a:rPr>
+              <a:t> </a:t>
+            </a:r>
+            <a:r>
+              <a:rPr lang="en-US" sz="1800" err="1" smtClean="0">
+                <a:solidFill>
+                  <a:srgbClr val="0070C0"/>
+                </a:solidFill>
+              </a:rPr>
+              <a:t>tài</a:t>
+            </a:r>
+            <a:r>
+              <a:rPr lang="en-US" sz="1800" smtClean="0">
+                <a:solidFill>
+                  <a:srgbClr val="0070C0"/>
+                </a:solidFill>
+              </a:rPr>
+              <a:t> </a:t>
+            </a:r>
+            <a:r>
+              <a:rPr lang="en-US" sz="1800" err="1" smtClean="0">
+                <a:solidFill>
+                  <a:srgbClr val="0070C0"/>
+                </a:solidFill>
+              </a:rPr>
+              <a:t>liệu</a:t>
+            </a:r>
+            <a:r>
+              <a:rPr lang="en-US" sz="1800" smtClean="0">
+                <a:solidFill>
+                  <a:srgbClr val="0070C0"/>
+                </a:solidFill>
+              </a:rPr>
+              <a:t> </a:t>
+            </a:r>
+            <a:r>
+              <a:rPr lang="en-US" sz="1800" err="1" smtClean="0">
+                <a:solidFill>
+                  <a:srgbClr val="0070C0"/>
+                </a:solidFill>
+              </a:rPr>
+              <a:t>định</a:t>
+            </a:r>
+            <a:r>
+              <a:rPr lang="en-US" sz="1800" smtClean="0">
+                <a:solidFill>
+                  <a:srgbClr val="0070C0"/>
+                </a:solidFill>
+              </a:rPr>
+              <a:t> </a:t>
+            </a:r>
+            <a:r>
+              <a:rPr lang="en-US" sz="1800" err="1" smtClean="0">
+                <a:solidFill>
+                  <a:srgbClr val="0070C0"/>
+                </a:solidFill>
+              </a:rPr>
+              <a:t>nghĩa</a:t>
+            </a:r>
+            <a:r>
+              <a:rPr lang="en-US" sz="1800" smtClean="0">
+                <a:solidFill>
+                  <a:srgbClr val="0070C0"/>
+                </a:solidFill>
+              </a:rPr>
+              <a:t> </a:t>
+            </a:r>
+            <a:r>
+              <a:rPr lang="en-US" sz="1800" err="1" smtClean="0">
+                <a:solidFill>
+                  <a:srgbClr val="0070C0"/>
+                </a:solidFill>
+              </a:rPr>
+              <a:t>hệ</a:t>
+            </a:r>
+            <a:r>
+              <a:rPr lang="en-US" sz="1800" smtClean="0">
+                <a:solidFill>
+                  <a:srgbClr val="0070C0"/>
+                </a:solidFill>
+              </a:rPr>
+              <a:t> </a:t>
+            </a:r>
+            <a:r>
+              <a:rPr lang="en-US" sz="1800" err="1" smtClean="0">
+                <a:solidFill>
+                  <a:srgbClr val="0070C0"/>
+                </a:solidFill>
+              </a:rPr>
+              <a:t>thống</a:t>
+            </a:r>
+            <a:endParaRPr lang="en-US" sz="1800" smtClean="0">
+              <a:solidFill>
+                <a:srgbClr val="0070C0"/>
+              </a:solidFill>
+            </a:endParaRPr>
+          </a:p>
+          <a:p>
+            <a:pPr lvl="1">
+              <a:buFont typeface="Wingdings" pitchFamily="2" charset="2"/>
+              <a:buChar char="Ø"/>
+            </a:pPr>
+            <a:r>
+              <a:rPr lang="en-US" sz="1800" err="1" smtClean="0">
+                <a:solidFill>
+                  <a:srgbClr val="0070C0"/>
+                </a:solidFill>
+              </a:rPr>
+              <a:t>Đặc</a:t>
+            </a:r>
+            <a:r>
+              <a:rPr lang="en-US" sz="1800" smtClean="0">
+                <a:solidFill>
+                  <a:srgbClr val="0070C0"/>
+                </a:solidFill>
+              </a:rPr>
+              <a:t> </a:t>
+            </a:r>
+            <a:r>
+              <a:rPr lang="en-US" sz="1800" err="1" smtClean="0">
+                <a:solidFill>
+                  <a:srgbClr val="0070C0"/>
+                </a:solidFill>
+              </a:rPr>
+              <a:t>tả</a:t>
+            </a:r>
+            <a:r>
+              <a:rPr lang="en-US" sz="1800" smtClean="0">
+                <a:solidFill>
+                  <a:srgbClr val="0070C0"/>
+                </a:solidFill>
+              </a:rPr>
+              <a:t> </a:t>
+            </a:r>
+            <a:r>
+              <a:rPr lang="en-US" sz="1800" err="1" smtClean="0">
+                <a:solidFill>
+                  <a:srgbClr val="0070C0"/>
+                </a:solidFill>
+              </a:rPr>
+              <a:t>được</a:t>
+            </a:r>
+            <a:r>
+              <a:rPr lang="en-US" sz="1800" smtClean="0">
+                <a:solidFill>
+                  <a:srgbClr val="0070C0"/>
+                </a:solidFill>
+              </a:rPr>
+              <a:t> </a:t>
+            </a:r>
+            <a:r>
+              <a:rPr lang="en-US" sz="1800" err="1" smtClean="0">
+                <a:solidFill>
+                  <a:srgbClr val="0070C0"/>
+                </a:solidFill>
+              </a:rPr>
+              <a:t>yêu</a:t>
+            </a:r>
+            <a:r>
+              <a:rPr lang="en-US" sz="1800" smtClean="0">
+                <a:solidFill>
+                  <a:srgbClr val="0070C0"/>
+                </a:solidFill>
+              </a:rPr>
+              <a:t> </a:t>
+            </a:r>
+            <a:r>
+              <a:rPr lang="en-US" sz="1800" err="1" smtClean="0">
+                <a:solidFill>
+                  <a:srgbClr val="0070C0"/>
+                </a:solidFill>
+              </a:rPr>
+              <a:t>cầu</a:t>
+            </a:r>
+            <a:r>
+              <a:rPr lang="en-US" sz="1800" smtClean="0">
+                <a:solidFill>
+                  <a:srgbClr val="0070C0"/>
+                </a:solidFill>
+              </a:rPr>
+              <a:t> </a:t>
+            </a:r>
+            <a:r>
+              <a:rPr lang="en-US" sz="1800" err="1" smtClean="0">
+                <a:solidFill>
+                  <a:srgbClr val="0070C0"/>
+                </a:solidFill>
+              </a:rPr>
+              <a:t>hệ</a:t>
+            </a:r>
+            <a:r>
+              <a:rPr lang="en-US" sz="1800" smtClean="0">
+                <a:solidFill>
+                  <a:srgbClr val="0070C0"/>
+                </a:solidFill>
+              </a:rPr>
+              <a:t> </a:t>
+            </a:r>
+            <a:r>
+              <a:rPr lang="en-US" sz="1800" err="1" smtClean="0">
+                <a:solidFill>
+                  <a:srgbClr val="0070C0"/>
+                </a:solidFill>
+              </a:rPr>
+              <a:t>thống</a:t>
+            </a:r>
+            <a:endParaRPr lang="en-US" sz="1800" smtClean="0">
+              <a:solidFill>
+                <a:srgbClr val="0070C0"/>
+              </a:solidFill>
+            </a:endParaRPr>
+          </a:p>
+          <a:p>
+            <a:pPr lvl="1">
+              <a:buFont typeface="Wingdings" pitchFamily="2" charset="2"/>
+              <a:buChar char="Ø"/>
+            </a:pPr>
+            <a:r>
+              <a:rPr lang="en-US" sz="1800" err="1" smtClean="0">
+                <a:solidFill>
+                  <a:srgbClr val="0070C0"/>
+                </a:solidFill>
+              </a:rPr>
+              <a:t>Đặc</a:t>
+            </a:r>
+            <a:r>
+              <a:rPr lang="en-US" sz="1800" smtClean="0">
+                <a:solidFill>
+                  <a:srgbClr val="0070C0"/>
+                </a:solidFill>
+              </a:rPr>
+              <a:t> </a:t>
+            </a:r>
+            <a:r>
+              <a:rPr lang="en-US" sz="1800" err="1" smtClean="0">
+                <a:solidFill>
+                  <a:srgbClr val="0070C0"/>
+                </a:solidFill>
+              </a:rPr>
+              <a:t>tả</a:t>
+            </a:r>
+            <a:r>
+              <a:rPr lang="en-US" sz="1800" smtClean="0">
+                <a:solidFill>
+                  <a:srgbClr val="0070C0"/>
+                </a:solidFill>
+              </a:rPr>
+              <a:t> </a:t>
+            </a:r>
+            <a:r>
+              <a:rPr lang="en-US" sz="1800" err="1" smtClean="0">
+                <a:solidFill>
+                  <a:srgbClr val="0070C0"/>
+                </a:solidFill>
+              </a:rPr>
+              <a:t>được</a:t>
+            </a:r>
+            <a:r>
+              <a:rPr lang="en-US" sz="1800" smtClean="0">
+                <a:solidFill>
+                  <a:srgbClr val="0070C0"/>
+                </a:solidFill>
+              </a:rPr>
+              <a:t> </a:t>
+            </a:r>
+            <a:r>
+              <a:rPr lang="en-US" sz="1800" err="1" smtClean="0">
+                <a:solidFill>
+                  <a:srgbClr val="0070C0"/>
+                </a:solidFill>
+              </a:rPr>
+              <a:t>yêu</a:t>
+            </a:r>
+            <a:r>
+              <a:rPr lang="en-US" sz="1800" smtClean="0">
+                <a:solidFill>
+                  <a:srgbClr val="0070C0"/>
+                </a:solidFill>
+              </a:rPr>
+              <a:t> </a:t>
+            </a:r>
+            <a:r>
+              <a:rPr lang="en-US" sz="1800" err="1" smtClean="0">
+                <a:solidFill>
+                  <a:srgbClr val="0070C0"/>
+                </a:solidFill>
+              </a:rPr>
+              <a:t>cầu</a:t>
+            </a:r>
+            <a:r>
+              <a:rPr lang="en-US" sz="1800" smtClean="0">
+                <a:solidFill>
+                  <a:srgbClr val="0070C0"/>
+                </a:solidFill>
+              </a:rPr>
+              <a:t> </a:t>
+            </a:r>
+            <a:r>
+              <a:rPr lang="en-US" sz="1800" err="1" smtClean="0">
+                <a:solidFill>
+                  <a:srgbClr val="0070C0"/>
+                </a:solidFill>
+              </a:rPr>
+              <a:t>của</a:t>
+            </a:r>
+            <a:r>
+              <a:rPr lang="en-US" sz="1800" smtClean="0">
+                <a:solidFill>
+                  <a:srgbClr val="0070C0"/>
+                </a:solidFill>
+              </a:rPr>
+              <a:t> </a:t>
+            </a:r>
+            <a:r>
+              <a:rPr lang="en-US" sz="1800" err="1" smtClean="0">
+                <a:solidFill>
+                  <a:srgbClr val="0070C0"/>
+                </a:solidFill>
+              </a:rPr>
+              <a:t>phần</a:t>
+            </a:r>
+            <a:r>
+              <a:rPr lang="en-US" sz="1800" smtClean="0">
+                <a:solidFill>
+                  <a:srgbClr val="0070C0"/>
+                </a:solidFill>
+              </a:rPr>
+              <a:t> </a:t>
+            </a:r>
+            <a:r>
+              <a:rPr lang="en-US" sz="1800" err="1" smtClean="0">
+                <a:solidFill>
+                  <a:srgbClr val="0070C0"/>
+                </a:solidFill>
+              </a:rPr>
+              <a:t>mềm</a:t>
+            </a:r>
+            <a:endParaRPr lang="en-US" sz="1800">
+              <a:solidFill>
+                <a:srgbClr val="0070C0"/>
+              </a:solidFill>
+            </a:endParaRPr>
+          </a:p>
+        </p:txBody>
+      </p:sp>
+    </p:spTree>
+    <p:extLst>
+      <p:ext uri="{BB962C8B-B14F-4D97-AF65-F5344CB8AC3E}">
+        <p14:creationId xmlns:p14="http://schemas.microsoft.com/office/powerpoint/2010/main" val="3017931134"/>
+      </p:ext>
+    </p:extLst>
+  </p:cSld>
+  <p:clrMapOvr>
+    <a:masterClrMapping/>
+  </p:clrMapOvr>
+</p:sld>
+</file>
+
+<file path=ppt/slides/slide9.xml><?xml version="1.0" encoding="utf-8"?>
+<p:sld xmlns:a="http://schemas.openxmlformats.org/drawingml/2006/main" xmlns:r="http://schemas.openxmlformats.org/officeDocument/2006/relationships" xmlns:p="http://schemas.openxmlformats.org/presentationml/2006/main">
+  <p:cSld>
+    <p:spTree>
+      <p:nvGrpSpPr>
+        <p:cNvPr id="1" name=""/>
+        <p:cNvGrpSpPr/>
+        <p:nvPr/>
+      </p:nvGrpSpPr>
+      <p:grpSpPr>
+        <a:xfrm>
+          <a:off x="0" y="0"/>
+          <a:ext cx="0" cy="0"/>
+          <a:chOff x="0" y="0"/>
+          <a:chExt cx="0" cy="0"/>
+        </a:xfrm>
+      </p:grpSpPr>
+      <p:sp>
+        <p:nvSpPr>
+          <p:cNvPr id="2" name="Title 1"/>
+          <p:cNvSpPr>
+            <a:spLocks noGrp="1"/>
+          </p:cNvSpPr>
+          <p:nvPr>
+            <p:ph type="title"/>
+          </p:nvPr>
+        </p:nvSpPr>
+        <p:spPr/>
+        <p:txBody>
+          <a:bodyPr/>
+          <a:lstStyle/>
+          <a:p>
             <a:r>
               <a:rPr lang="en-US" err="1" smtClean="0"/>
               <a:t>Thẩm</a:t>
@@ -5918,11 +6639,7 @@
             </a:r>
             <a:r>
               <a:rPr lang="en-US" sz="1800" err="1" smtClean="0"/>
-              <a:t>phá</a:t>
-            </a:r>
-            <a:r>
-              <a:rPr lang="en-US" sz="1800" err="1" smtClean="0"/>
-              <a:t>t</a:t>
+              <a:t>phát</a:t>
             </a:r>
             <a:r>
               <a:rPr lang="en-US" sz="1800" smtClean="0"/>
@@ -7095,7 +7812,7 @@
   <a:extraClrSchemeLst/>
   <a:extLst>
     <a:ext uri="{05A4C25C-085E-4340-85A3-A5531E510DB2}">
-      <thm15:themeFamily xmlns="" xmlns:thm15="http://schemas.microsoft.com/office/thememl/2012/main" name="Office Theme" id="{62F939B6-93AF-4DB8-9C6B-D6C7DFDC589F}" vid="{4A3C46E8-61CC-4603-A589-7422A47A8E4A}"/>
+      <thm15:themeFamily xmlns:thm15="http://schemas.microsoft.com/office/thememl/2012/main" xmlns="" name="Office Theme" id="{62F939B6-93AF-4DB8-9C6B-D6C7DFDC589F}" vid="{4A3C46E8-61CC-4603-A589-7422A47A8E4A}"/>
     </a:ext>
   </a:extLst>
 </a:theme>

--- a/slide/dev/chapter_1/slide.pptx
+++ b/slide/dev/chapter_1/slide.pptx
@@ -5,7 +5,7 @@
     <p:sldMasterId id="2147483703" r:id="rId2"/>
   </p:sldMasterIdLst>
   <p:notesMasterIdLst>
-    <p:notesMasterId r:id="rId14"/>
+    <p:notesMasterId r:id="rId22"/>
   </p:notesMasterIdLst>
   <p:sldIdLst>
     <p:sldId id="256" r:id="rId3"/>
@@ -19,6 +19,14 @@
     <p:sldId id="264" r:id="rId11"/>
     <p:sldId id="267" r:id="rId12"/>
     <p:sldId id="268" r:id="rId13"/>
+    <p:sldId id="269" r:id="rId14"/>
+    <p:sldId id="270" r:id="rId15"/>
+    <p:sldId id="271" r:id="rId16"/>
+    <p:sldId id="272" r:id="rId17"/>
+    <p:sldId id="273" r:id="rId18"/>
+    <p:sldId id="274" r:id="rId19"/>
+    <p:sldId id="275" r:id="rId20"/>
+    <p:sldId id="276" r:id="rId21"/>
   </p:sldIdLst>
   <p:sldSz cx="9144000" cy="6858000" type="screen4x3"/>
   <p:notesSz cx="6858000" cy="9144000"/>
@@ -218,7 +226,7 @@
           <a:p>
             <a:fld id="{BFB7A6A1-140E-4053-A62A-AFDAF6E6ECEB}" type="datetimeFigureOut">
               <a:rPr lang="en-US" smtClean="0"/>
-              <a:t>12/5/2015</a:t>
+              <a:t>12/6/2015</a:t>
             </a:fld>
             <a:endParaRPr lang="en-US"/>
           </a:p>
@@ -624,7 +632,7 @@
           <a:p>
             <a:fld id="{4CBCDE7C-CCB6-471C-9199-918A33307958}" type="datetimeFigureOut">
               <a:rPr lang="en-US" smtClean="0"/>
-              <a:t>12/5/2015</a:t>
+              <a:t>12/6/2015</a:t>
             </a:fld>
             <a:endParaRPr lang="en-US"/>
           </a:p>
@@ -1041,7 +1049,7 @@
           <a:p>
             <a:fld id="{4CBCDE7C-CCB6-471C-9199-918A33307958}" type="datetimeFigureOut">
               <a:rPr lang="en-US" smtClean="0"/>
-              <a:t>12/5/2015</a:t>
+              <a:t>12/6/2015</a:t>
             </a:fld>
             <a:endParaRPr lang="en-US"/>
           </a:p>
@@ -1221,7 +1229,7 @@
           <a:p>
             <a:fld id="{4CBCDE7C-CCB6-471C-9199-918A33307958}" type="datetimeFigureOut">
               <a:rPr lang="en-US" smtClean="0"/>
-              <a:t>12/5/2015</a:t>
+              <a:t>12/6/2015</a:t>
             </a:fld>
             <a:endParaRPr lang="en-US"/>
           </a:p>
@@ -1601,7 +1609,7 @@
           <a:p>
             <a:fld id="{4CBCDE7C-CCB6-471C-9199-918A33307958}" type="datetimeFigureOut">
               <a:rPr lang="en-US" smtClean="0"/>
-              <a:t>12/5/2015</a:t>
+              <a:t>12/6/2015</a:t>
             </a:fld>
             <a:endParaRPr lang="en-US"/>
           </a:p>
@@ -2009,7 +2017,7 @@
           <a:p>
             <a:fld id="{4CBCDE7C-CCB6-471C-9199-918A33307958}" type="datetimeFigureOut">
               <a:rPr lang="en-US" smtClean="0"/>
-              <a:t>12/5/2015</a:t>
+              <a:t>12/6/2015</a:t>
             </a:fld>
             <a:endParaRPr lang="en-US"/>
           </a:p>
@@ -2276,7 +2284,7 @@
           <a:p>
             <a:fld id="{4CBCDE7C-CCB6-471C-9199-918A33307958}" type="datetimeFigureOut">
               <a:rPr lang="en-US" smtClean="0"/>
-              <a:t>12/5/2015</a:t>
+              <a:t>12/6/2015</a:t>
             </a:fld>
             <a:endParaRPr lang="en-US"/>
           </a:p>
@@ -2643,7 +2651,7 @@
           <a:p>
             <a:fld id="{4CBCDE7C-CCB6-471C-9199-918A33307958}" type="datetimeFigureOut">
               <a:rPr lang="en-US" smtClean="0"/>
-              <a:t>12/5/2015</a:t>
+              <a:t>12/6/2015</a:t>
             </a:fld>
             <a:endParaRPr lang="en-US"/>
           </a:p>
@@ -2761,7 +2769,7 @@
           <a:p>
             <a:fld id="{4CBCDE7C-CCB6-471C-9199-918A33307958}" type="datetimeFigureOut">
               <a:rPr lang="en-US" smtClean="0"/>
-              <a:t>12/5/2015</a:t>
+              <a:t>12/6/2015</a:t>
             </a:fld>
             <a:endParaRPr lang="en-US"/>
           </a:p>
@@ -2856,7 +2864,7 @@
           <a:p>
             <a:fld id="{4CBCDE7C-CCB6-471C-9199-918A33307958}" type="datetimeFigureOut">
               <a:rPr lang="en-US" smtClean="0"/>
-              <a:t>12/5/2015</a:t>
+              <a:t>12/6/2015</a:t>
             </a:fld>
             <a:endParaRPr lang="en-US"/>
           </a:p>
@@ -3133,7 +3141,7 @@
           <a:p>
             <a:fld id="{4CBCDE7C-CCB6-471C-9199-918A33307958}" type="datetimeFigureOut">
               <a:rPr lang="en-US" smtClean="0"/>
-              <a:t>12/5/2015</a:t>
+              <a:t>12/6/2015</a:t>
             </a:fld>
             <a:endParaRPr lang="en-US"/>
           </a:p>
@@ -3386,7 +3394,7 @@
           <a:p>
             <a:fld id="{4CBCDE7C-CCB6-471C-9199-918A33307958}" type="datetimeFigureOut">
               <a:rPr lang="en-US" smtClean="0"/>
-              <a:t>12/5/2015</a:t>
+              <a:t>12/6/2015</a:t>
             </a:fld>
             <a:endParaRPr lang="en-US"/>
           </a:p>
@@ -3599,7 +3607,7 @@
           <a:p>
             <a:fld id="{4CBCDE7C-CCB6-471C-9199-918A33307958}" type="datetimeFigureOut">
               <a:rPr lang="en-US" smtClean="0"/>
-              <a:t>12/5/2015</a:t>
+              <a:t>12/6/2015</a:t>
             </a:fld>
             <a:endParaRPr lang="en-US"/>
           </a:p>
@@ -4355,6 +4363,1632 @@
 </p:sld>
 </file>
 
+<file path=ppt/slides/slide12.xml><?xml version="1.0" encoding="utf-8"?>
+<p:sld xmlns:a="http://schemas.openxmlformats.org/drawingml/2006/main" xmlns:r="http://schemas.openxmlformats.org/officeDocument/2006/relationships" xmlns:p="http://schemas.openxmlformats.org/presentationml/2006/main">
+  <p:cSld>
+    <p:spTree>
+      <p:nvGrpSpPr>
+        <p:cNvPr id="1" name=""/>
+        <p:cNvGrpSpPr/>
+        <p:nvPr/>
+      </p:nvGrpSpPr>
+      <p:grpSpPr>
+        <a:xfrm>
+          <a:off x="0" y="0"/>
+          <a:ext cx="0" cy="0"/>
+          <a:chOff x="0" y="0"/>
+          <a:chExt cx="0" cy="0"/>
+        </a:xfrm>
+      </p:grpSpPr>
+      <p:sp>
+        <p:nvSpPr>
+          <p:cNvPr id="2" name="Title 1"/>
+          <p:cNvSpPr>
+            <a:spLocks noGrp="1"/>
+          </p:cNvSpPr>
+          <p:nvPr>
+            <p:ph type="title"/>
+          </p:nvPr>
+        </p:nvSpPr>
+        <p:spPr/>
+        <p:txBody>
+          <a:bodyPr/>
+          <a:lstStyle/>
+          <a:p>
+            <a:r>
+              <a:rPr lang="en-US" b="1" dirty="0" smtClean="0">
+                <a:latin typeface="Verdana" panose="020B0604030504040204" pitchFamily="34" charset="0"/>
+                <a:ea typeface="Verdana" panose="020B0604030504040204" pitchFamily="34" charset="0"/>
+                <a:cs typeface="Verdana" panose="020B0604030504040204" pitchFamily="34" charset="0"/>
+              </a:rPr>
+              <a:t>YÊU CẦU PHẦN MỀM</a:t>
+            </a:r>
+            <a:endParaRPr lang="en-US" b="1" dirty="0">
+              <a:latin typeface="Verdana" panose="020B0604030504040204" pitchFamily="34" charset="0"/>
+              <a:ea typeface="Verdana" panose="020B0604030504040204" pitchFamily="34" charset="0"/>
+              <a:cs typeface="Verdana" panose="020B0604030504040204" pitchFamily="34" charset="0"/>
+            </a:endParaRPr>
+          </a:p>
+        </p:txBody>
+      </p:sp>
+      <p:sp>
+        <p:nvSpPr>
+          <p:cNvPr id="3" name="Text Placeholder 2"/>
+          <p:cNvSpPr>
+            <a:spLocks noGrp="1"/>
+          </p:cNvSpPr>
+          <p:nvPr>
+            <p:ph type="body" idx="1"/>
+          </p:nvPr>
+        </p:nvSpPr>
+        <p:spPr/>
+        <p:txBody>
+          <a:bodyPr/>
+          <a:lstStyle/>
+          <a:p>
+            <a:r>
+              <a:rPr lang="en-US" dirty="0" smtClean="0">
+                <a:latin typeface="Verdana" panose="020B0604030504040204" pitchFamily="34" charset="0"/>
+                <a:ea typeface="Verdana" panose="020B0604030504040204" pitchFamily="34" charset="0"/>
+                <a:cs typeface="Verdana" panose="020B0604030504040204" pitchFamily="34" charset="0"/>
+              </a:rPr>
+              <a:t>CHƯƠNG 1</a:t>
+            </a:r>
+          </a:p>
+          <a:p>
+            <a:r>
+              <a:rPr lang="en-US" dirty="0" smtClean="0">
+                <a:solidFill>
+                  <a:schemeClr val="bg1">
+                    <a:lumMod val="50000"/>
+                  </a:schemeClr>
+                </a:solidFill>
+                <a:latin typeface="Verdana" panose="020B0604030504040204" pitchFamily="34" charset="0"/>
+                <a:ea typeface="Verdana" panose="020B0604030504040204" pitchFamily="34" charset="0"/>
+                <a:cs typeface="Verdana" panose="020B0604030504040204" pitchFamily="34" charset="0"/>
+              </a:rPr>
+              <a:t>1.2</a:t>
+            </a:r>
+            <a:r>
+              <a:rPr lang="en-US" dirty="0" smtClean="0">
+                <a:solidFill>
+                  <a:schemeClr val="bg1">
+                    <a:lumMod val="50000"/>
+                  </a:schemeClr>
+                </a:solidFill>
+                <a:latin typeface="Verdana" panose="020B0604030504040204" pitchFamily="34" charset="0"/>
+                <a:ea typeface="Verdana" panose="020B0604030504040204" pitchFamily="34" charset="0"/>
+                <a:cs typeface="Verdana" panose="020B0604030504040204" pitchFamily="34" charset="0"/>
+              </a:rPr>
+              <a:t>. Quy trình</a:t>
+            </a:r>
+          </a:p>
+          <a:p>
+            <a:r>
+              <a:rPr lang="en-US" dirty="0" smtClean="0">
+                <a:solidFill>
+                  <a:srgbClr val="FF1111"/>
+                </a:solidFill>
+                <a:latin typeface="Verdana" panose="020B0604030504040204" pitchFamily="34" charset="0"/>
+                <a:ea typeface="Verdana" panose="020B0604030504040204" pitchFamily="34" charset="0"/>
+                <a:cs typeface="Verdana" panose="020B0604030504040204" pitchFamily="34" charset="0"/>
+              </a:rPr>
+              <a:t>1.3. </a:t>
+            </a:r>
+            <a:r>
+              <a:rPr lang="en-US" dirty="0">
+                <a:solidFill>
+                  <a:srgbClr val="FF1111"/>
+                </a:solidFill>
+                <a:latin typeface="Verdana" panose="020B0604030504040204" pitchFamily="34" charset="0"/>
+                <a:ea typeface="Verdana" panose="020B0604030504040204" pitchFamily="34" charset="0"/>
+                <a:cs typeface="Verdana" panose="020B0604030504040204" pitchFamily="34" charset="0"/>
+              </a:rPr>
+              <a:t>Phân tích </a:t>
+            </a:r>
+            <a:r>
+              <a:rPr lang="en-US" dirty="0" smtClean="0">
+                <a:solidFill>
+                  <a:srgbClr val="FF1111"/>
+                </a:solidFill>
+                <a:latin typeface="Verdana" panose="020B0604030504040204" pitchFamily="34" charset="0"/>
+                <a:ea typeface="Verdana" panose="020B0604030504040204" pitchFamily="34" charset="0"/>
+                <a:cs typeface="Verdana" panose="020B0604030504040204" pitchFamily="34" charset="0"/>
+              </a:rPr>
+              <a:t>yêu cầu</a:t>
+            </a:r>
+          </a:p>
+          <a:p>
+            <a:r>
+              <a:rPr lang="en-US" dirty="0" smtClean="0">
+                <a:solidFill>
+                  <a:schemeClr val="bg1">
+                    <a:lumMod val="50000"/>
+                  </a:schemeClr>
+                </a:solidFill>
+                <a:latin typeface="Verdana" panose="020B0604030504040204" pitchFamily="34" charset="0"/>
+                <a:ea typeface="Verdana" panose="020B0604030504040204" pitchFamily="34" charset="0"/>
+                <a:cs typeface="Verdana" panose="020B0604030504040204" pitchFamily="34" charset="0"/>
+              </a:rPr>
+              <a:t>1.4. Đặc tả yêu cầu</a:t>
+            </a:r>
+            <a:endParaRPr lang="en-US" dirty="0">
+              <a:solidFill>
+                <a:schemeClr val="bg1">
+                  <a:lumMod val="50000"/>
+                </a:schemeClr>
+              </a:solidFill>
+              <a:latin typeface="Verdana" panose="020B0604030504040204" pitchFamily="34" charset="0"/>
+              <a:ea typeface="Verdana" panose="020B0604030504040204" pitchFamily="34" charset="0"/>
+              <a:cs typeface="Verdana" panose="020B0604030504040204" pitchFamily="34" charset="0"/>
+            </a:endParaRPr>
+          </a:p>
+          <a:p>
+            <a:endParaRPr lang="en-US" dirty="0">
+              <a:solidFill>
+                <a:srgbClr val="FF1111"/>
+              </a:solidFill>
+              <a:latin typeface="Verdana" panose="020B0604030504040204" pitchFamily="34" charset="0"/>
+              <a:ea typeface="Verdana" panose="020B0604030504040204" pitchFamily="34" charset="0"/>
+              <a:cs typeface="Verdana" panose="020B0604030504040204" pitchFamily="34" charset="0"/>
+            </a:endParaRPr>
+          </a:p>
+        </p:txBody>
+      </p:sp>
+      <p:sp>
+        <p:nvSpPr>
+          <p:cNvPr id="4" name="Isosceles Triangle 3"/>
+          <p:cNvSpPr/>
+          <p:nvPr/>
+        </p:nvSpPr>
+        <p:spPr>
+          <a:xfrm flipV="1">
+            <a:off x="762000" y="6089651"/>
+            <a:ext cx="304800" cy="158749"/>
+          </a:xfrm>
+          <a:prstGeom prst="triangle">
+            <a:avLst/>
+          </a:prstGeom>
+          <a:solidFill>
+            <a:schemeClr val="bg1">
+              <a:lumMod val="75000"/>
+            </a:schemeClr>
+          </a:solidFill>
+          <a:ln>
+            <a:noFill/>
+          </a:ln>
+        </p:spPr>
+        <p:style>
+          <a:lnRef idx="2">
+            <a:schemeClr val="accent1">
+              <a:shade val="50000"/>
+            </a:schemeClr>
+          </a:lnRef>
+          <a:fillRef idx="1">
+            <a:schemeClr val="accent1"/>
+          </a:fillRef>
+          <a:effectRef idx="0">
+            <a:schemeClr val="accent1"/>
+          </a:effectRef>
+          <a:fontRef idx="minor">
+            <a:schemeClr val="lt1"/>
+          </a:fontRef>
+        </p:style>
+        <p:txBody>
+          <a:bodyPr rtlCol="0" anchor="ctr"/>
+          <a:lstStyle/>
+          <a:p>
+            <a:pPr algn="ctr"/>
+            <a:endParaRPr lang="en-US"/>
+          </a:p>
+        </p:txBody>
+      </p:sp>
+    </p:spTree>
+    <p:extLst>
+      <p:ext uri="{BB962C8B-B14F-4D97-AF65-F5344CB8AC3E}">
+        <p14:creationId xmlns:p14="http://schemas.microsoft.com/office/powerpoint/2010/main" val="1261793914"/>
+      </p:ext>
+    </p:extLst>
+  </p:cSld>
+  <p:clrMapOvr>
+    <a:masterClrMapping/>
+  </p:clrMapOvr>
+  <p:timing>
+    <p:tnLst>
+      <p:par>
+        <p:cTn id="1" dur="indefinite" restart="never" nodeType="tmRoot"/>
+      </p:par>
+    </p:tnLst>
+  </p:timing>
+</p:sld>
+</file>
+
+<file path=ppt/slides/slide13.xml><?xml version="1.0" encoding="utf-8"?>
+<p:sld xmlns:a="http://schemas.openxmlformats.org/drawingml/2006/main" xmlns:r="http://schemas.openxmlformats.org/officeDocument/2006/relationships" xmlns:p="http://schemas.openxmlformats.org/presentationml/2006/main">
+  <p:cSld>
+    <p:spTree>
+      <p:nvGrpSpPr>
+        <p:cNvPr id="1" name=""/>
+        <p:cNvGrpSpPr/>
+        <p:nvPr/>
+      </p:nvGrpSpPr>
+      <p:grpSpPr>
+        <a:xfrm>
+          <a:off x="0" y="0"/>
+          <a:ext cx="0" cy="0"/>
+          <a:chOff x="0" y="0"/>
+          <a:chExt cx="0" cy="0"/>
+        </a:xfrm>
+      </p:grpSpPr>
+      <p:sp>
+        <p:nvSpPr>
+          <p:cNvPr id="2" name="Title 1"/>
+          <p:cNvSpPr>
+            <a:spLocks noGrp="1"/>
+          </p:cNvSpPr>
+          <p:nvPr>
+            <p:ph type="title"/>
+          </p:nvPr>
+        </p:nvSpPr>
+        <p:spPr/>
+        <p:txBody>
+          <a:bodyPr/>
+          <a:lstStyle/>
+          <a:p>
+            <a:r>
+              <a:rPr lang="en-US" dirty="0" smtClean="0"/>
+              <a:t>Phân tích yêu cầu</a:t>
+            </a:r>
+            <a:endParaRPr lang="en-US" dirty="0"/>
+          </a:p>
+        </p:txBody>
+      </p:sp>
+      <p:sp>
+        <p:nvSpPr>
+          <p:cNvPr id="5" name="Content Placeholder 2"/>
+          <p:cNvSpPr>
+            <a:spLocks noGrp="1"/>
+          </p:cNvSpPr>
+          <p:nvPr>
+            <p:ph idx="1"/>
+          </p:nvPr>
+        </p:nvSpPr>
+        <p:spPr>
+          <a:xfrm>
+            <a:off x="628650" y="1825625"/>
+            <a:ext cx="7886700" cy="4351338"/>
+          </a:xfrm>
+        </p:spPr>
+        <p:txBody>
+          <a:bodyPr/>
+          <a:lstStyle/>
+          <a:p>
+            <a:r>
+              <a:rPr lang="en-US" sz="2000" b="1" dirty="0" smtClean="0"/>
+              <a:t>Phân loại yêu cầu</a:t>
+            </a:r>
+            <a:endParaRPr lang="vi-VN" sz="2000" b="1" dirty="0" smtClean="0"/>
+          </a:p>
+          <a:p>
+            <a:pPr lvl="1">
+              <a:buFont typeface="Wingdings" panose="05000000000000000000" pitchFamily="2" charset="2"/>
+              <a:buChar char="Ø"/>
+            </a:pPr>
+            <a:r>
+              <a:rPr lang="vi-VN" sz="1600" dirty="0"/>
+              <a:t>Phân loại theo yêu cầu chức năng hoặc phi chức năng</a:t>
+            </a:r>
+          </a:p>
+          <a:p>
+            <a:pPr lvl="1">
+              <a:buFont typeface="Wingdings" panose="05000000000000000000" pitchFamily="2" charset="2"/>
+              <a:buChar char="Ø"/>
+            </a:pPr>
+            <a:r>
+              <a:rPr lang="vi-VN" sz="1600" dirty="0"/>
+              <a:t>Phân loại theo các yêu cầu đặt ra cho sản phẩm hoặc là trên từng tiến trình</a:t>
+            </a:r>
+          </a:p>
+          <a:p>
+            <a:pPr lvl="1">
+              <a:buFont typeface="Wingdings" panose="05000000000000000000" pitchFamily="2" charset="2"/>
+              <a:buChar char="Ø"/>
+            </a:pPr>
+            <a:r>
+              <a:rPr lang="vi-VN" sz="1600" dirty="0"/>
+              <a:t>Phân loại theo độ ưu tiên phần mềm</a:t>
+            </a:r>
+          </a:p>
+          <a:p>
+            <a:pPr lvl="1">
+              <a:buFont typeface="Wingdings" panose="05000000000000000000" pitchFamily="2" charset="2"/>
+              <a:buChar char="Ø"/>
+            </a:pPr>
+            <a:r>
+              <a:rPr lang="vi-VN" sz="1600" dirty="0"/>
+              <a:t>Phân theo phạm vi yêu cầu phần mềm</a:t>
+            </a:r>
+          </a:p>
+          <a:p>
+            <a:pPr lvl="1">
+              <a:buFont typeface="Wingdings" panose="05000000000000000000" pitchFamily="2" charset="2"/>
+              <a:buChar char="Ø"/>
+            </a:pPr>
+            <a:r>
+              <a:rPr lang="vi-VN" sz="1600" dirty="0"/>
+              <a:t>Phân loại theo độ dễ biến động/ tính ổn </a:t>
+            </a:r>
+            <a:r>
+              <a:rPr lang="vi-VN" sz="1600" dirty="0" smtClean="0"/>
+              <a:t>định</a:t>
+            </a:r>
+            <a:endParaRPr lang="en-US" sz="1600" dirty="0" smtClean="0"/>
+          </a:p>
+          <a:p>
+            <a:pPr lvl="1">
+              <a:buFont typeface="Wingdings" panose="05000000000000000000" pitchFamily="2" charset="2"/>
+              <a:buChar char="Ø"/>
+            </a:pPr>
+            <a:endParaRPr lang="vi-VN" sz="1600" dirty="0"/>
+          </a:p>
+          <a:p>
+            <a:r>
+              <a:rPr lang="en-US" sz="2000" b="1" dirty="0" smtClean="0"/>
+              <a:t>Mô hình hóa khái niệm</a:t>
+            </a:r>
+          </a:p>
+          <a:p>
+            <a:pPr lvl="1">
+              <a:buFont typeface="Wingdings" panose="05000000000000000000" pitchFamily="2" charset="2"/>
+              <a:buChar char="Ø"/>
+            </a:pPr>
+            <a:r>
+              <a:rPr lang="vi-VN" sz="1600" dirty="0"/>
+              <a:t>Mục đích của nó là để hiểu được những vấn đề xảy ra cũng như miêu tả một giải pháp</a:t>
+            </a:r>
+          </a:p>
+          <a:p>
+            <a:pPr lvl="1">
+              <a:buFont typeface="Wingdings" panose="05000000000000000000" pitchFamily="2" charset="2"/>
+              <a:buChar char="Ø"/>
+            </a:pPr>
+            <a:endParaRPr lang="en-US" sz="1600" dirty="0" smtClean="0"/>
+          </a:p>
+          <a:p>
+            <a:r>
+              <a:rPr lang="en-US" sz="2000" b="1" dirty="0" smtClean="0"/>
+              <a:t>Thiết kế kiến trúc và các yêu cầu phân bổ</a:t>
+            </a:r>
+            <a:endParaRPr lang="en-US" sz="2000" b="1" dirty="0"/>
+          </a:p>
+          <a:p>
+            <a:pPr marL="342900" lvl="1" indent="0">
+              <a:buNone/>
+            </a:pPr>
+            <a:endParaRPr lang="en-US" sz="1600" dirty="0" smtClean="0"/>
+          </a:p>
+        </p:txBody>
+      </p:sp>
+      <p:sp>
+        <p:nvSpPr>
+          <p:cNvPr id="6" name="Content Placeholder 3"/>
+          <p:cNvSpPr>
+            <a:spLocks noGrp="1"/>
+          </p:cNvSpPr>
+          <p:nvPr>
+            <p:ph sz="quarter" idx="13"/>
+          </p:nvPr>
+        </p:nvSpPr>
+        <p:spPr>
+          <a:xfrm>
+            <a:off x="2362200" y="381000"/>
+            <a:ext cx="5257800" cy="381000"/>
+          </a:xfrm>
+        </p:spPr>
+        <p:txBody>
+          <a:bodyPr/>
+          <a:lstStyle/>
+          <a:p>
+            <a:r>
+              <a:rPr lang="en-US" dirty="0" smtClean="0"/>
+              <a:t>1.3. Yêu cầu phần mềm | Phân tích yêu cầu</a:t>
+            </a:r>
+            <a:endParaRPr lang="en-US" dirty="0"/>
+          </a:p>
+        </p:txBody>
+      </p:sp>
+    </p:spTree>
+    <p:extLst>
+      <p:ext uri="{BB962C8B-B14F-4D97-AF65-F5344CB8AC3E}">
+        <p14:creationId xmlns:p14="http://schemas.microsoft.com/office/powerpoint/2010/main" val="2795674298"/>
+      </p:ext>
+    </p:extLst>
+  </p:cSld>
+  <p:clrMapOvr>
+    <a:masterClrMapping/>
+  </p:clrMapOvr>
+  <p:timing>
+    <p:tnLst>
+      <p:par>
+        <p:cTn id="1" dur="indefinite" restart="never" nodeType="tmRoot"/>
+      </p:par>
+    </p:tnLst>
+  </p:timing>
+</p:sld>
+</file>
+
+<file path=ppt/slides/slide14.xml><?xml version="1.0" encoding="utf-8"?>
+<p:sld xmlns:a="http://schemas.openxmlformats.org/drawingml/2006/main" xmlns:r="http://schemas.openxmlformats.org/officeDocument/2006/relationships" xmlns:p="http://schemas.openxmlformats.org/presentationml/2006/main">
+  <p:cSld>
+    <p:spTree>
+      <p:nvGrpSpPr>
+        <p:cNvPr id="1" name=""/>
+        <p:cNvGrpSpPr/>
+        <p:nvPr/>
+      </p:nvGrpSpPr>
+      <p:grpSpPr>
+        <a:xfrm>
+          <a:off x="0" y="0"/>
+          <a:ext cx="0" cy="0"/>
+          <a:chOff x="0" y="0"/>
+          <a:chExt cx="0" cy="0"/>
+        </a:xfrm>
+      </p:grpSpPr>
+      <p:sp>
+        <p:nvSpPr>
+          <p:cNvPr id="2" name="Title 1"/>
+          <p:cNvSpPr>
+            <a:spLocks noGrp="1"/>
+          </p:cNvSpPr>
+          <p:nvPr>
+            <p:ph type="title"/>
+          </p:nvPr>
+        </p:nvSpPr>
+        <p:spPr/>
+        <p:txBody>
+          <a:bodyPr/>
+          <a:lstStyle/>
+          <a:p>
+            <a:r>
+              <a:rPr lang="en-US" dirty="0" smtClean="0"/>
+              <a:t>Phân tích yêu cầu</a:t>
+            </a:r>
+            <a:endParaRPr lang="en-US" dirty="0"/>
+          </a:p>
+        </p:txBody>
+      </p:sp>
+      <p:sp>
+        <p:nvSpPr>
+          <p:cNvPr id="5" name="Content Placeholder 2"/>
+          <p:cNvSpPr>
+            <a:spLocks noGrp="1"/>
+          </p:cNvSpPr>
+          <p:nvPr>
+            <p:ph idx="1"/>
+          </p:nvPr>
+        </p:nvSpPr>
+        <p:spPr>
+          <a:xfrm>
+            <a:off x="628650" y="1825625"/>
+            <a:ext cx="7886700" cy="4351338"/>
+          </a:xfrm>
+        </p:spPr>
+        <p:txBody>
+          <a:bodyPr/>
+          <a:lstStyle/>
+          <a:p>
+            <a:r>
+              <a:rPr lang="en-US" sz="2000" b="1" dirty="0"/>
+              <a:t>Sự đàm phán của các yêu cầu</a:t>
+            </a:r>
+          </a:p>
+          <a:p>
+            <a:pPr lvl="1">
+              <a:buFont typeface="Wingdings" panose="05000000000000000000" pitchFamily="2" charset="2"/>
+              <a:buChar char="Ø"/>
+            </a:pPr>
+            <a:r>
+              <a:rPr lang="vi-VN" sz="1600" dirty="0"/>
+              <a:t>Giải quyết các vấn đề xung đột  giữa các yêu cầu và nguồn lực hoặc giữa yêu cầu chức năng và yêu cầu phi chức năng.</a:t>
+            </a:r>
+          </a:p>
+          <a:p>
+            <a:pPr lvl="1">
+              <a:buFont typeface="Wingdings" panose="05000000000000000000" pitchFamily="2" charset="2"/>
+              <a:buChar char="Ø"/>
+            </a:pPr>
+            <a:endParaRPr lang="vi-VN" sz="1600" dirty="0"/>
+          </a:p>
+          <a:p>
+            <a:r>
+              <a:rPr lang="en-US" sz="2000" b="1" dirty="0"/>
+              <a:t>Phân tích chính thức</a:t>
+            </a:r>
+          </a:p>
+          <a:p>
+            <a:pPr lvl="1">
+              <a:buFont typeface="Wingdings" panose="05000000000000000000" pitchFamily="2" charset="2"/>
+              <a:buChar char="Ø"/>
+            </a:pPr>
+            <a:r>
+              <a:rPr lang="vi-VN" sz="1600" dirty="0"/>
+              <a:t>Phân tích toán học các mô, cộng thêm các buổi họp &amp; giao tiếp thường xuyên với các đối tác</a:t>
+            </a:r>
+          </a:p>
+          <a:p>
+            <a:pPr lvl="1">
+              <a:buFont typeface="Wingdings" panose="05000000000000000000" pitchFamily="2" charset="2"/>
+              <a:buChar char="Ø"/>
+            </a:pPr>
+            <a:endParaRPr lang="en-US" sz="1600" dirty="0" smtClean="0"/>
+          </a:p>
+          <a:p>
+            <a:pPr marL="342900" lvl="1" indent="0">
+              <a:buNone/>
+            </a:pPr>
+            <a:endParaRPr lang="en-US" sz="1600" dirty="0" smtClean="0"/>
+          </a:p>
+        </p:txBody>
+      </p:sp>
+      <p:sp>
+        <p:nvSpPr>
+          <p:cNvPr id="6" name="Content Placeholder 3"/>
+          <p:cNvSpPr>
+            <a:spLocks noGrp="1"/>
+          </p:cNvSpPr>
+          <p:nvPr>
+            <p:ph sz="quarter" idx="13"/>
+          </p:nvPr>
+        </p:nvSpPr>
+        <p:spPr>
+          <a:xfrm>
+            <a:off x="2362200" y="381000"/>
+            <a:ext cx="5257800" cy="381000"/>
+          </a:xfrm>
+        </p:spPr>
+        <p:txBody>
+          <a:bodyPr/>
+          <a:lstStyle/>
+          <a:p>
+            <a:r>
+              <a:rPr lang="en-US" dirty="0" smtClean="0"/>
+              <a:t>1.3. Yêu cầu phần mềm | Phân tích yêu cầu</a:t>
+            </a:r>
+            <a:endParaRPr lang="en-US" dirty="0"/>
+          </a:p>
+        </p:txBody>
+      </p:sp>
+    </p:spTree>
+    <p:extLst>
+      <p:ext uri="{BB962C8B-B14F-4D97-AF65-F5344CB8AC3E}">
+        <p14:creationId xmlns:p14="http://schemas.microsoft.com/office/powerpoint/2010/main" val="3107682899"/>
+      </p:ext>
+    </p:extLst>
+  </p:cSld>
+  <p:clrMapOvr>
+    <a:masterClrMapping/>
+  </p:clrMapOvr>
+  <p:timing>
+    <p:tnLst>
+      <p:par>
+        <p:cTn id="1" dur="indefinite" restart="never" nodeType="tmRoot"/>
+      </p:par>
+    </p:tnLst>
+  </p:timing>
+</p:sld>
+</file>
+
+<file path=ppt/slides/slide15.xml><?xml version="1.0" encoding="utf-8"?>
+<p:sld xmlns:a="http://schemas.openxmlformats.org/drawingml/2006/main" xmlns:r="http://schemas.openxmlformats.org/officeDocument/2006/relationships" xmlns:p="http://schemas.openxmlformats.org/presentationml/2006/main">
+  <p:cSld>
+    <p:spTree>
+      <p:nvGrpSpPr>
+        <p:cNvPr id="1" name=""/>
+        <p:cNvGrpSpPr/>
+        <p:nvPr/>
+      </p:nvGrpSpPr>
+      <p:grpSpPr>
+        <a:xfrm>
+          <a:off x="0" y="0"/>
+          <a:ext cx="0" cy="0"/>
+          <a:chOff x="0" y="0"/>
+          <a:chExt cx="0" cy="0"/>
+        </a:xfrm>
+      </p:grpSpPr>
+      <p:sp>
+        <p:nvSpPr>
+          <p:cNvPr id="2" name="Title 1"/>
+          <p:cNvSpPr>
+            <a:spLocks noGrp="1"/>
+          </p:cNvSpPr>
+          <p:nvPr>
+            <p:ph type="title"/>
+          </p:nvPr>
+        </p:nvSpPr>
+        <p:spPr/>
+        <p:txBody>
+          <a:bodyPr/>
+          <a:lstStyle/>
+          <a:p>
+            <a:r>
+              <a:rPr lang="en-US" b="1" dirty="0" smtClean="0">
+                <a:latin typeface="Verdana" panose="020B0604030504040204" pitchFamily="34" charset="0"/>
+                <a:ea typeface="Verdana" panose="020B0604030504040204" pitchFamily="34" charset="0"/>
+                <a:cs typeface="Verdana" panose="020B0604030504040204" pitchFamily="34" charset="0"/>
+              </a:rPr>
+              <a:t>YÊU CẦU PHẦN MỀM</a:t>
+            </a:r>
+            <a:endParaRPr lang="en-US" b="1" dirty="0">
+              <a:latin typeface="Verdana" panose="020B0604030504040204" pitchFamily="34" charset="0"/>
+              <a:ea typeface="Verdana" panose="020B0604030504040204" pitchFamily="34" charset="0"/>
+              <a:cs typeface="Verdana" panose="020B0604030504040204" pitchFamily="34" charset="0"/>
+            </a:endParaRPr>
+          </a:p>
+        </p:txBody>
+      </p:sp>
+      <p:sp>
+        <p:nvSpPr>
+          <p:cNvPr id="3" name="Text Placeholder 2"/>
+          <p:cNvSpPr>
+            <a:spLocks noGrp="1"/>
+          </p:cNvSpPr>
+          <p:nvPr>
+            <p:ph type="body" idx="1"/>
+          </p:nvPr>
+        </p:nvSpPr>
+        <p:spPr/>
+        <p:txBody>
+          <a:bodyPr/>
+          <a:lstStyle/>
+          <a:p>
+            <a:r>
+              <a:rPr lang="en-US" dirty="0" smtClean="0">
+                <a:latin typeface="Verdana" panose="020B0604030504040204" pitchFamily="34" charset="0"/>
+                <a:ea typeface="Verdana" panose="020B0604030504040204" pitchFamily="34" charset="0"/>
+                <a:cs typeface="Verdana" panose="020B0604030504040204" pitchFamily="34" charset="0"/>
+              </a:rPr>
+              <a:t>CHƯƠNG 1</a:t>
+            </a:r>
+          </a:p>
+          <a:p>
+            <a:r>
+              <a:rPr lang="en-US" dirty="0" smtClean="0">
+                <a:solidFill>
+                  <a:schemeClr val="bg1">
+                    <a:lumMod val="50000"/>
+                  </a:schemeClr>
+                </a:solidFill>
+                <a:latin typeface="Verdana" panose="020B0604030504040204" pitchFamily="34" charset="0"/>
+                <a:ea typeface="Verdana" panose="020B0604030504040204" pitchFamily="34" charset="0"/>
+                <a:cs typeface="Verdana" panose="020B0604030504040204" pitchFamily="34" charset="0"/>
+              </a:rPr>
+              <a:t>1.3. Phân tích yêu cầu</a:t>
+            </a:r>
+            <a:endParaRPr lang="en-US" dirty="0" smtClean="0">
+              <a:solidFill>
+                <a:schemeClr val="bg1">
+                  <a:lumMod val="50000"/>
+                </a:schemeClr>
+              </a:solidFill>
+              <a:latin typeface="Verdana" panose="020B0604030504040204" pitchFamily="34" charset="0"/>
+              <a:ea typeface="Verdana" panose="020B0604030504040204" pitchFamily="34" charset="0"/>
+              <a:cs typeface="Verdana" panose="020B0604030504040204" pitchFamily="34" charset="0"/>
+            </a:endParaRPr>
+          </a:p>
+          <a:p>
+            <a:r>
+              <a:rPr lang="en-US" dirty="0" smtClean="0">
+                <a:solidFill>
+                  <a:srgbClr val="FF1111"/>
+                </a:solidFill>
+                <a:latin typeface="Verdana" panose="020B0604030504040204" pitchFamily="34" charset="0"/>
+                <a:ea typeface="Verdana" panose="020B0604030504040204" pitchFamily="34" charset="0"/>
+                <a:cs typeface="Verdana" panose="020B0604030504040204" pitchFamily="34" charset="0"/>
+              </a:rPr>
+              <a:t>1.4. Đặc tả yêu cầu</a:t>
+            </a:r>
+            <a:endParaRPr lang="en-US" dirty="0" smtClean="0">
+              <a:solidFill>
+                <a:srgbClr val="FF1111"/>
+              </a:solidFill>
+              <a:latin typeface="Verdana" panose="020B0604030504040204" pitchFamily="34" charset="0"/>
+              <a:ea typeface="Verdana" panose="020B0604030504040204" pitchFamily="34" charset="0"/>
+              <a:cs typeface="Verdana" panose="020B0604030504040204" pitchFamily="34" charset="0"/>
+            </a:endParaRPr>
+          </a:p>
+          <a:p>
+            <a:r>
+              <a:rPr lang="en-US" dirty="0" smtClean="0">
+                <a:solidFill>
+                  <a:schemeClr val="bg1">
+                    <a:lumMod val="50000"/>
+                  </a:schemeClr>
+                </a:solidFill>
+                <a:latin typeface="Verdana" panose="020B0604030504040204" pitchFamily="34" charset="0"/>
+                <a:ea typeface="Verdana" panose="020B0604030504040204" pitchFamily="34" charset="0"/>
+                <a:cs typeface="Verdana" panose="020B0604030504040204" pitchFamily="34" charset="0"/>
+              </a:rPr>
+              <a:t>1.5. Thẩm định yêu cầu</a:t>
+            </a:r>
+            <a:endParaRPr lang="en-US" dirty="0">
+              <a:solidFill>
+                <a:schemeClr val="bg1">
+                  <a:lumMod val="50000"/>
+                </a:schemeClr>
+              </a:solidFill>
+              <a:latin typeface="Verdana" panose="020B0604030504040204" pitchFamily="34" charset="0"/>
+              <a:ea typeface="Verdana" panose="020B0604030504040204" pitchFamily="34" charset="0"/>
+              <a:cs typeface="Verdana" panose="020B0604030504040204" pitchFamily="34" charset="0"/>
+            </a:endParaRPr>
+          </a:p>
+          <a:p>
+            <a:endParaRPr lang="en-US" dirty="0">
+              <a:solidFill>
+                <a:srgbClr val="FF1111"/>
+              </a:solidFill>
+              <a:latin typeface="Verdana" panose="020B0604030504040204" pitchFamily="34" charset="0"/>
+              <a:ea typeface="Verdana" panose="020B0604030504040204" pitchFamily="34" charset="0"/>
+              <a:cs typeface="Verdana" panose="020B0604030504040204" pitchFamily="34" charset="0"/>
+            </a:endParaRPr>
+          </a:p>
+        </p:txBody>
+      </p:sp>
+      <p:sp>
+        <p:nvSpPr>
+          <p:cNvPr id="4" name="Isosceles Triangle 3"/>
+          <p:cNvSpPr/>
+          <p:nvPr/>
+        </p:nvSpPr>
+        <p:spPr>
+          <a:xfrm flipV="1">
+            <a:off x="762000" y="6089651"/>
+            <a:ext cx="304800" cy="158749"/>
+          </a:xfrm>
+          <a:prstGeom prst="triangle">
+            <a:avLst/>
+          </a:prstGeom>
+          <a:solidFill>
+            <a:schemeClr val="bg1">
+              <a:lumMod val="75000"/>
+            </a:schemeClr>
+          </a:solidFill>
+          <a:ln>
+            <a:noFill/>
+          </a:ln>
+        </p:spPr>
+        <p:style>
+          <a:lnRef idx="2">
+            <a:schemeClr val="accent1">
+              <a:shade val="50000"/>
+            </a:schemeClr>
+          </a:lnRef>
+          <a:fillRef idx="1">
+            <a:schemeClr val="accent1"/>
+          </a:fillRef>
+          <a:effectRef idx="0">
+            <a:schemeClr val="accent1"/>
+          </a:effectRef>
+          <a:fontRef idx="minor">
+            <a:schemeClr val="lt1"/>
+          </a:fontRef>
+        </p:style>
+        <p:txBody>
+          <a:bodyPr rtlCol="0" anchor="ctr"/>
+          <a:lstStyle/>
+          <a:p>
+            <a:pPr algn="ctr"/>
+            <a:endParaRPr lang="en-US"/>
+          </a:p>
+        </p:txBody>
+      </p:sp>
+    </p:spTree>
+    <p:extLst>
+      <p:ext uri="{BB962C8B-B14F-4D97-AF65-F5344CB8AC3E}">
+        <p14:creationId xmlns:p14="http://schemas.microsoft.com/office/powerpoint/2010/main" val="2097423512"/>
+      </p:ext>
+    </p:extLst>
+  </p:cSld>
+  <p:clrMapOvr>
+    <a:masterClrMapping/>
+  </p:clrMapOvr>
+  <p:timing>
+    <p:tnLst>
+      <p:par>
+        <p:cTn id="1" dur="indefinite" restart="never" nodeType="tmRoot"/>
+      </p:par>
+    </p:tnLst>
+  </p:timing>
+</p:sld>
+</file>
+
+<file path=ppt/slides/slide16.xml><?xml version="1.0" encoding="utf-8"?>
+<p:sld xmlns:a="http://schemas.openxmlformats.org/drawingml/2006/main" xmlns:r="http://schemas.openxmlformats.org/officeDocument/2006/relationships" xmlns:p="http://schemas.openxmlformats.org/presentationml/2006/main">
+  <p:cSld>
+    <p:spTree>
+      <p:nvGrpSpPr>
+        <p:cNvPr id="1" name=""/>
+        <p:cNvGrpSpPr/>
+        <p:nvPr/>
+      </p:nvGrpSpPr>
+      <p:grpSpPr>
+        <a:xfrm>
+          <a:off x="0" y="0"/>
+          <a:ext cx="0" cy="0"/>
+          <a:chOff x="0" y="0"/>
+          <a:chExt cx="0" cy="0"/>
+        </a:xfrm>
+      </p:grpSpPr>
+      <p:sp>
+        <p:nvSpPr>
+          <p:cNvPr id="2" name="Title 1"/>
+          <p:cNvSpPr>
+            <a:spLocks noGrp="1"/>
+          </p:cNvSpPr>
+          <p:nvPr>
+            <p:ph type="title"/>
+          </p:nvPr>
+        </p:nvSpPr>
+        <p:spPr/>
+        <p:txBody>
+          <a:bodyPr/>
+          <a:lstStyle/>
+          <a:p>
+            <a:r>
+              <a:rPr lang="en-US" dirty="0" smtClean="0"/>
+              <a:t>Đặc tả </a:t>
+            </a:r>
+            <a:r>
+              <a:rPr lang="en-US" dirty="0" smtClean="0"/>
+              <a:t>yêu cầu</a:t>
+            </a:r>
+            <a:endParaRPr lang="en-US" dirty="0"/>
+          </a:p>
+        </p:txBody>
+      </p:sp>
+      <p:sp>
+        <p:nvSpPr>
+          <p:cNvPr id="5" name="Content Placeholder 2"/>
+          <p:cNvSpPr>
+            <a:spLocks noGrp="1"/>
+          </p:cNvSpPr>
+          <p:nvPr>
+            <p:ph idx="1"/>
+          </p:nvPr>
+        </p:nvSpPr>
+        <p:spPr>
+          <a:xfrm>
+            <a:off x="628650" y="1825625"/>
+            <a:ext cx="7886700" cy="4351338"/>
+          </a:xfrm>
+        </p:spPr>
+        <p:txBody>
+          <a:bodyPr/>
+          <a:lstStyle/>
+          <a:p>
+            <a:r>
+              <a:rPr lang="en-US" sz="2000" b="1" dirty="0" smtClean="0"/>
+              <a:t>Các hoạt động</a:t>
+            </a:r>
+            <a:endParaRPr lang="en-US" sz="2000" b="1" dirty="0"/>
+          </a:p>
+          <a:p>
+            <a:pPr lvl="1">
+              <a:buFont typeface="Wingdings" panose="05000000000000000000" pitchFamily="2" charset="2"/>
+              <a:buChar char="Ø"/>
+            </a:pPr>
+            <a:r>
+              <a:rPr lang="vi-VN" sz="1600" dirty="0"/>
+              <a:t>Áp dụng các mẫu đặc tả yêu cầu phần mềm.</a:t>
+            </a:r>
+          </a:p>
+          <a:p>
+            <a:pPr lvl="1">
+              <a:buFont typeface="Wingdings" panose="05000000000000000000" pitchFamily="2" charset="2"/>
+              <a:buChar char="Ø"/>
+            </a:pPr>
+            <a:r>
+              <a:rPr lang="vi-VN" sz="1600" dirty="0"/>
+              <a:t>Xác định các nguồn yêu cầu</a:t>
+            </a:r>
+          </a:p>
+          <a:p>
+            <a:pPr lvl="1">
+              <a:buFont typeface="Wingdings" panose="05000000000000000000" pitchFamily="2" charset="2"/>
+              <a:buChar char="Ø"/>
+            </a:pPr>
+            <a:r>
+              <a:rPr lang="vi-VN" sz="1600" dirty="0"/>
+              <a:t>Gán nhãn riêng cho mỗi yêu cầu</a:t>
+            </a:r>
+          </a:p>
+          <a:p>
+            <a:pPr lvl="1">
+              <a:buFont typeface="Wingdings" panose="05000000000000000000" pitchFamily="2" charset="2"/>
+              <a:buChar char="Ø"/>
+            </a:pPr>
+            <a:r>
+              <a:rPr lang="vi-VN" sz="1600" dirty="0"/>
+              <a:t>Ghi lại các quy tắc kinh doanh</a:t>
+            </a:r>
+          </a:p>
+          <a:p>
+            <a:pPr lvl="1">
+              <a:buFont typeface="Wingdings" panose="05000000000000000000" pitchFamily="2" charset="2"/>
+              <a:buChar char="Ø"/>
+            </a:pPr>
+            <a:r>
+              <a:rPr lang="vi-VN" sz="1600" dirty="0"/>
+              <a:t>Xác định các thuộc tính chất lượng</a:t>
+            </a:r>
+          </a:p>
+          <a:p>
+            <a:pPr lvl="1">
+              <a:buFont typeface="Wingdings" panose="05000000000000000000" pitchFamily="2" charset="2"/>
+              <a:buChar char="Ø"/>
+            </a:pPr>
+            <a:endParaRPr lang="vi-VN" sz="1600" dirty="0"/>
+          </a:p>
+          <a:p>
+            <a:r>
+              <a:rPr lang="en-US" sz="2000" b="1" dirty="0" smtClean="0"/>
+              <a:t>Mục tiêu</a:t>
+            </a:r>
+            <a:endParaRPr lang="en-US" sz="2000" b="1" dirty="0"/>
+          </a:p>
+          <a:p>
+            <a:pPr lvl="1">
+              <a:buFont typeface="Wingdings" panose="05000000000000000000" pitchFamily="2" charset="2"/>
+              <a:buChar char="Ø"/>
+            </a:pPr>
+            <a:r>
+              <a:rPr lang="vi-VN" sz="1600" dirty="0"/>
+              <a:t>Tạo tài liệu định nghĩa hệ thống</a:t>
+            </a:r>
+          </a:p>
+          <a:p>
+            <a:pPr lvl="1">
+              <a:buFont typeface="Wingdings" panose="05000000000000000000" pitchFamily="2" charset="2"/>
+              <a:buChar char="Ø"/>
+            </a:pPr>
+            <a:r>
+              <a:rPr lang="vi-VN" sz="1600" dirty="0"/>
+              <a:t>Đặc tả được yêu cầu hệ thống</a:t>
+            </a:r>
+          </a:p>
+          <a:p>
+            <a:pPr lvl="1">
+              <a:buFont typeface="Wingdings" panose="05000000000000000000" pitchFamily="2" charset="2"/>
+              <a:buChar char="Ø"/>
+            </a:pPr>
+            <a:r>
+              <a:rPr lang="vi-VN" sz="1600" dirty="0"/>
+              <a:t>Đặc tả được yêu cầu của phần mềm</a:t>
+            </a:r>
+          </a:p>
+          <a:p>
+            <a:pPr lvl="1">
+              <a:buFont typeface="Wingdings" panose="05000000000000000000" pitchFamily="2" charset="2"/>
+              <a:buChar char="Ø"/>
+            </a:pPr>
+            <a:endParaRPr lang="en-US" sz="1600" dirty="0" smtClean="0"/>
+          </a:p>
+          <a:p>
+            <a:pPr marL="342900" lvl="1" indent="0">
+              <a:buNone/>
+            </a:pPr>
+            <a:endParaRPr lang="en-US" sz="1600" dirty="0" smtClean="0"/>
+          </a:p>
+        </p:txBody>
+      </p:sp>
+      <p:sp>
+        <p:nvSpPr>
+          <p:cNvPr id="6" name="Content Placeholder 3"/>
+          <p:cNvSpPr>
+            <a:spLocks noGrp="1"/>
+          </p:cNvSpPr>
+          <p:nvPr>
+            <p:ph sz="quarter" idx="13"/>
+          </p:nvPr>
+        </p:nvSpPr>
+        <p:spPr>
+          <a:xfrm>
+            <a:off x="2362200" y="381000"/>
+            <a:ext cx="5257800" cy="381000"/>
+          </a:xfrm>
+        </p:spPr>
+        <p:txBody>
+          <a:bodyPr/>
+          <a:lstStyle/>
+          <a:p>
+            <a:r>
+              <a:rPr lang="en-US" dirty="0" smtClean="0"/>
+              <a:t>1.4. Yêu cầu phần mềm | Đặc tả yêu cầu</a:t>
+            </a:r>
+            <a:endParaRPr lang="en-US" dirty="0"/>
+          </a:p>
+        </p:txBody>
+      </p:sp>
+    </p:spTree>
+    <p:extLst>
+      <p:ext uri="{BB962C8B-B14F-4D97-AF65-F5344CB8AC3E}">
+        <p14:creationId xmlns:p14="http://schemas.microsoft.com/office/powerpoint/2010/main" val="3258992479"/>
+      </p:ext>
+    </p:extLst>
+  </p:cSld>
+  <p:clrMapOvr>
+    <a:masterClrMapping/>
+  </p:clrMapOvr>
+  <p:timing>
+    <p:tnLst>
+      <p:par>
+        <p:cTn id="1" dur="indefinite" restart="never" nodeType="tmRoot"/>
+      </p:par>
+    </p:tnLst>
+  </p:timing>
+</p:sld>
+</file>
+
+<file path=ppt/slides/slide17.xml><?xml version="1.0" encoding="utf-8"?>
+<p:sld xmlns:a="http://schemas.openxmlformats.org/drawingml/2006/main" xmlns:r="http://schemas.openxmlformats.org/officeDocument/2006/relationships" xmlns:p="http://schemas.openxmlformats.org/presentationml/2006/main">
+  <p:cSld>
+    <p:spTree>
+      <p:nvGrpSpPr>
+        <p:cNvPr id="1" name=""/>
+        <p:cNvGrpSpPr/>
+        <p:nvPr/>
+      </p:nvGrpSpPr>
+      <p:grpSpPr>
+        <a:xfrm>
+          <a:off x="0" y="0"/>
+          <a:ext cx="0" cy="0"/>
+          <a:chOff x="0" y="0"/>
+          <a:chExt cx="0" cy="0"/>
+        </a:xfrm>
+      </p:grpSpPr>
+      <p:sp>
+        <p:nvSpPr>
+          <p:cNvPr id="2" name="Title 1"/>
+          <p:cNvSpPr>
+            <a:spLocks noGrp="1"/>
+          </p:cNvSpPr>
+          <p:nvPr>
+            <p:ph type="title"/>
+          </p:nvPr>
+        </p:nvSpPr>
+        <p:spPr/>
+        <p:txBody>
+          <a:bodyPr/>
+          <a:lstStyle/>
+          <a:p>
+            <a:r>
+              <a:rPr lang="en-US" b="1" dirty="0" smtClean="0">
+                <a:latin typeface="Verdana" panose="020B0604030504040204" pitchFamily="34" charset="0"/>
+                <a:ea typeface="Verdana" panose="020B0604030504040204" pitchFamily="34" charset="0"/>
+                <a:cs typeface="Verdana" panose="020B0604030504040204" pitchFamily="34" charset="0"/>
+              </a:rPr>
+              <a:t>YÊU CẦU PHẦN MỀM</a:t>
+            </a:r>
+            <a:endParaRPr lang="en-US" b="1" dirty="0">
+              <a:latin typeface="Verdana" panose="020B0604030504040204" pitchFamily="34" charset="0"/>
+              <a:ea typeface="Verdana" panose="020B0604030504040204" pitchFamily="34" charset="0"/>
+              <a:cs typeface="Verdana" panose="020B0604030504040204" pitchFamily="34" charset="0"/>
+            </a:endParaRPr>
+          </a:p>
+        </p:txBody>
+      </p:sp>
+      <p:sp>
+        <p:nvSpPr>
+          <p:cNvPr id="3" name="Text Placeholder 2"/>
+          <p:cNvSpPr>
+            <a:spLocks noGrp="1"/>
+          </p:cNvSpPr>
+          <p:nvPr>
+            <p:ph type="body" idx="1"/>
+          </p:nvPr>
+        </p:nvSpPr>
+        <p:spPr/>
+        <p:txBody>
+          <a:bodyPr/>
+          <a:lstStyle/>
+          <a:p>
+            <a:r>
+              <a:rPr lang="en-US" dirty="0" smtClean="0">
+                <a:latin typeface="Verdana" panose="020B0604030504040204" pitchFamily="34" charset="0"/>
+                <a:ea typeface="Verdana" panose="020B0604030504040204" pitchFamily="34" charset="0"/>
+                <a:cs typeface="Verdana" panose="020B0604030504040204" pitchFamily="34" charset="0"/>
+              </a:rPr>
+              <a:t>CHƯƠNG 1</a:t>
+            </a:r>
+          </a:p>
+          <a:p>
+            <a:r>
+              <a:rPr lang="en-US" dirty="0" smtClean="0">
+                <a:solidFill>
+                  <a:schemeClr val="bg1">
+                    <a:lumMod val="50000"/>
+                  </a:schemeClr>
+                </a:solidFill>
+                <a:latin typeface="Verdana" panose="020B0604030504040204" pitchFamily="34" charset="0"/>
+                <a:ea typeface="Verdana" panose="020B0604030504040204" pitchFamily="34" charset="0"/>
+                <a:cs typeface="Verdana" panose="020B0604030504040204" pitchFamily="34" charset="0"/>
+              </a:rPr>
+              <a:t>1.4. Đặc tả yêu cầu</a:t>
+            </a:r>
+            <a:endParaRPr lang="en-US" dirty="0" smtClean="0">
+              <a:solidFill>
+                <a:schemeClr val="bg1">
+                  <a:lumMod val="50000"/>
+                </a:schemeClr>
+              </a:solidFill>
+              <a:latin typeface="Verdana" panose="020B0604030504040204" pitchFamily="34" charset="0"/>
+              <a:ea typeface="Verdana" panose="020B0604030504040204" pitchFamily="34" charset="0"/>
+              <a:cs typeface="Verdana" panose="020B0604030504040204" pitchFamily="34" charset="0"/>
+            </a:endParaRPr>
+          </a:p>
+          <a:p>
+            <a:r>
+              <a:rPr lang="en-US" dirty="0" smtClean="0">
+                <a:solidFill>
+                  <a:srgbClr val="FF1111"/>
+                </a:solidFill>
+                <a:latin typeface="Verdana" panose="020B0604030504040204" pitchFamily="34" charset="0"/>
+                <a:ea typeface="Verdana" panose="020B0604030504040204" pitchFamily="34" charset="0"/>
+                <a:cs typeface="Verdana" panose="020B0604030504040204" pitchFamily="34" charset="0"/>
+              </a:rPr>
+              <a:t>1.5. Thẩm định yêu cầu</a:t>
+            </a:r>
+            <a:endParaRPr lang="en-US" dirty="0" smtClean="0">
+              <a:solidFill>
+                <a:srgbClr val="FF1111"/>
+              </a:solidFill>
+              <a:latin typeface="Verdana" panose="020B0604030504040204" pitchFamily="34" charset="0"/>
+              <a:ea typeface="Verdana" panose="020B0604030504040204" pitchFamily="34" charset="0"/>
+              <a:cs typeface="Verdana" panose="020B0604030504040204" pitchFamily="34" charset="0"/>
+            </a:endParaRPr>
+          </a:p>
+          <a:p>
+            <a:r>
+              <a:rPr lang="en-US" dirty="0" smtClean="0">
+                <a:solidFill>
+                  <a:schemeClr val="bg1">
+                    <a:lumMod val="50000"/>
+                  </a:schemeClr>
+                </a:solidFill>
+                <a:latin typeface="Verdana" panose="020B0604030504040204" pitchFamily="34" charset="0"/>
+                <a:ea typeface="Verdana" panose="020B0604030504040204" pitchFamily="34" charset="0"/>
+                <a:cs typeface="Verdana" panose="020B0604030504040204" pitchFamily="34" charset="0"/>
+              </a:rPr>
+              <a:t>1.6. </a:t>
+            </a:r>
+            <a:endParaRPr lang="en-US" dirty="0">
+              <a:solidFill>
+                <a:srgbClr val="FF1111"/>
+              </a:solidFill>
+              <a:latin typeface="Verdana" panose="020B0604030504040204" pitchFamily="34" charset="0"/>
+              <a:ea typeface="Verdana" panose="020B0604030504040204" pitchFamily="34" charset="0"/>
+              <a:cs typeface="Verdana" panose="020B0604030504040204" pitchFamily="34" charset="0"/>
+            </a:endParaRPr>
+          </a:p>
+        </p:txBody>
+      </p:sp>
+      <p:sp>
+        <p:nvSpPr>
+          <p:cNvPr id="4" name="Isosceles Triangle 3"/>
+          <p:cNvSpPr/>
+          <p:nvPr/>
+        </p:nvSpPr>
+        <p:spPr>
+          <a:xfrm flipV="1">
+            <a:off x="762000" y="6089651"/>
+            <a:ext cx="304800" cy="158749"/>
+          </a:xfrm>
+          <a:prstGeom prst="triangle">
+            <a:avLst/>
+          </a:prstGeom>
+          <a:solidFill>
+            <a:schemeClr val="bg1">
+              <a:lumMod val="75000"/>
+            </a:schemeClr>
+          </a:solidFill>
+          <a:ln>
+            <a:noFill/>
+          </a:ln>
+        </p:spPr>
+        <p:style>
+          <a:lnRef idx="2">
+            <a:schemeClr val="accent1">
+              <a:shade val="50000"/>
+            </a:schemeClr>
+          </a:lnRef>
+          <a:fillRef idx="1">
+            <a:schemeClr val="accent1"/>
+          </a:fillRef>
+          <a:effectRef idx="0">
+            <a:schemeClr val="accent1"/>
+          </a:effectRef>
+          <a:fontRef idx="minor">
+            <a:schemeClr val="lt1"/>
+          </a:fontRef>
+        </p:style>
+        <p:txBody>
+          <a:bodyPr rtlCol="0" anchor="ctr"/>
+          <a:lstStyle/>
+          <a:p>
+            <a:pPr algn="ctr"/>
+            <a:endParaRPr lang="en-US"/>
+          </a:p>
+        </p:txBody>
+      </p:sp>
+    </p:spTree>
+    <p:extLst>
+      <p:ext uri="{BB962C8B-B14F-4D97-AF65-F5344CB8AC3E}">
+        <p14:creationId xmlns:p14="http://schemas.microsoft.com/office/powerpoint/2010/main" val="3308206679"/>
+      </p:ext>
+    </p:extLst>
+  </p:cSld>
+  <p:clrMapOvr>
+    <a:masterClrMapping/>
+  </p:clrMapOvr>
+  <p:timing>
+    <p:tnLst>
+      <p:par>
+        <p:cTn id="1" dur="indefinite" restart="never" nodeType="tmRoot"/>
+      </p:par>
+    </p:tnLst>
+  </p:timing>
+</p:sld>
+</file>
+
+<file path=ppt/slides/slide18.xml><?xml version="1.0" encoding="utf-8"?>
+<p:sld xmlns:a="http://schemas.openxmlformats.org/drawingml/2006/main" xmlns:r="http://schemas.openxmlformats.org/officeDocument/2006/relationships" xmlns:p="http://schemas.openxmlformats.org/presentationml/2006/main">
+  <p:cSld>
+    <p:spTree>
+      <p:nvGrpSpPr>
+        <p:cNvPr id="1" name=""/>
+        <p:cNvGrpSpPr/>
+        <p:nvPr/>
+      </p:nvGrpSpPr>
+      <p:grpSpPr>
+        <a:xfrm>
+          <a:off x="0" y="0"/>
+          <a:ext cx="0" cy="0"/>
+          <a:chOff x="0" y="0"/>
+          <a:chExt cx="0" cy="0"/>
+        </a:xfrm>
+      </p:grpSpPr>
+      <p:sp>
+        <p:nvSpPr>
+          <p:cNvPr id="2" name="Title 1"/>
+          <p:cNvSpPr>
+            <a:spLocks noGrp="1"/>
+          </p:cNvSpPr>
+          <p:nvPr>
+            <p:ph type="title"/>
+          </p:nvPr>
+        </p:nvSpPr>
+        <p:spPr/>
+        <p:txBody>
+          <a:bodyPr/>
+          <a:lstStyle/>
+          <a:p>
+            <a:r>
+              <a:rPr lang="en-US" dirty="0" smtClean="0"/>
+              <a:t>Thẩm định yêu cầu</a:t>
+            </a:r>
+            <a:endParaRPr lang="en-US" dirty="0"/>
+          </a:p>
+        </p:txBody>
+      </p:sp>
+      <p:sp>
+        <p:nvSpPr>
+          <p:cNvPr id="5" name="Content Placeholder 2"/>
+          <p:cNvSpPr>
+            <a:spLocks noGrp="1"/>
+          </p:cNvSpPr>
+          <p:nvPr>
+            <p:ph idx="1"/>
+          </p:nvPr>
+        </p:nvSpPr>
+        <p:spPr>
+          <a:xfrm>
+            <a:off x="628650" y="1825625"/>
+            <a:ext cx="7886700" cy="4351338"/>
+          </a:xfrm>
+        </p:spPr>
+        <p:txBody>
+          <a:bodyPr/>
+          <a:lstStyle/>
+          <a:p>
+            <a:r>
+              <a:rPr lang="en-US" sz="2000" dirty="0"/>
+              <a:t>Kiểm tra tính nhất quán của các đặc tả yêu cầu của các sản phẩm phần mềm đang phát triển (thiết kế, thực hiện, …) đối với các đặc tả kỹ thuật.</a:t>
+            </a:r>
+          </a:p>
+          <a:p>
+            <a:pPr lvl="1">
+              <a:buFont typeface="Wingdings" panose="05000000000000000000" pitchFamily="2" charset="2"/>
+              <a:buChar char="Ø"/>
+            </a:pPr>
+            <a:endParaRPr lang="en-US" sz="1600" dirty="0" smtClean="0"/>
+          </a:p>
+          <a:p>
+            <a:pPr marL="342900" lvl="1" indent="0">
+              <a:buNone/>
+            </a:pPr>
+            <a:endParaRPr lang="en-US" sz="1600" dirty="0" smtClean="0"/>
+          </a:p>
+        </p:txBody>
+      </p:sp>
+      <p:sp>
+        <p:nvSpPr>
+          <p:cNvPr id="6" name="Content Placeholder 3"/>
+          <p:cNvSpPr>
+            <a:spLocks noGrp="1"/>
+          </p:cNvSpPr>
+          <p:nvPr>
+            <p:ph sz="quarter" idx="13"/>
+          </p:nvPr>
+        </p:nvSpPr>
+        <p:spPr>
+          <a:xfrm>
+            <a:off x="2362200" y="381000"/>
+            <a:ext cx="5257800" cy="381000"/>
+          </a:xfrm>
+        </p:spPr>
+        <p:txBody>
+          <a:bodyPr/>
+          <a:lstStyle/>
+          <a:p>
+            <a:r>
+              <a:rPr lang="en-US" dirty="0" smtClean="0"/>
+              <a:t>1.5. Yêu cầu phần mềm | Thẩm định yêu cầu</a:t>
+            </a:r>
+            <a:endParaRPr lang="en-US" dirty="0"/>
+          </a:p>
+        </p:txBody>
+      </p:sp>
+    </p:spTree>
+    <p:extLst>
+      <p:ext uri="{BB962C8B-B14F-4D97-AF65-F5344CB8AC3E}">
+        <p14:creationId xmlns:p14="http://schemas.microsoft.com/office/powerpoint/2010/main" val="3152688734"/>
+      </p:ext>
+    </p:extLst>
+  </p:cSld>
+  <p:clrMapOvr>
+    <a:masterClrMapping/>
+  </p:clrMapOvr>
+  <p:timing>
+    <p:tnLst>
+      <p:par>
+        <p:cTn id="1" dur="indefinite" restart="never" nodeType="tmRoot"/>
+      </p:par>
+    </p:tnLst>
+  </p:timing>
+</p:sld>
+</file>
+
+<file path=ppt/slides/slide19.xml><?xml version="1.0" encoding="utf-8"?>
+<p:sld xmlns:a="http://schemas.openxmlformats.org/drawingml/2006/main" xmlns:r="http://schemas.openxmlformats.org/officeDocument/2006/relationships" xmlns:p="http://schemas.openxmlformats.org/presentationml/2006/main">
+  <p:cSld>
+    <p:spTree>
+      <p:nvGrpSpPr>
+        <p:cNvPr id="1" name=""/>
+        <p:cNvGrpSpPr/>
+        <p:nvPr/>
+      </p:nvGrpSpPr>
+      <p:grpSpPr>
+        <a:xfrm>
+          <a:off x="0" y="0"/>
+          <a:ext cx="0" cy="0"/>
+          <a:chOff x="0" y="0"/>
+          <a:chExt cx="0" cy="0"/>
+        </a:xfrm>
+      </p:grpSpPr>
+      <p:sp>
+        <p:nvSpPr>
+          <p:cNvPr id="2" name="Title 1"/>
+          <p:cNvSpPr>
+            <a:spLocks noGrp="1"/>
+          </p:cNvSpPr>
+          <p:nvPr>
+            <p:ph type="title"/>
+          </p:nvPr>
+        </p:nvSpPr>
+        <p:spPr/>
+        <p:txBody>
+          <a:bodyPr/>
+          <a:lstStyle/>
+          <a:p>
+            <a:r>
+              <a:rPr lang="en-US" dirty="0" smtClean="0"/>
+              <a:t>Kỹ thuật thẩm định</a:t>
+            </a:r>
+            <a:endParaRPr lang="en-US" dirty="0"/>
+          </a:p>
+        </p:txBody>
+      </p:sp>
+      <p:sp>
+        <p:nvSpPr>
+          <p:cNvPr id="5" name="Content Placeholder 2"/>
+          <p:cNvSpPr>
+            <a:spLocks noGrp="1"/>
+          </p:cNvSpPr>
+          <p:nvPr>
+            <p:ph idx="1"/>
+          </p:nvPr>
+        </p:nvSpPr>
+        <p:spPr>
+          <a:xfrm>
+            <a:off x="628650" y="1825625"/>
+            <a:ext cx="7886700" cy="4351338"/>
+          </a:xfrm>
+        </p:spPr>
+        <p:txBody>
+          <a:bodyPr/>
+          <a:lstStyle/>
+          <a:p>
+            <a:r>
+              <a:rPr lang="en-US" sz="2000" b="1" dirty="0"/>
+              <a:t>Duyệt yêu cầu – Requirements reviews</a:t>
+            </a:r>
+          </a:p>
+          <a:p>
+            <a:pPr lvl="1">
+              <a:buFont typeface="Wingdings" panose="05000000000000000000" pitchFamily="2" charset="2"/>
+              <a:buChar char="Ø"/>
+            </a:pPr>
+            <a:r>
+              <a:rPr lang="vi-VN" sz="1600" dirty="0"/>
+              <a:t>Đọc và phân tích lại một cách có hệ thống (không dùng chương trình tự động).</a:t>
+            </a:r>
+          </a:p>
+          <a:p>
+            <a:pPr lvl="1">
+              <a:buFont typeface="Wingdings" panose="05000000000000000000" pitchFamily="2" charset="2"/>
+              <a:buChar char="Ø"/>
+            </a:pPr>
+            <a:endParaRPr lang="vi-VN" sz="1600" dirty="0"/>
+          </a:p>
+          <a:p>
+            <a:r>
+              <a:rPr lang="en-US" sz="2000" b="1" dirty="0"/>
+              <a:t>Phiên bản thử nghiệm – Prototyping</a:t>
+            </a:r>
+          </a:p>
+          <a:p>
+            <a:pPr lvl="1">
+              <a:buFont typeface="Wingdings" panose="05000000000000000000" pitchFamily="2" charset="2"/>
+              <a:buChar char="Ø"/>
+            </a:pPr>
+            <a:r>
+              <a:rPr lang="vi-VN" sz="1600" dirty="0"/>
+              <a:t>Dùng một mô hình chạy được của hệ thống để kiểm tra các yêu cầu </a:t>
+            </a:r>
+            <a:endParaRPr lang="en-US" sz="1600" dirty="0" smtClean="0"/>
+          </a:p>
+          <a:p>
+            <a:pPr lvl="1">
+              <a:buFont typeface="Wingdings" panose="05000000000000000000" pitchFamily="2" charset="2"/>
+              <a:buChar char="Ø"/>
+            </a:pPr>
+            <a:endParaRPr lang="vi-VN" sz="1600" dirty="0"/>
+          </a:p>
+          <a:p>
+            <a:r>
+              <a:rPr lang="en-US" sz="2000" b="1" dirty="0"/>
+              <a:t>Thẩm định mô hình - Model Validation</a:t>
+            </a:r>
+          </a:p>
+          <a:p>
+            <a:pPr lvl="1">
+              <a:buFont typeface="Wingdings" panose="05000000000000000000" pitchFamily="2" charset="2"/>
+              <a:buChar char="Ø"/>
+            </a:pPr>
+            <a:r>
+              <a:rPr lang="vi-VN" sz="1600" dirty="0"/>
+              <a:t>Để xác nhận chất lượng của các mô hình phát triển trong quá trình phân tích</a:t>
+            </a:r>
+          </a:p>
+          <a:p>
+            <a:pPr marL="342900" lvl="1" indent="0">
+              <a:buNone/>
+            </a:pPr>
+            <a:endParaRPr lang="vi-VN" sz="1600" dirty="0"/>
+          </a:p>
+          <a:p>
+            <a:r>
+              <a:rPr lang="en-US" sz="2000" b="1" dirty="0"/>
+              <a:t>Kiểm thử chấp nhận sản phẩm - Acceptance Tests</a:t>
+            </a:r>
+          </a:p>
+          <a:p>
+            <a:pPr lvl="1">
+              <a:buFont typeface="Wingdings" panose="05000000000000000000" pitchFamily="2" charset="2"/>
+              <a:buChar char="Ø"/>
+            </a:pPr>
+            <a:r>
+              <a:rPr lang="vi-VN" sz="1600" dirty="0"/>
+              <a:t>Chứng minh phần mềm thỏa mãn tất cả yêu cầu của khách hàng và khách hàng chấp nhận sản </a:t>
+            </a:r>
+            <a:r>
+              <a:rPr lang="vi-VN" sz="1600" dirty="0" smtClean="0"/>
+              <a:t>phẩm</a:t>
+            </a:r>
+            <a:r>
+              <a:rPr lang="en-US" sz="1600" dirty="0" smtClean="0"/>
+              <a:t>.</a:t>
+            </a:r>
+          </a:p>
+          <a:p>
+            <a:pPr lvl="1">
+              <a:buFont typeface="Wingdings" panose="05000000000000000000" pitchFamily="2" charset="2"/>
+              <a:buChar char="Ø"/>
+            </a:pPr>
+            <a:endParaRPr lang="vi-VN" sz="1600" dirty="0" smtClean="0"/>
+          </a:p>
+          <a:p>
+            <a:pPr lvl="1">
+              <a:buFont typeface="Wingdings" panose="05000000000000000000" pitchFamily="2" charset="2"/>
+              <a:buChar char="Ø"/>
+            </a:pPr>
+            <a:endParaRPr lang="vi-VN" sz="1600" dirty="0"/>
+          </a:p>
+          <a:p>
+            <a:pPr marL="342900" lvl="1" indent="0">
+              <a:buNone/>
+            </a:pPr>
+            <a:endParaRPr lang="en-US" sz="1600" dirty="0" smtClean="0"/>
+          </a:p>
+        </p:txBody>
+      </p:sp>
+      <p:sp>
+        <p:nvSpPr>
+          <p:cNvPr id="6" name="Content Placeholder 3"/>
+          <p:cNvSpPr>
+            <a:spLocks noGrp="1"/>
+          </p:cNvSpPr>
+          <p:nvPr>
+            <p:ph sz="quarter" idx="13"/>
+          </p:nvPr>
+        </p:nvSpPr>
+        <p:spPr>
+          <a:xfrm>
+            <a:off x="2362200" y="381000"/>
+            <a:ext cx="5257800" cy="381000"/>
+          </a:xfrm>
+        </p:spPr>
+        <p:txBody>
+          <a:bodyPr/>
+          <a:lstStyle/>
+          <a:p>
+            <a:r>
+              <a:rPr lang="en-US" dirty="0" smtClean="0"/>
+              <a:t>1.5. Yêu cầu phần mềm | Thẩm định yêu cầu</a:t>
+            </a:r>
+            <a:endParaRPr lang="en-US" dirty="0"/>
+          </a:p>
+        </p:txBody>
+      </p:sp>
+    </p:spTree>
+    <p:extLst>
+      <p:ext uri="{BB962C8B-B14F-4D97-AF65-F5344CB8AC3E}">
+        <p14:creationId xmlns:p14="http://schemas.microsoft.com/office/powerpoint/2010/main" val="1521665233"/>
+      </p:ext>
+    </p:extLst>
+  </p:cSld>
+  <p:clrMapOvr>
+    <a:masterClrMapping/>
+  </p:clrMapOvr>
+  <p:timing>
+    <p:tnLst>
+      <p:par>
+        <p:cTn id="1" dur="indefinite" restart="never" nodeType="tmRoot"/>
+      </p:par>
+    </p:tnLst>
+  </p:timing>
+</p:sld>
+</file>
+
 <file path=ppt/slides/slide2.xml><?xml version="1.0" encoding="utf-8"?>
 <p:sld xmlns:a="http://schemas.openxmlformats.org/drawingml/2006/main" xmlns:r="http://schemas.openxmlformats.org/officeDocument/2006/relationships" xmlns:p="http://schemas.openxmlformats.org/presentationml/2006/main">
   <p:cSld>
@@ -4473,6 +6107,19 @@
                 <a:cs typeface="Verdana" panose="020B0604030504040204" pitchFamily="34" charset="0"/>
               </a:rPr>
               <a:t>1.3. </a:t>
+            </a:r>
+            <a:r>
+              <a:rPr lang="en-US" dirty="0" smtClean="0">
+                <a:solidFill>
+                  <a:schemeClr val="bg1">
+                    <a:lumMod val="50000"/>
+                  </a:schemeClr>
+                </a:solidFill>
+                <a:latin typeface="Verdana" panose="020B0604030504040204" pitchFamily="34" charset="0"/>
+                <a:ea typeface="Verdana" panose="020B0604030504040204" pitchFamily="34" charset="0"/>
+                <a:cs typeface="Verdana" panose="020B0604030504040204" pitchFamily="34" charset="0"/>
+              </a:rPr>
+              <a:t>Phân tích yêu cầu</a:t>
             </a:r>
             <a:endParaRPr lang="en-US" dirty="0">
               <a:solidFill>
@@ -4938,6 +6585,19 @@
               </a:rPr>
               <a:t>1.3. </a:t>
             </a:r>
+            <a:r>
+              <a:rPr lang="en-US" dirty="0">
+                <a:solidFill>
+                  <a:schemeClr val="bg1">
+                    <a:lumMod val="50000"/>
+                  </a:schemeClr>
+                </a:solidFill>
+                <a:latin typeface="Verdana" panose="020B0604030504040204" pitchFamily="34" charset="0"/>
+                <a:ea typeface="Verdana" panose="020B0604030504040204" pitchFamily="34" charset="0"/>
+                <a:cs typeface="Verdana" panose="020B0604030504040204" pitchFamily="34" charset="0"/>
+              </a:rPr>
+              <a:t>Phân tích yêu cầu</a:t>
+            </a:r>
             <a:endParaRPr lang="en-US" dirty="0">
               <a:latin typeface="Verdana" panose="020B0604030504040204" pitchFamily="34" charset="0"/>
               <a:ea typeface="Verdana" panose="020B0604030504040204" pitchFamily="34" charset="0"/>
@@ -5453,6 +7113,19 @@
                 <a:cs typeface="Verdana" panose="020B0604030504040204" pitchFamily="34" charset="0"/>
               </a:rPr>
               <a:t>1.3. </a:t>
+            </a:r>
+            <a:r>
+              <a:rPr lang="en-US" dirty="0">
+                <a:solidFill>
+                  <a:schemeClr val="bg1">
+                    <a:lumMod val="50000"/>
+                  </a:schemeClr>
+                </a:solidFill>
+                <a:latin typeface="Verdana" panose="020B0604030504040204" pitchFamily="34" charset="0"/>
+                <a:ea typeface="Verdana" panose="020B0604030504040204" pitchFamily="34" charset="0"/>
+                <a:cs typeface="Verdana" panose="020B0604030504040204" pitchFamily="34" charset="0"/>
+              </a:rPr>
+              <a:t>Phân tích yêu cầu</a:t>
             </a:r>
             <a:endParaRPr lang="en-US" dirty="0">
               <a:latin typeface="Verdana" panose="020B0604030504040204" pitchFamily="34" charset="0"/>

--- a/slide/dev/chapter_1/slide.pptx
+++ b/slide/dev/chapter_1/slide.pptx
@@ -5,7 +5,7 @@
     <p:sldMasterId id="2147483703" r:id="rId2"/>
   </p:sldMasterIdLst>
   <p:notesMasterIdLst>
-    <p:notesMasterId r:id="rId22"/>
+    <p:notesMasterId r:id="rId24"/>
   </p:notesMasterIdLst>
   <p:sldIdLst>
     <p:sldId id="256" r:id="rId3"/>
@@ -20,13 +20,15 @@
     <p:sldId id="267" r:id="rId12"/>
     <p:sldId id="268" r:id="rId13"/>
     <p:sldId id="269" r:id="rId14"/>
-    <p:sldId id="270" r:id="rId15"/>
-    <p:sldId id="271" r:id="rId16"/>
-    <p:sldId id="272" r:id="rId17"/>
-    <p:sldId id="273" r:id="rId18"/>
-    <p:sldId id="274" r:id="rId19"/>
-    <p:sldId id="275" r:id="rId20"/>
+    <p:sldId id="277" r:id="rId15"/>
+    <p:sldId id="270" r:id="rId16"/>
+    <p:sldId id="271" r:id="rId17"/>
+    <p:sldId id="272" r:id="rId18"/>
+    <p:sldId id="273" r:id="rId19"/>
+    <p:sldId id="274" r:id="rId20"/>
     <p:sldId id="276" r:id="rId21"/>
+    <p:sldId id="279" r:id="rId22"/>
+    <p:sldId id="278" r:id="rId23"/>
   </p:sldIdLst>
   <p:sldSz cx="9144000" cy="6858000" type="screen4x3"/>
   <p:notesSz cx="6858000" cy="9144000"/>
@@ -4475,28 +4477,14 @@
               </a:rPr>
               <a:t>1.3. </a:t>
             </a:r>
-            <a:r>
-              <a:rPr lang="en-US" dirty="0">
-                <a:solidFill>
-                  <a:srgbClr val="FF1111"/>
-                </a:solidFill>
-                <a:latin typeface="Verdana" panose="020B0604030504040204" pitchFamily="34" charset="0"/>
-                <a:ea typeface="Verdana" panose="020B0604030504040204" pitchFamily="34" charset="0"/>
-                <a:cs typeface="Verdana" panose="020B0604030504040204" pitchFamily="34" charset="0"/>
-              </a:rPr>
-              <a:t>Phân tích </a:t>
-            </a:r>
-            <a:r>
-              <a:rPr lang="en-US" dirty="0" smtClean="0">
-                <a:solidFill>
-                  <a:srgbClr val="FF1111"/>
-                </a:solidFill>
-                <a:latin typeface="Verdana" panose="020B0604030504040204" pitchFamily="34" charset="0"/>
-                <a:ea typeface="Verdana" panose="020B0604030504040204" pitchFamily="34" charset="0"/>
-                <a:cs typeface="Verdana" panose="020B0604030504040204" pitchFamily="34" charset="0"/>
-              </a:rPr>
-              <a:t>yêu cầu</a:t>
-            </a:r>
+            <a:endParaRPr lang="en-US" dirty="0" smtClean="0">
+              <a:solidFill>
+                <a:srgbClr val="FF1111"/>
+              </a:solidFill>
+              <a:latin typeface="Verdana" panose="020B0604030504040204" pitchFamily="34" charset="0"/>
+              <a:ea typeface="Verdana" panose="020B0604030504040204" pitchFamily="34" charset="0"/>
+              <a:cs typeface="Verdana" panose="020B0604030504040204" pitchFamily="34" charset="0"/>
+            </a:endParaRPr>
           </a:p>
           <a:p>
             <a:r>
@@ -4510,7 +4498,7 @@
                 <a:ea typeface="Verdana" panose="020B0604030504040204" pitchFamily="34" charset="0"/>
                 <a:cs typeface="Verdana" panose="020B0604030504040204" pitchFamily="34" charset="0"/>
               </a:rPr>
-              <a:t>1.4. Đặc tả yêu cầu</a:t>
+              <a:t>1.4. Phân tích yêu cầu</a:t>
             </a:r>
             <a:endParaRPr lang="en-US" dirty="0">
               <a:solidFill>
@@ -4636,171 +4624,173 @@
           <a:lstStyle/>
           <a:p>
             <a:r>
-              <a:rPr lang="en-US" dirty="0" smtClean="0"/>
+              <a:rPr lang="en-US" b="1" dirty="0" smtClean="0">
+                <a:latin typeface="Verdana" panose="020B0604030504040204" pitchFamily="34" charset="0"/>
+                <a:ea typeface="Verdana" panose="020B0604030504040204" pitchFamily="34" charset="0"/>
+                <a:cs typeface="Verdana" panose="020B0604030504040204" pitchFamily="34" charset="0"/>
+              </a:rPr>
+              <a:t>YÊU CẦU PHẦN MỀM</a:t>
+            </a:r>
+            <a:endParaRPr lang="en-US" b="1" dirty="0">
+              <a:latin typeface="Verdana" panose="020B0604030504040204" pitchFamily="34" charset="0"/>
+              <a:ea typeface="Verdana" panose="020B0604030504040204" pitchFamily="34" charset="0"/>
+              <a:cs typeface="Verdana" panose="020B0604030504040204" pitchFamily="34" charset="0"/>
+            </a:endParaRPr>
+          </a:p>
+        </p:txBody>
+      </p:sp>
+      <p:sp>
+        <p:nvSpPr>
+          <p:cNvPr id="3" name="Text Placeholder 2"/>
+          <p:cNvSpPr>
+            <a:spLocks noGrp="1"/>
+          </p:cNvSpPr>
+          <p:nvPr>
+            <p:ph type="body" idx="1"/>
+          </p:nvPr>
+        </p:nvSpPr>
+        <p:spPr/>
+        <p:txBody>
+          <a:bodyPr/>
+          <a:lstStyle/>
+          <a:p>
+            <a:r>
+              <a:rPr lang="en-US" dirty="0" smtClean="0">
+                <a:latin typeface="Verdana" panose="020B0604030504040204" pitchFamily="34" charset="0"/>
+                <a:ea typeface="Verdana" panose="020B0604030504040204" pitchFamily="34" charset="0"/>
+                <a:cs typeface="Verdana" panose="020B0604030504040204" pitchFamily="34" charset="0"/>
+              </a:rPr>
+              <a:t>CHƯƠNG 1</a:t>
+            </a:r>
+          </a:p>
+          <a:p>
+            <a:r>
+              <a:rPr lang="en-US" dirty="0" smtClean="0">
+                <a:solidFill>
+                  <a:schemeClr val="bg1">
+                    <a:lumMod val="50000"/>
+                  </a:schemeClr>
+                </a:solidFill>
+                <a:latin typeface="Verdana" panose="020B0604030504040204" pitchFamily="34" charset="0"/>
+                <a:ea typeface="Verdana" panose="020B0604030504040204" pitchFamily="34" charset="0"/>
+                <a:cs typeface="Verdana" panose="020B0604030504040204" pitchFamily="34" charset="0"/>
+              </a:rPr>
+              <a:t>1.3. </a:t>
+            </a:r>
+          </a:p>
+          <a:p>
+            <a:r>
+              <a:rPr lang="en-US" dirty="0" smtClean="0">
+                <a:solidFill>
+                  <a:srgbClr val="FF1111"/>
+                </a:solidFill>
+                <a:latin typeface="Verdana" panose="020B0604030504040204" pitchFamily="34" charset="0"/>
+                <a:ea typeface="Verdana" panose="020B0604030504040204" pitchFamily="34" charset="0"/>
+                <a:cs typeface="Verdana" panose="020B0604030504040204" pitchFamily="34" charset="0"/>
+              </a:rPr>
+              <a:t>1.4. </a:t>
+            </a:r>
+            <a:r>
+              <a:rPr lang="en-US" dirty="0" smtClean="0">
+                <a:solidFill>
+                  <a:srgbClr val="FF1111"/>
+                </a:solidFill>
+                <a:latin typeface="Verdana" panose="020B0604030504040204" pitchFamily="34" charset="0"/>
+                <a:ea typeface="Verdana" panose="020B0604030504040204" pitchFamily="34" charset="0"/>
+                <a:cs typeface="Verdana" panose="020B0604030504040204" pitchFamily="34" charset="0"/>
+              </a:rPr>
               <a:t>Phân tích yêu cầu</a:t>
             </a:r>
-            <a:endParaRPr lang="en-US" dirty="0"/>
-          </a:p>
-        </p:txBody>
-      </p:sp>
-      <p:sp>
-        <p:nvSpPr>
-          <p:cNvPr id="5" name="Content Placeholder 2"/>
-          <p:cNvSpPr>
-            <a:spLocks noGrp="1"/>
-          </p:cNvSpPr>
-          <p:nvPr>
-            <p:ph idx="1"/>
-          </p:nvPr>
+          </a:p>
+          <a:p>
+            <a:r>
+              <a:rPr lang="en-US" dirty="0" smtClean="0">
+                <a:solidFill>
+                  <a:schemeClr val="bg1">
+                    <a:lumMod val="50000"/>
+                  </a:schemeClr>
+                </a:solidFill>
+                <a:latin typeface="Verdana" panose="020B0604030504040204" pitchFamily="34" charset="0"/>
+                <a:ea typeface="Verdana" panose="020B0604030504040204" pitchFamily="34" charset="0"/>
+                <a:cs typeface="Verdana" panose="020B0604030504040204" pitchFamily="34" charset="0"/>
+              </a:rPr>
+              <a:t>1.5. Đặc tả yêu cầu</a:t>
+            </a:r>
+            <a:endParaRPr lang="en-US" dirty="0">
+              <a:solidFill>
+                <a:schemeClr val="bg1">
+                  <a:lumMod val="50000"/>
+                </a:schemeClr>
+              </a:solidFill>
+              <a:latin typeface="Verdana" panose="020B0604030504040204" pitchFamily="34" charset="0"/>
+              <a:ea typeface="Verdana" panose="020B0604030504040204" pitchFamily="34" charset="0"/>
+              <a:cs typeface="Verdana" panose="020B0604030504040204" pitchFamily="34" charset="0"/>
+            </a:endParaRPr>
+          </a:p>
+          <a:p>
+            <a:endParaRPr lang="en-US" dirty="0">
+              <a:solidFill>
+                <a:srgbClr val="FF1111"/>
+              </a:solidFill>
+              <a:latin typeface="Verdana" panose="020B0604030504040204" pitchFamily="34" charset="0"/>
+              <a:ea typeface="Verdana" panose="020B0604030504040204" pitchFamily="34" charset="0"/>
+              <a:cs typeface="Verdana" panose="020B0604030504040204" pitchFamily="34" charset="0"/>
+            </a:endParaRPr>
+          </a:p>
+        </p:txBody>
+      </p:sp>
+      <p:sp>
+        <p:nvSpPr>
+          <p:cNvPr id="4" name="Isosceles Triangle 3"/>
+          <p:cNvSpPr/>
+          <p:nvPr/>
         </p:nvSpPr>
         <p:spPr>
-          <a:xfrm>
-            <a:off x="628650" y="1825625"/>
-            <a:ext cx="7886700" cy="4351338"/>
+          <a:xfrm flipV="1">
+            <a:off x="762000" y="6089651"/>
+            <a:ext cx="304800" cy="158749"/>
           </a:xfrm>
+          <a:prstGeom prst="triangle">
+            <a:avLst/>
+          </a:prstGeom>
+          <a:solidFill>
+            <a:schemeClr val="bg1">
+              <a:lumMod val="75000"/>
+            </a:schemeClr>
+          </a:solidFill>
+          <a:ln>
+            <a:noFill/>
+          </a:ln>
         </p:spPr>
-        <p:txBody>
-          <a:bodyPr/>
-          <a:lstStyle/>
-          <a:p>
-            <a:r>
-              <a:rPr lang="en-US" sz="2000" b="1" dirty="0" smtClean="0"/>
-              <a:t>Phân loại yêu cầu</a:t>
-            </a:r>
-            <a:endParaRPr lang="vi-VN" sz="2000" b="1" dirty="0" smtClean="0"/>
-          </a:p>
-          <a:p>
-            <a:pPr lvl="1">
-              <a:buFont typeface="Wingdings" panose="05000000000000000000" pitchFamily="2" charset="2"/>
-              <a:buChar char="Ø"/>
-            </a:pPr>
-            <a:r>
-              <a:rPr lang="vi-VN" sz="1600" dirty="0"/>
-              <a:t>Phân loại theo yêu cầu chức năng hoặc phi chức năng</a:t>
-            </a:r>
-          </a:p>
-          <a:p>
-            <a:pPr lvl="1">
-              <a:buFont typeface="Wingdings" panose="05000000000000000000" pitchFamily="2" charset="2"/>
-              <a:buChar char="Ø"/>
-            </a:pPr>
-            <a:r>
-              <a:rPr lang="vi-VN" sz="1600" dirty="0"/>
-              <a:t>Phân loại theo các yêu cầu đặt ra cho sản phẩm hoặc là trên từng tiến trình</a:t>
-            </a:r>
-          </a:p>
-          <a:p>
-            <a:pPr lvl="1">
-              <a:buFont typeface="Wingdings" panose="05000000000000000000" pitchFamily="2" charset="2"/>
-              <a:buChar char="Ø"/>
-            </a:pPr>
-            <a:r>
-              <a:rPr lang="vi-VN" sz="1600" dirty="0"/>
-              <a:t>Phân loại theo độ ưu tiên phần mềm</a:t>
-            </a:r>
-          </a:p>
-          <a:p>
-            <a:pPr lvl="1">
-              <a:buFont typeface="Wingdings" panose="05000000000000000000" pitchFamily="2" charset="2"/>
-              <a:buChar char="Ø"/>
-            </a:pPr>
-            <a:r>
-              <a:rPr lang="vi-VN" sz="1600" dirty="0"/>
-              <a:t>Phân theo phạm vi yêu cầu phần mềm</a:t>
-            </a:r>
-          </a:p>
-          <a:p>
-            <a:pPr lvl="1">
-              <a:buFont typeface="Wingdings" panose="05000000000000000000" pitchFamily="2" charset="2"/>
-              <a:buChar char="Ø"/>
-            </a:pPr>
-            <a:r>
-              <a:rPr lang="vi-VN" sz="1600" dirty="0"/>
-              <a:t>Phân loại theo độ dễ biến động/ tính ổn </a:t>
-            </a:r>
-            <a:r>
-              <a:rPr lang="vi-VN" sz="1600" dirty="0" smtClean="0"/>
-              <a:t>định</a:t>
-            </a:r>
-            <a:endParaRPr lang="en-US" sz="1600" dirty="0" smtClean="0"/>
-          </a:p>
-          <a:p>
-            <a:pPr lvl="1">
-              <a:buFont typeface="Wingdings" panose="05000000000000000000" pitchFamily="2" charset="2"/>
-              <a:buChar char="Ø"/>
-            </a:pPr>
-            <a:endParaRPr lang="vi-VN" sz="1600" dirty="0"/>
-          </a:p>
-          <a:p>
-            <a:r>
-              <a:rPr lang="en-US" sz="2000" b="1" dirty="0" smtClean="0"/>
-              <a:t>Mô hình hóa khái niệm</a:t>
-            </a:r>
-          </a:p>
-          <a:p>
-            <a:pPr lvl="1">
-              <a:buFont typeface="Wingdings" panose="05000000000000000000" pitchFamily="2" charset="2"/>
-              <a:buChar char="Ø"/>
-            </a:pPr>
-            <a:r>
-              <a:rPr lang="vi-VN" sz="1600" dirty="0"/>
-              <a:t>Mục đích của nó là để hiểu được những vấn đề xảy ra cũng như miêu tả một giải pháp</a:t>
-            </a:r>
-          </a:p>
-          <a:p>
-            <a:pPr lvl="1">
-              <a:buFont typeface="Wingdings" panose="05000000000000000000" pitchFamily="2" charset="2"/>
-              <a:buChar char="Ø"/>
-            </a:pPr>
-            <a:endParaRPr lang="en-US" sz="1600" dirty="0" smtClean="0"/>
-          </a:p>
-          <a:p>
-            <a:r>
-              <a:rPr lang="en-US" sz="2000" b="1" dirty="0" smtClean="0"/>
-              <a:t>Thiết kế kiến trúc và các yêu cầu phân bổ</a:t>
-            </a:r>
-            <a:endParaRPr lang="en-US" sz="2000" b="1" dirty="0"/>
-          </a:p>
-          <a:p>
-            <a:pPr marL="342900" lvl="1" indent="0">
-              <a:buNone/>
-            </a:pPr>
-            <a:endParaRPr lang="en-US" sz="1600" dirty="0" smtClean="0"/>
-          </a:p>
-        </p:txBody>
-      </p:sp>
-      <p:sp>
-        <p:nvSpPr>
-          <p:cNvPr id="6" name="Content Placeholder 3"/>
-          <p:cNvSpPr>
-            <a:spLocks noGrp="1"/>
-          </p:cNvSpPr>
-          <p:nvPr>
-            <p:ph sz="quarter" idx="13"/>
-          </p:nvPr>
-        </p:nvSpPr>
-        <p:spPr>
-          <a:xfrm>
-            <a:off x="2362200" y="381000"/>
-            <a:ext cx="5257800" cy="381000"/>
-          </a:xfrm>
-        </p:spPr>
-        <p:txBody>
-          <a:bodyPr/>
-          <a:lstStyle/>
-          <a:p>
-            <a:r>
-              <a:rPr lang="en-US" dirty="0" smtClean="0"/>
-              <a:t>1.3. Yêu cầu phần mềm | Phân tích yêu cầu</a:t>
-            </a:r>
-            <a:endParaRPr lang="en-US" dirty="0"/>
+        <p:style>
+          <a:lnRef idx="2">
+            <a:schemeClr val="accent1">
+              <a:shade val="50000"/>
+            </a:schemeClr>
+          </a:lnRef>
+          <a:fillRef idx="1">
+            <a:schemeClr val="accent1"/>
+          </a:fillRef>
+          <a:effectRef idx="0">
+            <a:schemeClr val="accent1"/>
+          </a:effectRef>
+          <a:fontRef idx="minor">
+            <a:schemeClr val="lt1"/>
+          </a:fontRef>
+        </p:style>
+        <p:txBody>
+          <a:bodyPr rtlCol="0" anchor="ctr"/>
+          <a:lstStyle/>
+          <a:p>
+            <a:pPr algn="ctr"/>
+            <a:endParaRPr lang="en-US"/>
           </a:p>
         </p:txBody>
       </p:sp>
     </p:spTree>
     <p:extLst>
       <p:ext uri="{BB962C8B-B14F-4D97-AF65-F5344CB8AC3E}">
-        <p14:creationId xmlns:p14="http://schemas.microsoft.com/office/powerpoint/2010/main" val="2795674298"/>
+        <p14:creationId xmlns:p14="http://schemas.microsoft.com/office/powerpoint/2010/main" val="2134712727"/>
       </p:ext>
     </p:extLst>
   </p:cSld>
@@ -4878,9 +4868,10 @@
           <a:lstStyle/>
           <a:p>
             <a:r>
-              <a:rPr lang="en-US" sz="2000" b="1" dirty="0"/>
-              <a:t>Sự đàm phán của các yêu cầu</a:t>
-            </a:r>
+              <a:rPr lang="en-US" sz="2000" b="1" dirty="0" smtClean="0"/>
+              <a:t>Phân loại yêu cầu</a:t>
+            </a:r>
+            <a:endParaRPr lang="vi-VN" sz="2000" b="1" dirty="0" smtClean="0"/>
           </a:p>
           <a:p>
             <a:pPr lvl="1">
@@ -4889,8 +4880,53 @@
             </a:pPr>
             <a:r>
               <a:rPr lang="vi-VN" sz="1600" dirty="0"/>
-              <a:t>Giải quyết các vấn đề xung đột  giữa các yêu cầu và nguồn lực hoặc giữa yêu cầu chức năng và yêu cầu phi chức năng.</a:t>
-            </a:r>
+              <a:t>Phân loại theo yêu cầu chức năng hoặc phi chức năng</a:t>
+            </a:r>
+          </a:p>
+          <a:p>
+            <a:pPr lvl="1">
+              <a:buFont typeface="Wingdings" panose="05000000000000000000" pitchFamily="2" charset="2"/>
+              <a:buChar char="Ø"/>
+            </a:pPr>
+            <a:r>
+              <a:rPr lang="vi-VN" sz="1600" dirty="0"/>
+              <a:t>Phân loại theo các yêu cầu đặt ra cho sản phẩm hoặc là trên từng tiến trình</a:t>
+            </a:r>
+          </a:p>
+          <a:p>
+            <a:pPr lvl="1">
+              <a:buFont typeface="Wingdings" panose="05000000000000000000" pitchFamily="2" charset="2"/>
+              <a:buChar char="Ø"/>
+            </a:pPr>
+            <a:r>
+              <a:rPr lang="vi-VN" sz="1600" dirty="0"/>
+              <a:t>Phân loại theo độ ưu tiên phần mềm</a:t>
+            </a:r>
+          </a:p>
+          <a:p>
+            <a:pPr lvl="1">
+              <a:buFont typeface="Wingdings" panose="05000000000000000000" pitchFamily="2" charset="2"/>
+              <a:buChar char="Ø"/>
+            </a:pPr>
+            <a:r>
+              <a:rPr lang="vi-VN" sz="1600" dirty="0"/>
+              <a:t>Phân theo phạm vi yêu cầu phần mềm</a:t>
+            </a:r>
+          </a:p>
+          <a:p>
+            <a:pPr lvl="1">
+              <a:buFont typeface="Wingdings" panose="05000000000000000000" pitchFamily="2" charset="2"/>
+              <a:buChar char="Ø"/>
+            </a:pPr>
+            <a:r>
+              <a:rPr lang="vi-VN" sz="1600" dirty="0"/>
+              <a:t>Phân loại theo độ dễ biến động/ tính ổn </a:t>
+            </a:r>
+            <a:r>
+              <a:rPr lang="vi-VN" sz="1600" dirty="0" smtClean="0"/>
+              <a:t>định</a:t>
+            </a:r>
+            <a:endParaRPr lang="en-US" sz="1600" dirty="0" smtClean="0"/>
           </a:p>
           <a:p>
             <a:pPr lvl="1">
@@ -4901,8 +4937,8 @@
           </a:p>
           <a:p>
             <a:r>
-              <a:rPr lang="en-US" sz="2000" b="1" dirty="0"/>
-              <a:t>Phân tích chính thức</a:t>
+              <a:rPr lang="en-US" sz="2000" b="1" dirty="0" smtClean="0"/>
+              <a:t>Mô hình hóa khái niệm</a:t>
             </a:r>
           </a:p>
           <a:p>
@@ -4912,7 +4948,7 @@
             </a:pPr>
             <a:r>
               <a:rPr lang="vi-VN" sz="1600" dirty="0"/>
-              <a:t>Phân tích toán học các mô, cộng thêm các buổi họp &amp; giao tiếp thường xuyên với các đối tác</a:t>
+              <a:t>Mục đích của nó là để hiểu được những vấn đề xảy ra cũng như miêu tả một giải pháp</a:t>
             </a:r>
           </a:p>
           <a:p>
@@ -4921,6 +4957,13 @@
               <a:buChar char="Ø"/>
             </a:pPr>
             <a:endParaRPr lang="en-US" sz="1600" dirty="0" smtClean="0"/>
+          </a:p>
+          <a:p>
+            <a:r>
+              <a:rPr lang="en-US" sz="2000" b="1" dirty="0" smtClean="0"/>
+              <a:t>Thiết kế kiến trúc và các yêu cầu phân bổ</a:t>
+            </a:r>
+            <a:endParaRPr lang="en-US" sz="2000" b="1" dirty="0"/>
           </a:p>
           <a:p>
             <a:pPr marL="342900" lvl="1" indent="0">
@@ -4952,7 +4995,7 @@
           <a:p>
             <a:r>
               <a:rPr lang="en-US" dirty="0" smtClean="0"/>
-              <a:t>1.3. Yêu cầu phần mềm | Phân tích yêu cầu</a:t>
+              <a:t>1.4. Yêu cầu phần mềm | Phân tích yêu cầu</a:t>
             </a:r>
             <a:endParaRPr lang="en-US" dirty="0"/>
           </a:p>
@@ -4961,7 +5004,7 @@
     </p:spTree>
     <p:extLst>
       <p:ext uri="{BB962C8B-B14F-4D97-AF65-F5344CB8AC3E}">
-        <p14:creationId xmlns:p14="http://schemas.microsoft.com/office/powerpoint/2010/main" val="3107682899"/>
+        <p14:creationId xmlns:p14="http://schemas.microsoft.com/office/powerpoint/2010/main" val="2795674298"/>
       </p:ext>
     </p:extLst>
   </p:cSld>
@@ -5011,6 +5054,167 @@
           <a:lstStyle/>
           <a:p>
             <a:r>
+              <a:rPr lang="en-US" dirty="0" smtClean="0"/>
+              <a:t>Phân tích yêu cầu</a:t>
+            </a:r>
+            <a:endParaRPr lang="en-US" dirty="0"/>
+          </a:p>
+        </p:txBody>
+      </p:sp>
+      <p:sp>
+        <p:nvSpPr>
+          <p:cNvPr id="5" name="Content Placeholder 2"/>
+          <p:cNvSpPr>
+            <a:spLocks noGrp="1"/>
+          </p:cNvSpPr>
+          <p:nvPr>
+            <p:ph idx="1"/>
+          </p:nvPr>
+        </p:nvSpPr>
+        <p:spPr>
+          <a:xfrm>
+            <a:off x="628650" y="1825625"/>
+            <a:ext cx="7886700" cy="4351338"/>
+          </a:xfrm>
+        </p:spPr>
+        <p:txBody>
+          <a:bodyPr/>
+          <a:lstStyle/>
+          <a:p>
+            <a:r>
+              <a:rPr lang="en-US" sz="2000" b="1" dirty="0"/>
+              <a:t>Sự đàm phán của các yêu cầu</a:t>
+            </a:r>
+          </a:p>
+          <a:p>
+            <a:pPr lvl="1">
+              <a:buFont typeface="Wingdings" panose="05000000000000000000" pitchFamily="2" charset="2"/>
+              <a:buChar char="Ø"/>
+            </a:pPr>
+            <a:r>
+              <a:rPr lang="vi-VN" sz="1600" dirty="0"/>
+              <a:t>Giải quyết các vấn đề xung đột  giữa các yêu cầu và nguồn lực hoặc giữa yêu cầu chức năng và yêu cầu phi chức năng.</a:t>
+            </a:r>
+          </a:p>
+          <a:p>
+            <a:pPr lvl="1">
+              <a:buFont typeface="Wingdings" panose="05000000000000000000" pitchFamily="2" charset="2"/>
+              <a:buChar char="Ø"/>
+            </a:pPr>
+            <a:endParaRPr lang="vi-VN" sz="1600" dirty="0"/>
+          </a:p>
+          <a:p>
+            <a:r>
+              <a:rPr lang="en-US" sz="2000" b="1" dirty="0"/>
+              <a:t>Phân tích chính thức</a:t>
+            </a:r>
+          </a:p>
+          <a:p>
+            <a:pPr lvl="1">
+              <a:buFont typeface="Wingdings" panose="05000000000000000000" pitchFamily="2" charset="2"/>
+              <a:buChar char="Ø"/>
+            </a:pPr>
+            <a:r>
+              <a:rPr lang="vi-VN" sz="1600" dirty="0"/>
+              <a:t>Phân tích toán học các mô, cộng thêm các buổi họp &amp; giao tiếp thường xuyên với các đối tác</a:t>
+            </a:r>
+          </a:p>
+          <a:p>
+            <a:pPr lvl="1">
+              <a:buFont typeface="Wingdings" panose="05000000000000000000" pitchFamily="2" charset="2"/>
+              <a:buChar char="Ø"/>
+            </a:pPr>
+            <a:endParaRPr lang="en-US" sz="1600" dirty="0" smtClean="0"/>
+          </a:p>
+          <a:p>
+            <a:pPr marL="342900" lvl="1" indent="0">
+              <a:buNone/>
+            </a:pPr>
+            <a:endParaRPr lang="en-US" sz="1600" dirty="0" smtClean="0"/>
+          </a:p>
+        </p:txBody>
+      </p:sp>
+      <p:sp>
+        <p:nvSpPr>
+          <p:cNvPr id="6" name="Content Placeholder 3"/>
+          <p:cNvSpPr>
+            <a:spLocks noGrp="1"/>
+          </p:cNvSpPr>
+          <p:nvPr>
+            <p:ph sz="quarter" idx="13"/>
+          </p:nvPr>
+        </p:nvSpPr>
+        <p:spPr>
+          <a:xfrm>
+            <a:off x="2362200" y="381000"/>
+            <a:ext cx="5257800" cy="381000"/>
+          </a:xfrm>
+        </p:spPr>
+        <p:txBody>
+          <a:bodyPr/>
+          <a:lstStyle/>
+          <a:p>
+            <a:r>
+              <a:rPr lang="en-US" dirty="0" smtClean="0"/>
+              <a:t>1.4. Yêu cầu phần mềm | Phân tích yêu cầu</a:t>
+            </a:r>
+            <a:endParaRPr lang="en-US" dirty="0"/>
+          </a:p>
+        </p:txBody>
+      </p:sp>
+    </p:spTree>
+    <p:extLst>
+      <p:ext uri="{BB962C8B-B14F-4D97-AF65-F5344CB8AC3E}">
+        <p14:creationId xmlns:p14="http://schemas.microsoft.com/office/powerpoint/2010/main" val="3107682899"/>
+      </p:ext>
+    </p:extLst>
+  </p:cSld>
+  <p:clrMapOvr>
+    <a:masterClrMapping/>
+  </p:clrMapOvr>
+  <p:timing>
+    <p:tnLst>
+      <p:par>
+        <p:cTn id="1" dur="indefinite" restart="never" nodeType="tmRoot"/>
+      </p:par>
+    </p:tnLst>
+  </p:timing>
+</p:sld>
+</file>
+
+<file path=ppt/slides/slide16.xml><?xml version="1.0" encoding="utf-8"?>
+<p:sld xmlns:a="http://schemas.openxmlformats.org/drawingml/2006/main" xmlns:r="http://schemas.openxmlformats.org/officeDocument/2006/relationships" xmlns:p="http://schemas.openxmlformats.org/presentationml/2006/main">
+  <p:cSld>
+    <p:spTree>
+      <p:nvGrpSpPr>
+        <p:cNvPr id="1" name=""/>
+        <p:cNvGrpSpPr/>
+        <p:nvPr/>
+      </p:nvGrpSpPr>
+      <p:grpSpPr>
+        <a:xfrm>
+          <a:off x="0" y="0"/>
+          <a:ext cx="0" cy="0"/>
+          <a:chOff x="0" y="0"/>
+          <a:chExt cx="0" cy="0"/>
+        </a:xfrm>
+      </p:grpSpPr>
+      <p:sp>
+        <p:nvSpPr>
+          <p:cNvPr id="2" name="Title 1"/>
+          <p:cNvSpPr>
+            <a:spLocks noGrp="1"/>
+          </p:cNvSpPr>
+          <p:nvPr>
+            <p:ph type="title"/>
+          </p:nvPr>
+        </p:nvSpPr>
+        <p:spPr/>
+        <p:txBody>
+          <a:bodyPr/>
+          <a:lstStyle/>
+          <a:p>
+            <a:r>
               <a:rPr lang="en-US" b="1" dirty="0" smtClean="0">
                 <a:latin typeface="Verdana" panose="020B0604030504040204" pitchFamily="34" charset="0"/>
                 <a:ea typeface="Verdana" panose="020B0604030504040204" pitchFamily="34" charset="0"/>
@@ -5062,7 +5266,7 @@
                 <a:ea typeface="Verdana" panose="020B0604030504040204" pitchFamily="34" charset="0"/>
                 <a:cs typeface="Verdana" panose="020B0604030504040204" pitchFamily="34" charset="0"/>
               </a:rPr>
-              <a:t>1.3. Phân tích yêu cầu</a:t>
+              <a:t>1.4. Phân tích yêu cầu</a:t>
             </a:r>
             <a:endParaRPr lang="en-US" dirty="0" smtClean="0">
               <a:solidFill>
@@ -5085,7 +5289,7 @@
                 <a:ea typeface="Verdana" panose="020B0604030504040204" pitchFamily="34" charset="0"/>
                 <a:cs typeface="Verdana" panose="020B0604030504040204" pitchFamily="34" charset="0"/>
               </a:rPr>
-              <a:t>1.4. Đặc tả yêu cầu</a:t>
+              <a:t>1.5. Đặc tả yêu cầu</a:t>
             </a:r>
             <a:endParaRPr lang="en-US" dirty="0" smtClean="0">
               <a:solidFill>
@@ -5108,7 +5312,7 @@
                 <a:ea typeface="Verdana" panose="020B0604030504040204" pitchFamily="34" charset="0"/>
                 <a:cs typeface="Verdana" panose="020B0604030504040204" pitchFamily="34" charset="0"/>
               </a:rPr>
-              <a:t>1.5. Thẩm định yêu cầu</a:t>
+              <a:t>1.6. Thẩm định yêu cầu</a:t>
             </a:r>
             <a:endParaRPr lang="en-US" dirty="0">
               <a:solidFill>
@@ -5201,7 +5405,7 @@
 </p:sld>
 </file>
 
-<file path=ppt/slides/slide16.xml><?xml version="1.0" encoding="utf-8"?>
+<file path=ppt/slides/slide17.xml><?xml version="1.0" encoding="utf-8"?>
 <p:sld xmlns:a="http://schemas.openxmlformats.org/drawingml/2006/main" xmlns:r="http://schemas.openxmlformats.org/officeDocument/2006/relationships" xmlns:p="http://schemas.openxmlformats.org/presentationml/2006/main">
   <p:cSld>
     <p:spTree>
@@ -5402,7 +5606,7 @@
           <a:p>
             <a:r>
               <a:rPr lang="en-US" dirty="0" smtClean="0"/>
-              <a:t>1.4. Yêu cầu phần mềm | Đặc tả yêu cầu</a:t>
+              <a:t>1.5. Yêu cầu phần mềm | Đặc tả yêu cầu</a:t>
             </a:r>
             <a:endParaRPr lang="en-US" dirty="0"/>
           </a:p>
@@ -5428,7 +5632,7 @@
 </p:sld>
 </file>
 
-<file path=ppt/slides/slide17.xml><?xml version="1.0" encoding="utf-8"?>
+<file path=ppt/slides/slide18.xml><?xml version="1.0" encoding="utf-8"?>
 <p:sld xmlns:a="http://schemas.openxmlformats.org/drawingml/2006/main" xmlns:r="http://schemas.openxmlformats.org/officeDocument/2006/relationships" xmlns:p="http://schemas.openxmlformats.org/presentationml/2006/main">
   <p:cSld>
     <p:spTree>
@@ -5512,7 +5716,7 @@
                 <a:ea typeface="Verdana" panose="020B0604030504040204" pitchFamily="34" charset="0"/>
                 <a:cs typeface="Verdana" panose="020B0604030504040204" pitchFamily="34" charset="0"/>
               </a:rPr>
-              <a:t>1.4. Đặc tả yêu cầu</a:t>
+              <a:t>1.5. Đặc tả yêu cầu</a:t>
             </a:r>
             <a:endParaRPr lang="en-US" dirty="0" smtClean="0">
               <a:solidFill>
@@ -5535,7 +5739,7 @@
                 <a:ea typeface="Verdana" panose="020B0604030504040204" pitchFamily="34" charset="0"/>
                 <a:cs typeface="Verdana" panose="020B0604030504040204" pitchFamily="34" charset="0"/>
               </a:rPr>
-              <a:t>1.5. Thẩm định yêu cầu</a:t>
+              <a:t>1.6. Thẩm định yêu cầu</a:t>
             </a:r>
             <a:endParaRPr lang="en-US" dirty="0" smtClean="0">
               <a:solidFill>
@@ -5558,7 +5762,7 @@
                 <a:ea typeface="Verdana" panose="020B0604030504040204" pitchFamily="34" charset="0"/>
                 <a:cs typeface="Verdana" panose="020B0604030504040204" pitchFamily="34" charset="0"/>
               </a:rPr>
-              <a:t>1.6. </a:t>
+              <a:t>1.7. Khảo sát hiện trạng</a:t>
             </a:r>
             <a:endParaRPr lang="en-US" dirty="0">
               <a:solidFill>
@@ -5639,134 +5843,6 @@
 </p:sld>
 </file>
 
-<file path=ppt/slides/slide18.xml><?xml version="1.0" encoding="utf-8"?>
-<p:sld xmlns:a="http://schemas.openxmlformats.org/drawingml/2006/main" xmlns:r="http://schemas.openxmlformats.org/officeDocument/2006/relationships" xmlns:p="http://schemas.openxmlformats.org/presentationml/2006/main">
-  <p:cSld>
-    <p:spTree>
-      <p:nvGrpSpPr>
-        <p:cNvPr id="1" name=""/>
-        <p:cNvGrpSpPr/>
-        <p:nvPr/>
-      </p:nvGrpSpPr>
-      <p:grpSpPr>
-        <a:xfrm>
-          <a:off x="0" y="0"/>
-          <a:ext cx="0" cy="0"/>
-          <a:chOff x="0" y="0"/>
-          <a:chExt cx="0" cy="0"/>
-        </a:xfrm>
-      </p:grpSpPr>
-      <p:sp>
-        <p:nvSpPr>
-          <p:cNvPr id="2" name="Title 1"/>
-          <p:cNvSpPr>
-            <a:spLocks noGrp="1"/>
-          </p:cNvSpPr>
-          <p:nvPr>
-            <p:ph type="title"/>
-          </p:nvPr>
-        </p:nvSpPr>
-        <p:spPr/>
-        <p:txBody>
-          <a:bodyPr/>
-          <a:lstStyle/>
-          <a:p>
-            <a:r>
-              <a:rPr lang="en-US" dirty="0" smtClean="0"/>
-              <a:t>Thẩm định yêu cầu</a:t>
-            </a:r>
-            <a:endParaRPr lang="en-US" dirty="0"/>
-          </a:p>
-        </p:txBody>
-      </p:sp>
-      <p:sp>
-        <p:nvSpPr>
-          <p:cNvPr id="5" name="Content Placeholder 2"/>
-          <p:cNvSpPr>
-            <a:spLocks noGrp="1"/>
-          </p:cNvSpPr>
-          <p:nvPr>
-            <p:ph idx="1"/>
-          </p:nvPr>
-        </p:nvSpPr>
-        <p:spPr>
-          <a:xfrm>
-            <a:off x="628650" y="1825625"/>
-            <a:ext cx="7886700" cy="4351338"/>
-          </a:xfrm>
-        </p:spPr>
-        <p:txBody>
-          <a:bodyPr/>
-          <a:lstStyle/>
-          <a:p>
-            <a:r>
-              <a:rPr lang="en-US" sz="2000" dirty="0"/>
-              <a:t>Kiểm tra tính nhất quán của các đặc tả yêu cầu của các sản phẩm phần mềm đang phát triển (thiết kế, thực hiện, …) đối với các đặc tả kỹ thuật.</a:t>
-            </a:r>
-          </a:p>
-          <a:p>
-            <a:pPr lvl="1">
-              <a:buFont typeface="Wingdings" panose="05000000000000000000" pitchFamily="2" charset="2"/>
-              <a:buChar char="Ø"/>
-            </a:pPr>
-            <a:endParaRPr lang="en-US" sz="1600" dirty="0" smtClean="0"/>
-          </a:p>
-          <a:p>
-            <a:pPr marL="342900" lvl="1" indent="0">
-              <a:buNone/>
-            </a:pPr>
-            <a:endParaRPr lang="en-US" sz="1600" dirty="0" smtClean="0"/>
-          </a:p>
-        </p:txBody>
-      </p:sp>
-      <p:sp>
-        <p:nvSpPr>
-          <p:cNvPr id="6" name="Content Placeholder 3"/>
-          <p:cNvSpPr>
-            <a:spLocks noGrp="1"/>
-          </p:cNvSpPr>
-          <p:nvPr>
-            <p:ph sz="quarter" idx="13"/>
-          </p:nvPr>
-        </p:nvSpPr>
-        <p:spPr>
-          <a:xfrm>
-            <a:off x="2362200" y="381000"/>
-            <a:ext cx="5257800" cy="381000"/>
-          </a:xfrm>
-        </p:spPr>
-        <p:txBody>
-          <a:bodyPr/>
-          <a:lstStyle/>
-          <a:p>
-            <a:r>
-              <a:rPr lang="en-US" dirty="0" smtClean="0"/>
-              <a:t>1.5. Yêu cầu phần mềm | Thẩm định yêu cầu</a:t>
-            </a:r>
-            <a:endParaRPr lang="en-US" dirty="0"/>
-          </a:p>
-        </p:txBody>
-      </p:sp>
-    </p:spTree>
-    <p:extLst>
-      <p:ext uri="{BB962C8B-B14F-4D97-AF65-F5344CB8AC3E}">
-        <p14:creationId xmlns:p14="http://schemas.microsoft.com/office/powerpoint/2010/main" val="3152688734"/>
-      </p:ext>
-    </p:extLst>
-  </p:cSld>
-  <p:clrMapOvr>
-    <a:masterClrMapping/>
-  </p:clrMapOvr>
-  <p:timing>
-    <p:tnLst>
-      <p:par>
-        <p:cTn id="1" dur="indefinite" restart="never" nodeType="tmRoot"/>
-      </p:par>
-    </p:tnLst>
-  </p:timing>
-</p:sld>
-</file>
-
 <file path=ppt/slides/slide19.xml><?xml version="1.0" encoding="utf-8"?>
 <p:sld xmlns:a="http://schemas.openxmlformats.org/drawingml/2006/main" xmlns:r="http://schemas.openxmlformats.org/officeDocument/2006/relationships" xmlns:p="http://schemas.openxmlformats.org/presentationml/2006/main">
   <p:cSld>
@@ -5800,8 +5876,8 @@
           <a:lstStyle/>
           <a:p>
             <a:r>
-              <a:rPr lang="en-US" dirty="0" smtClean="0"/>
-              <a:t>Kỹ thuật thẩm định</a:t>
+              <a:rPr lang="en-US" dirty="0"/>
+              <a:t>Thẩm định yêu cầu</a:t>
             </a:r>
             <a:endParaRPr lang="en-US" dirty="0"/>
           </a:p>
@@ -5828,9 +5904,10 @@
           <a:lstStyle/>
           <a:p>
             <a:r>
-              <a:rPr lang="en-US" sz="2000" b="1" dirty="0"/>
-              <a:t>Duyệt yêu cầu – Requirements reviews</a:t>
-            </a:r>
+              <a:rPr lang="en-US" sz="2000" b="1" dirty="0" smtClean="0"/>
+              <a:t>Khái niệm</a:t>
+            </a:r>
+            <a:endParaRPr lang="en-US" sz="2000" b="1" dirty="0"/>
           </a:p>
           <a:p>
             <a:pPr lvl="1">
@@ -5839,8 +5916,13 @@
             </a:pPr>
             <a:r>
               <a:rPr lang="vi-VN" sz="1600" dirty="0"/>
-              <a:t>Đọc và phân tích lại một cách có hệ thống (không dùng chương trình tự động).</a:t>
-            </a:r>
+              <a:t>Thẩm định yêu cầu quan tâm đến việc chứng tở rằng các yêu cầu định nghĩa được hệ thống mà khách hàng thực sự muốn. Việc thẩm định phải đảm bảo dễ yểu, nhất quán và hoàn </a:t>
+            </a:r>
+            <a:r>
+              <a:rPr lang="vi-VN" sz="1600" dirty="0" smtClean="0"/>
+              <a:t>thiện</a:t>
+            </a:r>
+            <a:endParaRPr lang="en-US" sz="1600" dirty="0" smtClean="0"/>
           </a:p>
           <a:p>
             <a:pPr lvl="1">
@@ -5851,9 +5933,10 @@
           </a:p>
           <a:p>
             <a:r>
-              <a:rPr lang="en-US" sz="2000" b="1" dirty="0"/>
-              <a:t>Phiên bản thử nghiệm – Prototyping</a:t>
-            </a:r>
+              <a:rPr lang="en-US" sz="2000" b="1" dirty="0" smtClean="0"/>
+              <a:t>Kỹ thuật thẩm định</a:t>
+            </a:r>
+            <a:endParaRPr lang="en-US" sz="2000" b="1" dirty="0"/>
           </a:p>
           <a:p>
             <a:pPr lvl="1">
@@ -5861,23 +5944,40 @@
               <a:buChar char="Ø"/>
             </a:pPr>
             <a:r>
-              <a:rPr lang="vi-VN" sz="1600" dirty="0"/>
-              <a:t>Dùng một mô hình chạy được của hệ thống để kiểm tra các yêu cầu </a:t>
-            </a:r>
-            <a:endParaRPr lang="en-US" sz="1600" dirty="0" smtClean="0"/>
+              <a:rPr lang="en-US" sz="1600" dirty="0" smtClean="0"/>
+              <a:t>Xem </a:t>
+            </a:r>
+            <a:r>
+              <a:rPr lang="en-US" sz="1600" dirty="0"/>
+              <a:t>lại yêu </a:t>
+            </a:r>
+            <a:r>
+              <a:rPr lang="en-US" sz="1600" dirty="0" smtClean="0"/>
+              <a:t>cầu</a:t>
+            </a:r>
           </a:p>
           <a:p>
             <a:pPr lvl="1">
               <a:buFont typeface="Wingdings" panose="05000000000000000000" pitchFamily="2" charset="2"/>
               <a:buChar char="Ø"/>
             </a:pPr>
-            <a:endParaRPr lang="vi-VN" sz="1600" dirty="0"/>
-          </a:p>
-          <a:p>
-            <a:r>
-              <a:rPr lang="en-US" sz="2000" b="1" dirty="0"/>
-              <a:t>Thẩm định mô hình - Model Validation</a:t>
-            </a:r>
+            <a:r>
+              <a:rPr lang="en-US" sz="1600" dirty="0" smtClean="0"/>
+              <a:t>S</a:t>
+            </a:r>
+            <a:r>
+              <a:rPr lang="vi-VN" sz="1600" dirty="0" smtClean="0"/>
+              <a:t>ử </a:t>
+            </a:r>
+            <a:r>
+              <a:rPr lang="vi-VN" sz="1600" dirty="0"/>
+              <a:t>dụng phiên bản mẫu, thử </a:t>
+            </a:r>
+            <a:r>
+              <a:rPr lang="vi-VN" sz="1600" dirty="0" smtClean="0"/>
+              <a:t>nghiệm</a:t>
+            </a:r>
+            <a:endParaRPr lang="en-US" sz="1600" dirty="0" smtClean="0"/>
           </a:p>
           <a:p>
             <a:pPr lvl="1">
@@ -5885,20 +5985,16 @@
               <a:buChar char="Ø"/>
             </a:pPr>
             <a:r>
+              <a:rPr lang="en-US" sz="1600" dirty="0" smtClean="0"/>
+              <a:t>T</a:t>
+            </a:r>
+            <a:r>
+              <a:rPr lang="vi-VN" sz="1600" dirty="0" smtClean="0"/>
+              <a:t>hầm </a:t>
+            </a:r>
+            <a:r>
               <a:rPr lang="vi-VN" sz="1600" dirty="0"/>
-              <a:t>Để xác nhận chất lượng của các mô hình phát triển trong quá trình phân tích</a:t>
-            </a:r>
-          </a:p>
-          <a:p>
-            <a:pPr marL="342900" lvl="1" indent="0">
-              <a:buNone/>
-            </a:pPr>
-            <a:endParaRPr lang="vi-VN" sz="1600" dirty="0"/>
-          </a:p>
-          <a:p>
-            <a:r>
-              <a:rPr lang="en-US" sz="2000" b="1" dirty="0"/>
-              <a:t>Kiểm thử chấp nhận sản phẩm - Acceptance Tests</a:t>
+              <a:t>định mô hình</a:t>
             </a:r>
           </a:p>
           <a:p>
@@ -5907,23 +6003,17 @@
               <a:buChar char="Ø"/>
             </a:pPr>
             <a:r>
+              <a:rPr lang="en-US" sz="1600" dirty="0" smtClean="0"/>
+              <a:t>K</a:t>
+            </a:r>
+            <a:r>
+              <a:rPr lang="vi-VN" sz="1600" dirty="0" smtClean="0"/>
+              <a:t>iểm </a:t>
+            </a:r>
+            <a:r>
               <a:rPr lang="vi-VN" sz="1600" dirty="0"/>
-              <a:t>Chứng minh phần mềm thỏa mãn tất cả yêu cầu của khách hàng và khách hàng chấp nhận sản </a:t>
-            </a:r>
-            <a:r>
-              <a:rPr lang="vi-VN" sz="1600" dirty="0" smtClean="0"/>
-              <a:t>phẩm</a:t>
-            </a:r>
-            <a:r>
-              <a:rPr lang="en-US" sz="1600" dirty="0" smtClean="0"/>
-              <a:t>.</a:t>
-            </a:r>
-          </a:p>
-          <a:p>
-            <a:pPr lvl="1">
-              <a:buFont typeface="Wingdings" panose="05000000000000000000" pitchFamily="2" charset="2"/>
-              <a:buChar char="Ø"/>
-            </a:pPr>
+              <a:t>thử chấp thuận</a:t>
+            </a:r>
             <a:endParaRPr lang="vi-VN" sz="1600" dirty="0" smtClean="0"/>
           </a:p>
           <a:p>
@@ -5963,7 +6053,7 @@
           <a:p>
             <a:r>
               <a:rPr lang="en-US" dirty="0" smtClean="0"/>
-              <a:t>1.5. Yêu cầu phần mềm | Thẩm định yêu cầu</a:t>
+              <a:t>1.6. Yêu cầu phần mềm | Thẩm định yêu cầu</a:t>
             </a:r>
             <a:endParaRPr lang="en-US" dirty="0"/>
           </a:p>
@@ -6202,6 +6292,475 @@
 </p:sld>
 </file>
 
+<file path=ppt/slides/slide20.xml><?xml version="1.0" encoding="utf-8"?>
+<p:sld xmlns:a="http://schemas.openxmlformats.org/drawingml/2006/main" xmlns:r="http://schemas.openxmlformats.org/officeDocument/2006/relationships" xmlns:p="http://schemas.openxmlformats.org/presentationml/2006/main">
+  <p:cSld>
+    <p:spTree>
+      <p:nvGrpSpPr>
+        <p:cNvPr id="1" name=""/>
+        <p:cNvGrpSpPr/>
+        <p:nvPr/>
+      </p:nvGrpSpPr>
+      <p:grpSpPr>
+        <a:xfrm>
+          <a:off x="0" y="0"/>
+          <a:ext cx="0" cy="0"/>
+          <a:chOff x="0" y="0"/>
+          <a:chExt cx="0" cy="0"/>
+        </a:xfrm>
+      </p:grpSpPr>
+      <p:sp>
+        <p:nvSpPr>
+          <p:cNvPr id="2" name="Title 1"/>
+          <p:cNvSpPr>
+            <a:spLocks noGrp="1"/>
+          </p:cNvSpPr>
+          <p:nvPr>
+            <p:ph type="title"/>
+          </p:nvPr>
+        </p:nvSpPr>
+        <p:spPr/>
+        <p:txBody>
+          <a:bodyPr/>
+          <a:lstStyle/>
+          <a:p>
+            <a:r>
+              <a:rPr lang="en-US" dirty="0" smtClean="0"/>
+              <a:t>Kỹ thuật thẩm định</a:t>
+            </a:r>
+            <a:endParaRPr lang="en-US" dirty="0"/>
+          </a:p>
+        </p:txBody>
+      </p:sp>
+      <p:sp>
+        <p:nvSpPr>
+          <p:cNvPr id="5" name="Content Placeholder 2"/>
+          <p:cNvSpPr>
+            <a:spLocks noGrp="1"/>
+          </p:cNvSpPr>
+          <p:nvPr>
+            <p:ph idx="1"/>
+          </p:nvPr>
+        </p:nvSpPr>
+        <p:spPr>
+          <a:xfrm>
+            <a:off x="628650" y="1825625"/>
+            <a:ext cx="7886700" cy="4351338"/>
+          </a:xfrm>
+        </p:spPr>
+        <p:txBody>
+          <a:bodyPr/>
+          <a:lstStyle/>
+          <a:p>
+            <a:r>
+              <a:rPr lang="en-US" sz="2000" b="1" dirty="0" smtClean="0"/>
+              <a:t>Xem lại yêu cầu</a:t>
+            </a:r>
+            <a:endParaRPr lang="en-US" sz="2000" b="1" dirty="0"/>
+          </a:p>
+          <a:p>
+            <a:pPr lvl="1">
+              <a:buFont typeface="Wingdings" panose="05000000000000000000" pitchFamily="2" charset="2"/>
+              <a:buChar char="Ø"/>
+            </a:pPr>
+            <a:r>
+              <a:rPr lang="en-US" sz="1600" dirty="0"/>
+              <a:t>Đ</a:t>
+            </a:r>
+            <a:r>
+              <a:rPr lang="vi-VN" sz="1600" dirty="0" smtClean="0"/>
+              <a:t>ọc </a:t>
+            </a:r>
+            <a:r>
+              <a:rPr lang="vi-VN" sz="1600" dirty="0"/>
+              <a:t>và phân tích lại tài liệu yêu cầu (tài liệu miêu tả hệ thống, tài liệu đặc tả hệ thống, yêu cầu phần mềm, ...) một cách có hệ thống để tìm lỗi, tránh việc thiếu rõ ràng, tránh việc đi lạc hướng của các bước tiếp theo.</a:t>
+            </a:r>
+          </a:p>
+          <a:p>
+            <a:pPr lvl="1">
+              <a:buFont typeface="Wingdings" panose="05000000000000000000" pitchFamily="2" charset="2"/>
+              <a:buChar char="Ø"/>
+            </a:pPr>
+            <a:r>
+              <a:rPr lang="vi-VN" sz="1600" dirty="0" smtClean="0"/>
+              <a:t>Việc </a:t>
+            </a:r>
+            <a:r>
+              <a:rPr lang="vi-VN" sz="1600" dirty="0"/>
+              <a:t>duyệt lại các yêu cầu không được dùng chương trình tự động</a:t>
+            </a:r>
+            <a:r>
+              <a:rPr lang="vi-VN" sz="1600" dirty="0" smtClean="0"/>
+              <a:t>.</a:t>
+            </a:r>
+            <a:endParaRPr lang="en-US" sz="1600" smtClean="0"/>
+          </a:p>
+          <a:p>
+            <a:pPr lvl="1">
+              <a:buFont typeface="Wingdings" panose="05000000000000000000" pitchFamily="2" charset="2"/>
+              <a:buChar char="Ø"/>
+            </a:pPr>
+            <a:endParaRPr lang="vi-VN" sz="1600" dirty="0"/>
+          </a:p>
+          <a:p>
+            <a:r>
+              <a:rPr lang="en-US" sz="2000" b="1" dirty="0" smtClean="0"/>
+              <a:t>Kỹ thuật thẩm định</a:t>
+            </a:r>
+            <a:endParaRPr lang="en-US" sz="2000" b="1" dirty="0"/>
+          </a:p>
+          <a:p>
+            <a:pPr lvl="1">
+              <a:buFont typeface="Wingdings" panose="05000000000000000000" pitchFamily="2" charset="2"/>
+              <a:buChar char="Ø"/>
+            </a:pPr>
+            <a:r>
+              <a:rPr lang="en-US" sz="1600" dirty="0" smtClean="0"/>
+              <a:t>Xem </a:t>
+            </a:r>
+            <a:r>
+              <a:rPr lang="en-US" sz="1600" dirty="0"/>
+              <a:t>lại yêu </a:t>
+            </a:r>
+            <a:r>
+              <a:rPr lang="en-US" sz="1600" dirty="0" smtClean="0"/>
+              <a:t>cầu</a:t>
+            </a:r>
+          </a:p>
+          <a:p>
+            <a:pPr lvl="1">
+              <a:buFont typeface="Wingdings" panose="05000000000000000000" pitchFamily="2" charset="2"/>
+              <a:buChar char="Ø"/>
+            </a:pPr>
+            <a:r>
+              <a:rPr lang="en-US" sz="1600" dirty="0" smtClean="0"/>
+              <a:t>S</a:t>
+            </a:r>
+            <a:r>
+              <a:rPr lang="vi-VN" sz="1600" dirty="0" smtClean="0"/>
+              <a:t>ử </a:t>
+            </a:r>
+            <a:r>
+              <a:rPr lang="vi-VN" sz="1600" dirty="0"/>
+              <a:t>dụng phiên bản mẫu, thử </a:t>
+            </a:r>
+            <a:r>
+              <a:rPr lang="vi-VN" sz="1600" dirty="0" smtClean="0"/>
+              <a:t>nghiệm</a:t>
+            </a:r>
+            <a:endParaRPr lang="en-US" sz="1600" dirty="0" smtClean="0"/>
+          </a:p>
+          <a:p>
+            <a:pPr lvl="1">
+              <a:buFont typeface="Wingdings" panose="05000000000000000000" pitchFamily="2" charset="2"/>
+              <a:buChar char="Ø"/>
+            </a:pPr>
+            <a:r>
+              <a:rPr lang="en-US" sz="1600" dirty="0" smtClean="0"/>
+              <a:t>T</a:t>
+            </a:r>
+            <a:r>
+              <a:rPr lang="vi-VN" sz="1600" dirty="0" smtClean="0"/>
+              <a:t>hầm </a:t>
+            </a:r>
+            <a:r>
+              <a:rPr lang="vi-VN" sz="1600" dirty="0"/>
+              <a:t>định mô hình</a:t>
+            </a:r>
+          </a:p>
+          <a:p>
+            <a:pPr lvl="1">
+              <a:buFont typeface="Wingdings" panose="05000000000000000000" pitchFamily="2" charset="2"/>
+              <a:buChar char="Ø"/>
+            </a:pPr>
+            <a:r>
+              <a:rPr lang="en-US" sz="1600" dirty="0" smtClean="0"/>
+              <a:t>K</a:t>
+            </a:r>
+            <a:r>
+              <a:rPr lang="vi-VN" sz="1600" dirty="0" smtClean="0"/>
+              <a:t>iểm </a:t>
+            </a:r>
+            <a:r>
+              <a:rPr lang="vi-VN" sz="1600" dirty="0"/>
+              <a:t>thử chấp thuận</a:t>
+            </a:r>
+            <a:endParaRPr lang="vi-VN" sz="1600" dirty="0" smtClean="0"/>
+          </a:p>
+          <a:p>
+            <a:pPr lvl="1">
+              <a:buFont typeface="Wingdings" panose="05000000000000000000" pitchFamily="2" charset="2"/>
+              <a:buChar char="Ø"/>
+            </a:pPr>
+            <a:endParaRPr lang="vi-VN" sz="1600" dirty="0"/>
+          </a:p>
+          <a:p>
+            <a:pPr marL="342900" lvl="1" indent="0">
+              <a:buNone/>
+            </a:pPr>
+            <a:endParaRPr lang="en-US" sz="1600" dirty="0" smtClean="0"/>
+          </a:p>
+        </p:txBody>
+      </p:sp>
+      <p:sp>
+        <p:nvSpPr>
+          <p:cNvPr id="6" name="Content Placeholder 3"/>
+          <p:cNvSpPr>
+            <a:spLocks noGrp="1"/>
+          </p:cNvSpPr>
+          <p:nvPr>
+            <p:ph sz="quarter" idx="13"/>
+          </p:nvPr>
+        </p:nvSpPr>
+        <p:spPr>
+          <a:xfrm>
+            <a:off x="2362200" y="381000"/>
+            <a:ext cx="5257800" cy="381000"/>
+          </a:xfrm>
+        </p:spPr>
+        <p:txBody>
+          <a:bodyPr/>
+          <a:lstStyle/>
+          <a:p>
+            <a:r>
+              <a:rPr lang="en-US" dirty="0" smtClean="0"/>
+              <a:t>1.6. Yêu cầu phần mềm | Thẩm định yêu cầu</a:t>
+            </a:r>
+            <a:endParaRPr lang="en-US" dirty="0"/>
+          </a:p>
+        </p:txBody>
+      </p:sp>
+    </p:spTree>
+    <p:extLst>
+      <p:ext uri="{BB962C8B-B14F-4D97-AF65-F5344CB8AC3E}">
+        <p14:creationId xmlns:p14="http://schemas.microsoft.com/office/powerpoint/2010/main" val="1071883685"/>
+      </p:ext>
+    </p:extLst>
+  </p:cSld>
+  <p:clrMapOvr>
+    <a:masterClrMapping/>
+  </p:clrMapOvr>
+  <p:timing>
+    <p:tnLst>
+      <p:par>
+        <p:cTn id="1" dur="indefinite" restart="never" nodeType="tmRoot"/>
+      </p:par>
+    </p:tnLst>
+  </p:timing>
+</p:sld>
+</file>
+
+<file path=ppt/slides/slide21.xml><?xml version="1.0" encoding="utf-8"?>
+<p:sld xmlns:a="http://schemas.openxmlformats.org/drawingml/2006/main" xmlns:r="http://schemas.openxmlformats.org/officeDocument/2006/relationships" xmlns:p="http://schemas.openxmlformats.org/presentationml/2006/main">
+  <p:cSld>
+    <p:spTree>
+      <p:nvGrpSpPr>
+        <p:cNvPr id="1" name=""/>
+        <p:cNvGrpSpPr/>
+        <p:nvPr/>
+      </p:nvGrpSpPr>
+      <p:grpSpPr>
+        <a:xfrm>
+          <a:off x="0" y="0"/>
+          <a:ext cx="0" cy="0"/>
+          <a:chOff x="0" y="0"/>
+          <a:chExt cx="0" cy="0"/>
+        </a:xfrm>
+      </p:grpSpPr>
+      <p:sp>
+        <p:nvSpPr>
+          <p:cNvPr id="2" name="Title 1"/>
+          <p:cNvSpPr>
+            <a:spLocks noGrp="1"/>
+          </p:cNvSpPr>
+          <p:nvPr>
+            <p:ph type="title"/>
+          </p:nvPr>
+        </p:nvSpPr>
+        <p:spPr/>
+        <p:txBody>
+          <a:bodyPr/>
+          <a:lstStyle/>
+          <a:p>
+            <a:r>
+              <a:rPr lang="en-US" b="1" dirty="0" smtClean="0">
+                <a:latin typeface="Verdana" panose="020B0604030504040204" pitchFamily="34" charset="0"/>
+                <a:ea typeface="Verdana" panose="020B0604030504040204" pitchFamily="34" charset="0"/>
+                <a:cs typeface="Verdana" panose="020B0604030504040204" pitchFamily="34" charset="0"/>
+              </a:rPr>
+              <a:t>YÊU CẦU PHẦN MỀM</a:t>
+            </a:r>
+            <a:endParaRPr lang="en-US" b="1" dirty="0">
+              <a:latin typeface="Verdana" panose="020B0604030504040204" pitchFamily="34" charset="0"/>
+              <a:ea typeface="Verdana" panose="020B0604030504040204" pitchFamily="34" charset="0"/>
+              <a:cs typeface="Verdana" panose="020B0604030504040204" pitchFamily="34" charset="0"/>
+            </a:endParaRPr>
+          </a:p>
+        </p:txBody>
+      </p:sp>
+      <p:sp>
+        <p:nvSpPr>
+          <p:cNvPr id="3" name="Text Placeholder 2"/>
+          <p:cNvSpPr>
+            <a:spLocks noGrp="1"/>
+          </p:cNvSpPr>
+          <p:nvPr>
+            <p:ph type="body" idx="1"/>
+          </p:nvPr>
+        </p:nvSpPr>
+        <p:spPr/>
+        <p:txBody>
+          <a:bodyPr/>
+          <a:lstStyle/>
+          <a:p>
+            <a:r>
+              <a:rPr lang="en-US" dirty="0" smtClean="0">
+                <a:latin typeface="Verdana" panose="020B0604030504040204" pitchFamily="34" charset="0"/>
+                <a:ea typeface="Verdana" panose="020B0604030504040204" pitchFamily="34" charset="0"/>
+                <a:cs typeface="Verdana" panose="020B0604030504040204" pitchFamily="34" charset="0"/>
+              </a:rPr>
+              <a:t>CHƯƠNG 1</a:t>
+            </a:r>
+          </a:p>
+          <a:p>
+            <a:r>
+              <a:rPr lang="en-US" dirty="0" smtClean="0">
+                <a:solidFill>
+                  <a:schemeClr val="bg1">
+                    <a:lumMod val="50000"/>
+                  </a:schemeClr>
+                </a:solidFill>
+                <a:latin typeface="Verdana" panose="020B0604030504040204" pitchFamily="34" charset="0"/>
+                <a:ea typeface="Verdana" panose="020B0604030504040204" pitchFamily="34" charset="0"/>
+                <a:cs typeface="Verdana" panose="020B0604030504040204" pitchFamily="34" charset="0"/>
+              </a:rPr>
+              <a:t>1.6. Thẩm định yêu cầu</a:t>
+            </a:r>
+            <a:endParaRPr lang="en-US" dirty="0" smtClean="0">
+              <a:solidFill>
+                <a:schemeClr val="bg1">
+                  <a:lumMod val="50000"/>
+                </a:schemeClr>
+              </a:solidFill>
+              <a:latin typeface="Verdana" panose="020B0604030504040204" pitchFamily="34" charset="0"/>
+              <a:ea typeface="Verdana" panose="020B0604030504040204" pitchFamily="34" charset="0"/>
+              <a:cs typeface="Verdana" panose="020B0604030504040204" pitchFamily="34" charset="0"/>
+            </a:endParaRPr>
+          </a:p>
+          <a:p>
+            <a:r>
+              <a:rPr lang="en-US" dirty="0" smtClean="0">
+                <a:solidFill>
+                  <a:srgbClr val="FF1111"/>
+                </a:solidFill>
+                <a:latin typeface="Verdana" panose="020B0604030504040204" pitchFamily="34" charset="0"/>
+                <a:ea typeface="Verdana" panose="020B0604030504040204" pitchFamily="34" charset="0"/>
+                <a:cs typeface="Verdana" panose="020B0604030504040204" pitchFamily="34" charset="0"/>
+              </a:rPr>
+              <a:t>1.7. Khảo sát hiện trạng</a:t>
+            </a:r>
+            <a:endParaRPr lang="en-US" dirty="0" smtClean="0">
+              <a:solidFill>
+                <a:srgbClr val="FF1111"/>
+              </a:solidFill>
+              <a:latin typeface="Verdana" panose="020B0604030504040204" pitchFamily="34" charset="0"/>
+              <a:ea typeface="Verdana" panose="020B0604030504040204" pitchFamily="34" charset="0"/>
+              <a:cs typeface="Verdana" panose="020B0604030504040204" pitchFamily="34" charset="0"/>
+            </a:endParaRPr>
+          </a:p>
+          <a:p>
+            <a:r>
+              <a:rPr lang="en-US" dirty="0" smtClean="0">
+                <a:solidFill>
+                  <a:schemeClr val="bg1">
+                    <a:lumMod val="50000"/>
+                  </a:schemeClr>
+                </a:solidFill>
+                <a:latin typeface="Verdana" panose="020B0604030504040204" pitchFamily="34" charset="0"/>
+                <a:ea typeface="Verdana" panose="020B0604030504040204" pitchFamily="34" charset="0"/>
+                <a:cs typeface="Verdana" panose="020B0604030504040204" pitchFamily="34" charset="0"/>
+              </a:rPr>
+              <a:t>1.8. Khảo sát hiện trạng</a:t>
+            </a:r>
+            <a:endParaRPr lang="en-US" dirty="0">
+              <a:solidFill>
+                <a:srgbClr val="FF1111"/>
+              </a:solidFill>
+              <a:latin typeface="Verdana" panose="020B0604030504040204" pitchFamily="34" charset="0"/>
+              <a:ea typeface="Verdana" panose="020B0604030504040204" pitchFamily="34" charset="0"/>
+              <a:cs typeface="Verdana" panose="020B0604030504040204" pitchFamily="34" charset="0"/>
+            </a:endParaRPr>
+          </a:p>
+        </p:txBody>
+      </p:sp>
+      <p:sp>
+        <p:nvSpPr>
+          <p:cNvPr id="4" name="Isosceles Triangle 3"/>
+          <p:cNvSpPr/>
+          <p:nvPr/>
+        </p:nvSpPr>
+        <p:spPr>
+          <a:xfrm flipV="1">
+            <a:off x="762000" y="6089651"/>
+            <a:ext cx="304800" cy="158749"/>
+          </a:xfrm>
+          <a:prstGeom prst="triangle">
+            <a:avLst/>
+          </a:prstGeom>
+          <a:solidFill>
+            <a:schemeClr val="bg1">
+              <a:lumMod val="75000"/>
+            </a:schemeClr>
+          </a:solidFill>
+          <a:ln>
+            <a:noFill/>
+          </a:ln>
+        </p:spPr>
+        <p:style>
+          <a:lnRef idx="2">
+            <a:schemeClr val="accent1">
+              <a:shade val="50000"/>
+            </a:schemeClr>
+          </a:lnRef>
+          <a:fillRef idx="1">
+            <a:schemeClr val="accent1"/>
+          </a:fillRef>
+          <a:effectRef idx="0">
+            <a:schemeClr val="accent1"/>
+          </a:effectRef>
+          <a:fontRef idx="minor">
+            <a:schemeClr val="lt1"/>
+          </a:fontRef>
+        </p:style>
+        <p:txBody>
+          <a:bodyPr rtlCol="0" anchor="ctr"/>
+          <a:lstStyle/>
+          <a:p>
+            <a:pPr algn="ctr"/>
+            <a:endParaRPr lang="en-US"/>
+          </a:p>
+        </p:txBody>
+      </p:sp>
+    </p:spTree>
+    <p:extLst>
+      <p:ext uri="{BB962C8B-B14F-4D97-AF65-F5344CB8AC3E}">
+        <p14:creationId xmlns:p14="http://schemas.microsoft.com/office/powerpoint/2010/main" val="194005498"/>
+      </p:ext>
+    </p:extLst>
+  </p:cSld>
+  <p:clrMapOvr>
+    <a:masterClrMapping/>
+  </p:clrMapOvr>
+  <p:timing>
+    <p:tnLst>
+      <p:par>
+        <p:cTn id="1" dur="indefinite" restart="never" nodeType="tmRoot"/>
+      </p:par>
+    </p:tnLst>
+  </p:timing>
+</p:sld>
+</file>
+
 <file path=ppt/slides/slide3.xml><?xml version="1.0" encoding="utf-8"?>
 <p:sld xmlns:a="http://schemas.openxmlformats.org/drawingml/2006/main" xmlns:r="http://schemas.openxmlformats.org/officeDocument/2006/relationships" xmlns:p="http://schemas.openxmlformats.org/presentationml/2006/main">
   <p:cSld>
@@ -6585,19 +7144,6 @@
               </a:rPr>
               <a:t>1.3. </a:t>
             </a:r>
-            <a:r>
-              <a:rPr lang="en-US" dirty="0">
-                <a:solidFill>
-                  <a:schemeClr val="bg1">
-                    <a:lumMod val="50000"/>
-                  </a:schemeClr>
-                </a:solidFill>
-                <a:latin typeface="Verdana" panose="020B0604030504040204" pitchFamily="34" charset="0"/>
-                <a:ea typeface="Verdana" panose="020B0604030504040204" pitchFamily="34" charset="0"/>
-                <a:cs typeface="Verdana" panose="020B0604030504040204" pitchFamily="34" charset="0"/>
-              </a:rPr>
-              <a:t>Phân tích yêu cầu</a:t>
-            </a:r>
             <a:endParaRPr lang="en-US" dirty="0">
               <a:latin typeface="Verdana" panose="020B0604030504040204" pitchFamily="34" charset="0"/>
               <a:ea typeface="Verdana" panose="020B0604030504040204" pitchFamily="34" charset="0"/>
@@ -7113,19 +7659,6 @@
                 <a:cs typeface="Verdana" panose="020B0604030504040204" pitchFamily="34" charset="0"/>
               </a:rPr>
               <a:t>1.3. </a:t>
-            </a:r>
-            <a:r>
-              <a:rPr lang="en-US" dirty="0">
-                <a:solidFill>
-                  <a:schemeClr val="bg1">
-                    <a:lumMod val="50000"/>
-                  </a:schemeClr>
-                </a:solidFill>
-                <a:latin typeface="Verdana" panose="020B0604030504040204" pitchFamily="34" charset="0"/>
-                <a:ea typeface="Verdana" panose="020B0604030504040204" pitchFamily="34" charset="0"/>
-                <a:cs typeface="Verdana" panose="020B0604030504040204" pitchFamily="34" charset="0"/>
-              </a:rPr>
-              <a:t>Phân tích yêu cầu</a:t>
             </a:r>
             <a:endParaRPr lang="en-US" dirty="0">
               <a:latin typeface="Verdana" panose="020B0604030504040204" pitchFamily="34" charset="0"/>

--- a/slide/dev/chapter_1/slide.pptx
+++ b/slide/dev/chapter_1/slide.pptx
@@ -5,7 +5,7 @@
     <p:sldMasterId id="2147483703" r:id="rId2"/>
   </p:sldMasterIdLst>
   <p:notesMasterIdLst>
-    <p:notesMasterId r:id="rId24"/>
+    <p:notesMasterId r:id="rId30"/>
   </p:notesMasterIdLst>
   <p:sldIdLst>
     <p:sldId id="256" r:id="rId3"/>
@@ -27,8 +27,14 @@
     <p:sldId id="273" r:id="rId19"/>
     <p:sldId id="274" r:id="rId20"/>
     <p:sldId id="276" r:id="rId21"/>
-    <p:sldId id="279" r:id="rId22"/>
-    <p:sldId id="278" r:id="rId23"/>
+    <p:sldId id="280" r:id="rId22"/>
+    <p:sldId id="279" r:id="rId23"/>
+    <p:sldId id="278" r:id="rId24"/>
+    <p:sldId id="281" r:id="rId25"/>
+    <p:sldId id="282" r:id="rId26"/>
+    <p:sldId id="283" r:id="rId27"/>
+    <p:sldId id="284" r:id="rId28"/>
+    <p:sldId id="285" r:id="rId29"/>
   </p:sldIdLst>
   <p:sldSz cx="9144000" cy="6858000" type="screen4x3"/>
   <p:notesSz cx="6858000" cy="9144000"/>
@@ -6393,7 +6399,7 @@
               <a:rPr lang="vi-VN" sz="1600" dirty="0" smtClean="0"/>
               <a:t>.</a:t>
             </a:r>
-            <a:endParaRPr lang="en-US" sz="1600" smtClean="0"/>
+            <a:endParaRPr lang="en-US" sz="1600" dirty="0" smtClean="0"/>
           </a:p>
           <a:p>
             <a:pPr lvl="1">
@@ -6404,10 +6410,13 @@
           </a:p>
           <a:p>
             <a:r>
+              <a:rPr lang="en-US" sz="2000" b="1" dirty="0"/>
+              <a:t>Sử dụng phiên bản mẫu, thử </a:t>
+            </a:r>
+            <a:r>
               <a:rPr lang="en-US" sz="2000" b="1" dirty="0" smtClean="0"/>
-              <a:t>Kỹ thuật thẩm định</a:t>
-            </a:r>
-            <a:endParaRPr lang="en-US" sz="2000" b="1" dirty="0"/>
+              <a:t>nghiệm</a:t>
+            </a:r>
           </a:p>
           <a:p>
             <a:pPr lvl="1">
@@ -6416,15 +6425,15 @@
             </a:pPr>
             <a:r>
               <a:rPr lang="en-US" sz="1600" dirty="0" smtClean="0"/>
-              <a:t>Xem </a:t>
-            </a:r>
-            <a:r>
-              <a:rPr lang="en-US" sz="1600" dirty="0"/>
-              <a:t>lại yêu </a:t>
-            </a:r>
-            <a:r>
-              <a:rPr lang="en-US" sz="1600" dirty="0" smtClean="0"/>
-              <a:t>cầu</a:t>
+              <a:t>D</a:t>
+            </a:r>
+            <a:r>
+              <a:rPr lang="vi-VN" sz="1600" dirty="0" smtClean="0"/>
+              <a:t>ùng </a:t>
+            </a:r>
+            <a:r>
+              <a:rPr lang="vi-VN" sz="1600" dirty="0"/>
+              <a:t>một mô hình chạy được của hệ thống để kiểm tra các yêu cầu</a:t>
             </a:r>
           </a:p>
           <a:p>
@@ -6433,22 +6442,13 @@
               <a:buChar char="Ø"/>
             </a:pPr>
             <a:r>
-              <a:rPr lang="en-US" sz="1600" dirty="0" smtClean="0"/>
-              <a:t>S</a:t>
-            </a:r>
-            <a:r>
               <a:rPr lang="vi-VN" sz="1600" dirty="0" smtClean="0"/>
-              <a:t>ử </a:t>
+              <a:t>Dùng </a:t>
             </a:r>
             <a:r>
               <a:rPr lang="vi-VN" sz="1600" dirty="0"/>
-              <a:t>dụng phiên bản mẫu, thử </a:t>
-            </a:r>
-            <a:r>
-              <a:rPr lang="vi-VN" sz="1600" dirty="0" smtClean="0"/>
-              <a:t>nghiệm</a:t>
-            </a:r>
-            <a:endParaRPr lang="en-US" sz="1600" dirty="0" smtClean="0"/>
+              <a:t>mô hình chạy thử giúp dễ dàng trong việc giải thích những yêu cầu của phần mềm, giúp khách hàng có những phản hồi kịp thời để làm rõ hệ thống đang sai ở dâu</a:t>
+            </a:r>
           </a:p>
           <a:p>
             <a:pPr lvl="1">
@@ -6457,42 +6457,16 @@
             </a:pPr>
             <a:r>
               <a:rPr lang="en-US" sz="1600" dirty="0" smtClean="0"/>
-              <a:t>T</a:t>
+              <a:t>S</a:t>
             </a:r>
             <a:r>
               <a:rPr lang="vi-VN" sz="1600" dirty="0" smtClean="0"/>
-              <a:t>hầm </a:t>
+              <a:t>ử </a:t>
             </a:r>
             <a:r>
               <a:rPr lang="vi-VN" sz="1600" dirty="0"/>
-              <a:t>định mô hình</a:t>
-            </a:r>
-          </a:p>
-          <a:p>
-            <a:pPr lvl="1">
-              <a:buFont typeface="Wingdings" panose="05000000000000000000" pitchFamily="2" charset="2"/>
-              <a:buChar char="Ø"/>
-            </a:pPr>
-            <a:r>
-              <a:rPr lang="en-US" sz="1600" dirty="0" smtClean="0"/>
-              <a:t>K</a:t>
-            </a:r>
-            <a:r>
-              <a:rPr lang="vi-VN" sz="1600" dirty="0" smtClean="0"/>
-              <a:t>iểm </a:t>
-            </a:r>
-            <a:r>
-              <a:rPr lang="vi-VN" sz="1600" dirty="0"/>
-              <a:t>thử chấp thuận</a:t>
-            </a:r>
-            <a:endParaRPr lang="vi-VN" sz="1600" dirty="0" smtClean="0"/>
-          </a:p>
-          <a:p>
-            <a:pPr lvl="1">
-              <a:buFont typeface="Wingdings" panose="05000000000000000000" pitchFamily="2" charset="2"/>
-              <a:buChar char="Ø"/>
-            </a:pPr>
-            <a:endParaRPr lang="vi-VN" sz="1600" dirty="0"/>
+              <a:t>dụng mô hình(ví dụ Mockup,..) giúp nguời lập trình cũng như khách hàng dẽ hiểu, tiết kiệm hon việc miêu tả đơn thuần dùng văn bản hoặc mô hình đồ họa</a:t>
+            </a:r>
           </a:p>
           <a:p>
             <a:pPr marL="342900" lvl="1" indent="0">
@@ -6533,7 +6507,7 @@
     </p:spTree>
     <p:extLst>
       <p:ext uri="{BB962C8B-B14F-4D97-AF65-F5344CB8AC3E}">
-        <p14:creationId xmlns:p14="http://schemas.microsoft.com/office/powerpoint/2010/main" val="1071883685"/>
+        <p14:creationId xmlns:p14="http://schemas.microsoft.com/office/powerpoint/2010/main" val="3833244136"/>
       </p:ext>
     </p:extLst>
   </p:cSld>
@@ -6583,6 +6557,209 @@
           <a:lstStyle/>
           <a:p>
             <a:r>
+              <a:rPr lang="en-US" dirty="0" smtClean="0"/>
+              <a:t>Kỹ thuật thẩm định</a:t>
+            </a:r>
+            <a:endParaRPr lang="en-US" dirty="0"/>
+          </a:p>
+        </p:txBody>
+      </p:sp>
+      <p:sp>
+        <p:nvSpPr>
+          <p:cNvPr id="5" name="Content Placeholder 2"/>
+          <p:cNvSpPr>
+            <a:spLocks noGrp="1"/>
+          </p:cNvSpPr>
+          <p:nvPr>
+            <p:ph idx="1"/>
+          </p:nvPr>
+        </p:nvSpPr>
+        <p:spPr>
+          <a:xfrm>
+            <a:off x="628650" y="1825625"/>
+            <a:ext cx="7886700" cy="4351338"/>
+          </a:xfrm>
+        </p:spPr>
+        <p:txBody>
+          <a:bodyPr/>
+          <a:lstStyle/>
+          <a:p>
+            <a:r>
+              <a:rPr lang="en-US" sz="2000" b="1" dirty="0" smtClean="0"/>
+              <a:t>Thẩm </a:t>
+            </a:r>
+            <a:r>
+              <a:rPr lang="en-US" sz="2000" b="1" dirty="0"/>
+              <a:t>định mô </a:t>
+            </a:r>
+            <a:r>
+              <a:rPr lang="en-US" sz="2000" b="1" dirty="0" smtClean="0"/>
+              <a:t>hình</a:t>
+            </a:r>
+          </a:p>
+          <a:p>
+            <a:pPr lvl="1">
+              <a:buFont typeface="Wingdings" panose="05000000000000000000" pitchFamily="2" charset="2"/>
+              <a:buChar char="Ø"/>
+            </a:pPr>
+            <a:r>
+              <a:rPr lang="en-US" sz="1600" dirty="0" smtClean="0"/>
+              <a:t>T</a:t>
+            </a:r>
+            <a:r>
+              <a:rPr lang="vi-VN" sz="1600" dirty="0" smtClean="0"/>
+              <a:t>hẩm </a:t>
+            </a:r>
+            <a:r>
+              <a:rPr lang="vi-VN" sz="1600" dirty="0"/>
+              <a:t>định lại chất lượng các mô hình đã được phát triển trong suốt quá trình phân tích</a:t>
+            </a:r>
+          </a:p>
+          <a:p>
+            <a:pPr lvl="1">
+              <a:buFont typeface="Wingdings" panose="05000000000000000000" pitchFamily="2" charset="2"/>
+              <a:buChar char="Ø"/>
+            </a:pPr>
+            <a:r>
+              <a:rPr lang="en-US" sz="1600" dirty="0" smtClean="0"/>
+              <a:t>C</a:t>
+            </a:r>
+            <a:r>
+              <a:rPr lang="vi-VN" sz="1600" dirty="0" smtClean="0"/>
+              <a:t>ác </a:t>
+            </a:r>
+            <a:r>
+              <a:rPr lang="vi-VN" sz="1600" dirty="0"/>
+              <a:t>model phải đủ các tiêu chí: Hoàn thiện, nhất quán và chuẩn </a:t>
+            </a:r>
+            <a:r>
+              <a:rPr lang="vi-VN" sz="1600" dirty="0" smtClean="0"/>
+              <a:t>xác</a:t>
+            </a:r>
+            <a:endParaRPr lang="en-US" sz="1600" dirty="0" smtClean="0"/>
+          </a:p>
+          <a:p>
+            <a:pPr lvl="1">
+              <a:buFont typeface="Wingdings" panose="05000000000000000000" pitchFamily="2" charset="2"/>
+              <a:buChar char="Ø"/>
+            </a:pPr>
+            <a:endParaRPr lang="vi-VN" sz="1600" dirty="0"/>
+          </a:p>
+          <a:p>
+            <a:r>
+              <a:rPr lang="en-US" sz="2000" b="1" dirty="0"/>
+              <a:t>Kiểm thử chấp thuận</a:t>
+            </a:r>
+            <a:endParaRPr lang="en-US" sz="2000" b="1" dirty="0" smtClean="0"/>
+          </a:p>
+          <a:p>
+            <a:pPr lvl="1">
+              <a:buFont typeface="Wingdings" panose="05000000000000000000" pitchFamily="2" charset="2"/>
+              <a:buChar char="Ø"/>
+            </a:pPr>
+            <a:r>
+              <a:rPr lang="vi-VN" sz="1600" dirty="0"/>
+              <a:t>Viết các testcase dành cho các yêu cầu để kiểm tra khả năng đáp ứng được các yêu cầu end-user của phần mềm</a:t>
+            </a:r>
+          </a:p>
+          <a:p>
+            <a:pPr lvl="1">
+              <a:buFont typeface="Wingdings" panose="05000000000000000000" pitchFamily="2" charset="2"/>
+              <a:buChar char="Ø"/>
+            </a:pPr>
+            <a:r>
+              <a:rPr lang="vi-VN" sz="1600" dirty="0" smtClean="0"/>
+              <a:t>Sản </a:t>
+            </a:r>
+            <a:r>
+              <a:rPr lang="vi-VN" sz="1600" dirty="0"/>
+              <a:t>phẩm cuối cùng phải thỏa mãn các testcase </a:t>
+            </a:r>
+            <a:endParaRPr lang="en-US" sz="1600" dirty="0" smtClean="0"/>
+          </a:p>
+        </p:txBody>
+      </p:sp>
+      <p:sp>
+        <p:nvSpPr>
+          <p:cNvPr id="6" name="Content Placeholder 3"/>
+          <p:cNvSpPr>
+            <a:spLocks noGrp="1"/>
+          </p:cNvSpPr>
+          <p:nvPr>
+            <p:ph sz="quarter" idx="13"/>
+          </p:nvPr>
+        </p:nvSpPr>
+        <p:spPr>
+          <a:xfrm>
+            <a:off x="2362200" y="381000"/>
+            <a:ext cx="5257800" cy="381000"/>
+          </a:xfrm>
+        </p:spPr>
+        <p:txBody>
+          <a:bodyPr/>
+          <a:lstStyle/>
+          <a:p>
+            <a:r>
+              <a:rPr lang="en-US" dirty="0" smtClean="0"/>
+              <a:t>1.6. Yêu cầu phần mềm | Thẩm định yêu cầu</a:t>
+            </a:r>
+            <a:endParaRPr lang="en-US" dirty="0"/>
+          </a:p>
+        </p:txBody>
+      </p:sp>
+    </p:spTree>
+    <p:extLst>
+      <p:ext uri="{BB962C8B-B14F-4D97-AF65-F5344CB8AC3E}">
+        <p14:creationId xmlns:p14="http://schemas.microsoft.com/office/powerpoint/2010/main" val="1071883685"/>
+      </p:ext>
+    </p:extLst>
+  </p:cSld>
+  <p:clrMapOvr>
+    <a:masterClrMapping/>
+  </p:clrMapOvr>
+  <p:timing>
+    <p:tnLst>
+      <p:par>
+        <p:cTn id="1" dur="indefinite" restart="never" nodeType="tmRoot"/>
+      </p:par>
+    </p:tnLst>
+  </p:timing>
+</p:sld>
+</file>
+
+<file path=ppt/slides/slide22.xml><?xml version="1.0" encoding="utf-8"?>
+<p:sld xmlns:a="http://schemas.openxmlformats.org/drawingml/2006/main" xmlns:r="http://schemas.openxmlformats.org/officeDocument/2006/relationships" xmlns:p="http://schemas.openxmlformats.org/presentationml/2006/main">
+  <p:cSld>
+    <p:spTree>
+      <p:nvGrpSpPr>
+        <p:cNvPr id="1" name=""/>
+        <p:cNvGrpSpPr/>
+        <p:nvPr/>
+      </p:nvGrpSpPr>
+      <p:grpSpPr>
+        <a:xfrm>
+          <a:off x="0" y="0"/>
+          <a:ext cx="0" cy="0"/>
+          <a:chOff x="0" y="0"/>
+          <a:chExt cx="0" cy="0"/>
+        </a:xfrm>
+      </p:grpSpPr>
+      <p:sp>
+        <p:nvSpPr>
+          <p:cNvPr id="2" name="Title 1"/>
+          <p:cNvSpPr>
+            <a:spLocks noGrp="1"/>
+          </p:cNvSpPr>
+          <p:nvPr>
+            <p:ph type="title"/>
+          </p:nvPr>
+        </p:nvSpPr>
+        <p:spPr/>
+        <p:txBody>
+          <a:bodyPr/>
+          <a:lstStyle/>
+          <a:p>
+            <a:r>
               <a:rPr lang="en-US" b="1" dirty="0" smtClean="0">
                 <a:latin typeface="Verdana" panose="020B0604030504040204" pitchFamily="34" charset="0"/>
                 <a:ea typeface="Verdana" panose="020B0604030504040204" pitchFamily="34" charset="0"/>
@@ -6680,7 +6857,7 @@
                 <a:ea typeface="Verdana" panose="020B0604030504040204" pitchFamily="34" charset="0"/>
                 <a:cs typeface="Verdana" panose="020B0604030504040204" pitchFamily="34" charset="0"/>
               </a:rPr>
-              <a:t>1.8. Khảo sát hiện trạng</a:t>
+              <a:t>1.8. Công cụ</a:t>
             </a:r>
             <a:endParaRPr lang="en-US" dirty="0">
               <a:solidFill>
@@ -6745,6 +6922,995 @@
     <p:extLst>
       <p:ext uri="{BB962C8B-B14F-4D97-AF65-F5344CB8AC3E}">
         <p14:creationId xmlns:p14="http://schemas.microsoft.com/office/powerpoint/2010/main" val="194005498"/>
+      </p:ext>
+    </p:extLst>
+  </p:cSld>
+  <p:clrMapOvr>
+    <a:masterClrMapping/>
+  </p:clrMapOvr>
+  <p:timing>
+    <p:tnLst>
+      <p:par>
+        <p:cTn id="1" dur="indefinite" restart="never" nodeType="tmRoot"/>
+      </p:par>
+    </p:tnLst>
+  </p:timing>
+</p:sld>
+</file>
+
+<file path=ppt/slides/slide23.xml><?xml version="1.0" encoding="utf-8"?>
+<p:sld xmlns:a="http://schemas.openxmlformats.org/drawingml/2006/main" xmlns:r="http://schemas.openxmlformats.org/officeDocument/2006/relationships" xmlns:p="http://schemas.openxmlformats.org/presentationml/2006/main">
+  <p:cSld>
+    <p:spTree>
+      <p:nvGrpSpPr>
+        <p:cNvPr id="1" name=""/>
+        <p:cNvGrpSpPr/>
+        <p:nvPr/>
+      </p:nvGrpSpPr>
+      <p:grpSpPr>
+        <a:xfrm>
+          <a:off x="0" y="0"/>
+          <a:ext cx="0" cy="0"/>
+          <a:chOff x="0" y="0"/>
+          <a:chExt cx="0" cy="0"/>
+        </a:xfrm>
+      </p:grpSpPr>
+      <p:sp>
+        <p:nvSpPr>
+          <p:cNvPr id="2" name="Title 1"/>
+          <p:cNvSpPr>
+            <a:spLocks noGrp="1"/>
+          </p:cNvSpPr>
+          <p:nvPr>
+            <p:ph type="title"/>
+          </p:nvPr>
+        </p:nvSpPr>
+        <p:spPr/>
+        <p:txBody>
+          <a:bodyPr/>
+          <a:lstStyle/>
+          <a:p>
+            <a:r>
+              <a:rPr lang="en-US" dirty="0" smtClean="0"/>
+              <a:t>Khảo sát hiện trạng</a:t>
+            </a:r>
+            <a:endParaRPr lang="en-US" dirty="0"/>
+          </a:p>
+        </p:txBody>
+      </p:sp>
+      <p:sp>
+        <p:nvSpPr>
+          <p:cNvPr id="5" name="Content Placeholder 2"/>
+          <p:cNvSpPr>
+            <a:spLocks noGrp="1"/>
+          </p:cNvSpPr>
+          <p:nvPr>
+            <p:ph idx="1"/>
+          </p:nvPr>
+        </p:nvSpPr>
+        <p:spPr>
+          <a:xfrm>
+            <a:off x="628650" y="1825625"/>
+            <a:ext cx="7886700" cy="4351338"/>
+          </a:xfrm>
+        </p:spPr>
+        <p:txBody>
+          <a:bodyPr/>
+          <a:lstStyle/>
+          <a:p>
+            <a:r>
+              <a:rPr lang="en-US" sz="2000" b="1" dirty="0"/>
+              <a:t>Thực trạng có rất nhiều thay đổi, do đó quản lí những thay đổi và duy trì những yêu cầu quyết định sự thành công của phần </a:t>
+            </a:r>
+            <a:r>
+              <a:rPr lang="en-US" sz="2000" b="1" dirty="0" smtClean="0"/>
+              <a:t>mềm</a:t>
+            </a:r>
+          </a:p>
+          <a:p>
+            <a:pPr lvl="0"/>
+            <a:r>
+              <a:rPr lang="en-US" sz="2000" b="1" dirty="0" smtClean="0">
+                <a:solidFill>
+                  <a:prstClr val="black"/>
+                </a:solidFill>
+              </a:rPr>
+              <a:t>Tác động môi trường</a:t>
+            </a:r>
+          </a:p>
+          <a:p>
+            <a:endParaRPr lang="vi-VN" sz="1600" dirty="0"/>
+          </a:p>
+        </p:txBody>
+      </p:sp>
+      <p:sp>
+        <p:nvSpPr>
+          <p:cNvPr id="6" name="Content Placeholder 3"/>
+          <p:cNvSpPr>
+            <a:spLocks noGrp="1"/>
+          </p:cNvSpPr>
+          <p:nvPr>
+            <p:ph sz="quarter" idx="13"/>
+          </p:nvPr>
+        </p:nvSpPr>
+        <p:spPr>
+          <a:xfrm>
+            <a:off x="2362200" y="381000"/>
+            <a:ext cx="5257800" cy="381000"/>
+          </a:xfrm>
+        </p:spPr>
+        <p:txBody>
+          <a:bodyPr/>
+          <a:lstStyle/>
+          <a:p>
+            <a:r>
+              <a:rPr lang="en-US" dirty="0" smtClean="0"/>
+              <a:t>1.7. Yêu cầu phần mềm | Khảo sát hiện trạng</a:t>
+            </a:r>
+            <a:endParaRPr lang="en-US" dirty="0"/>
+          </a:p>
+        </p:txBody>
+      </p:sp>
+    </p:spTree>
+    <p:extLst>
+      <p:ext uri="{BB962C8B-B14F-4D97-AF65-F5344CB8AC3E}">
+        <p14:creationId xmlns:p14="http://schemas.microsoft.com/office/powerpoint/2010/main" val="749417666"/>
+      </p:ext>
+    </p:extLst>
+  </p:cSld>
+  <p:clrMapOvr>
+    <a:masterClrMapping/>
+  </p:clrMapOvr>
+  <p:timing>
+    <p:tnLst>
+      <p:par>
+        <p:cTn id="1" dur="indefinite" restart="never" nodeType="tmRoot"/>
+      </p:par>
+    </p:tnLst>
+  </p:timing>
+</p:sld>
+</file>
+
+<file path=ppt/slides/slide24.xml><?xml version="1.0" encoding="utf-8"?>
+<p:sld xmlns:a="http://schemas.openxmlformats.org/drawingml/2006/main" xmlns:r="http://schemas.openxmlformats.org/officeDocument/2006/relationships" xmlns:p="http://schemas.openxmlformats.org/presentationml/2006/main">
+  <p:cSld>
+    <p:spTree>
+      <p:nvGrpSpPr>
+        <p:cNvPr id="1" name=""/>
+        <p:cNvGrpSpPr/>
+        <p:nvPr/>
+      </p:nvGrpSpPr>
+      <p:grpSpPr>
+        <a:xfrm>
+          <a:off x="0" y="0"/>
+          <a:ext cx="0" cy="0"/>
+          <a:chOff x="0" y="0"/>
+          <a:chExt cx="0" cy="0"/>
+        </a:xfrm>
+      </p:grpSpPr>
+      <p:sp>
+        <p:nvSpPr>
+          <p:cNvPr id="2" name="Title 1"/>
+          <p:cNvSpPr>
+            <a:spLocks noGrp="1"/>
+          </p:cNvSpPr>
+          <p:nvPr>
+            <p:ph type="title"/>
+          </p:nvPr>
+        </p:nvSpPr>
+        <p:spPr/>
+        <p:txBody>
+          <a:bodyPr/>
+          <a:lstStyle/>
+          <a:p>
+            <a:r>
+              <a:rPr lang="en-US" dirty="0" smtClean="0"/>
+              <a:t>Khảo sát hiện trạng</a:t>
+            </a:r>
+            <a:endParaRPr lang="en-US" dirty="0"/>
+          </a:p>
+        </p:txBody>
+      </p:sp>
+      <p:sp>
+        <p:nvSpPr>
+          <p:cNvPr id="5" name="Content Placeholder 2"/>
+          <p:cNvSpPr>
+            <a:spLocks noGrp="1"/>
+          </p:cNvSpPr>
+          <p:nvPr>
+            <p:ph idx="1"/>
+          </p:nvPr>
+        </p:nvSpPr>
+        <p:spPr>
+          <a:xfrm>
+            <a:off x="628650" y="1825625"/>
+            <a:ext cx="7886700" cy="4351338"/>
+          </a:xfrm>
+        </p:spPr>
+        <p:txBody>
+          <a:bodyPr/>
+          <a:lstStyle/>
+          <a:p>
+            <a:r>
+              <a:rPr lang="en-US" sz="2000" b="1" dirty="0"/>
+              <a:t>Quản lý thay </a:t>
+            </a:r>
+            <a:r>
+              <a:rPr lang="en-US" sz="2000" b="1" dirty="0" smtClean="0"/>
+              <a:t>đổi</a:t>
+            </a:r>
+          </a:p>
+          <a:p>
+            <a:pPr lvl="1">
+              <a:buFont typeface="Wingdings" panose="05000000000000000000" pitchFamily="2" charset="2"/>
+              <a:buChar char="Ø"/>
+            </a:pPr>
+            <a:r>
+              <a:rPr lang="en-US" sz="1600" dirty="0" smtClean="0"/>
+              <a:t>Quản </a:t>
+            </a:r>
+            <a:r>
+              <a:rPr lang="en-US" sz="1600" dirty="0"/>
+              <a:t>lý thay đổi là trung tâm và đặc biệt quan trọng của quản lý các yêu cầu.</a:t>
+            </a:r>
+          </a:p>
+          <a:p>
+            <a:pPr lvl="1">
+              <a:buFont typeface="Wingdings" panose="05000000000000000000" pitchFamily="2" charset="2"/>
+              <a:buChar char="Ø"/>
+            </a:pPr>
+            <a:r>
+              <a:rPr lang="en-US" sz="1600" dirty="0" smtClean="0"/>
+              <a:t>Chủ </a:t>
+            </a:r>
+            <a:r>
+              <a:rPr lang="en-US" sz="1600" dirty="0"/>
+              <a:t>đề này mô tả vai trò của thay đổi quản </a:t>
+            </a:r>
+            <a:r>
+              <a:rPr lang="en-US" sz="1600" dirty="0" smtClean="0"/>
+              <a:t>lý</a:t>
+            </a:r>
+          </a:p>
+          <a:p>
+            <a:pPr lvl="1">
+              <a:buFont typeface="Wingdings" panose="05000000000000000000" pitchFamily="2" charset="2"/>
+              <a:buChar char="Ø"/>
+            </a:pPr>
+            <a:endParaRPr lang="en-US" sz="2000" b="1" dirty="0" smtClean="0"/>
+          </a:p>
+          <a:p>
+            <a:pPr lvl="0"/>
+            <a:r>
+              <a:rPr lang="en-US" sz="2000" b="1" dirty="0">
+                <a:solidFill>
+                  <a:prstClr val="black"/>
+                </a:solidFill>
+              </a:rPr>
+              <a:t>Định danh yêu </a:t>
+            </a:r>
+            <a:r>
+              <a:rPr lang="en-US" sz="2000" b="1" dirty="0" smtClean="0">
+                <a:solidFill>
+                  <a:prstClr val="black"/>
+                </a:solidFill>
+              </a:rPr>
+              <a:t>cầu</a:t>
+            </a:r>
+          </a:p>
+          <a:p>
+            <a:pPr lvl="1">
+              <a:buFont typeface="Wingdings" panose="05000000000000000000" pitchFamily="2" charset="2"/>
+              <a:buChar char="Ø"/>
+            </a:pPr>
+            <a:r>
+              <a:rPr lang="vi-VN" sz="1600" dirty="0" smtClean="0"/>
+              <a:t>Yêu </a:t>
+            </a:r>
+            <a:r>
+              <a:rPr lang="vi-VN" sz="1600" dirty="0"/>
+              <a:t>cầu bao gồm không chỉ đặc tả hệ thống mà còn những thông liên quan, giúp dễ dàng quản lí và diễn giả yêu cầu</a:t>
+            </a:r>
+          </a:p>
+          <a:p>
+            <a:pPr lvl="1">
+              <a:buFont typeface="Wingdings" panose="05000000000000000000" pitchFamily="2" charset="2"/>
+              <a:buChar char="Ø"/>
+            </a:pPr>
+            <a:r>
+              <a:rPr lang="vi-VN" sz="1600" dirty="0" smtClean="0"/>
+              <a:t>Đinh </a:t>
+            </a:r>
+            <a:r>
+              <a:rPr lang="vi-VN" sz="1600" dirty="0"/>
+              <a:t>danh yêu cầu cần được định nghĩa, ghi nhân và cập nhật như phần phần mềm trong quá trình phát triển và bảo trì.</a:t>
+            </a:r>
+          </a:p>
+          <a:p>
+            <a:pPr lvl="1">
+              <a:buFont typeface="Wingdings" panose="05000000000000000000" pitchFamily="2" charset="2"/>
+              <a:buChar char="Ø"/>
+            </a:pPr>
+            <a:r>
+              <a:rPr lang="vi-VN" sz="1600" dirty="0" smtClean="0"/>
+              <a:t>Bao </a:t>
+            </a:r>
+            <a:r>
+              <a:rPr lang="vi-VN" sz="1600" dirty="0"/>
+              <a:t>gồm: </a:t>
+            </a:r>
+          </a:p>
+          <a:p>
+            <a:pPr lvl="2">
+              <a:buFont typeface="Wingdings" panose="05000000000000000000" pitchFamily="2" charset="2"/>
+              <a:buChar char="ü"/>
+            </a:pPr>
+            <a:r>
+              <a:rPr lang="en-US" sz="1600" dirty="0" smtClean="0"/>
+              <a:t>C</a:t>
+            </a:r>
+            <a:r>
+              <a:rPr lang="vi-VN" sz="1600" dirty="0" smtClean="0"/>
+              <a:t>lassification </a:t>
+            </a:r>
+            <a:r>
+              <a:rPr lang="vi-VN" sz="1600" dirty="0"/>
+              <a:t>dimensions</a:t>
+            </a:r>
+          </a:p>
+          <a:p>
+            <a:pPr lvl="2">
+              <a:buFont typeface="Wingdings" panose="05000000000000000000" pitchFamily="2" charset="2"/>
+              <a:buChar char="ü"/>
+            </a:pPr>
+            <a:r>
+              <a:rPr lang="en-US" sz="1600" dirty="0" smtClean="0"/>
+              <a:t>P</a:t>
+            </a:r>
+            <a:r>
+              <a:rPr lang="vi-VN" sz="1600" dirty="0" smtClean="0"/>
+              <a:t>hương </a:t>
+            </a:r>
+            <a:r>
+              <a:rPr lang="vi-VN" sz="1600" dirty="0"/>
+              <a:t>pháp xác minh</a:t>
+            </a:r>
+          </a:p>
+          <a:p>
+            <a:pPr lvl="2">
+              <a:buFont typeface="Wingdings" panose="05000000000000000000" pitchFamily="2" charset="2"/>
+              <a:buChar char="ü"/>
+            </a:pPr>
+            <a:r>
+              <a:rPr lang="en-US" sz="1600" dirty="0" smtClean="0"/>
+              <a:t>K</a:t>
+            </a:r>
+            <a:r>
+              <a:rPr lang="vi-VN" sz="1600" dirty="0" smtClean="0"/>
+              <a:t>ế </a:t>
+            </a:r>
+            <a:r>
+              <a:rPr lang="vi-VN" sz="1600" dirty="0"/>
+              <a:t>hoạch kiểm thử</a:t>
+            </a:r>
+          </a:p>
+          <a:p>
+            <a:pPr lvl="2">
+              <a:buFont typeface="Wingdings" panose="05000000000000000000" pitchFamily="2" charset="2"/>
+              <a:buChar char="ü"/>
+            </a:pPr>
+            <a:r>
+              <a:rPr lang="en-US" sz="1600" dirty="0" smtClean="0"/>
+              <a:t>T</a:t>
+            </a:r>
+            <a:r>
+              <a:rPr lang="vi-VN" sz="1600" dirty="0" smtClean="0"/>
+              <a:t>huộc </a:t>
+            </a:r>
+            <a:r>
+              <a:rPr lang="vi-VN" sz="1600" dirty="0"/>
+              <a:t>dính duy nhất để thuận tiện cho việc tham chiếu giữa các yêu cầu và lần vết.</a:t>
+            </a:r>
+          </a:p>
+        </p:txBody>
+      </p:sp>
+      <p:sp>
+        <p:nvSpPr>
+          <p:cNvPr id="6" name="Content Placeholder 3"/>
+          <p:cNvSpPr>
+            <a:spLocks noGrp="1"/>
+          </p:cNvSpPr>
+          <p:nvPr>
+            <p:ph sz="quarter" idx="13"/>
+          </p:nvPr>
+        </p:nvSpPr>
+        <p:spPr>
+          <a:xfrm>
+            <a:off x="2362200" y="381000"/>
+            <a:ext cx="5257800" cy="381000"/>
+          </a:xfrm>
+        </p:spPr>
+        <p:txBody>
+          <a:bodyPr/>
+          <a:lstStyle/>
+          <a:p>
+            <a:r>
+              <a:rPr lang="en-US" dirty="0" smtClean="0"/>
+              <a:t>1.7. Yêu cầu phần mềm | Khảo sát hiện trạng</a:t>
+            </a:r>
+            <a:endParaRPr lang="en-US" dirty="0"/>
+          </a:p>
+        </p:txBody>
+      </p:sp>
+    </p:spTree>
+    <p:extLst>
+      <p:ext uri="{BB962C8B-B14F-4D97-AF65-F5344CB8AC3E}">
+        <p14:creationId xmlns:p14="http://schemas.microsoft.com/office/powerpoint/2010/main" val="2077123726"/>
+      </p:ext>
+    </p:extLst>
+  </p:cSld>
+  <p:clrMapOvr>
+    <a:masterClrMapping/>
+  </p:clrMapOvr>
+  <p:timing>
+    <p:tnLst>
+      <p:par>
+        <p:cTn id="1" dur="indefinite" restart="never" nodeType="tmRoot"/>
+      </p:par>
+    </p:tnLst>
+  </p:timing>
+</p:sld>
+</file>
+
+<file path=ppt/slides/slide25.xml><?xml version="1.0" encoding="utf-8"?>
+<p:sld xmlns:a="http://schemas.openxmlformats.org/drawingml/2006/main" xmlns:r="http://schemas.openxmlformats.org/officeDocument/2006/relationships" xmlns:p="http://schemas.openxmlformats.org/presentationml/2006/main">
+  <p:cSld>
+    <p:spTree>
+      <p:nvGrpSpPr>
+        <p:cNvPr id="1" name=""/>
+        <p:cNvGrpSpPr/>
+        <p:nvPr/>
+      </p:nvGrpSpPr>
+      <p:grpSpPr>
+        <a:xfrm>
+          <a:off x="0" y="0"/>
+          <a:ext cx="0" cy="0"/>
+          <a:chOff x="0" y="0"/>
+          <a:chExt cx="0" cy="0"/>
+        </a:xfrm>
+      </p:grpSpPr>
+      <p:sp>
+        <p:nvSpPr>
+          <p:cNvPr id="2" name="Title 1"/>
+          <p:cNvSpPr>
+            <a:spLocks noGrp="1"/>
+          </p:cNvSpPr>
+          <p:nvPr>
+            <p:ph type="title"/>
+          </p:nvPr>
+        </p:nvSpPr>
+        <p:spPr/>
+        <p:txBody>
+          <a:bodyPr/>
+          <a:lstStyle/>
+          <a:p>
+            <a:r>
+              <a:rPr lang="en-US" dirty="0" smtClean="0"/>
+              <a:t>Khảo sát hiện trạng</a:t>
+            </a:r>
+            <a:endParaRPr lang="en-US" dirty="0"/>
+          </a:p>
+        </p:txBody>
+      </p:sp>
+      <p:sp>
+        <p:nvSpPr>
+          <p:cNvPr id="5" name="Content Placeholder 2"/>
+          <p:cNvSpPr>
+            <a:spLocks noGrp="1"/>
+          </p:cNvSpPr>
+          <p:nvPr>
+            <p:ph idx="1"/>
+          </p:nvPr>
+        </p:nvSpPr>
+        <p:spPr>
+          <a:xfrm>
+            <a:off x="628650" y="1825625"/>
+            <a:ext cx="7886700" cy="4351338"/>
+          </a:xfrm>
+        </p:spPr>
+        <p:txBody>
+          <a:bodyPr>
+            <a:normAutofit/>
+          </a:bodyPr>
+          <a:lstStyle/>
+          <a:p>
+            <a:r>
+              <a:rPr lang="en-US" sz="2000" b="1" dirty="0"/>
+              <a:t>Lần vết yêu </a:t>
+            </a:r>
+            <a:r>
+              <a:rPr lang="en-US" sz="2000" b="1" dirty="0" smtClean="0"/>
+              <a:t>cầu</a:t>
+            </a:r>
+            <a:endParaRPr lang="en-US" sz="1600" dirty="0" smtClean="0"/>
+          </a:p>
+          <a:p>
+            <a:pPr lvl="1">
+              <a:buFont typeface="Wingdings" panose="05000000000000000000" pitchFamily="2" charset="2"/>
+              <a:buChar char="Ø"/>
+            </a:pPr>
+            <a:r>
+              <a:rPr lang="vi-VN" sz="1600" dirty="0"/>
+              <a:t>Lần vết yêu cầu có liên quan với việc khôi phục nguồn của yêu cầu và dự đoán những ảnh hưởng của các yêu cầu.</a:t>
+            </a:r>
+          </a:p>
+          <a:p>
+            <a:pPr lvl="1">
+              <a:buFont typeface="Wingdings" panose="05000000000000000000" pitchFamily="2" charset="2"/>
+              <a:buChar char="Ø"/>
+            </a:pPr>
+            <a:r>
+              <a:rPr lang="vi-VN" sz="1600" dirty="0" smtClean="0"/>
+              <a:t>Truy </a:t>
+            </a:r>
+            <a:r>
+              <a:rPr lang="vi-VN" sz="1600" dirty="0"/>
+              <a:t>vết để thực hiện phân tích những ảnh hưởng khi yêu cầu thay đổi.</a:t>
+            </a:r>
+          </a:p>
+          <a:p>
+            <a:pPr lvl="1">
+              <a:buFont typeface="Wingdings" panose="05000000000000000000" pitchFamily="2" charset="2"/>
+              <a:buChar char="Ø"/>
+            </a:pPr>
+            <a:r>
+              <a:rPr lang="en-US" sz="1600" dirty="0"/>
+              <a:t>M</a:t>
+            </a:r>
+            <a:r>
+              <a:rPr lang="vi-VN" sz="1600" dirty="0" smtClean="0"/>
+              <a:t>ột </a:t>
+            </a:r>
+            <a:r>
+              <a:rPr lang="vi-VN" sz="1600" dirty="0"/>
+              <a:t>yêu cầu nên được truy về những yêu cầu khác và các bên liên quan để thúc đẩy nó(ví dụ: tử yêu cầu phần mềm về yêu cầu hệ thống)</a:t>
+            </a:r>
+          </a:p>
+          <a:p>
+            <a:pPr lvl="1">
+              <a:buFont typeface="Wingdings" panose="05000000000000000000" pitchFamily="2" charset="2"/>
+              <a:buChar char="Ø"/>
+            </a:pPr>
+            <a:r>
+              <a:rPr lang="vi-VN" sz="1600" dirty="0" smtClean="0"/>
+              <a:t>Ngược </a:t>
+            </a:r>
+            <a:r>
+              <a:rPr lang="vi-VN" sz="1600" dirty="0"/>
+              <a:t>lại. một yêu cầu nên được truy đến những yêu cầu khác nhằm thỏa mãn nó(ví dụ: từ yêu cầu hệ thống đến yêu cầu phần mềm)</a:t>
+            </a:r>
+          </a:p>
+          <a:p>
+            <a:pPr lvl="1">
+              <a:buFont typeface="Wingdings" panose="05000000000000000000" pitchFamily="2" charset="2"/>
+              <a:buChar char="Ø"/>
+            </a:pPr>
+            <a:endParaRPr lang="en-US" sz="2000" b="1" dirty="0" smtClean="0"/>
+          </a:p>
+          <a:p>
+            <a:pPr lvl="0"/>
+            <a:r>
+              <a:rPr lang="en-US" sz="2000" b="1" dirty="0">
+                <a:solidFill>
+                  <a:prstClr val="black"/>
+                </a:solidFill>
+              </a:rPr>
+              <a:t>Ðánh giá </a:t>
+            </a:r>
+            <a:r>
+              <a:rPr lang="en-US" sz="2000" b="1" dirty="0" smtClean="0">
+                <a:solidFill>
+                  <a:prstClr val="black"/>
+                </a:solidFill>
+              </a:rPr>
+              <a:t>yêu cầu</a:t>
+            </a:r>
+          </a:p>
+          <a:p>
+            <a:pPr lvl="1">
+              <a:buFont typeface="Wingdings" panose="05000000000000000000" pitchFamily="2" charset="2"/>
+              <a:buChar char="Ø"/>
+            </a:pPr>
+            <a:r>
+              <a:rPr lang="vi-VN" sz="1600" dirty="0"/>
+              <a:t>Đánh giá kích  thước của sự thay đổi yêu cầu.</a:t>
+            </a:r>
+          </a:p>
+          <a:p>
+            <a:pPr lvl="1">
+              <a:buFont typeface="Wingdings" panose="05000000000000000000" pitchFamily="2" charset="2"/>
+              <a:buChar char="Ø"/>
+            </a:pPr>
+            <a:r>
+              <a:rPr lang="vi-VN" sz="1600" dirty="0"/>
+              <a:t>Đánh giá chi phí cho việc phát triển hoặc duy trì 1 yêu cầu</a:t>
+            </a:r>
+          </a:p>
+        </p:txBody>
+      </p:sp>
+      <p:sp>
+        <p:nvSpPr>
+          <p:cNvPr id="6" name="Content Placeholder 3"/>
+          <p:cNvSpPr>
+            <a:spLocks noGrp="1"/>
+          </p:cNvSpPr>
+          <p:nvPr>
+            <p:ph sz="quarter" idx="13"/>
+          </p:nvPr>
+        </p:nvSpPr>
+        <p:spPr>
+          <a:xfrm>
+            <a:off x="2362200" y="381000"/>
+            <a:ext cx="5257800" cy="381000"/>
+          </a:xfrm>
+        </p:spPr>
+        <p:txBody>
+          <a:bodyPr/>
+          <a:lstStyle/>
+          <a:p>
+            <a:r>
+              <a:rPr lang="en-US" dirty="0" smtClean="0"/>
+              <a:t>1.7. Yêu cầu phần mềm | Khảo sát hiện trạng</a:t>
+            </a:r>
+            <a:endParaRPr lang="en-US" dirty="0"/>
+          </a:p>
+        </p:txBody>
+      </p:sp>
+    </p:spTree>
+    <p:extLst>
+      <p:ext uri="{BB962C8B-B14F-4D97-AF65-F5344CB8AC3E}">
+        <p14:creationId xmlns:p14="http://schemas.microsoft.com/office/powerpoint/2010/main" val="2997120115"/>
+      </p:ext>
+    </p:extLst>
+  </p:cSld>
+  <p:clrMapOvr>
+    <a:masterClrMapping/>
+  </p:clrMapOvr>
+  <p:timing>
+    <p:tnLst>
+      <p:par>
+        <p:cTn id="1" dur="indefinite" restart="never" nodeType="tmRoot"/>
+      </p:par>
+    </p:tnLst>
+  </p:timing>
+</p:sld>
+</file>
+
+<file path=ppt/slides/slide26.xml><?xml version="1.0" encoding="utf-8"?>
+<p:sld xmlns:a="http://schemas.openxmlformats.org/drawingml/2006/main" xmlns:r="http://schemas.openxmlformats.org/officeDocument/2006/relationships" xmlns:p="http://schemas.openxmlformats.org/presentationml/2006/main">
+  <p:cSld>
+    <p:spTree>
+      <p:nvGrpSpPr>
+        <p:cNvPr id="1" name=""/>
+        <p:cNvGrpSpPr/>
+        <p:nvPr/>
+      </p:nvGrpSpPr>
+      <p:grpSpPr>
+        <a:xfrm>
+          <a:off x="0" y="0"/>
+          <a:ext cx="0" cy="0"/>
+          <a:chOff x="0" y="0"/>
+          <a:chExt cx="0" cy="0"/>
+        </a:xfrm>
+      </p:grpSpPr>
+      <p:sp>
+        <p:nvSpPr>
+          <p:cNvPr id="2" name="Title 1"/>
+          <p:cNvSpPr>
+            <a:spLocks noGrp="1"/>
+          </p:cNvSpPr>
+          <p:nvPr>
+            <p:ph type="title"/>
+          </p:nvPr>
+        </p:nvSpPr>
+        <p:spPr/>
+        <p:txBody>
+          <a:bodyPr/>
+          <a:lstStyle/>
+          <a:p>
+            <a:r>
+              <a:rPr lang="en-US" b="1" dirty="0" smtClean="0">
+                <a:latin typeface="Verdana" panose="020B0604030504040204" pitchFamily="34" charset="0"/>
+                <a:ea typeface="Verdana" panose="020B0604030504040204" pitchFamily="34" charset="0"/>
+                <a:cs typeface="Verdana" panose="020B0604030504040204" pitchFamily="34" charset="0"/>
+              </a:rPr>
+              <a:t>YÊU CẦU PHẦN MỀM</a:t>
+            </a:r>
+            <a:endParaRPr lang="en-US" b="1" dirty="0">
+              <a:latin typeface="Verdana" panose="020B0604030504040204" pitchFamily="34" charset="0"/>
+              <a:ea typeface="Verdana" panose="020B0604030504040204" pitchFamily="34" charset="0"/>
+              <a:cs typeface="Verdana" panose="020B0604030504040204" pitchFamily="34" charset="0"/>
+            </a:endParaRPr>
+          </a:p>
+        </p:txBody>
+      </p:sp>
+      <p:sp>
+        <p:nvSpPr>
+          <p:cNvPr id="3" name="Text Placeholder 2"/>
+          <p:cNvSpPr>
+            <a:spLocks noGrp="1"/>
+          </p:cNvSpPr>
+          <p:nvPr>
+            <p:ph type="body" idx="1"/>
+          </p:nvPr>
+        </p:nvSpPr>
+        <p:spPr/>
+        <p:txBody>
+          <a:bodyPr/>
+          <a:lstStyle/>
+          <a:p>
+            <a:r>
+              <a:rPr lang="en-US" dirty="0" smtClean="0">
+                <a:latin typeface="Verdana" panose="020B0604030504040204" pitchFamily="34" charset="0"/>
+                <a:ea typeface="Verdana" panose="020B0604030504040204" pitchFamily="34" charset="0"/>
+                <a:cs typeface="Verdana" panose="020B0604030504040204" pitchFamily="34" charset="0"/>
+              </a:rPr>
+              <a:t>CHƯƠNG 1</a:t>
+            </a:r>
+          </a:p>
+          <a:p>
+            <a:r>
+              <a:rPr lang="en-US" dirty="0" smtClean="0">
+                <a:solidFill>
+                  <a:schemeClr val="bg1">
+                    <a:lumMod val="50000"/>
+                  </a:schemeClr>
+                </a:solidFill>
+                <a:latin typeface="Verdana" panose="020B0604030504040204" pitchFamily="34" charset="0"/>
+                <a:ea typeface="Verdana" panose="020B0604030504040204" pitchFamily="34" charset="0"/>
+                <a:cs typeface="Verdana" panose="020B0604030504040204" pitchFamily="34" charset="0"/>
+              </a:rPr>
+              <a:t>1.6. Thẩm định yêu cầu</a:t>
+            </a:r>
+            <a:endParaRPr lang="en-US" dirty="0" smtClean="0">
+              <a:solidFill>
+                <a:schemeClr val="bg1">
+                  <a:lumMod val="50000"/>
+                </a:schemeClr>
+              </a:solidFill>
+              <a:latin typeface="Verdana" panose="020B0604030504040204" pitchFamily="34" charset="0"/>
+              <a:ea typeface="Verdana" panose="020B0604030504040204" pitchFamily="34" charset="0"/>
+              <a:cs typeface="Verdana" panose="020B0604030504040204" pitchFamily="34" charset="0"/>
+            </a:endParaRPr>
+          </a:p>
+          <a:p>
+            <a:r>
+              <a:rPr lang="en-US" dirty="0" smtClean="0">
+                <a:solidFill>
+                  <a:schemeClr val="bg1">
+                    <a:lumMod val="50000"/>
+                  </a:schemeClr>
+                </a:solidFill>
+                <a:latin typeface="Verdana" panose="020B0604030504040204" pitchFamily="34" charset="0"/>
+                <a:ea typeface="Verdana" panose="020B0604030504040204" pitchFamily="34" charset="0"/>
+                <a:cs typeface="Verdana" panose="020B0604030504040204" pitchFamily="34" charset="0"/>
+              </a:rPr>
+              <a:t>1.7. Khảo sát hiện trạng</a:t>
+            </a:r>
+            <a:endParaRPr lang="en-US" dirty="0" smtClean="0">
+              <a:solidFill>
+                <a:schemeClr val="bg1">
+                  <a:lumMod val="50000"/>
+                </a:schemeClr>
+              </a:solidFill>
+              <a:latin typeface="Verdana" panose="020B0604030504040204" pitchFamily="34" charset="0"/>
+              <a:ea typeface="Verdana" panose="020B0604030504040204" pitchFamily="34" charset="0"/>
+              <a:cs typeface="Verdana" panose="020B0604030504040204" pitchFamily="34" charset="0"/>
+            </a:endParaRPr>
+          </a:p>
+          <a:p>
+            <a:r>
+              <a:rPr lang="en-US" dirty="0" smtClean="0">
+                <a:solidFill>
+                  <a:srgbClr val="FF1111"/>
+                </a:solidFill>
+                <a:latin typeface="Verdana" panose="020B0604030504040204" pitchFamily="34" charset="0"/>
+                <a:ea typeface="Verdana" panose="020B0604030504040204" pitchFamily="34" charset="0"/>
+                <a:cs typeface="Verdana" panose="020B0604030504040204" pitchFamily="34" charset="0"/>
+              </a:rPr>
+              <a:t>1.8. Công cụ</a:t>
+            </a:r>
+            <a:endParaRPr lang="en-US" dirty="0">
+              <a:solidFill>
+                <a:srgbClr val="FF1111"/>
+              </a:solidFill>
+              <a:latin typeface="Verdana" panose="020B0604030504040204" pitchFamily="34" charset="0"/>
+              <a:ea typeface="Verdana" panose="020B0604030504040204" pitchFamily="34" charset="0"/>
+              <a:cs typeface="Verdana" panose="020B0604030504040204" pitchFamily="34" charset="0"/>
+            </a:endParaRPr>
+          </a:p>
+        </p:txBody>
+      </p:sp>
+      <p:sp>
+        <p:nvSpPr>
+          <p:cNvPr id="4" name="Isosceles Triangle 3"/>
+          <p:cNvSpPr/>
+          <p:nvPr/>
+        </p:nvSpPr>
+        <p:spPr>
+          <a:xfrm flipV="1">
+            <a:off x="762000" y="6089651"/>
+            <a:ext cx="304800" cy="158749"/>
+          </a:xfrm>
+          <a:prstGeom prst="triangle">
+            <a:avLst/>
+          </a:prstGeom>
+          <a:solidFill>
+            <a:schemeClr val="bg1">
+              <a:lumMod val="75000"/>
+            </a:schemeClr>
+          </a:solidFill>
+          <a:ln>
+            <a:noFill/>
+          </a:ln>
+        </p:spPr>
+        <p:style>
+          <a:lnRef idx="2">
+            <a:schemeClr val="accent1">
+              <a:shade val="50000"/>
+            </a:schemeClr>
+          </a:lnRef>
+          <a:fillRef idx="1">
+            <a:schemeClr val="accent1"/>
+          </a:fillRef>
+          <a:effectRef idx="0">
+            <a:schemeClr val="accent1"/>
+          </a:effectRef>
+          <a:fontRef idx="minor">
+            <a:schemeClr val="lt1"/>
+          </a:fontRef>
+        </p:style>
+        <p:txBody>
+          <a:bodyPr rtlCol="0" anchor="ctr"/>
+          <a:lstStyle/>
+          <a:p>
+            <a:pPr algn="ctr"/>
+            <a:endParaRPr lang="en-US"/>
+          </a:p>
+        </p:txBody>
+      </p:sp>
+    </p:spTree>
+    <p:extLst>
+      <p:ext uri="{BB962C8B-B14F-4D97-AF65-F5344CB8AC3E}">
+        <p14:creationId xmlns:p14="http://schemas.microsoft.com/office/powerpoint/2010/main" val="1968691102"/>
+      </p:ext>
+    </p:extLst>
+  </p:cSld>
+  <p:clrMapOvr>
+    <a:masterClrMapping/>
+  </p:clrMapOvr>
+  <p:timing>
+    <p:tnLst>
+      <p:par>
+        <p:cTn id="1" dur="indefinite" restart="never" nodeType="tmRoot"/>
+      </p:par>
+    </p:tnLst>
+  </p:timing>
+</p:sld>
+</file>
+
+<file path=ppt/slides/slide27.xml><?xml version="1.0" encoding="utf-8"?>
+<p:sld xmlns:a="http://schemas.openxmlformats.org/drawingml/2006/main" xmlns:r="http://schemas.openxmlformats.org/officeDocument/2006/relationships" xmlns:p="http://schemas.openxmlformats.org/presentationml/2006/main">
+  <p:cSld>
+    <p:spTree>
+      <p:nvGrpSpPr>
+        <p:cNvPr id="1" name=""/>
+        <p:cNvGrpSpPr/>
+        <p:nvPr/>
+      </p:nvGrpSpPr>
+      <p:grpSpPr>
+        <a:xfrm>
+          <a:off x="0" y="0"/>
+          <a:ext cx="0" cy="0"/>
+          <a:chOff x="0" y="0"/>
+          <a:chExt cx="0" cy="0"/>
+        </a:xfrm>
+      </p:grpSpPr>
+      <p:sp>
+        <p:nvSpPr>
+          <p:cNvPr id="2" name="Title 1"/>
+          <p:cNvSpPr>
+            <a:spLocks noGrp="1"/>
+          </p:cNvSpPr>
+          <p:nvPr>
+            <p:ph type="title"/>
+          </p:nvPr>
+        </p:nvSpPr>
+        <p:spPr/>
+        <p:txBody>
+          <a:bodyPr/>
+          <a:lstStyle/>
+          <a:p>
+            <a:r>
+              <a:rPr lang="en-US" dirty="0" smtClean="0"/>
+              <a:t>Công cụ</a:t>
+            </a:r>
+            <a:endParaRPr lang="en-US" dirty="0"/>
+          </a:p>
+        </p:txBody>
+      </p:sp>
+      <p:sp>
+        <p:nvSpPr>
+          <p:cNvPr id="5" name="Content Placeholder 2"/>
+          <p:cNvSpPr>
+            <a:spLocks noGrp="1"/>
+          </p:cNvSpPr>
+          <p:nvPr>
+            <p:ph idx="1"/>
+          </p:nvPr>
+        </p:nvSpPr>
+        <p:spPr>
+          <a:xfrm>
+            <a:off x="628650" y="1825625"/>
+            <a:ext cx="7886700" cy="4351338"/>
+          </a:xfrm>
+        </p:spPr>
+        <p:txBody>
+          <a:bodyPr>
+            <a:normAutofit/>
+          </a:bodyPr>
+          <a:lstStyle/>
+          <a:p>
+            <a:r>
+              <a:rPr lang="vi-VN" sz="2000" b="1" dirty="0"/>
+              <a:t>Công cụ cho việc vẽ model (CASE tool)</a:t>
+            </a:r>
+          </a:p>
+          <a:p>
+            <a:r>
+              <a:rPr lang="vi-VN" sz="2000" b="1" dirty="0" smtClean="0"/>
+              <a:t>Công </a:t>
+            </a:r>
+            <a:r>
+              <a:rPr lang="vi-VN" sz="2000" b="1" dirty="0"/>
+              <a:t>cụ cho việc quản lí yêu cầu (spreadsheet, cơ sở dữ liệu,..)</a:t>
+            </a:r>
+            <a:endParaRPr lang="en-US" sz="1600" dirty="0" smtClean="0"/>
+          </a:p>
+        </p:txBody>
+      </p:sp>
+      <p:sp>
+        <p:nvSpPr>
+          <p:cNvPr id="6" name="Content Placeholder 3"/>
+          <p:cNvSpPr>
+            <a:spLocks noGrp="1"/>
+          </p:cNvSpPr>
+          <p:nvPr>
+            <p:ph sz="quarter" idx="13"/>
+          </p:nvPr>
+        </p:nvSpPr>
+        <p:spPr>
+          <a:xfrm>
+            <a:off x="2362200" y="381000"/>
+            <a:ext cx="5257800" cy="381000"/>
+          </a:xfrm>
+        </p:spPr>
+        <p:txBody>
+          <a:bodyPr/>
+          <a:lstStyle/>
+          <a:p>
+            <a:r>
+              <a:rPr lang="en-US" dirty="0" smtClean="0"/>
+              <a:t>1.8. Yêu cầu phần mềm | Công cụ</a:t>
+            </a:r>
+            <a:endParaRPr lang="en-US" dirty="0"/>
+          </a:p>
+        </p:txBody>
+      </p:sp>
+    </p:spTree>
+    <p:extLst>
+      <p:ext uri="{BB962C8B-B14F-4D97-AF65-F5344CB8AC3E}">
+        <p14:creationId xmlns:p14="http://schemas.microsoft.com/office/powerpoint/2010/main" val="395625922"/>
       </p:ext>
     </p:extLst>
   </p:cSld>

--- a/slide/dev/chapter_1/slide.pptx
+++ b/slide/dev/chapter_1/slide.pptx
@@ -5,7 +5,7 @@
     <p:sldMasterId id="2147483703" r:id="rId2"/>
   </p:sldMasterIdLst>
   <p:notesMasterIdLst>
-    <p:notesMasterId r:id="rId30"/>
+    <p:notesMasterId r:id="rId33"/>
   </p:notesMasterIdLst>
   <p:sldIdLst>
     <p:sldId id="256" r:id="rId3"/>
@@ -15,26 +15,29 @@
     <p:sldId id="266" r:id="rId7"/>
     <p:sldId id="262" r:id="rId8"/>
     <p:sldId id="263" r:id="rId9"/>
-    <p:sldId id="265" r:id="rId10"/>
-    <p:sldId id="264" r:id="rId11"/>
-    <p:sldId id="267" r:id="rId12"/>
-    <p:sldId id="268" r:id="rId13"/>
-    <p:sldId id="269" r:id="rId14"/>
-    <p:sldId id="277" r:id="rId15"/>
-    <p:sldId id="270" r:id="rId16"/>
-    <p:sldId id="271" r:id="rId17"/>
-    <p:sldId id="272" r:id="rId18"/>
-    <p:sldId id="273" r:id="rId19"/>
-    <p:sldId id="274" r:id="rId20"/>
-    <p:sldId id="276" r:id="rId21"/>
-    <p:sldId id="280" r:id="rId22"/>
-    <p:sldId id="279" r:id="rId23"/>
-    <p:sldId id="278" r:id="rId24"/>
-    <p:sldId id="281" r:id="rId25"/>
-    <p:sldId id="282" r:id="rId26"/>
-    <p:sldId id="283" r:id="rId27"/>
-    <p:sldId id="284" r:id="rId28"/>
-    <p:sldId id="285" r:id="rId29"/>
+    <p:sldId id="286" r:id="rId10"/>
+    <p:sldId id="265" r:id="rId11"/>
+    <p:sldId id="264" r:id="rId12"/>
+    <p:sldId id="287" r:id="rId13"/>
+    <p:sldId id="288" r:id="rId14"/>
+    <p:sldId id="267" r:id="rId15"/>
+    <p:sldId id="268" r:id="rId16"/>
+    <p:sldId id="269" r:id="rId17"/>
+    <p:sldId id="277" r:id="rId18"/>
+    <p:sldId id="270" r:id="rId19"/>
+    <p:sldId id="271" r:id="rId20"/>
+    <p:sldId id="272" r:id="rId21"/>
+    <p:sldId id="273" r:id="rId22"/>
+    <p:sldId id="274" r:id="rId23"/>
+    <p:sldId id="276" r:id="rId24"/>
+    <p:sldId id="280" r:id="rId25"/>
+    <p:sldId id="279" r:id="rId26"/>
+    <p:sldId id="278" r:id="rId27"/>
+    <p:sldId id="281" r:id="rId28"/>
+    <p:sldId id="282" r:id="rId29"/>
+    <p:sldId id="283" r:id="rId30"/>
+    <p:sldId id="284" r:id="rId31"/>
+    <p:sldId id="285" r:id="rId32"/>
   </p:sldIdLst>
   <p:sldSz cx="9144000" cy="6858000" type="screen4x3"/>
   <p:notesSz cx="6858000" cy="9144000"/>
@@ -234,7 +237,7 @@
           <a:p>
             <a:fld id="{BFB7A6A1-140E-4053-A62A-AFDAF6E6ECEB}" type="datetimeFigureOut">
               <a:rPr lang="en-US" smtClean="0"/>
-              <a:t>12/6/2015</a:t>
+              <a:t>12/7/2015</a:t>
             </a:fld>
             <a:endParaRPr lang="en-US"/>
           </a:p>
@@ -640,7 +643,7 @@
           <a:p>
             <a:fld id="{4CBCDE7C-CCB6-471C-9199-918A33307958}" type="datetimeFigureOut">
               <a:rPr lang="en-US" smtClean="0"/>
-              <a:t>12/6/2015</a:t>
+              <a:t>12/7/2015</a:t>
             </a:fld>
             <a:endParaRPr lang="en-US"/>
           </a:p>
@@ -1057,7 +1060,7 @@
           <a:p>
             <a:fld id="{4CBCDE7C-CCB6-471C-9199-918A33307958}" type="datetimeFigureOut">
               <a:rPr lang="en-US" smtClean="0"/>
-              <a:t>12/6/2015</a:t>
+              <a:t>12/7/2015</a:t>
             </a:fld>
             <a:endParaRPr lang="en-US"/>
           </a:p>
@@ -1237,7 +1240,7 @@
           <a:p>
             <a:fld id="{4CBCDE7C-CCB6-471C-9199-918A33307958}" type="datetimeFigureOut">
               <a:rPr lang="en-US" smtClean="0"/>
-              <a:t>12/6/2015</a:t>
+              <a:t>12/7/2015</a:t>
             </a:fld>
             <a:endParaRPr lang="en-US"/>
           </a:p>
@@ -1617,7 +1620,7 @@
           <a:p>
             <a:fld id="{4CBCDE7C-CCB6-471C-9199-918A33307958}" type="datetimeFigureOut">
               <a:rPr lang="en-US" smtClean="0"/>
-              <a:t>12/6/2015</a:t>
+              <a:t>12/7/2015</a:t>
             </a:fld>
             <a:endParaRPr lang="en-US"/>
           </a:p>
@@ -2025,7 +2028,7 @@
           <a:p>
             <a:fld id="{4CBCDE7C-CCB6-471C-9199-918A33307958}" type="datetimeFigureOut">
               <a:rPr lang="en-US" smtClean="0"/>
-              <a:t>12/6/2015</a:t>
+              <a:t>12/7/2015</a:t>
             </a:fld>
             <a:endParaRPr lang="en-US"/>
           </a:p>
@@ -2292,7 +2295,7 @@
           <a:p>
             <a:fld id="{4CBCDE7C-CCB6-471C-9199-918A33307958}" type="datetimeFigureOut">
               <a:rPr lang="en-US" smtClean="0"/>
-              <a:t>12/6/2015</a:t>
+              <a:t>12/7/2015</a:t>
             </a:fld>
             <a:endParaRPr lang="en-US"/>
           </a:p>
@@ -2659,7 +2662,7 @@
           <a:p>
             <a:fld id="{4CBCDE7C-CCB6-471C-9199-918A33307958}" type="datetimeFigureOut">
               <a:rPr lang="en-US" smtClean="0"/>
-              <a:t>12/6/2015</a:t>
+              <a:t>12/7/2015</a:t>
             </a:fld>
             <a:endParaRPr lang="en-US"/>
           </a:p>
@@ -2777,7 +2780,7 @@
           <a:p>
             <a:fld id="{4CBCDE7C-CCB6-471C-9199-918A33307958}" type="datetimeFigureOut">
               <a:rPr lang="en-US" smtClean="0"/>
-              <a:t>12/6/2015</a:t>
+              <a:t>12/7/2015</a:t>
             </a:fld>
             <a:endParaRPr lang="en-US"/>
           </a:p>
@@ -2872,7 +2875,7 @@
           <a:p>
             <a:fld id="{4CBCDE7C-CCB6-471C-9199-918A33307958}" type="datetimeFigureOut">
               <a:rPr lang="en-US" smtClean="0"/>
-              <a:t>12/6/2015</a:t>
+              <a:t>12/7/2015</a:t>
             </a:fld>
             <a:endParaRPr lang="en-US"/>
           </a:p>
@@ -3149,7 +3152,7 @@
           <a:p>
             <a:fld id="{4CBCDE7C-CCB6-471C-9199-918A33307958}" type="datetimeFigureOut">
               <a:rPr lang="en-US" smtClean="0"/>
-              <a:t>12/6/2015</a:t>
+              <a:t>12/7/2015</a:t>
             </a:fld>
             <a:endParaRPr lang="en-US"/>
           </a:p>
@@ -3402,7 +3405,7 @@
           <a:p>
             <a:fld id="{4CBCDE7C-CCB6-471C-9199-918A33307958}" type="datetimeFigureOut">
               <a:rPr lang="en-US" smtClean="0"/>
-              <a:t>12/6/2015</a:t>
+              <a:t>12/7/2015</a:t>
             </a:fld>
             <a:endParaRPr lang="en-US"/>
           </a:p>
@@ -3615,7 +3618,7 @@
           <a:p>
             <a:fld id="{4CBCDE7C-CCB6-471C-9199-918A33307958}" type="datetimeFigureOut">
               <a:rPr lang="en-US" smtClean="0"/>
-              <a:t>12/6/2015</a:t>
+              <a:t>12/7/2015</a:t>
             </a:fld>
             <a:endParaRPr lang="en-US"/>
           </a:p>
@@ -4148,8 +4151,8 @@
           <a:lstStyle/>
           <a:p>
             <a:r>
-              <a:rPr lang="en-US" dirty="0" smtClean="0"/>
-              <a:t>Hỗ trợ và quản lý</a:t>
+              <a:rPr lang="en-US" dirty="0"/>
+              <a:t>Vị trí trong mô hình tiến trình</a:t>
             </a:r>
             <a:endParaRPr lang="en-US" dirty="0"/>
           </a:p>
@@ -4176,18 +4179,20 @@
           <a:lstStyle/>
           <a:p>
             <a:r>
-              <a:rPr lang="en-US" sz="2000" b="1" dirty="0" smtClean="0"/>
-              <a:t>...</a:t>
-            </a:r>
-          </a:p>
-          <a:p>
-            <a:pPr lvl="1">
-              <a:buFont typeface="Wingdings" panose="05000000000000000000" pitchFamily="2" charset="2"/>
-              <a:buChar char="Ø"/>
-            </a:pPr>
-            <a:r>
-              <a:rPr lang="en-US" sz="1600" dirty="0" smtClean="0"/>
-              <a:t>...</a:t>
+              <a:rPr lang="vi-VN" sz="2000" b="1" dirty="0" smtClean="0"/>
+              <a:t>Xuất phát từ giai đoạn khởi tạo dự án, cho tới khi hoàn thiện các tiến trình trong vòng đời phát triển của phần mềm. Không chỉ là các hoạt động bề nổi nhìn thấy được.</a:t>
+            </a:r>
+          </a:p>
+          <a:p>
+            <a:r>
+              <a:rPr lang="vi-VN" sz="2000" b="1" dirty="0" smtClean="0"/>
+              <a:t>Được nhận biết như phần cấu hình của mọi việc, và được quản lí như việc quản lí các cấu hình; hoặc là sản phẩm của các quá trình trong vòng đời phát triển.</a:t>
+            </a:r>
+          </a:p>
+          <a:p>
+            <a:r>
+              <a:rPr lang="vi-VN" sz="2000" b="1" dirty="0" smtClean="0"/>
+              <a:t>Được thiết kế theo từng tổ chức và hoàn cảnh của từng dự án.</a:t>
             </a:r>
             <a:endParaRPr lang="en-US" sz="1600" dirty="0"/>
           </a:p>
@@ -4226,7 +4231,7 @@
     </p:spTree>
     <p:extLst>
       <p:ext uri="{BB962C8B-B14F-4D97-AF65-F5344CB8AC3E}">
-        <p14:creationId xmlns:p14="http://schemas.microsoft.com/office/powerpoint/2010/main" val="1040804180"/>
+        <p14:creationId xmlns:p14="http://schemas.microsoft.com/office/powerpoint/2010/main" val="1474894134"/>
       </p:ext>
     </p:extLst>
   </p:cSld>
@@ -4276,8 +4281,8 @@
           <a:lstStyle/>
           <a:p>
             <a:r>
-              <a:rPr lang="en-US" dirty="0" smtClean="0"/>
-              <a:t>Chất lượng và cải tiến</a:t>
+              <a:rPr lang="en-US" dirty="0"/>
+              <a:t>Các nhân tố tham gia</a:t>
             </a:r>
             <a:endParaRPr lang="en-US" dirty="0"/>
           </a:p>
@@ -4304,18 +4309,48 @@
           <a:lstStyle/>
           <a:p>
             <a:r>
-              <a:rPr lang="en-US" sz="2000" b="1" dirty="0" smtClean="0"/>
-              <a:t>...</a:t>
-            </a:r>
-          </a:p>
-          <a:p>
-            <a:pPr lvl="1">
-              <a:buFont typeface="Wingdings" panose="05000000000000000000" pitchFamily="2" charset="2"/>
-              <a:buChar char="Ø"/>
-            </a:pPr>
-            <a:r>
-              <a:rPr lang="en-US" sz="1600" dirty="0" smtClean="0"/>
-              <a:t>...</a:t>
+              <a:rPr lang="vi-VN" sz="2000" b="1" dirty="0"/>
+              <a:t>Người dùng: vận hành phần mềm.</a:t>
+            </a:r>
+          </a:p>
+          <a:p>
+            <a:r>
+              <a:rPr lang="vi-VN" sz="2000" b="1" dirty="0" smtClean="0"/>
+              <a:t>Khách </a:t>
+            </a:r>
+            <a:r>
+              <a:rPr lang="vi-VN" sz="2000" b="1" dirty="0"/>
+              <a:t>hàng: gồm những người được hưởng mục tiêu cuối cùng của phần mềm, những giá trị thương mại mà phần mềm hướng đến.</a:t>
+            </a:r>
+          </a:p>
+          <a:p>
+            <a:r>
+              <a:rPr lang="vi-VN" sz="2000" b="1" dirty="0" smtClean="0"/>
+              <a:t>Nhà </a:t>
+            </a:r>
+            <a:r>
+              <a:rPr lang="vi-VN" sz="2000" b="1" dirty="0"/>
+              <a:t>phân tích thị trường: phân tích nhu cầu thị trường và tương tác với bên đại diện khách hàng.</a:t>
+            </a:r>
+          </a:p>
+          <a:p>
+            <a:r>
+              <a:rPr lang="vi-VN" sz="2000" b="1" dirty="0" smtClean="0"/>
+              <a:t>Đại </a:t>
+            </a:r>
+            <a:r>
+              <a:rPr lang="vi-VN" sz="2000" b="1" dirty="0"/>
+              <a:t>diện pháp lý: kiểm soát việc tuân thủ quy định, quy ước chung, quy định pháp lý.</a:t>
+            </a:r>
+          </a:p>
+          <a:p>
+            <a:r>
+              <a:rPr lang="vi-VN" sz="2000" b="1" dirty="0" smtClean="0"/>
+              <a:t>Kỹ </a:t>
+            </a:r>
+            <a:r>
+              <a:rPr lang="vi-VN" sz="2000" b="1" dirty="0"/>
+              <a:t>sư phần mềm: thu lợi nhuận hợp pháp từ việc phát triển phần mềm.</a:t>
             </a:r>
             <a:endParaRPr lang="en-US" sz="1600" dirty="0"/>
           </a:p>
@@ -4354,7 +4389,7 @@
     </p:spTree>
     <p:extLst>
       <p:ext uri="{BB962C8B-B14F-4D97-AF65-F5344CB8AC3E}">
-        <p14:creationId xmlns:p14="http://schemas.microsoft.com/office/powerpoint/2010/main" val="2855429040"/>
+        <p14:creationId xmlns:p14="http://schemas.microsoft.com/office/powerpoint/2010/main" val="4192158761"/>
       </p:ext>
     </p:extLst>
   </p:cSld>
@@ -4404,6 +4439,497 @@
           <a:lstStyle/>
           <a:p>
             <a:r>
+              <a:rPr lang="en-US" dirty="0"/>
+              <a:t>Các nhân tố tham gia</a:t>
+            </a:r>
+            <a:endParaRPr lang="en-US" dirty="0"/>
+          </a:p>
+        </p:txBody>
+      </p:sp>
+      <p:sp>
+        <p:nvSpPr>
+          <p:cNvPr id="5" name="Content Placeholder 2"/>
+          <p:cNvSpPr>
+            <a:spLocks noGrp="1"/>
+          </p:cNvSpPr>
+          <p:nvPr>
+            <p:ph idx="1"/>
+          </p:nvPr>
+        </p:nvSpPr>
+        <p:spPr>
+          <a:xfrm>
+            <a:off x="628650" y="1825625"/>
+            <a:ext cx="7886700" cy="4351338"/>
+          </a:xfrm>
+        </p:spPr>
+        <p:txBody>
+          <a:bodyPr/>
+          <a:lstStyle/>
+          <a:p>
+            <a:r>
+              <a:rPr lang="vi-VN" sz="2000" b="1" dirty="0"/>
+              <a:t>Người dùng: vận hành phần mềm.</a:t>
+            </a:r>
+          </a:p>
+          <a:p>
+            <a:r>
+              <a:rPr lang="vi-VN" sz="2000" b="1" dirty="0" smtClean="0"/>
+              <a:t>Khách </a:t>
+            </a:r>
+            <a:r>
+              <a:rPr lang="vi-VN" sz="2000" b="1" dirty="0"/>
+              <a:t>hàng: gồm những người được hưởng mục tiêu cuối cùng của phần mềm, những giá trị thương mại mà phần mềm hướng đến.</a:t>
+            </a:r>
+          </a:p>
+          <a:p>
+            <a:r>
+              <a:rPr lang="vi-VN" sz="2000" b="1" dirty="0" smtClean="0"/>
+              <a:t>Nhà </a:t>
+            </a:r>
+            <a:r>
+              <a:rPr lang="vi-VN" sz="2000" b="1" dirty="0"/>
+              <a:t>phân tích thị trường: phân tích nhu cầu thị trường và tương tác với bên đại diện khách hàng.</a:t>
+            </a:r>
+          </a:p>
+          <a:p>
+            <a:r>
+              <a:rPr lang="vi-VN" sz="2000" b="1" dirty="0" smtClean="0"/>
+              <a:t>Đại </a:t>
+            </a:r>
+            <a:r>
+              <a:rPr lang="vi-VN" sz="2000" b="1" dirty="0"/>
+              <a:t>diện pháp lý: kiểm soát việc tuân thủ quy định, quy ước chung, quy định pháp lý.</a:t>
+            </a:r>
+          </a:p>
+          <a:p>
+            <a:r>
+              <a:rPr lang="vi-VN" sz="2000" b="1" dirty="0" smtClean="0"/>
+              <a:t>Kỹ </a:t>
+            </a:r>
+            <a:r>
+              <a:rPr lang="vi-VN" sz="2000" b="1" dirty="0"/>
+              <a:t>sư phần mềm: thu lợi nhuận hợp pháp từ việc phát triển phần mềm.</a:t>
+            </a:r>
+            <a:endParaRPr lang="en-US" sz="1600" dirty="0"/>
+          </a:p>
+        </p:txBody>
+      </p:sp>
+      <p:sp>
+        <p:nvSpPr>
+          <p:cNvPr id="6" name="Content Placeholder 3"/>
+          <p:cNvSpPr>
+            <a:spLocks noGrp="1"/>
+          </p:cNvSpPr>
+          <p:nvPr>
+            <p:ph sz="quarter" idx="13"/>
+          </p:nvPr>
+        </p:nvSpPr>
+        <p:spPr>
+          <a:xfrm>
+            <a:off x="2362200" y="381000"/>
+            <a:ext cx="5257800" cy="381000"/>
+          </a:xfrm>
+        </p:spPr>
+        <p:txBody>
+          <a:bodyPr>
+            <a:normAutofit/>
+          </a:bodyPr>
+          <a:lstStyle/>
+          <a:p>
+            <a:r>
+              <a:rPr lang="en-US" dirty="0" smtClean="0"/>
+              <a:t>1.2. Yêu cầu phần mềm | Quy trình</a:t>
+            </a:r>
+            <a:endParaRPr lang="en-US" dirty="0"/>
+          </a:p>
+        </p:txBody>
+      </p:sp>
+    </p:spTree>
+    <p:extLst>
+      <p:ext uri="{BB962C8B-B14F-4D97-AF65-F5344CB8AC3E}">
+        <p14:creationId xmlns:p14="http://schemas.microsoft.com/office/powerpoint/2010/main" val="378400659"/>
+      </p:ext>
+    </p:extLst>
+  </p:cSld>
+  <p:clrMapOvr>
+    <a:masterClrMapping/>
+  </p:clrMapOvr>
+  <p:timing>
+    <p:tnLst>
+      <p:par>
+        <p:cTn id="1" dur="indefinite" restart="never" nodeType="tmRoot"/>
+      </p:par>
+    </p:tnLst>
+  </p:timing>
+</p:sld>
+</file>
+
+<file path=ppt/slides/slide13.xml><?xml version="1.0" encoding="utf-8"?>
+<p:sld xmlns:a="http://schemas.openxmlformats.org/drawingml/2006/main" xmlns:r="http://schemas.openxmlformats.org/officeDocument/2006/relationships" xmlns:p="http://schemas.openxmlformats.org/presentationml/2006/main">
+  <p:cSld>
+    <p:spTree>
+      <p:nvGrpSpPr>
+        <p:cNvPr id="1" name=""/>
+        <p:cNvGrpSpPr/>
+        <p:nvPr/>
+      </p:nvGrpSpPr>
+      <p:grpSpPr>
+        <a:xfrm>
+          <a:off x="0" y="0"/>
+          <a:ext cx="0" cy="0"/>
+          <a:chOff x="0" y="0"/>
+          <a:chExt cx="0" cy="0"/>
+        </a:xfrm>
+      </p:grpSpPr>
+      <p:sp>
+        <p:nvSpPr>
+          <p:cNvPr id="2" name="Title 1"/>
+          <p:cNvSpPr>
+            <a:spLocks noGrp="1"/>
+          </p:cNvSpPr>
+          <p:nvPr>
+            <p:ph type="title"/>
+          </p:nvPr>
+        </p:nvSpPr>
+        <p:spPr/>
+        <p:txBody>
+          <a:bodyPr/>
+          <a:lstStyle/>
+          <a:p>
+            <a:r>
+              <a:rPr lang="en-US" dirty="0"/>
+              <a:t>Quản lý và Hỗ trợ quy trình</a:t>
+            </a:r>
+            <a:endParaRPr lang="en-US" dirty="0"/>
+          </a:p>
+        </p:txBody>
+      </p:sp>
+      <p:sp>
+        <p:nvSpPr>
+          <p:cNvPr id="5" name="Content Placeholder 2"/>
+          <p:cNvSpPr>
+            <a:spLocks noGrp="1"/>
+          </p:cNvSpPr>
+          <p:nvPr>
+            <p:ph idx="1"/>
+          </p:nvPr>
+        </p:nvSpPr>
+        <p:spPr>
+          <a:xfrm>
+            <a:off x="628650" y="1825625"/>
+            <a:ext cx="7886700" cy="4351338"/>
+          </a:xfrm>
+        </p:spPr>
+        <p:txBody>
+          <a:bodyPr/>
+          <a:lstStyle/>
+          <a:p>
+            <a:r>
+              <a:rPr lang="vi-VN" sz="2000" b="1" dirty="0"/>
+              <a:t>Quản lí nguồn tài nguyên được sử dụng trong các tiến trình.</a:t>
+            </a:r>
+          </a:p>
+          <a:p>
+            <a:r>
+              <a:rPr lang="vi-VN" sz="2000" b="1" dirty="0" smtClean="0"/>
+              <a:t>Cân </a:t>
+            </a:r>
+            <a:r>
+              <a:rPr lang="vi-VN" sz="2000" b="1" dirty="0"/>
+              <a:t>đối nguồn nhân lực, tài chính, đào tạo và công cụ.</a:t>
+            </a:r>
+            <a:endParaRPr lang="en-US" sz="1600" dirty="0"/>
+          </a:p>
+        </p:txBody>
+      </p:sp>
+      <p:sp>
+        <p:nvSpPr>
+          <p:cNvPr id="6" name="Content Placeholder 3"/>
+          <p:cNvSpPr>
+            <a:spLocks noGrp="1"/>
+          </p:cNvSpPr>
+          <p:nvPr>
+            <p:ph sz="quarter" idx="13"/>
+          </p:nvPr>
+        </p:nvSpPr>
+        <p:spPr>
+          <a:xfrm>
+            <a:off x="2362200" y="381000"/>
+            <a:ext cx="5257800" cy="381000"/>
+          </a:xfrm>
+        </p:spPr>
+        <p:txBody>
+          <a:bodyPr>
+            <a:normAutofit/>
+          </a:bodyPr>
+          <a:lstStyle/>
+          <a:p>
+            <a:r>
+              <a:rPr lang="en-US" dirty="0" smtClean="0"/>
+              <a:t>1.2. Yêu cầu phần mềm | Quy trình</a:t>
+            </a:r>
+            <a:endParaRPr lang="en-US" dirty="0"/>
+          </a:p>
+        </p:txBody>
+      </p:sp>
+    </p:spTree>
+    <p:extLst>
+      <p:ext uri="{BB962C8B-B14F-4D97-AF65-F5344CB8AC3E}">
+        <p14:creationId xmlns:p14="http://schemas.microsoft.com/office/powerpoint/2010/main" val="1040804180"/>
+      </p:ext>
+    </p:extLst>
+  </p:cSld>
+  <p:clrMapOvr>
+    <a:masterClrMapping/>
+  </p:clrMapOvr>
+  <p:timing>
+    <p:tnLst>
+      <p:par>
+        <p:cTn id="1" dur="indefinite" restart="never" nodeType="tmRoot"/>
+      </p:par>
+    </p:tnLst>
+  </p:timing>
+</p:sld>
+</file>
+
+<file path=ppt/slides/slide14.xml><?xml version="1.0" encoding="utf-8"?>
+<p:sld xmlns:a="http://schemas.openxmlformats.org/drawingml/2006/main" xmlns:r="http://schemas.openxmlformats.org/officeDocument/2006/relationships" xmlns:p="http://schemas.openxmlformats.org/presentationml/2006/main">
+  <p:cSld>
+    <p:spTree>
+      <p:nvGrpSpPr>
+        <p:cNvPr id="1" name=""/>
+        <p:cNvGrpSpPr/>
+        <p:nvPr/>
+      </p:nvGrpSpPr>
+      <p:grpSpPr>
+        <a:xfrm>
+          <a:off x="0" y="0"/>
+          <a:ext cx="0" cy="0"/>
+          <a:chOff x="0" y="0"/>
+          <a:chExt cx="0" cy="0"/>
+        </a:xfrm>
+      </p:grpSpPr>
+      <p:sp>
+        <p:nvSpPr>
+          <p:cNvPr id="2" name="Title 1"/>
+          <p:cNvSpPr>
+            <a:spLocks noGrp="1"/>
+          </p:cNvSpPr>
+          <p:nvPr>
+            <p:ph type="title"/>
+          </p:nvPr>
+        </p:nvSpPr>
+        <p:spPr/>
+        <p:txBody>
+          <a:bodyPr/>
+          <a:lstStyle/>
+          <a:p>
+            <a:r>
+              <a:rPr lang="vi-VN" dirty="0"/>
+              <a:t>Chất lượng và cải tiến</a:t>
+            </a:r>
+            <a:endParaRPr lang="en-US" dirty="0"/>
+          </a:p>
+        </p:txBody>
+      </p:sp>
+      <p:sp>
+        <p:nvSpPr>
+          <p:cNvPr id="5" name="Content Placeholder 2"/>
+          <p:cNvSpPr>
+            <a:spLocks noGrp="1"/>
+          </p:cNvSpPr>
+          <p:nvPr>
+            <p:ph idx="1"/>
+          </p:nvPr>
+        </p:nvSpPr>
+        <p:spPr>
+          <a:xfrm>
+            <a:off x="628650" y="1825625"/>
+            <a:ext cx="7886700" cy="4351338"/>
+          </a:xfrm>
+        </p:spPr>
+        <p:txBody>
+          <a:bodyPr>
+            <a:normAutofit/>
+          </a:bodyPr>
+          <a:lstStyle/>
+          <a:p>
+            <a:r>
+              <a:rPr lang="vi-VN" sz="2000" b="1" dirty="0"/>
+              <a:t>Xác định vai trò của tiến trình xây dựng yêu cầu về các mặt chi phí, thời gian và sự thoả mãn của khách hàng với sản phẩm.</a:t>
+            </a:r>
+          </a:p>
+          <a:p>
+            <a:r>
+              <a:rPr lang="vi-VN" sz="2000" b="1" dirty="0" smtClean="0"/>
+              <a:t>Định </a:t>
+            </a:r>
+            <a:r>
+              <a:rPr lang="vi-VN" sz="2000" b="1" dirty="0"/>
+              <a:t>hướng tiến trình theo các chuẩn chất lượng và xây dựng mô hình cải tiến cho phần mềm và hệ thống.</a:t>
+            </a:r>
+          </a:p>
+          <a:p>
+            <a:r>
+              <a:rPr lang="vi-VN" sz="2000" b="1" dirty="0" smtClean="0"/>
+              <a:t>Bao </a:t>
+            </a:r>
+            <a:r>
+              <a:rPr lang="vi-VN" sz="2000" b="1" dirty="0"/>
+              <a:t>gồm</a:t>
+            </a:r>
+            <a:r>
+              <a:rPr lang="vi-VN" sz="2000" b="1" dirty="0" smtClean="0"/>
+              <a:t>:</a:t>
+            </a:r>
+            <a:endParaRPr lang="en-US" sz="2000" b="1" dirty="0" smtClean="0"/>
+          </a:p>
+          <a:p>
+            <a:pPr lvl="1">
+              <a:buFont typeface="Wingdings" panose="05000000000000000000" pitchFamily="2" charset="2"/>
+              <a:buChar char="Ø"/>
+            </a:pPr>
+            <a:r>
+              <a:rPr lang="vi-VN" sz="1600" dirty="0" smtClean="0"/>
+              <a:t>Độ </a:t>
+            </a:r>
+            <a:r>
+              <a:rPr lang="vi-VN" sz="1600" dirty="0"/>
+              <a:t>bao phủ theo các mô hình và chuẩn cải tiến.</a:t>
+            </a:r>
+          </a:p>
+          <a:p>
+            <a:pPr lvl="1">
+              <a:buFont typeface="Wingdings" panose="05000000000000000000" pitchFamily="2" charset="2"/>
+              <a:buChar char="Ø"/>
+            </a:pPr>
+            <a:r>
+              <a:rPr lang="vi-VN" sz="1600" dirty="0" smtClean="0"/>
+              <a:t>Việc </a:t>
+            </a:r>
+            <a:r>
+              <a:rPr lang="vi-VN" sz="1600" dirty="0"/>
+              <a:t>đo đạc và đánh giá tiến trình.</a:t>
+            </a:r>
+          </a:p>
+          <a:p>
+            <a:pPr lvl="1">
+              <a:buFont typeface="Wingdings" panose="05000000000000000000" pitchFamily="2" charset="2"/>
+              <a:buChar char="Ø"/>
+            </a:pPr>
+            <a:r>
+              <a:rPr lang="vi-VN" sz="1600" dirty="0" smtClean="0"/>
+              <a:t>Việc </a:t>
+            </a:r>
+            <a:r>
+              <a:rPr lang="vi-VN" sz="1600" dirty="0"/>
+              <a:t>thực hiện và lên kế hoạch cải tiến.</a:t>
+            </a:r>
+          </a:p>
+          <a:p>
+            <a:pPr lvl="1">
+              <a:buFont typeface="Wingdings" panose="05000000000000000000" pitchFamily="2" charset="2"/>
+              <a:buChar char="Ø"/>
+            </a:pPr>
+            <a:r>
+              <a:rPr lang="vi-VN" sz="1600" dirty="0" smtClean="0"/>
+              <a:t>Việc </a:t>
+            </a:r>
+            <a:r>
+              <a:rPr lang="vi-VN" sz="1600" dirty="0"/>
+              <a:t>cài đặt và lên kế hoạch cho an ninh</a:t>
+            </a:r>
+            <a:r>
+              <a:rPr lang="vi-VN" sz="1600" dirty="0" smtClean="0"/>
+              <a:t>.</a:t>
+            </a:r>
+            <a:endParaRPr lang="vi-VN" sz="1600" dirty="0"/>
+          </a:p>
+        </p:txBody>
+      </p:sp>
+      <p:sp>
+        <p:nvSpPr>
+          <p:cNvPr id="6" name="Content Placeholder 3"/>
+          <p:cNvSpPr>
+            <a:spLocks noGrp="1"/>
+          </p:cNvSpPr>
+          <p:nvPr>
+            <p:ph sz="quarter" idx="13"/>
+          </p:nvPr>
+        </p:nvSpPr>
+        <p:spPr>
+          <a:xfrm>
+            <a:off x="2362200" y="381000"/>
+            <a:ext cx="5257800" cy="381000"/>
+          </a:xfrm>
+        </p:spPr>
+        <p:txBody>
+          <a:bodyPr>
+            <a:normAutofit/>
+          </a:bodyPr>
+          <a:lstStyle/>
+          <a:p>
+            <a:r>
+              <a:rPr lang="en-US" dirty="0" smtClean="0"/>
+              <a:t>1.2. Yêu cầu phần mềm | Quy trình</a:t>
+            </a:r>
+            <a:endParaRPr lang="en-US" dirty="0"/>
+          </a:p>
+        </p:txBody>
+      </p:sp>
+    </p:spTree>
+    <p:extLst>
+      <p:ext uri="{BB962C8B-B14F-4D97-AF65-F5344CB8AC3E}">
+        <p14:creationId xmlns:p14="http://schemas.microsoft.com/office/powerpoint/2010/main" val="2855429040"/>
+      </p:ext>
+    </p:extLst>
+  </p:cSld>
+  <p:clrMapOvr>
+    <a:masterClrMapping/>
+  </p:clrMapOvr>
+  <p:timing>
+    <p:tnLst>
+      <p:par>
+        <p:cTn id="1" dur="indefinite" restart="never" nodeType="tmRoot"/>
+      </p:par>
+    </p:tnLst>
+  </p:timing>
+</p:sld>
+</file>
+
+<file path=ppt/slides/slide15.xml><?xml version="1.0" encoding="utf-8"?>
+<p:sld xmlns:a="http://schemas.openxmlformats.org/drawingml/2006/main" xmlns:r="http://schemas.openxmlformats.org/officeDocument/2006/relationships" xmlns:p="http://schemas.openxmlformats.org/presentationml/2006/main">
+  <p:cSld>
+    <p:spTree>
+      <p:nvGrpSpPr>
+        <p:cNvPr id="1" name=""/>
+        <p:cNvGrpSpPr/>
+        <p:nvPr/>
+      </p:nvGrpSpPr>
+      <p:grpSpPr>
+        <a:xfrm>
+          <a:off x="0" y="0"/>
+          <a:ext cx="0" cy="0"/>
+          <a:chOff x="0" y="0"/>
+          <a:chExt cx="0" cy="0"/>
+        </a:xfrm>
+      </p:grpSpPr>
+      <p:sp>
+        <p:nvSpPr>
+          <p:cNvPr id="2" name="Title 1"/>
+          <p:cNvSpPr>
+            <a:spLocks noGrp="1"/>
+          </p:cNvSpPr>
+          <p:nvPr>
+            <p:ph type="title"/>
+          </p:nvPr>
+        </p:nvSpPr>
+        <p:spPr/>
+        <p:txBody>
+          <a:bodyPr/>
+          <a:lstStyle/>
+          <a:p>
+            <a:r>
               <a:rPr lang="en-US" b="1" dirty="0" smtClean="0">
                 <a:latin typeface="Verdana" panose="020B0604030504040204" pitchFamily="34" charset="0"/>
                 <a:ea typeface="Verdana" panose="020B0604030504040204" pitchFamily="34" charset="0"/>
@@ -4455,20 +4981,7 @@
                 <a:ea typeface="Verdana" panose="020B0604030504040204" pitchFamily="34" charset="0"/>
                 <a:cs typeface="Verdana" panose="020B0604030504040204" pitchFamily="34" charset="0"/>
               </a:rPr>
-              <a:t>1.2</a:t>
-            </a:r>
-            <a:r>
-              <a:rPr lang="en-US" dirty="0" smtClean="0">
-                <a:solidFill>
-                  <a:schemeClr val="bg1">
-                    <a:lumMod val="50000"/>
-                  </a:schemeClr>
-                </a:solidFill>
-                <a:latin typeface="Verdana" panose="020B0604030504040204" pitchFamily="34" charset="0"/>
-                <a:ea typeface="Verdana" panose="020B0604030504040204" pitchFamily="34" charset="0"/>
-                <a:cs typeface="Verdana" panose="020B0604030504040204" pitchFamily="34" charset="0"/>
-              </a:rPr>
-              <a:t>. Quy trình</a:t>
+              <a:t>1.2. Quy trình</a:t>
             </a:r>
           </a:p>
           <a:p>
@@ -4483,14 +4996,6 @@
               </a:rPr>
               <a:t>1.3. </a:t>
             </a:r>
-            <a:endParaRPr lang="en-US" dirty="0" smtClean="0">
-              <a:solidFill>
-                <a:srgbClr val="FF1111"/>
-              </a:solidFill>
-              <a:latin typeface="Verdana" panose="020B0604030504040204" pitchFamily="34" charset="0"/>
-              <a:ea typeface="Verdana" panose="020B0604030504040204" pitchFamily="34" charset="0"/>
-              <a:cs typeface="Verdana" panose="020B0604030504040204" pitchFamily="34" charset="0"/>
-            </a:endParaRPr>
           </a:p>
           <a:p>
             <a:r>
@@ -4597,7 +5102,7 @@
 </p:sld>
 </file>
 
-<file path=ppt/slides/slide13.xml><?xml version="1.0" encoding="utf-8"?>
+<file path=ppt/slides/slide16.xml><?xml version="1.0" encoding="utf-8"?>
 <p:sld xmlns:a="http://schemas.openxmlformats.org/drawingml/2006/main" xmlns:r="http://schemas.openxmlformats.org/officeDocument/2006/relationships" xmlns:p="http://schemas.openxmlformats.org/presentationml/2006/main">
   <p:cSld>
     <p:spTree>
@@ -4694,18 +5199,7 @@
                 <a:ea typeface="Verdana" panose="020B0604030504040204" pitchFamily="34" charset="0"/>
                 <a:cs typeface="Verdana" panose="020B0604030504040204" pitchFamily="34" charset="0"/>
               </a:rPr>
-              <a:t>1.4. </a:t>
-            </a:r>
-            <a:r>
-              <a:rPr lang="en-US" dirty="0" smtClean="0">
-                <a:solidFill>
-                  <a:srgbClr val="FF1111"/>
-                </a:solidFill>
-                <a:latin typeface="Verdana" panose="020B0604030504040204" pitchFamily="34" charset="0"/>
-                <a:ea typeface="Verdana" panose="020B0604030504040204" pitchFamily="34" charset="0"/>
-                <a:cs typeface="Verdana" panose="020B0604030504040204" pitchFamily="34" charset="0"/>
-              </a:rPr>
-              <a:t>Phân tích yêu cầu</a:t>
+              <a:t>1.4. Phân tích yêu cầu</a:t>
             </a:r>
           </a:p>
           <a:p>
@@ -4813,7 +5307,7 @@
 </p:sld>
 </file>
 
-<file path=ppt/slides/slide14.xml><?xml version="1.0" encoding="utf-8"?>
+<file path=ppt/slides/slide17.xml><?xml version="1.0" encoding="utf-8"?>
 <p:sld xmlns:a="http://schemas.openxmlformats.org/drawingml/2006/main" xmlns:r="http://schemas.openxmlformats.org/officeDocument/2006/relationships" xmlns:p="http://schemas.openxmlformats.org/presentationml/2006/main">
   <p:cSld>
     <p:spTree>
@@ -5027,7 +5521,7 @@
 </p:sld>
 </file>
 
-<file path=ppt/slides/slide15.xml><?xml version="1.0" encoding="utf-8"?>
+<file path=ppt/slides/slide18.xml><?xml version="1.0" encoding="utf-8"?>
 <p:sld xmlns:a="http://schemas.openxmlformats.org/drawingml/2006/main" xmlns:r="http://schemas.openxmlformats.org/officeDocument/2006/relationships" xmlns:p="http://schemas.openxmlformats.org/presentationml/2006/main">
   <p:cSld>
     <p:spTree>
@@ -5188,7 +5682,7 @@
 </p:sld>
 </file>
 
-<file path=ppt/slides/slide16.xml><?xml version="1.0" encoding="utf-8"?>
+<file path=ppt/slides/slide19.xml><?xml version="1.0" encoding="utf-8"?>
 <p:sld xmlns:a="http://schemas.openxmlformats.org/drawingml/2006/main" xmlns:r="http://schemas.openxmlformats.org/officeDocument/2006/relationships" xmlns:p="http://schemas.openxmlformats.org/presentationml/2006/main">
   <p:cSld>
     <p:spTree>
@@ -5274,16 +5768,6 @@
               </a:rPr>
               <a:t>1.4. Phân tích yêu cầu</a:t>
             </a:r>
-            <a:endParaRPr lang="en-US" dirty="0" smtClean="0">
-              <a:solidFill>
-                <a:schemeClr val="bg1">
-                  <a:lumMod val="50000"/>
-                </a:schemeClr>
-              </a:solidFill>
-              <a:latin typeface="Verdana" panose="020B0604030504040204" pitchFamily="34" charset="0"/>
-              <a:ea typeface="Verdana" panose="020B0604030504040204" pitchFamily="34" charset="0"/>
-              <a:cs typeface="Verdana" panose="020B0604030504040204" pitchFamily="34" charset="0"/>
-            </a:endParaRPr>
           </a:p>
           <a:p>
             <a:r>
@@ -5297,14 +5781,6 @@
               </a:rPr>
               <a:t>1.5. Đặc tả yêu cầu</a:t>
             </a:r>
-            <a:endParaRPr lang="en-US" dirty="0" smtClean="0">
-              <a:solidFill>
-                <a:srgbClr val="FF1111"/>
-              </a:solidFill>
-              <a:latin typeface="Verdana" panose="020B0604030504040204" pitchFamily="34" charset="0"/>
-              <a:ea typeface="Verdana" panose="020B0604030504040204" pitchFamily="34" charset="0"/>
-              <a:cs typeface="Verdana" panose="020B0604030504040204" pitchFamily="34" charset="0"/>
-            </a:endParaRPr>
           </a:p>
           <a:p>
             <a:r>
@@ -5411,680 +5887,6 @@
 </p:sld>
 </file>
 
-<file path=ppt/slides/slide17.xml><?xml version="1.0" encoding="utf-8"?>
-<p:sld xmlns:a="http://schemas.openxmlformats.org/drawingml/2006/main" xmlns:r="http://schemas.openxmlformats.org/officeDocument/2006/relationships" xmlns:p="http://schemas.openxmlformats.org/presentationml/2006/main">
-  <p:cSld>
-    <p:spTree>
-      <p:nvGrpSpPr>
-        <p:cNvPr id="1" name=""/>
-        <p:cNvGrpSpPr/>
-        <p:nvPr/>
-      </p:nvGrpSpPr>
-      <p:grpSpPr>
-        <a:xfrm>
-          <a:off x="0" y="0"/>
-          <a:ext cx="0" cy="0"/>
-          <a:chOff x="0" y="0"/>
-          <a:chExt cx="0" cy="0"/>
-        </a:xfrm>
-      </p:grpSpPr>
-      <p:sp>
-        <p:nvSpPr>
-          <p:cNvPr id="2" name="Title 1"/>
-          <p:cNvSpPr>
-            <a:spLocks noGrp="1"/>
-          </p:cNvSpPr>
-          <p:nvPr>
-            <p:ph type="title"/>
-          </p:nvPr>
-        </p:nvSpPr>
-        <p:spPr/>
-        <p:txBody>
-          <a:bodyPr/>
-          <a:lstStyle/>
-          <a:p>
-            <a:r>
-              <a:rPr lang="en-US" dirty="0" smtClean="0"/>
-              <a:t>Đặc tả </a:t>
-            </a:r>
-            <a:r>
-              <a:rPr lang="en-US" dirty="0" smtClean="0"/>
-              <a:t>yêu cầu</a:t>
-            </a:r>
-            <a:endParaRPr lang="en-US" dirty="0"/>
-          </a:p>
-        </p:txBody>
-      </p:sp>
-      <p:sp>
-        <p:nvSpPr>
-          <p:cNvPr id="5" name="Content Placeholder 2"/>
-          <p:cNvSpPr>
-            <a:spLocks noGrp="1"/>
-          </p:cNvSpPr>
-          <p:nvPr>
-            <p:ph idx="1"/>
-          </p:nvPr>
-        </p:nvSpPr>
-        <p:spPr>
-          <a:xfrm>
-            <a:off x="628650" y="1825625"/>
-            <a:ext cx="7886700" cy="4351338"/>
-          </a:xfrm>
-        </p:spPr>
-        <p:txBody>
-          <a:bodyPr/>
-          <a:lstStyle/>
-          <a:p>
-            <a:r>
-              <a:rPr lang="en-US" sz="2000" b="1" dirty="0" smtClean="0"/>
-              <a:t>Các hoạt động</a:t>
-            </a:r>
-            <a:endParaRPr lang="en-US" sz="2000" b="1" dirty="0"/>
-          </a:p>
-          <a:p>
-            <a:pPr lvl="1">
-              <a:buFont typeface="Wingdings" panose="05000000000000000000" pitchFamily="2" charset="2"/>
-              <a:buChar char="Ø"/>
-            </a:pPr>
-            <a:r>
-              <a:rPr lang="vi-VN" sz="1600" dirty="0"/>
-              <a:t>Áp dụng các mẫu đặc tả yêu cầu phần mềm.</a:t>
-            </a:r>
-          </a:p>
-          <a:p>
-            <a:pPr lvl="1">
-              <a:buFont typeface="Wingdings" panose="05000000000000000000" pitchFamily="2" charset="2"/>
-              <a:buChar char="Ø"/>
-            </a:pPr>
-            <a:r>
-              <a:rPr lang="vi-VN" sz="1600" dirty="0"/>
-              <a:t>Xác định các nguồn yêu cầu</a:t>
-            </a:r>
-          </a:p>
-          <a:p>
-            <a:pPr lvl="1">
-              <a:buFont typeface="Wingdings" panose="05000000000000000000" pitchFamily="2" charset="2"/>
-              <a:buChar char="Ø"/>
-            </a:pPr>
-            <a:r>
-              <a:rPr lang="vi-VN" sz="1600" dirty="0"/>
-              <a:t>Gán nhãn riêng cho mỗi yêu cầu</a:t>
-            </a:r>
-          </a:p>
-          <a:p>
-            <a:pPr lvl="1">
-              <a:buFont typeface="Wingdings" panose="05000000000000000000" pitchFamily="2" charset="2"/>
-              <a:buChar char="Ø"/>
-            </a:pPr>
-            <a:r>
-              <a:rPr lang="vi-VN" sz="1600" dirty="0"/>
-              <a:t>Ghi lại các quy tắc kinh doanh</a:t>
-            </a:r>
-          </a:p>
-          <a:p>
-            <a:pPr lvl="1">
-              <a:buFont typeface="Wingdings" panose="05000000000000000000" pitchFamily="2" charset="2"/>
-              <a:buChar char="Ø"/>
-            </a:pPr>
-            <a:r>
-              <a:rPr lang="vi-VN" sz="1600" dirty="0"/>
-              <a:t>Xác định các thuộc tính chất lượng</a:t>
-            </a:r>
-          </a:p>
-          <a:p>
-            <a:pPr lvl="1">
-              <a:buFont typeface="Wingdings" panose="05000000000000000000" pitchFamily="2" charset="2"/>
-              <a:buChar char="Ø"/>
-            </a:pPr>
-            <a:endParaRPr lang="vi-VN" sz="1600" dirty="0"/>
-          </a:p>
-          <a:p>
-            <a:r>
-              <a:rPr lang="en-US" sz="2000" b="1" dirty="0" smtClean="0"/>
-              <a:t>Mục tiêu</a:t>
-            </a:r>
-            <a:endParaRPr lang="en-US" sz="2000" b="1" dirty="0"/>
-          </a:p>
-          <a:p>
-            <a:pPr lvl="1">
-              <a:buFont typeface="Wingdings" panose="05000000000000000000" pitchFamily="2" charset="2"/>
-              <a:buChar char="Ø"/>
-            </a:pPr>
-            <a:r>
-              <a:rPr lang="vi-VN" sz="1600" dirty="0"/>
-              <a:t>Tạo tài liệu định nghĩa hệ thống</a:t>
-            </a:r>
-          </a:p>
-          <a:p>
-            <a:pPr lvl="1">
-              <a:buFont typeface="Wingdings" panose="05000000000000000000" pitchFamily="2" charset="2"/>
-              <a:buChar char="Ø"/>
-            </a:pPr>
-            <a:r>
-              <a:rPr lang="vi-VN" sz="1600" dirty="0"/>
-              <a:t>Đặc tả được yêu cầu hệ thống</a:t>
-            </a:r>
-          </a:p>
-          <a:p>
-            <a:pPr lvl="1">
-              <a:buFont typeface="Wingdings" panose="05000000000000000000" pitchFamily="2" charset="2"/>
-              <a:buChar char="Ø"/>
-            </a:pPr>
-            <a:r>
-              <a:rPr lang="vi-VN" sz="1600" dirty="0"/>
-              <a:t>Đặc tả được yêu cầu của phần mềm</a:t>
-            </a:r>
-          </a:p>
-          <a:p>
-            <a:pPr lvl="1">
-              <a:buFont typeface="Wingdings" panose="05000000000000000000" pitchFamily="2" charset="2"/>
-              <a:buChar char="Ø"/>
-            </a:pPr>
-            <a:endParaRPr lang="en-US" sz="1600" dirty="0" smtClean="0"/>
-          </a:p>
-          <a:p>
-            <a:pPr marL="342900" lvl="1" indent="0">
-              <a:buNone/>
-            </a:pPr>
-            <a:endParaRPr lang="en-US" sz="1600" dirty="0" smtClean="0"/>
-          </a:p>
-        </p:txBody>
-      </p:sp>
-      <p:sp>
-        <p:nvSpPr>
-          <p:cNvPr id="6" name="Content Placeholder 3"/>
-          <p:cNvSpPr>
-            <a:spLocks noGrp="1"/>
-          </p:cNvSpPr>
-          <p:nvPr>
-            <p:ph sz="quarter" idx="13"/>
-          </p:nvPr>
-        </p:nvSpPr>
-        <p:spPr>
-          <a:xfrm>
-            <a:off x="2362200" y="381000"/>
-            <a:ext cx="5257800" cy="381000"/>
-          </a:xfrm>
-        </p:spPr>
-        <p:txBody>
-          <a:bodyPr/>
-          <a:lstStyle/>
-          <a:p>
-            <a:r>
-              <a:rPr lang="en-US" dirty="0" smtClean="0"/>
-              <a:t>1.5. Yêu cầu phần mềm | Đặc tả yêu cầu</a:t>
-            </a:r>
-            <a:endParaRPr lang="en-US" dirty="0"/>
-          </a:p>
-        </p:txBody>
-      </p:sp>
-    </p:spTree>
-    <p:extLst>
-      <p:ext uri="{BB962C8B-B14F-4D97-AF65-F5344CB8AC3E}">
-        <p14:creationId xmlns:p14="http://schemas.microsoft.com/office/powerpoint/2010/main" val="3258992479"/>
-      </p:ext>
-    </p:extLst>
-  </p:cSld>
-  <p:clrMapOvr>
-    <a:masterClrMapping/>
-  </p:clrMapOvr>
-  <p:timing>
-    <p:tnLst>
-      <p:par>
-        <p:cTn id="1" dur="indefinite" restart="never" nodeType="tmRoot"/>
-      </p:par>
-    </p:tnLst>
-  </p:timing>
-</p:sld>
-</file>
-
-<file path=ppt/slides/slide18.xml><?xml version="1.0" encoding="utf-8"?>
-<p:sld xmlns:a="http://schemas.openxmlformats.org/drawingml/2006/main" xmlns:r="http://schemas.openxmlformats.org/officeDocument/2006/relationships" xmlns:p="http://schemas.openxmlformats.org/presentationml/2006/main">
-  <p:cSld>
-    <p:spTree>
-      <p:nvGrpSpPr>
-        <p:cNvPr id="1" name=""/>
-        <p:cNvGrpSpPr/>
-        <p:nvPr/>
-      </p:nvGrpSpPr>
-      <p:grpSpPr>
-        <a:xfrm>
-          <a:off x="0" y="0"/>
-          <a:ext cx="0" cy="0"/>
-          <a:chOff x="0" y="0"/>
-          <a:chExt cx="0" cy="0"/>
-        </a:xfrm>
-      </p:grpSpPr>
-      <p:sp>
-        <p:nvSpPr>
-          <p:cNvPr id="2" name="Title 1"/>
-          <p:cNvSpPr>
-            <a:spLocks noGrp="1"/>
-          </p:cNvSpPr>
-          <p:nvPr>
-            <p:ph type="title"/>
-          </p:nvPr>
-        </p:nvSpPr>
-        <p:spPr/>
-        <p:txBody>
-          <a:bodyPr/>
-          <a:lstStyle/>
-          <a:p>
-            <a:r>
-              <a:rPr lang="en-US" b="1" dirty="0" smtClean="0">
-                <a:latin typeface="Verdana" panose="020B0604030504040204" pitchFamily="34" charset="0"/>
-                <a:ea typeface="Verdana" panose="020B0604030504040204" pitchFamily="34" charset="0"/>
-                <a:cs typeface="Verdana" panose="020B0604030504040204" pitchFamily="34" charset="0"/>
-              </a:rPr>
-              <a:t>YÊU CẦU PHẦN MỀM</a:t>
-            </a:r>
-            <a:endParaRPr lang="en-US" b="1" dirty="0">
-              <a:latin typeface="Verdana" panose="020B0604030504040204" pitchFamily="34" charset="0"/>
-              <a:ea typeface="Verdana" panose="020B0604030504040204" pitchFamily="34" charset="0"/>
-              <a:cs typeface="Verdana" panose="020B0604030504040204" pitchFamily="34" charset="0"/>
-            </a:endParaRPr>
-          </a:p>
-        </p:txBody>
-      </p:sp>
-      <p:sp>
-        <p:nvSpPr>
-          <p:cNvPr id="3" name="Text Placeholder 2"/>
-          <p:cNvSpPr>
-            <a:spLocks noGrp="1"/>
-          </p:cNvSpPr>
-          <p:nvPr>
-            <p:ph type="body" idx="1"/>
-          </p:nvPr>
-        </p:nvSpPr>
-        <p:spPr/>
-        <p:txBody>
-          <a:bodyPr/>
-          <a:lstStyle/>
-          <a:p>
-            <a:r>
-              <a:rPr lang="en-US" dirty="0" smtClean="0">
-                <a:latin typeface="Verdana" panose="020B0604030504040204" pitchFamily="34" charset="0"/>
-                <a:ea typeface="Verdana" panose="020B0604030504040204" pitchFamily="34" charset="0"/>
-                <a:cs typeface="Verdana" panose="020B0604030504040204" pitchFamily="34" charset="0"/>
-              </a:rPr>
-              <a:t>CHƯƠNG 1</a:t>
-            </a:r>
-          </a:p>
-          <a:p>
-            <a:r>
-              <a:rPr lang="en-US" dirty="0" smtClean="0">
-                <a:solidFill>
-                  <a:schemeClr val="bg1">
-                    <a:lumMod val="50000"/>
-                  </a:schemeClr>
-                </a:solidFill>
-                <a:latin typeface="Verdana" panose="020B0604030504040204" pitchFamily="34" charset="0"/>
-                <a:ea typeface="Verdana" panose="020B0604030504040204" pitchFamily="34" charset="0"/>
-                <a:cs typeface="Verdana" panose="020B0604030504040204" pitchFamily="34" charset="0"/>
-              </a:rPr>
-              <a:t>1.5. Đặc tả yêu cầu</a:t>
-            </a:r>
-            <a:endParaRPr lang="en-US" dirty="0" smtClean="0">
-              <a:solidFill>
-                <a:schemeClr val="bg1">
-                  <a:lumMod val="50000"/>
-                </a:schemeClr>
-              </a:solidFill>
-              <a:latin typeface="Verdana" panose="020B0604030504040204" pitchFamily="34" charset="0"/>
-              <a:ea typeface="Verdana" panose="020B0604030504040204" pitchFamily="34" charset="0"/>
-              <a:cs typeface="Verdana" panose="020B0604030504040204" pitchFamily="34" charset="0"/>
-            </a:endParaRPr>
-          </a:p>
-          <a:p>
-            <a:r>
-              <a:rPr lang="en-US" dirty="0" smtClean="0">
-                <a:solidFill>
-                  <a:srgbClr val="FF1111"/>
-                </a:solidFill>
-                <a:latin typeface="Verdana" panose="020B0604030504040204" pitchFamily="34" charset="0"/>
-                <a:ea typeface="Verdana" panose="020B0604030504040204" pitchFamily="34" charset="0"/>
-                <a:cs typeface="Verdana" panose="020B0604030504040204" pitchFamily="34" charset="0"/>
-              </a:rPr>
-              <a:t>1.6. Thẩm định yêu cầu</a:t>
-            </a:r>
-            <a:endParaRPr lang="en-US" dirty="0" smtClean="0">
-              <a:solidFill>
-                <a:srgbClr val="FF1111"/>
-              </a:solidFill>
-              <a:latin typeface="Verdana" panose="020B0604030504040204" pitchFamily="34" charset="0"/>
-              <a:ea typeface="Verdana" panose="020B0604030504040204" pitchFamily="34" charset="0"/>
-              <a:cs typeface="Verdana" panose="020B0604030504040204" pitchFamily="34" charset="0"/>
-            </a:endParaRPr>
-          </a:p>
-          <a:p>
-            <a:r>
-              <a:rPr lang="en-US" dirty="0" smtClean="0">
-                <a:solidFill>
-                  <a:schemeClr val="bg1">
-                    <a:lumMod val="50000"/>
-                  </a:schemeClr>
-                </a:solidFill>
-                <a:latin typeface="Verdana" panose="020B0604030504040204" pitchFamily="34" charset="0"/>
-                <a:ea typeface="Verdana" panose="020B0604030504040204" pitchFamily="34" charset="0"/>
-                <a:cs typeface="Verdana" panose="020B0604030504040204" pitchFamily="34" charset="0"/>
-              </a:rPr>
-              <a:t>1.7. Khảo sát hiện trạng</a:t>
-            </a:r>
-            <a:endParaRPr lang="en-US" dirty="0">
-              <a:solidFill>
-                <a:srgbClr val="FF1111"/>
-              </a:solidFill>
-              <a:latin typeface="Verdana" panose="020B0604030504040204" pitchFamily="34" charset="0"/>
-              <a:ea typeface="Verdana" panose="020B0604030504040204" pitchFamily="34" charset="0"/>
-              <a:cs typeface="Verdana" panose="020B0604030504040204" pitchFamily="34" charset="0"/>
-            </a:endParaRPr>
-          </a:p>
-        </p:txBody>
-      </p:sp>
-      <p:sp>
-        <p:nvSpPr>
-          <p:cNvPr id="4" name="Isosceles Triangle 3"/>
-          <p:cNvSpPr/>
-          <p:nvPr/>
-        </p:nvSpPr>
-        <p:spPr>
-          <a:xfrm flipV="1">
-            <a:off x="762000" y="6089651"/>
-            <a:ext cx="304800" cy="158749"/>
-          </a:xfrm>
-          <a:prstGeom prst="triangle">
-            <a:avLst/>
-          </a:prstGeom>
-          <a:solidFill>
-            <a:schemeClr val="bg1">
-              <a:lumMod val="75000"/>
-            </a:schemeClr>
-          </a:solidFill>
-          <a:ln>
-            <a:noFill/>
-          </a:ln>
-        </p:spPr>
-        <p:style>
-          <a:lnRef idx="2">
-            <a:schemeClr val="accent1">
-              <a:shade val="50000"/>
-            </a:schemeClr>
-          </a:lnRef>
-          <a:fillRef idx="1">
-            <a:schemeClr val="accent1"/>
-          </a:fillRef>
-          <a:effectRef idx="0">
-            <a:schemeClr val="accent1"/>
-          </a:effectRef>
-          <a:fontRef idx="minor">
-            <a:schemeClr val="lt1"/>
-          </a:fontRef>
-        </p:style>
-        <p:txBody>
-          <a:bodyPr rtlCol="0" anchor="ctr"/>
-          <a:lstStyle/>
-          <a:p>
-            <a:pPr algn="ctr"/>
-            <a:endParaRPr lang="en-US"/>
-          </a:p>
-        </p:txBody>
-      </p:sp>
-    </p:spTree>
-    <p:extLst>
-      <p:ext uri="{BB962C8B-B14F-4D97-AF65-F5344CB8AC3E}">
-        <p14:creationId xmlns:p14="http://schemas.microsoft.com/office/powerpoint/2010/main" val="3308206679"/>
-      </p:ext>
-    </p:extLst>
-  </p:cSld>
-  <p:clrMapOvr>
-    <a:masterClrMapping/>
-  </p:clrMapOvr>
-  <p:timing>
-    <p:tnLst>
-      <p:par>
-        <p:cTn id="1" dur="indefinite" restart="never" nodeType="tmRoot"/>
-      </p:par>
-    </p:tnLst>
-  </p:timing>
-</p:sld>
-</file>
-
-<file path=ppt/slides/slide19.xml><?xml version="1.0" encoding="utf-8"?>
-<p:sld xmlns:a="http://schemas.openxmlformats.org/drawingml/2006/main" xmlns:r="http://schemas.openxmlformats.org/officeDocument/2006/relationships" xmlns:p="http://schemas.openxmlformats.org/presentationml/2006/main">
-  <p:cSld>
-    <p:spTree>
-      <p:nvGrpSpPr>
-        <p:cNvPr id="1" name=""/>
-        <p:cNvGrpSpPr/>
-        <p:nvPr/>
-      </p:nvGrpSpPr>
-      <p:grpSpPr>
-        <a:xfrm>
-          <a:off x="0" y="0"/>
-          <a:ext cx="0" cy="0"/>
-          <a:chOff x="0" y="0"/>
-          <a:chExt cx="0" cy="0"/>
-        </a:xfrm>
-      </p:grpSpPr>
-      <p:sp>
-        <p:nvSpPr>
-          <p:cNvPr id="2" name="Title 1"/>
-          <p:cNvSpPr>
-            <a:spLocks noGrp="1"/>
-          </p:cNvSpPr>
-          <p:nvPr>
-            <p:ph type="title"/>
-          </p:nvPr>
-        </p:nvSpPr>
-        <p:spPr/>
-        <p:txBody>
-          <a:bodyPr/>
-          <a:lstStyle/>
-          <a:p>
-            <a:r>
-              <a:rPr lang="en-US" dirty="0"/>
-              <a:t>Thẩm định yêu cầu</a:t>
-            </a:r>
-            <a:endParaRPr lang="en-US" dirty="0"/>
-          </a:p>
-        </p:txBody>
-      </p:sp>
-      <p:sp>
-        <p:nvSpPr>
-          <p:cNvPr id="5" name="Content Placeholder 2"/>
-          <p:cNvSpPr>
-            <a:spLocks noGrp="1"/>
-          </p:cNvSpPr>
-          <p:nvPr>
-            <p:ph idx="1"/>
-          </p:nvPr>
-        </p:nvSpPr>
-        <p:spPr>
-          <a:xfrm>
-            <a:off x="628650" y="1825625"/>
-            <a:ext cx="7886700" cy="4351338"/>
-          </a:xfrm>
-        </p:spPr>
-        <p:txBody>
-          <a:bodyPr/>
-          <a:lstStyle/>
-          <a:p>
-            <a:r>
-              <a:rPr lang="en-US" sz="2000" b="1" dirty="0" smtClean="0"/>
-              <a:t>Khái niệm</a:t>
-            </a:r>
-            <a:endParaRPr lang="en-US" sz="2000" b="1" dirty="0"/>
-          </a:p>
-          <a:p>
-            <a:pPr lvl="1">
-              <a:buFont typeface="Wingdings" panose="05000000000000000000" pitchFamily="2" charset="2"/>
-              <a:buChar char="Ø"/>
-            </a:pPr>
-            <a:r>
-              <a:rPr lang="vi-VN" sz="1600" dirty="0"/>
-              <a:t>Thẩm định yêu cầu quan tâm đến việc chứng tở rằng các yêu cầu định nghĩa được hệ thống mà khách hàng thực sự muốn. Việc thẩm định phải đảm bảo dễ yểu, nhất quán và hoàn </a:t>
-            </a:r>
-            <a:r>
-              <a:rPr lang="vi-VN" sz="1600" dirty="0" smtClean="0"/>
-              <a:t>thiện</a:t>
-            </a:r>
-            <a:endParaRPr lang="en-US" sz="1600" dirty="0" smtClean="0"/>
-          </a:p>
-          <a:p>
-            <a:pPr lvl="1">
-              <a:buFont typeface="Wingdings" panose="05000000000000000000" pitchFamily="2" charset="2"/>
-              <a:buChar char="Ø"/>
-            </a:pPr>
-            <a:endParaRPr lang="vi-VN" sz="1600" dirty="0"/>
-          </a:p>
-          <a:p>
-            <a:r>
-              <a:rPr lang="en-US" sz="2000" b="1" dirty="0" smtClean="0"/>
-              <a:t>Kỹ thuật thẩm định</a:t>
-            </a:r>
-            <a:endParaRPr lang="en-US" sz="2000" b="1" dirty="0"/>
-          </a:p>
-          <a:p>
-            <a:pPr lvl="1">
-              <a:buFont typeface="Wingdings" panose="05000000000000000000" pitchFamily="2" charset="2"/>
-              <a:buChar char="Ø"/>
-            </a:pPr>
-            <a:r>
-              <a:rPr lang="en-US" sz="1600" dirty="0" smtClean="0"/>
-              <a:t>Xem </a:t>
-            </a:r>
-            <a:r>
-              <a:rPr lang="en-US" sz="1600" dirty="0"/>
-              <a:t>lại yêu </a:t>
-            </a:r>
-            <a:r>
-              <a:rPr lang="en-US" sz="1600" dirty="0" smtClean="0"/>
-              <a:t>cầu</a:t>
-            </a:r>
-          </a:p>
-          <a:p>
-            <a:pPr lvl="1">
-              <a:buFont typeface="Wingdings" panose="05000000000000000000" pitchFamily="2" charset="2"/>
-              <a:buChar char="Ø"/>
-            </a:pPr>
-            <a:r>
-              <a:rPr lang="en-US" sz="1600" dirty="0" smtClean="0"/>
-              <a:t>S</a:t>
-            </a:r>
-            <a:r>
-              <a:rPr lang="vi-VN" sz="1600" dirty="0" smtClean="0"/>
-              <a:t>ử </a:t>
-            </a:r>
-            <a:r>
-              <a:rPr lang="vi-VN" sz="1600" dirty="0"/>
-              <a:t>dụng phiên bản mẫu, thử </a:t>
-            </a:r>
-            <a:r>
-              <a:rPr lang="vi-VN" sz="1600" dirty="0" smtClean="0"/>
-              <a:t>nghiệm</a:t>
-            </a:r>
-            <a:endParaRPr lang="en-US" sz="1600" dirty="0" smtClean="0"/>
-          </a:p>
-          <a:p>
-            <a:pPr lvl="1">
-              <a:buFont typeface="Wingdings" panose="05000000000000000000" pitchFamily="2" charset="2"/>
-              <a:buChar char="Ø"/>
-            </a:pPr>
-            <a:r>
-              <a:rPr lang="en-US" sz="1600" dirty="0" smtClean="0"/>
-              <a:t>T</a:t>
-            </a:r>
-            <a:r>
-              <a:rPr lang="vi-VN" sz="1600" dirty="0" smtClean="0"/>
-              <a:t>hầm </a:t>
-            </a:r>
-            <a:r>
-              <a:rPr lang="vi-VN" sz="1600" dirty="0"/>
-              <a:t>định mô hình</a:t>
-            </a:r>
-          </a:p>
-          <a:p>
-            <a:pPr lvl="1">
-              <a:buFont typeface="Wingdings" panose="05000000000000000000" pitchFamily="2" charset="2"/>
-              <a:buChar char="Ø"/>
-            </a:pPr>
-            <a:r>
-              <a:rPr lang="en-US" sz="1600" dirty="0" smtClean="0"/>
-              <a:t>K</a:t>
-            </a:r>
-            <a:r>
-              <a:rPr lang="vi-VN" sz="1600" dirty="0" smtClean="0"/>
-              <a:t>iểm </a:t>
-            </a:r>
-            <a:r>
-              <a:rPr lang="vi-VN" sz="1600" dirty="0"/>
-              <a:t>thử chấp thuận</a:t>
-            </a:r>
-            <a:endParaRPr lang="vi-VN" sz="1600" dirty="0" smtClean="0"/>
-          </a:p>
-          <a:p>
-            <a:pPr lvl="1">
-              <a:buFont typeface="Wingdings" panose="05000000000000000000" pitchFamily="2" charset="2"/>
-              <a:buChar char="Ø"/>
-            </a:pPr>
-            <a:endParaRPr lang="vi-VN" sz="1600" dirty="0"/>
-          </a:p>
-          <a:p>
-            <a:pPr marL="342900" lvl="1" indent="0">
-              <a:buNone/>
-            </a:pPr>
-            <a:endParaRPr lang="en-US" sz="1600" dirty="0" smtClean="0"/>
-          </a:p>
-        </p:txBody>
-      </p:sp>
-      <p:sp>
-        <p:nvSpPr>
-          <p:cNvPr id="6" name="Content Placeholder 3"/>
-          <p:cNvSpPr>
-            <a:spLocks noGrp="1"/>
-          </p:cNvSpPr>
-          <p:nvPr>
-            <p:ph sz="quarter" idx="13"/>
-          </p:nvPr>
-        </p:nvSpPr>
-        <p:spPr>
-          <a:xfrm>
-            <a:off x="2362200" y="381000"/>
-            <a:ext cx="5257800" cy="381000"/>
-          </a:xfrm>
-        </p:spPr>
-        <p:txBody>
-          <a:bodyPr/>
-          <a:lstStyle/>
-          <a:p>
-            <a:r>
-              <a:rPr lang="en-US" dirty="0" smtClean="0"/>
-              <a:t>1.6. Yêu cầu phần mềm | Thẩm định yêu cầu</a:t>
-            </a:r>
-            <a:endParaRPr lang="en-US" dirty="0"/>
-          </a:p>
-        </p:txBody>
-      </p:sp>
-    </p:spTree>
-    <p:extLst>
-      <p:ext uri="{BB962C8B-B14F-4D97-AF65-F5344CB8AC3E}">
-        <p14:creationId xmlns:p14="http://schemas.microsoft.com/office/powerpoint/2010/main" val="1521665233"/>
-      </p:ext>
-    </p:extLst>
-  </p:cSld>
-  <p:clrMapOvr>
-    <a:masterClrMapping/>
-  </p:clrMapOvr>
-  <p:timing>
-    <p:tnLst>
-      <p:par>
-        <p:cTn id="1" dur="indefinite" restart="never" nodeType="tmRoot"/>
-      </p:par>
-    </p:tnLst>
-  </p:timing>
-</p:sld>
-</file>
-
 <file path=ppt/slides/slide2.xml><?xml version="1.0" encoding="utf-8"?>
 <p:sld xmlns:a="http://schemas.openxmlformats.org/drawingml/2006/main" xmlns:r="http://schemas.openxmlformats.org/officeDocument/2006/relationships" xmlns:p="http://schemas.openxmlformats.org/presentationml/2006/main">
   <p:cSld>
@@ -6202,20 +6004,7 @@
                 <a:ea typeface="Verdana" panose="020B0604030504040204" pitchFamily="34" charset="0"/>
                 <a:cs typeface="Verdana" panose="020B0604030504040204" pitchFamily="34" charset="0"/>
               </a:rPr>
-              <a:t>1.3. </a:t>
-            </a:r>
-            <a:r>
-              <a:rPr lang="en-US" dirty="0" smtClean="0">
-                <a:solidFill>
-                  <a:schemeClr val="bg1">
-                    <a:lumMod val="50000"/>
-                  </a:schemeClr>
-                </a:solidFill>
-                <a:latin typeface="Verdana" panose="020B0604030504040204" pitchFamily="34" charset="0"/>
-                <a:ea typeface="Verdana" panose="020B0604030504040204" pitchFamily="34" charset="0"/>
-                <a:cs typeface="Verdana" panose="020B0604030504040204" pitchFamily="34" charset="0"/>
-              </a:rPr>
-              <a:t>Phân tích yêu cầu</a:t>
+              <a:t>1.3. Phân tích yêu cầu</a:t>
             </a:r>
             <a:endParaRPr lang="en-US" dirty="0">
               <a:solidFill>
@@ -6332,7 +6121,7 @@
           <a:p>
             <a:r>
               <a:rPr lang="en-US" dirty="0" smtClean="0"/>
-              <a:t>Kỹ thuật thẩm định</a:t>
+              <a:t>Đặc tả yêu cầu</a:t>
             </a:r>
             <a:endParaRPr lang="en-US" dirty="0"/>
           </a:p>
@@ -6360,7 +6149,7 @@
           <a:p>
             <a:r>
               <a:rPr lang="en-US" sz="2000" b="1" dirty="0" smtClean="0"/>
-              <a:t>Xem lại yêu cầu</a:t>
+              <a:t>Các hoạt động</a:t>
             </a:r>
             <a:endParaRPr lang="en-US" sz="2000" b="1" dirty="0"/>
           </a:p>
@@ -6370,16 +6159,8 @@
               <a:buChar char="Ø"/>
             </a:pPr>
             <a:r>
-              <a:rPr lang="en-US" sz="1600" dirty="0"/>
-              <a:t>Đ</a:t>
-            </a:r>
-            <a:r>
-              <a:rPr lang="vi-VN" sz="1600" dirty="0" smtClean="0"/>
-              <a:t>ọc </a:t>
-            </a:r>
-            <a:r>
               <a:rPr lang="vi-VN" sz="1600" dirty="0"/>
-              <a:t>và phân tích lại tài liệu yêu cầu (tài liệu miêu tả hệ thống, tài liệu đặc tả hệ thống, yêu cầu phần mềm, ...) một cách có hệ thống để tìm lỗi, tránh việc thiếu rõ ràng, tránh việc đi lạc hướng của các bước tiếp theo.</a:t>
+              <a:t>Áp dụng các mẫu đặc tả yêu cầu phần mềm.</a:t>
             </a:r>
           </a:p>
           <a:p>
@@ -6388,18 +6169,39 @@
               <a:buChar char="Ø"/>
             </a:pPr>
             <a:r>
-              <a:rPr lang="vi-VN" sz="1600" dirty="0" smtClean="0"/>
-              <a:t>Việc </a:t>
-            </a:r>
-            <a:r>
               <a:rPr lang="vi-VN" sz="1600" dirty="0"/>
-              <a:t>duyệt lại các yêu cầu không được dùng chương trình tự động</a:t>
-            </a:r>
-            <a:r>
-              <a:rPr lang="vi-VN" sz="1600" dirty="0" smtClean="0"/>
-              <a:t>.</a:t>
-            </a:r>
-            <a:endParaRPr lang="en-US" sz="1600" dirty="0" smtClean="0"/>
+              <a:t>Xác định các nguồn yêu cầu</a:t>
+            </a:r>
+          </a:p>
+          <a:p>
+            <a:pPr lvl="1">
+              <a:buFont typeface="Wingdings" panose="05000000000000000000" pitchFamily="2" charset="2"/>
+              <a:buChar char="Ø"/>
+            </a:pPr>
+            <a:r>
+              <a:rPr lang="vi-VN" sz="1600" dirty="0"/>
+              <a:t>Gán nhãn riêng cho mỗi yêu cầu</a:t>
+            </a:r>
+          </a:p>
+          <a:p>
+            <a:pPr lvl="1">
+              <a:buFont typeface="Wingdings" panose="05000000000000000000" pitchFamily="2" charset="2"/>
+              <a:buChar char="Ø"/>
+            </a:pPr>
+            <a:r>
+              <a:rPr lang="vi-VN" sz="1600" dirty="0"/>
+              <a:t>Ghi lại các quy tắc kinh doanh</a:t>
+            </a:r>
+          </a:p>
+          <a:p>
+            <a:pPr lvl="1">
+              <a:buFont typeface="Wingdings" panose="05000000000000000000" pitchFamily="2" charset="2"/>
+              <a:buChar char="Ø"/>
+            </a:pPr>
+            <a:r>
+              <a:rPr lang="vi-VN" sz="1600" dirty="0"/>
+              <a:t>Xác định các thuộc tính chất lượng</a:t>
+            </a:r>
           </a:p>
           <a:p>
             <a:pPr lvl="1">
@@ -6410,13 +6212,10 @@
           </a:p>
           <a:p>
             <a:r>
-              <a:rPr lang="en-US" sz="2000" b="1" dirty="0"/>
-              <a:t>Sử dụng phiên bản mẫu, thử </a:t>
-            </a:r>
-            <a:r>
               <a:rPr lang="en-US" sz="2000" b="1" dirty="0" smtClean="0"/>
-              <a:t>nghiệm</a:t>
-            </a:r>
+              <a:t>Mục tiêu</a:t>
+            </a:r>
+            <a:endParaRPr lang="en-US" sz="2000" b="1" dirty="0"/>
           </a:p>
           <a:p>
             <a:pPr lvl="1">
@@ -6424,16 +6223,8 @@
               <a:buChar char="Ø"/>
             </a:pPr>
             <a:r>
-              <a:rPr lang="en-US" sz="1600" dirty="0" smtClean="0"/>
-              <a:t>D</a:t>
-            </a:r>
-            <a:r>
-              <a:rPr lang="vi-VN" sz="1600" dirty="0" smtClean="0"/>
-              <a:t>ùng </a:t>
-            </a:r>
-            <a:r>
               <a:rPr lang="vi-VN" sz="1600" dirty="0"/>
-              <a:t>một mô hình chạy được của hệ thống để kiểm tra các yêu cầu</a:t>
+              <a:t>Tạo tài liệu định nghĩa hệ thống</a:t>
             </a:r>
           </a:p>
           <a:p>
@@ -6442,12 +6233,8 @@
               <a:buChar char="Ø"/>
             </a:pPr>
             <a:r>
-              <a:rPr lang="vi-VN" sz="1600" dirty="0" smtClean="0"/>
-              <a:t>Dùng </a:t>
-            </a:r>
-            <a:r>
               <a:rPr lang="vi-VN" sz="1600" dirty="0"/>
-              <a:t>mô hình chạy thử giúp dễ dàng trong việc giải thích những yêu cầu của phần mềm, giúp khách hàng có những phản hồi kịp thời để làm rõ hệ thống đang sai ở dâu</a:t>
+              <a:t>Đặc tả được yêu cầu hệ thống</a:t>
             </a:r>
           </a:p>
           <a:p>
@@ -6456,17 +6243,16 @@
               <a:buChar char="Ø"/>
             </a:pPr>
             <a:r>
-              <a:rPr lang="en-US" sz="1600" dirty="0" smtClean="0"/>
-              <a:t>S</a:t>
-            </a:r>
-            <a:r>
-              <a:rPr lang="vi-VN" sz="1600" dirty="0" smtClean="0"/>
-              <a:t>ử </a:t>
-            </a:r>
-            <a:r>
               <a:rPr lang="vi-VN" sz="1600" dirty="0"/>
-              <a:t>dụng mô hình(ví dụ Mockup,..) giúp nguời lập trình cũng như khách hàng dẽ hiểu, tiết kiệm hon việc miêu tả đơn thuần dùng văn bản hoặc mô hình đồ họa</a:t>
-            </a:r>
+              <a:t>Đặc tả được yêu cầu của phần mềm</a:t>
+            </a:r>
+          </a:p>
+          <a:p>
+            <a:pPr lvl="1">
+              <a:buFont typeface="Wingdings" panose="05000000000000000000" pitchFamily="2" charset="2"/>
+              <a:buChar char="Ø"/>
+            </a:pPr>
+            <a:endParaRPr lang="en-US" sz="1600" dirty="0" smtClean="0"/>
           </a:p>
           <a:p>
             <a:pPr marL="342900" lvl="1" indent="0">
@@ -6498,7 +6284,7 @@
           <a:p>
             <a:r>
               <a:rPr lang="en-US" dirty="0" smtClean="0"/>
-              <a:t>1.6. Yêu cầu phần mềm | Thẩm định yêu cầu</a:t>
+              <a:t>1.5. Yêu cầu phần mềm | Đặc tả yêu cầu</a:t>
             </a:r>
             <a:endParaRPr lang="en-US" dirty="0"/>
           </a:p>
@@ -6507,7 +6293,7 @@
     </p:spTree>
     <p:extLst>
       <p:ext uri="{BB962C8B-B14F-4D97-AF65-F5344CB8AC3E}">
-        <p14:creationId xmlns:p14="http://schemas.microsoft.com/office/powerpoint/2010/main" val="3833244136"/>
+        <p14:creationId xmlns:p14="http://schemas.microsoft.com/office/powerpoint/2010/main" val="3258992479"/>
       </p:ext>
     </p:extLst>
   </p:cSld>
@@ -6557,160 +6343,150 @@
           <a:lstStyle/>
           <a:p>
             <a:r>
-              <a:rPr lang="en-US" dirty="0" smtClean="0"/>
-              <a:t>Kỹ thuật thẩm định</a:t>
-            </a:r>
-            <a:endParaRPr lang="en-US" dirty="0"/>
-          </a:p>
-        </p:txBody>
-      </p:sp>
-      <p:sp>
-        <p:nvSpPr>
-          <p:cNvPr id="5" name="Content Placeholder 2"/>
-          <p:cNvSpPr>
-            <a:spLocks noGrp="1"/>
-          </p:cNvSpPr>
-          <p:nvPr>
-            <p:ph idx="1"/>
-          </p:nvPr>
+              <a:rPr lang="en-US" b="1" dirty="0" smtClean="0">
+                <a:latin typeface="Verdana" panose="020B0604030504040204" pitchFamily="34" charset="0"/>
+                <a:ea typeface="Verdana" panose="020B0604030504040204" pitchFamily="34" charset="0"/>
+                <a:cs typeface="Verdana" panose="020B0604030504040204" pitchFamily="34" charset="0"/>
+              </a:rPr>
+              <a:t>YÊU CẦU PHẦN MỀM</a:t>
+            </a:r>
+            <a:endParaRPr lang="en-US" b="1" dirty="0">
+              <a:latin typeface="Verdana" panose="020B0604030504040204" pitchFamily="34" charset="0"/>
+              <a:ea typeface="Verdana" panose="020B0604030504040204" pitchFamily="34" charset="0"/>
+              <a:cs typeface="Verdana" panose="020B0604030504040204" pitchFamily="34" charset="0"/>
+            </a:endParaRPr>
+          </a:p>
+        </p:txBody>
+      </p:sp>
+      <p:sp>
+        <p:nvSpPr>
+          <p:cNvPr id="3" name="Text Placeholder 2"/>
+          <p:cNvSpPr>
+            <a:spLocks noGrp="1"/>
+          </p:cNvSpPr>
+          <p:nvPr>
+            <p:ph type="body" idx="1"/>
+          </p:nvPr>
+        </p:nvSpPr>
+        <p:spPr/>
+        <p:txBody>
+          <a:bodyPr/>
+          <a:lstStyle/>
+          <a:p>
+            <a:r>
+              <a:rPr lang="en-US" dirty="0" smtClean="0">
+                <a:latin typeface="Verdana" panose="020B0604030504040204" pitchFamily="34" charset="0"/>
+                <a:ea typeface="Verdana" panose="020B0604030504040204" pitchFamily="34" charset="0"/>
+                <a:cs typeface="Verdana" panose="020B0604030504040204" pitchFamily="34" charset="0"/>
+              </a:rPr>
+              <a:t>CHƯƠNG 1</a:t>
+            </a:r>
+          </a:p>
+          <a:p>
+            <a:r>
+              <a:rPr lang="en-US" dirty="0" smtClean="0">
+                <a:solidFill>
+                  <a:schemeClr val="bg1">
+                    <a:lumMod val="50000"/>
+                  </a:schemeClr>
+                </a:solidFill>
+                <a:latin typeface="Verdana" panose="020B0604030504040204" pitchFamily="34" charset="0"/>
+                <a:ea typeface="Verdana" panose="020B0604030504040204" pitchFamily="34" charset="0"/>
+                <a:cs typeface="Verdana" panose="020B0604030504040204" pitchFamily="34" charset="0"/>
+              </a:rPr>
+              <a:t>1.5. Đặc tả yêu cầu</a:t>
+            </a:r>
+          </a:p>
+          <a:p>
+            <a:r>
+              <a:rPr lang="en-US" dirty="0" smtClean="0">
+                <a:solidFill>
+                  <a:srgbClr val="FF1111"/>
+                </a:solidFill>
+                <a:latin typeface="Verdana" panose="020B0604030504040204" pitchFamily="34" charset="0"/>
+                <a:ea typeface="Verdana" panose="020B0604030504040204" pitchFamily="34" charset="0"/>
+                <a:cs typeface="Verdana" panose="020B0604030504040204" pitchFamily="34" charset="0"/>
+              </a:rPr>
+              <a:t>1.6. Thẩm định yêu cầu</a:t>
+            </a:r>
+          </a:p>
+          <a:p>
+            <a:r>
+              <a:rPr lang="en-US" dirty="0" smtClean="0">
+                <a:solidFill>
+                  <a:schemeClr val="bg1">
+                    <a:lumMod val="50000"/>
+                  </a:schemeClr>
+                </a:solidFill>
+                <a:latin typeface="Verdana" panose="020B0604030504040204" pitchFamily="34" charset="0"/>
+                <a:ea typeface="Verdana" panose="020B0604030504040204" pitchFamily="34" charset="0"/>
+                <a:cs typeface="Verdana" panose="020B0604030504040204" pitchFamily="34" charset="0"/>
+              </a:rPr>
+              <a:t>1.7. Khảo sát hiện trạng</a:t>
+            </a:r>
+            <a:endParaRPr lang="en-US" dirty="0">
+              <a:solidFill>
+                <a:srgbClr val="FF1111"/>
+              </a:solidFill>
+              <a:latin typeface="Verdana" panose="020B0604030504040204" pitchFamily="34" charset="0"/>
+              <a:ea typeface="Verdana" panose="020B0604030504040204" pitchFamily="34" charset="0"/>
+              <a:cs typeface="Verdana" panose="020B0604030504040204" pitchFamily="34" charset="0"/>
+            </a:endParaRPr>
+          </a:p>
+        </p:txBody>
+      </p:sp>
+      <p:sp>
+        <p:nvSpPr>
+          <p:cNvPr id="4" name="Isosceles Triangle 3"/>
+          <p:cNvSpPr/>
+          <p:nvPr/>
         </p:nvSpPr>
         <p:spPr>
-          <a:xfrm>
-            <a:off x="628650" y="1825625"/>
-            <a:ext cx="7886700" cy="4351338"/>
+          <a:xfrm flipV="1">
+            <a:off x="762000" y="6089651"/>
+            <a:ext cx="304800" cy="158749"/>
           </a:xfrm>
+          <a:prstGeom prst="triangle">
+            <a:avLst/>
+          </a:prstGeom>
+          <a:solidFill>
+            <a:schemeClr val="bg1">
+              <a:lumMod val="75000"/>
+            </a:schemeClr>
+          </a:solidFill>
+          <a:ln>
+            <a:noFill/>
+          </a:ln>
         </p:spPr>
-        <p:txBody>
-          <a:bodyPr/>
-          <a:lstStyle/>
-          <a:p>
-            <a:r>
-              <a:rPr lang="en-US" sz="2000" b="1" dirty="0" smtClean="0"/>
-              <a:t>Thẩm </a:t>
-            </a:r>
-            <a:r>
-              <a:rPr lang="en-US" sz="2000" b="1" dirty="0"/>
-              <a:t>định mô </a:t>
-            </a:r>
-            <a:r>
-              <a:rPr lang="en-US" sz="2000" b="1" dirty="0" smtClean="0"/>
-              <a:t>hình</a:t>
-            </a:r>
-          </a:p>
-          <a:p>
-            <a:pPr lvl="1">
-              <a:buFont typeface="Wingdings" panose="05000000000000000000" pitchFamily="2" charset="2"/>
-              <a:buChar char="Ø"/>
-            </a:pPr>
-            <a:r>
-              <a:rPr lang="en-US" sz="1600" dirty="0" smtClean="0"/>
-              <a:t>T</a:t>
-            </a:r>
-            <a:r>
-              <a:rPr lang="vi-VN" sz="1600" dirty="0" smtClean="0"/>
-              <a:t>hẩm </a:t>
-            </a:r>
-            <a:r>
-              <a:rPr lang="vi-VN" sz="1600" dirty="0"/>
-              <a:t>định lại chất lượng các mô hình đã được phát triển trong suốt quá trình phân tích</a:t>
-            </a:r>
-          </a:p>
-          <a:p>
-            <a:pPr lvl="1">
-              <a:buFont typeface="Wingdings" panose="05000000000000000000" pitchFamily="2" charset="2"/>
-              <a:buChar char="Ø"/>
-            </a:pPr>
-            <a:r>
-              <a:rPr lang="en-US" sz="1600" dirty="0" smtClean="0"/>
-              <a:t>C</a:t>
-            </a:r>
-            <a:r>
-              <a:rPr lang="vi-VN" sz="1600" dirty="0" smtClean="0"/>
-              <a:t>ác </a:t>
-            </a:r>
-            <a:r>
-              <a:rPr lang="vi-VN" sz="1600" dirty="0"/>
-              <a:t>model phải đủ các tiêu chí: Hoàn thiện, nhất quán và chuẩn </a:t>
-            </a:r>
-            <a:r>
-              <a:rPr lang="vi-VN" sz="1600" dirty="0" smtClean="0"/>
-              <a:t>xác</a:t>
-            </a:r>
-            <a:endParaRPr lang="en-US" sz="1600" dirty="0" smtClean="0"/>
-          </a:p>
-          <a:p>
-            <a:pPr lvl="1">
-              <a:buFont typeface="Wingdings" panose="05000000000000000000" pitchFamily="2" charset="2"/>
-              <a:buChar char="Ø"/>
-            </a:pPr>
-            <a:endParaRPr lang="vi-VN" sz="1600" dirty="0"/>
-          </a:p>
-          <a:p>
-            <a:r>
-              <a:rPr lang="en-US" sz="2000" b="1" dirty="0"/>
-              <a:t>Kiểm thử chấp thuận</a:t>
-            </a:r>
-            <a:endParaRPr lang="en-US" sz="2000" b="1" dirty="0" smtClean="0"/>
-          </a:p>
-          <a:p>
-            <a:pPr lvl="1">
-              <a:buFont typeface="Wingdings" panose="05000000000000000000" pitchFamily="2" charset="2"/>
-              <a:buChar char="Ø"/>
-            </a:pPr>
-            <a:r>
-              <a:rPr lang="vi-VN" sz="1600" dirty="0"/>
-              <a:t>Viết các testcase dành cho các yêu cầu để kiểm tra khả năng đáp ứng được các yêu cầu end-user của phần mềm</a:t>
-            </a:r>
-          </a:p>
-          <a:p>
-            <a:pPr lvl="1">
-              <a:buFont typeface="Wingdings" panose="05000000000000000000" pitchFamily="2" charset="2"/>
-              <a:buChar char="Ø"/>
-            </a:pPr>
-            <a:r>
-              <a:rPr lang="vi-VN" sz="1600" dirty="0" smtClean="0"/>
-              <a:t>Sản </a:t>
-            </a:r>
-            <a:r>
-              <a:rPr lang="vi-VN" sz="1600" dirty="0"/>
-              <a:t>phẩm cuối cùng phải thỏa mãn các testcase </a:t>
-            </a:r>
-            <a:endParaRPr lang="en-US" sz="1600" dirty="0" smtClean="0"/>
-          </a:p>
-        </p:txBody>
-      </p:sp>
-      <p:sp>
-        <p:nvSpPr>
-          <p:cNvPr id="6" name="Content Placeholder 3"/>
-          <p:cNvSpPr>
-            <a:spLocks noGrp="1"/>
-          </p:cNvSpPr>
-          <p:nvPr>
-            <p:ph sz="quarter" idx="13"/>
-          </p:nvPr>
-        </p:nvSpPr>
-        <p:spPr>
-          <a:xfrm>
-            <a:off x="2362200" y="381000"/>
-            <a:ext cx="5257800" cy="381000"/>
-          </a:xfrm>
-        </p:spPr>
-        <p:txBody>
-          <a:bodyPr/>
-          <a:lstStyle/>
-          <a:p>
-            <a:r>
-              <a:rPr lang="en-US" dirty="0" smtClean="0"/>
-              <a:t>1.6. Yêu cầu phần mềm | Thẩm định yêu cầu</a:t>
-            </a:r>
-            <a:endParaRPr lang="en-US" dirty="0"/>
+        <p:style>
+          <a:lnRef idx="2">
+            <a:schemeClr val="accent1">
+              <a:shade val="50000"/>
+            </a:schemeClr>
+          </a:lnRef>
+          <a:fillRef idx="1">
+            <a:schemeClr val="accent1"/>
+          </a:fillRef>
+          <a:effectRef idx="0">
+            <a:schemeClr val="accent1"/>
+          </a:effectRef>
+          <a:fontRef idx="minor">
+            <a:schemeClr val="lt1"/>
+          </a:fontRef>
+        </p:style>
+        <p:txBody>
+          <a:bodyPr rtlCol="0" anchor="ctr"/>
+          <a:lstStyle/>
+          <a:p>
+            <a:pPr algn="ctr"/>
+            <a:endParaRPr lang="en-US"/>
           </a:p>
         </p:txBody>
       </p:sp>
     </p:spTree>
     <p:extLst>
       <p:ext uri="{BB962C8B-B14F-4D97-AF65-F5344CB8AC3E}">
-        <p14:creationId xmlns:p14="http://schemas.microsoft.com/office/powerpoint/2010/main" val="1071883685"/>
+        <p14:creationId xmlns:p14="http://schemas.microsoft.com/office/powerpoint/2010/main" val="3308206679"/>
       </p:ext>
     </p:extLst>
   </p:cSld>
@@ -6760,6 +6536,670 @@
           <a:lstStyle/>
           <a:p>
             <a:r>
+              <a:rPr lang="en-US" dirty="0"/>
+              <a:t>Thẩm định yêu cầu</a:t>
+            </a:r>
+          </a:p>
+        </p:txBody>
+      </p:sp>
+      <p:sp>
+        <p:nvSpPr>
+          <p:cNvPr id="5" name="Content Placeholder 2"/>
+          <p:cNvSpPr>
+            <a:spLocks noGrp="1"/>
+          </p:cNvSpPr>
+          <p:nvPr>
+            <p:ph idx="1"/>
+          </p:nvPr>
+        </p:nvSpPr>
+        <p:spPr>
+          <a:xfrm>
+            <a:off x="628650" y="1825625"/>
+            <a:ext cx="7886700" cy="4351338"/>
+          </a:xfrm>
+        </p:spPr>
+        <p:txBody>
+          <a:bodyPr/>
+          <a:lstStyle/>
+          <a:p>
+            <a:r>
+              <a:rPr lang="en-US" sz="2000" b="1" dirty="0" smtClean="0"/>
+              <a:t>Khái niệm</a:t>
+            </a:r>
+            <a:endParaRPr lang="en-US" sz="2000" b="1" dirty="0"/>
+          </a:p>
+          <a:p>
+            <a:pPr lvl="1">
+              <a:buFont typeface="Wingdings" panose="05000000000000000000" pitchFamily="2" charset="2"/>
+              <a:buChar char="Ø"/>
+            </a:pPr>
+            <a:r>
+              <a:rPr lang="vi-VN" sz="1600" dirty="0"/>
+              <a:t>Thẩm định yêu cầu quan tâm đến việc chứng tở rằng các yêu cầu định nghĩa được hệ thống mà khách hàng thực sự muốn. Việc thẩm định phải đảm bảo dễ yểu, nhất quán và hoàn </a:t>
+            </a:r>
+            <a:r>
+              <a:rPr lang="vi-VN" sz="1600" dirty="0" smtClean="0"/>
+              <a:t>thiện</a:t>
+            </a:r>
+            <a:endParaRPr lang="en-US" sz="1600" dirty="0" smtClean="0"/>
+          </a:p>
+          <a:p>
+            <a:pPr lvl="1">
+              <a:buFont typeface="Wingdings" panose="05000000000000000000" pitchFamily="2" charset="2"/>
+              <a:buChar char="Ø"/>
+            </a:pPr>
+            <a:endParaRPr lang="vi-VN" sz="1600" dirty="0"/>
+          </a:p>
+          <a:p>
+            <a:r>
+              <a:rPr lang="en-US" sz="2000" b="1" dirty="0" smtClean="0"/>
+              <a:t>Kỹ thuật thẩm định</a:t>
+            </a:r>
+            <a:endParaRPr lang="en-US" sz="2000" b="1" dirty="0"/>
+          </a:p>
+          <a:p>
+            <a:pPr lvl="1">
+              <a:buFont typeface="Wingdings" panose="05000000000000000000" pitchFamily="2" charset="2"/>
+              <a:buChar char="Ø"/>
+            </a:pPr>
+            <a:r>
+              <a:rPr lang="en-US" sz="1600" dirty="0" smtClean="0"/>
+              <a:t>Xem </a:t>
+            </a:r>
+            <a:r>
+              <a:rPr lang="en-US" sz="1600" dirty="0"/>
+              <a:t>lại yêu </a:t>
+            </a:r>
+            <a:r>
+              <a:rPr lang="en-US" sz="1600" dirty="0" smtClean="0"/>
+              <a:t>cầu</a:t>
+            </a:r>
+          </a:p>
+          <a:p>
+            <a:pPr lvl="1">
+              <a:buFont typeface="Wingdings" panose="05000000000000000000" pitchFamily="2" charset="2"/>
+              <a:buChar char="Ø"/>
+            </a:pPr>
+            <a:r>
+              <a:rPr lang="en-US" sz="1600" dirty="0" smtClean="0"/>
+              <a:t>S</a:t>
+            </a:r>
+            <a:r>
+              <a:rPr lang="vi-VN" sz="1600" dirty="0" smtClean="0"/>
+              <a:t>ử </a:t>
+            </a:r>
+            <a:r>
+              <a:rPr lang="vi-VN" sz="1600" dirty="0"/>
+              <a:t>dụng phiên bản mẫu, thử </a:t>
+            </a:r>
+            <a:r>
+              <a:rPr lang="vi-VN" sz="1600" dirty="0" smtClean="0"/>
+              <a:t>nghiệm</a:t>
+            </a:r>
+            <a:endParaRPr lang="en-US" sz="1600" dirty="0" smtClean="0"/>
+          </a:p>
+          <a:p>
+            <a:pPr lvl="1">
+              <a:buFont typeface="Wingdings" panose="05000000000000000000" pitchFamily="2" charset="2"/>
+              <a:buChar char="Ø"/>
+            </a:pPr>
+            <a:r>
+              <a:rPr lang="en-US" sz="1600" dirty="0" smtClean="0"/>
+              <a:t>T</a:t>
+            </a:r>
+            <a:r>
+              <a:rPr lang="vi-VN" sz="1600" dirty="0" smtClean="0"/>
+              <a:t>hầm </a:t>
+            </a:r>
+            <a:r>
+              <a:rPr lang="vi-VN" sz="1600" dirty="0"/>
+              <a:t>định mô hình</a:t>
+            </a:r>
+          </a:p>
+          <a:p>
+            <a:pPr lvl="1">
+              <a:buFont typeface="Wingdings" panose="05000000000000000000" pitchFamily="2" charset="2"/>
+              <a:buChar char="Ø"/>
+            </a:pPr>
+            <a:r>
+              <a:rPr lang="en-US" sz="1600" dirty="0" smtClean="0"/>
+              <a:t>K</a:t>
+            </a:r>
+            <a:r>
+              <a:rPr lang="vi-VN" sz="1600" dirty="0" smtClean="0"/>
+              <a:t>iểm </a:t>
+            </a:r>
+            <a:r>
+              <a:rPr lang="vi-VN" sz="1600" dirty="0"/>
+              <a:t>thử chấp thuận</a:t>
+            </a:r>
+            <a:endParaRPr lang="vi-VN" sz="1600" dirty="0" smtClean="0"/>
+          </a:p>
+          <a:p>
+            <a:pPr lvl="1">
+              <a:buFont typeface="Wingdings" panose="05000000000000000000" pitchFamily="2" charset="2"/>
+              <a:buChar char="Ø"/>
+            </a:pPr>
+            <a:endParaRPr lang="vi-VN" sz="1600" dirty="0"/>
+          </a:p>
+          <a:p>
+            <a:pPr marL="342900" lvl="1" indent="0">
+              <a:buNone/>
+            </a:pPr>
+            <a:endParaRPr lang="en-US" sz="1600" dirty="0" smtClean="0"/>
+          </a:p>
+        </p:txBody>
+      </p:sp>
+      <p:sp>
+        <p:nvSpPr>
+          <p:cNvPr id="6" name="Content Placeholder 3"/>
+          <p:cNvSpPr>
+            <a:spLocks noGrp="1"/>
+          </p:cNvSpPr>
+          <p:nvPr>
+            <p:ph sz="quarter" idx="13"/>
+          </p:nvPr>
+        </p:nvSpPr>
+        <p:spPr>
+          <a:xfrm>
+            <a:off x="2362200" y="381000"/>
+            <a:ext cx="5257800" cy="381000"/>
+          </a:xfrm>
+        </p:spPr>
+        <p:txBody>
+          <a:bodyPr/>
+          <a:lstStyle/>
+          <a:p>
+            <a:r>
+              <a:rPr lang="en-US" dirty="0" smtClean="0"/>
+              <a:t>1.6. Yêu cầu phần mềm | Thẩm định yêu cầu</a:t>
+            </a:r>
+            <a:endParaRPr lang="en-US" dirty="0"/>
+          </a:p>
+        </p:txBody>
+      </p:sp>
+    </p:spTree>
+    <p:extLst>
+      <p:ext uri="{BB962C8B-B14F-4D97-AF65-F5344CB8AC3E}">
+        <p14:creationId xmlns:p14="http://schemas.microsoft.com/office/powerpoint/2010/main" val="1521665233"/>
+      </p:ext>
+    </p:extLst>
+  </p:cSld>
+  <p:clrMapOvr>
+    <a:masterClrMapping/>
+  </p:clrMapOvr>
+  <p:timing>
+    <p:tnLst>
+      <p:par>
+        <p:cTn id="1" dur="indefinite" restart="never" nodeType="tmRoot"/>
+      </p:par>
+    </p:tnLst>
+  </p:timing>
+</p:sld>
+</file>
+
+<file path=ppt/slides/slide23.xml><?xml version="1.0" encoding="utf-8"?>
+<p:sld xmlns:a="http://schemas.openxmlformats.org/drawingml/2006/main" xmlns:r="http://schemas.openxmlformats.org/officeDocument/2006/relationships" xmlns:p="http://schemas.openxmlformats.org/presentationml/2006/main">
+  <p:cSld>
+    <p:spTree>
+      <p:nvGrpSpPr>
+        <p:cNvPr id="1" name=""/>
+        <p:cNvGrpSpPr/>
+        <p:nvPr/>
+      </p:nvGrpSpPr>
+      <p:grpSpPr>
+        <a:xfrm>
+          <a:off x="0" y="0"/>
+          <a:ext cx="0" cy="0"/>
+          <a:chOff x="0" y="0"/>
+          <a:chExt cx="0" cy="0"/>
+        </a:xfrm>
+      </p:grpSpPr>
+      <p:sp>
+        <p:nvSpPr>
+          <p:cNvPr id="2" name="Title 1"/>
+          <p:cNvSpPr>
+            <a:spLocks noGrp="1"/>
+          </p:cNvSpPr>
+          <p:nvPr>
+            <p:ph type="title"/>
+          </p:nvPr>
+        </p:nvSpPr>
+        <p:spPr/>
+        <p:txBody>
+          <a:bodyPr/>
+          <a:lstStyle/>
+          <a:p>
+            <a:r>
+              <a:rPr lang="en-US" dirty="0" smtClean="0"/>
+              <a:t>Kỹ thuật thẩm định</a:t>
+            </a:r>
+            <a:endParaRPr lang="en-US" dirty="0"/>
+          </a:p>
+        </p:txBody>
+      </p:sp>
+      <p:sp>
+        <p:nvSpPr>
+          <p:cNvPr id="5" name="Content Placeholder 2"/>
+          <p:cNvSpPr>
+            <a:spLocks noGrp="1"/>
+          </p:cNvSpPr>
+          <p:nvPr>
+            <p:ph idx="1"/>
+          </p:nvPr>
+        </p:nvSpPr>
+        <p:spPr>
+          <a:xfrm>
+            <a:off x="628650" y="1825625"/>
+            <a:ext cx="7886700" cy="4351338"/>
+          </a:xfrm>
+        </p:spPr>
+        <p:txBody>
+          <a:bodyPr/>
+          <a:lstStyle/>
+          <a:p>
+            <a:r>
+              <a:rPr lang="en-US" sz="2000" b="1" dirty="0" smtClean="0"/>
+              <a:t>Xem lại yêu cầu</a:t>
+            </a:r>
+            <a:endParaRPr lang="en-US" sz="2000" b="1" dirty="0"/>
+          </a:p>
+          <a:p>
+            <a:pPr lvl="1">
+              <a:buFont typeface="Wingdings" panose="05000000000000000000" pitchFamily="2" charset="2"/>
+              <a:buChar char="Ø"/>
+            </a:pPr>
+            <a:r>
+              <a:rPr lang="en-US" sz="1600" dirty="0"/>
+              <a:t>Đ</a:t>
+            </a:r>
+            <a:r>
+              <a:rPr lang="vi-VN" sz="1600" dirty="0" smtClean="0"/>
+              <a:t>ọc </a:t>
+            </a:r>
+            <a:r>
+              <a:rPr lang="vi-VN" sz="1600" dirty="0"/>
+              <a:t>và phân tích lại tài liệu yêu cầu (tài liệu miêu tả hệ thống, tài liệu đặc tả hệ thống, yêu cầu phần mềm, ...) một cách có hệ thống để tìm lỗi, tránh việc thiếu rõ ràng, tránh việc đi lạc hướng của các bước tiếp theo.</a:t>
+            </a:r>
+          </a:p>
+          <a:p>
+            <a:pPr lvl="1">
+              <a:buFont typeface="Wingdings" panose="05000000000000000000" pitchFamily="2" charset="2"/>
+              <a:buChar char="Ø"/>
+            </a:pPr>
+            <a:r>
+              <a:rPr lang="vi-VN" sz="1600" dirty="0" smtClean="0"/>
+              <a:t>Việc </a:t>
+            </a:r>
+            <a:r>
+              <a:rPr lang="vi-VN" sz="1600" dirty="0"/>
+              <a:t>duyệt lại các yêu cầu không được dùng chương trình tự động</a:t>
+            </a:r>
+            <a:r>
+              <a:rPr lang="vi-VN" sz="1600" dirty="0" smtClean="0"/>
+              <a:t>.</a:t>
+            </a:r>
+            <a:endParaRPr lang="en-US" sz="1600" dirty="0" smtClean="0"/>
+          </a:p>
+          <a:p>
+            <a:pPr lvl="1">
+              <a:buFont typeface="Wingdings" panose="05000000000000000000" pitchFamily="2" charset="2"/>
+              <a:buChar char="Ø"/>
+            </a:pPr>
+            <a:endParaRPr lang="vi-VN" sz="1600" dirty="0"/>
+          </a:p>
+          <a:p>
+            <a:r>
+              <a:rPr lang="en-US" sz="2000" b="1" dirty="0"/>
+              <a:t>Sử dụng phiên bản mẫu, thử </a:t>
+            </a:r>
+            <a:r>
+              <a:rPr lang="en-US" sz="2000" b="1" dirty="0" smtClean="0"/>
+              <a:t>nghiệm</a:t>
+            </a:r>
+          </a:p>
+          <a:p>
+            <a:pPr lvl="1">
+              <a:buFont typeface="Wingdings" panose="05000000000000000000" pitchFamily="2" charset="2"/>
+              <a:buChar char="Ø"/>
+            </a:pPr>
+            <a:r>
+              <a:rPr lang="en-US" sz="1600" dirty="0" smtClean="0"/>
+              <a:t>D</a:t>
+            </a:r>
+            <a:r>
+              <a:rPr lang="vi-VN" sz="1600" dirty="0" smtClean="0"/>
+              <a:t>ùng </a:t>
+            </a:r>
+            <a:r>
+              <a:rPr lang="vi-VN" sz="1600" dirty="0"/>
+              <a:t>một mô hình chạy được của hệ thống để kiểm tra các yêu cầu</a:t>
+            </a:r>
+          </a:p>
+          <a:p>
+            <a:pPr lvl="1">
+              <a:buFont typeface="Wingdings" panose="05000000000000000000" pitchFamily="2" charset="2"/>
+              <a:buChar char="Ø"/>
+            </a:pPr>
+            <a:r>
+              <a:rPr lang="vi-VN" sz="1600" dirty="0" smtClean="0"/>
+              <a:t>Dùng </a:t>
+            </a:r>
+            <a:r>
+              <a:rPr lang="vi-VN" sz="1600" dirty="0"/>
+              <a:t>mô hình chạy thử giúp dễ dàng trong việc giải thích những yêu cầu của phần mềm, giúp khách hàng có những phản hồi kịp thời để làm rõ hệ thống đang sai ở dâu</a:t>
+            </a:r>
+          </a:p>
+          <a:p>
+            <a:pPr lvl="1">
+              <a:buFont typeface="Wingdings" panose="05000000000000000000" pitchFamily="2" charset="2"/>
+              <a:buChar char="Ø"/>
+            </a:pPr>
+            <a:r>
+              <a:rPr lang="en-US" sz="1600" dirty="0" smtClean="0"/>
+              <a:t>S</a:t>
+            </a:r>
+            <a:r>
+              <a:rPr lang="vi-VN" sz="1600" dirty="0" smtClean="0"/>
+              <a:t>ử </a:t>
+            </a:r>
+            <a:r>
+              <a:rPr lang="vi-VN" sz="1600" dirty="0"/>
+              <a:t>dụng mô hình(ví dụ Mockup,..) giúp nguời lập trình cũng như khách hàng dẽ hiểu, tiết kiệm hon việc miêu tả đơn thuần dùng văn bản hoặc mô hình đồ họa</a:t>
+            </a:r>
+          </a:p>
+          <a:p>
+            <a:pPr marL="342900" lvl="1" indent="0">
+              <a:buNone/>
+            </a:pPr>
+            <a:endParaRPr lang="en-US" sz="1600" dirty="0" smtClean="0"/>
+          </a:p>
+        </p:txBody>
+      </p:sp>
+      <p:sp>
+        <p:nvSpPr>
+          <p:cNvPr id="6" name="Content Placeholder 3"/>
+          <p:cNvSpPr>
+            <a:spLocks noGrp="1"/>
+          </p:cNvSpPr>
+          <p:nvPr>
+            <p:ph sz="quarter" idx="13"/>
+          </p:nvPr>
+        </p:nvSpPr>
+        <p:spPr>
+          <a:xfrm>
+            <a:off x="2362200" y="381000"/>
+            <a:ext cx="5257800" cy="381000"/>
+          </a:xfrm>
+        </p:spPr>
+        <p:txBody>
+          <a:bodyPr/>
+          <a:lstStyle/>
+          <a:p>
+            <a:r>
+              <a:rPr lang="en-US" dirty="0" smtClean="0"/>
+              <a:t>1.6. Yêu cầu phần mềm | Thẩm định yêu cầu</a:t>
+            </a:r>
+            <a:endParaRPr lang="en-US" dirty="0"/>
+          </a:p>
+        </p:txBody>
+      </p:sp>
+    </p:spTree>
+    <p:extLst>
+      <p:ext uri="{BB962C8B-B14F-4D97-AF65-F5344CB8AC3E}">
+        <p14:creationId xmlns:p14="http://schemas.microsoft.com/office/powerpoint/2010/main" val="3833244136"/>
+      </p:ext>
+    </p:extLst>
+  </p:cSld>
+  <p:clrMapOvr>
+    <a:masterClrMapping/>
+  </p:clrMapOvr>
+  <p:timing>
+    <p:tnLst>
+      <p:par>
+        <p:cTn id="1" dur="indefinite" restart="never" nodeType="tmRoot"/>
+      </p:par>
+    </p:tnLst>
+  </p:timing>
+</p:sld>
+</file>
+
+<file path=ppt/slides/slide24.xml><?xml version="1.0" encoding="utf-8"?>
+<p:sld xmlns:a="http://schemas.openxmlformats.org/drawingml/2006/main" xmlns:r="http://schemas.openxmlformats.org/officeDocument/2006/relationships" xmlns:p="http://schemas.openxmlformats.org/presentationml/2006/main">
+  <p:cSld>
+    <p:spTree>
+      <p:nvGrpSpPr>
+        <p:cNvPr id="1" name=""/>
+        <p:cNvGrpSpPr/>
+        <p:nvPr/>
+      </p:nvGrpSpPr>
+      <p:grpSpPr>
+        <a:xfrm>
+          <a:off x="0" y="0"/>
+          <a:ext cx="0" cy="0"/>
+          <a:chOff x="0" y="0"/>
+          <a:chExt cx="0" cy="0"/>
+        </a:xfrm>
+      </p:grpSpPr>
+      <p:sp>
+        <p:nvSpPr>
+          <p:cNvPr id="2" name="Title 1"/>
+          <p:cNvSpPr>
+            <a:spLocks noGrp="1"/>
+          </p:cNvSpPr>
+          <p:nvPr>
+            <p:ph type="title"/>
+          </p:nvPr>
+        </p:nvSpPr>
+        <p:spPr/>
+        <p:txBody>
+          <a:bodyPr/>
+          <a:lstStyle/>
+          <a:p>
+            <a:r>
+              <a:rPr lang="en-US" dirty="0" smtClean="0"/>
+              <a:t>Kỹ thuật thẩm định</a:t>
+            </a:r>
+            <a:endParaRPr lang="en-US" dirty="0"/>
+          </a:p>
+        </p:txBody>
+      </p:sp>
+      <p:sp>
+        <p:nvSpPr>
+          <p:cNvPr id="5" name="Content Placeholder 2"/>
+          <p:cNvSpPr>
+            <a:spLocks noGrp="1"/>
+          </p:cNvSpPr>
+          <p:nvPr>
+            <p:ph idx="1"/>
+          </p:nvPr>
+        </p:nvSpPr>
+        <p:spPr>
+          <a:xfrm>
+            <a:off x="628650" y="1825625"/>
+            <a:ext cx="7886700" cy="4351338"/>
+          </a:xfrm>
+        </p:spPr>
+        <p:txBody>
+          <a:bodyPr/>
+          <a:lstStyle/>
+          <a:p>
+            <a:r>
+              <a:rPr lang="en-US" sz="2000" b="1" dirty="0" smtClean="0"/>
+              <a:t>Thẩm </a:t>
+            </a:r>
+            <a:r>
+              <a:rPr lang="en-US" sz="2000" b="1" dirty="0"/>
+              <a:t>định mô </a:t>
+            </a:r>
+            <a:r>
+              <a:rPr lang="en-US" sz="2000" b="1" dirty="0" smtClean="0"/>
+              <a:t>hình</a:t>
+            </a:r>
+          </a:p>
+          <a:p>
+            <a:pPr lvl="1">
+              <a:buFont typeface="Wingdings" panose="05000000000000000000" pitchFamily="2" charset="2"/>
+              <a:buChar char="Ø"/>
+            </a:pPr>
+            <a:r>
+              <a:rPr lang="en-US" sz="1600" dirty="0" smtClean="0"/>
+              <a:t>T</a:t>
+            </a:r>
+            <a:r>
+              <a:rPr lang="vi-VN" sz="1600" dirty="0" smtClean="0"/>
+              <a:t>hẩm </a:t>
+            </a:r>
+            <a:r>
+              <a:rPr lang="vi-VN" sz="1600" dirty="0"/>
+              <a:t>định lại chất lượng các mô hình đã được phát triển trong suốt quá trình phân tích</a:t>
+            </a:r>
+          </a:p>
+          <a:p>
+            <a:pPr lvl="1">
+              <a:buFont typeface="Wingdings" panose="05000000000000000000" pitchFamily="2" charset="2"/>
+              <a:buChar char="Ø"/>
+            </a:pPr>
+            <a:r>
+              <a:rPr lang="en-US" sz="1600" dirty="0" smtClean="0"/>
+              <a:t>C</a:t>
+            </a:r>
+            <a:r>
+              <a:rPr lang="vi-VN" sz="1600" dirty="0" smtClean="0"/>
+              <a:t>ác </a:t>
+            </a:r>
+            <a:r>
+              <a:rPr lang="vi-VN" sz="1600" dirty="0"/>
+              <a:t>model phải đủ các tiêu chí: Hoàn thiện, nhất quán và chuẩn </a:t>
+            </a:r>
+            <a:r>
+              <a:rPr lang="vi-VN" sz="1600" dirty="0" smtClean="0"/>
+              <a:t>xác</a:t>
+            </a:r>
+            <a:endParaRPr lang="en-US" sz="1600" dirty="0" smtClean="0"/>
+          </a:p>
+          <a:p>
+            <a:pPr lvl="1">
+              <a:buFont typeface="Wingdings" panose="05000000000000000000" pitchFamily="2" charset="2"/>
+              <a:buChar char="Ø"/>
+            </a:pPr>
+            <a:endParaRPr lang="vi-VN" sz="1600" dirty="0"/>
+          </a:p>
+          <a:p>
+            <a:r>
+              <a:rPr lang="en-US" sz="2000" b="1" dirty="0"/>
+              <a:t>Kiểm thử chấp thuận</a:t>
+            </a:r>
+            <a:endParaRPr lang="en-US" sz="2000" b="1" dirty="0" smtClean="0"/>
+          </a:p>
+          <a:p>
+            <a:pPr lvl="1">
+              <a:buFont typeface="Wingdings" panose="05000000000000000000" pitchFamily="2" charset="2"/>
+              <a:buChar char="Ø"/>
+            </a:pPr>
+            <a:r>
+              <a:rPr lang="vi-VN" sz="1600" dirty="0"/>
+              <a:t>Viết các testcase dành cho các yêu cầu để kiểm tra khả năng đáp ứng được các yêu cầu end-user của phần mềm</a:t>
+            </a:r>
+          </a:p>
+          <a:p>
+            <a:pPr lvl="1">
+              <a:buFont typeface="Wingdings" panose="05000000000000000000" pitchFamily="2" charset="2"/>
+              <a:buChar char="Ø"/>
+            </a:pPr>
+            <a:r>
+              <a:rPr lang="vi-VN" sz="1600" dirty="0" smtClean="0"/>
+              <a:t>Sản </a:t>
+            </a:r>
+            <a:r>
+              <a:rPr lang="vi-VN" sz="1600" dirty="0"/>
+              <a:t>phẩm cuối cùng phải thỏa mãn các testcase </a:t>
+            </a:r>
+            <a:endParaRPr lang="en-US" sz="1600" dirty="0" smtClean="0"/>
+          </a:p>
+        </p:txBody>
+      </p:sp>
+      <p:sp>
+        <p:nvSpPr>
+          <p:cNvPr id="6" name="Content Placeholder 3"/>
+          <p:cNvSpPr>
+            <a:spLocks noGrp="1"/>
+          </p:cNvSpPr>
+          <p:nvPr>
+            <p:ph sz="quarter" idx="13"/>
+          </p:nvPr>
+        </p:nvSpPr>
+        <p:spPr>
+          <a:xfrm>
+            <a:off x="2362200" y="381000"/>
+            <a:ext cx="5257800" cy="381000"/>
+          </a:xfrm>
+        </p:spPr>
+        <p:txBody>
+          <a:bodyPr/>
+          <a:lstStyle/>
+          <a:p>
+            <a:r>
+              <a:rPr lang="en-US" dirty="0" smtClean="0"/>
+              <a:t>1.6. Yêu cầu phần mềm | Thẩm định yêu cầu</a:t>
+            </a:r>
+            <a:endParaRPr lang="en-US" dirty="0"/>
+          </a:p>
+        </p:txBody>
+      </p:sp>
+    </p:spTree>
+    <p:extLst>
+      <p:ext uri="{BB962C8B-B14F-4D97-AF65-F5344CB8AC3E}">
+        <p14:creationId xmlns:p14="http://schemas.microsoft.com/office/powerpoint/2010/main" val="1071883685"/>
+      </p:ext>
+    </p:extLst>
+  </p:cSld>
+  <p:clrMapOvr>
+    <a:masterClrMapping/>
+  </p:clrMapOvr>
+  <p:timing>
+    <p:tnLst>
+      <p:par>
+        <p:cTn id="1" dur="indefinite" restart="never" nodeType="tmRoot"/>
+      </p:par>
+    </p:tnLst>
+  </p:timing>
+</p:sld>
+</file>
+
+<file path=ppt/slides/slide25.xml><?xml version="1.0" encoding="utf-8"?>
+<p:sld xmlns:a="http://schemas.openxmlformats.org/drawingml/2006/main" xmlns:r="http://schemas.openxmlformats.org/officeDocument/2006/relationships" xmlns:p="http://schemas.openxmlformats.org/presentationml/2006/main">
+  <p:cSld>
+    <p:spTree>
+      <p:nvGrpSpPr>
+        <p:cNvPr id="1" name=""/>
+        <p:cNvGrpSpPr/>
+        <p:nvPr/>
+      </p:nvGrpSpPr>
+      <p:grpSpPr>
+        <a:xfrm>
+          <a:off x="0" y="0"/>
+          <a:ext cx="0" cy="0"/>
+          <a:chOff x="0" y="0"/>
+          <a:chExt cx="0" cy="0"/>
+        </a:xfrm>
+      </p:grpSpPr>
+      <p:sp>
+        <p:nvSpPr>
+          <p:cNvPr id="2" name="Title 1"/>
+          <p:cNvSpPr>
+            <a:spLocks noGrp="1"/>
+          </p:cNvSpPr>
+          <p:nvPr>
+            <p:ph type="title"/>
+          </p:nvPr>
+        </p:nvSpPr>
+        <p:spPr/>
+        <p:txBody>
+          <a:bodyPr/>
+          <a:lstStyle/>
+          <a:p>
+            <a:r>
               <a:rPr lang="en-US" b="1" dirty="0" smtClean="0">
                 <a:latin typeface="Verdana" panose="020B0604030504040204" pitchFamily="34" charset="0"/>
                 <a:ea typeface="Verdana" panose="020B0604030504040204" pitchFamily="34" charset="0"/>
@@ -6813,16 +7253,6 @@
               </a:rPr>
               <a:t>1.6. Thẩm định yêu cầu</a:t>
             </a:r>
-            <a:endParaRPr lang="en-US" dirty="0" smtClean="0">
-              <a:solidFill>
-                <a:schemeClr val="bg1">
-                  <a:lumMod val="50000"/>
-                </a:schemeClr>
-              </a:solidFill>
-              <a:latin typeface="Verdana" panose="020B0604030504040204" pitchFamily="34" charset="0"/>
-              <a:ea typeface="Verdana" panose="020B0604030504040204" pitchFamily="34" charset="0"/>
-              <a:cs typeface="Verdana" panose="020B0604030504040204" pitchFamily="34" charset="0"/>
-            </a:endParaRPr>
           </a:p>
           <a:p>
             <a:r>
@@ -6836,14 +7266,6 @@
               </a:rPr>
               <a:t>1.7. Khảo sát hiện trạng</a:t>
             </a:r>
-            <a:endParaRPr lang="en-US" dirty="0" smtClean="0">
-              <a:solidFill>
-                <a:srgbClr val="FF1111"/>
-              </a:solidFill>
-              <a:latin typeface="Verdana" panose="020B0604030504040204" pitchFamily="34" charset="0"/>
-              <a:ea typeface="Verdana" panose="020B0604030504040204" pitchFamily="34" charset="0"/>
-              <a:cs typeface="Verdana" panose="020B0604030504040204" pitchFamily="34" charset="0"/>
-            </a:endParaRPr>
           </a:p>
           <a:p>
             <a:r>
@@ -6938,7 +7360,7 @@
 </p:sld>
 </file>
 
-<file path=ppt/slides/slide23.xml><?xml version="1.0" encoding="utf-8"?>
+<file path=ppt/slides/slide26.xml><?xml version="1.0" encoding="utf-8"?>
 <p:sld xmlns:a="http://schemas.openxmlformats.org/drawingml/2006/main" xmlns:r="http://schemas.openxmlformats.org/officeDocument/2006/relationships" xmlns:p="http://schemas.openxmlformats.org/presentationml/2006/main">
   <p:cSld>
     <p:spTree>
@@ -7071,7 +7493,7 @@
 </p:sld>
 </file>
 
-<file path=ppt/slides/slide24.xml><?xml version="1.0" encoding="utf-8"?>
+<file path=ppt/slides/slide27.xml><?xml version="1.0" encoding="utf-8"?>
 <p:sld xmlns:a="http://schemas.openxmlformats.org/drawingml/2006/main" xmlns:r="http://schemas.openxmlformats.org/officeDocument/2006/relationships" xmlns:p="http://schemas.openxmlformats.org/presentationml/2006/main">
   <p:cSld>
     <p:spTree>
@@ -7362,7 +7784,7 @@
 </p:sld>
 </file>
 
-<file path=ppt/slides/slide25.xml><?xml version="1.0" encoding="utf-8"?>
+<file path=ppt/slides/slide28.xml><?xml version="1.0" encoding="utf-8"?>
 <p:sld xmlns:a="http://schemas.openxmlformats.org/drawingml/2006/main" xmlns:r="http://schemas.openxmlformats.org/officeDocument/2006/relationships" xmlns:p="http://schemas.openxmlformats.org/presentationml/2006/main">
   <p:cSld>
     <p:spTree>
@@ -7586,7 +8008,7 @@
 </p:sld>
 </file>
 
-<file path=ppt/slides/slide26.xml><?xml version="1.0" encoding="utf-8"?>
+<file path=ppt/slides/slide29.xml><?xml version="1.0" encoding="utf-8"?>
 <p:sld xmlns:a="http://schemas.openxmlformats.org/drawingml/2006/main" xmlns:r="http://schemas.openxmlformats.org/officeDocument/2006/relationships" xmlns:p="http://schemas.openxmlformats.org/presentationml/2006/main">
   <p:cSld>
     <p:spTree>
@@ -7672,16 +8094,6 @@
               </a:rPr>
               <a:t>1.6. Thẩm định yêu cầu</a:t>
             </a:r>
-            <a:endParaRPr lang="en-US" dirty="0" smtClean="0">
-              <a:solidFill>
-                <a:schemeClr val="bg1">
-                  <a:lumMod val="50000"/>
-                </a:schemeClr>
-              </a:solidFill>
-              <a:latin typeface="Verdana" panose="020B0604030504040204" pitchFamily="34" charset="0"/>
-              <a:ea typeface="Verdana" panose="020B0604030504040204" pitchFamily="34" charset="0"/>
-              <a:cs typeface="Verdana" panose="020B0604030504040204" pitchFamily="34" charset="0"/>
-            </a:endParaRPr>
           </a:p>
           <a:p>
             <a:r>
@@ -7697,16 +8109,6 @@
               </a:rPr>
               <a:t>1.7. Khảo sát hiện trạng</a:t>
             </a:r>
-            <a:endParaRPr lang="en-US" dirty="0" smtClean="0">
-              <a:solidFill>
-                <a:schemeClr val="bg1">
-                  <a:lumMod val="50000"/>
-                </a:schemeClr>
-              </a:solidFill>
-              <a:latin typeface="Verdana" panose="020B0604030504040204" pitchFamily="34" charset="0"/>
-              <a:ea typeface="Verdana" panose="020B0604030504040204" pitchFamily="34" charset="0"/>
-              <a:cs typeface="Verdana" panose="020B0604030504040204" pitchFamily="34" charset="0"/>
-            </a:endParaRPr>
           </a:p>
           <a:p>
             <a:r>
@@ -7799,134 +8201,6 @@
 </p:sld>
 </file>
 
-<file path=ppt/slides/slide27.xml><?xml version="1.0" encoding="utf-8"?>
-<p:sld xmlns:a="http://schemas.openxmlformats.org/drawingml/2006/main" xmlns:r="http://schemas.openxmlformats.org/officeDocument/2006/relationships" xmlns:p="http://schemas.openxmlformats.org/presentationml/2006/main">
-  <p:cSld>
-    <p:spTree>
-      <p:nvGrpSpPr>
-        <p:cNvPr id="1" name=""/>
-        <p:cNvGrpSpPr/>
-        <p:nvPr/>
-      </p:nvGrpSpPr>
-      <p:grpSpPr>
-        <a:xfrm>
-          <a:off x="0" y="0"/>
-          <a:ext cx="0" cy="0"/>
-          <a:chOff x="0" y="0"/>
-          <a:chExt cx="0" cy="0"/>
-        </a:xfrm>
-      </p:grpSpPr>
-      <p:sp>
-        <p:nvSpPr>
-          <p:cNvPr id="2" name="Title 1"/>
-          <p:cNvSpPr>
-            <a:spLocks noGrp="1"/>
-          </p:cNvSpPr>
-          <p:nvPr>
-            <p:ph type="title"/>
-          </p:nvPr>
-        </p:nvSpPr>
-        <p:spPr/>
-        <p:txBody>
-          <a:bodyPr/>
-          <a:lstStyle/>
-          <a:p>
-            <a:r>
-              <a:rPr lang="en-US" dirty="0" smtClean="0"/>
-              <a:t>Công cụ</a:t>
-            </a:r>
-            <a:endParaRPr lang="en-US" dirty="0"/>
-          </a:p>
-        </p:txBody>
-      </p:sp>
-      <p:sp>
-        <p:nvSpPr>
-          <p:cNvPr id="5" name="Content Placeholder 2"/>
-          <p:cNvSpPr>
-            <a:spLocks noGrp="1"/>
-          </p:cNvSpPr>
-          <p:nvPr>
-            <p:ph idx="1"/>
-          </p:nvPr>
-        </p:nvSpPr>
-        <p:spPr>
-          <a:xfrm>
-            <a:off x="628650" y="1825625"/>
-            <a:ext cx="7886700" cy="4351338"/>
-          </a:xfrm>
-        </p:spPr>
-        <p:txBody>
-          <a:bodyPr>
-            <a:normAutofit/>
-          </a:bodyPr>
-          <a:lstStyle/>
-          <a:p>
-            <a:r>
-              <a:rPr lang="vi-VN" sz="2000" b="1" dirty="0"/>
-              <a:t>Công cụ cho việc vẽ model (CASE tool)</a:t>
-            </a:r>
-          </a:p>
-          <a:p>
-            <a:r>
-              <a:rPr lang="vi-VN" sz="2000" b="1" dirty="0" smtClean="0"/>
-              <a:t>Công </a:t>
-            </a:r>
-            <a:r>
-              <a:rPr lang="vi-VN" sz="2000" b="1" dirty="0"/>
-              <a:t>cụ cho việc quản lí yêu cầu (spreadsheet, cơ sở dữ liệu,..)</a:t>
-            </a:r>
-            <a:endParaRPr lang="en-US" sz="1600" dirty="0" smtClean="0"/>
-          </a:p>
-        </p:txBody>
-      </p:sp>
-      <p:sp>
-        <p:nvSpPr>
-          <p:cNvPr id="6" name="Content Placeholder 3"/>
-          <p:cNvSpPr>
-            <a:spLocks noGrp="1"/>
-          </p:cNvSpPr>
-          <p:nvPr>
-            <p:ph sz="quarter" idx="13"/>
-          </p:nvPr>
-        </p:nvSpPr>
-        <p:spPr>
-          <a:xfrm>
-            <a:off x="2362200" y="381000"/>
-            <a:ext cx="5257800" cy="381000"/>
-          </a:xfrm>
-        </p:spPr>
-        <p:txBody>
-          <a:bodyPr/>
-          <a:lstStyle/>
-          <a:p>
-            <a:r>
-              <a:rPr lang="en-US" dirty="0" smtClean="0"/>
-              <a:t>1.8. Yêu cầu phần mềm | Công cụ</a:t>
-            </a:r>
-            <a:endParaRPr lang="en-US" dirty="0"/>
-          </a:p>
-        </p:txBody>
-      </p:sp>
-    </p:spTree>
-    <p:extLst>
-      <p:ext uri="{BB962C8B-B14F-4D97-AF65-F5344CB8AC3E}">
-        <p14:creationId xmlns:p14="http://schemas.microsoft.com/office/powerpoint/2010/main" val="395625922"/>
-      </p:ext>
-    </p:extLst>
-  </p:cSld>
-  <p:clrMapOvr>
-    <a:masterClrMapping/>
-  </p:clrMapOvr>
-  <p:timing>
-    <p:tnLst>
-      <p:par>
-        <p:cTn id="1" dur="indefinite" restart="never" nodeType="tmRoot"/>
-      </p:par>
-    </p:tnLst>
-  </p:timing>
-</p:sld>
-</file>
-
 <file path=ppt/slides/slide3.xml><?xml version="1.0" encoding="utf-8"?>
 <p:sld xmlns:a="http://schemas.openxmlformats.org/drawingml/2006/main" xmlns:r="http://schemas.openxmlformats.org/officeDocument/2006/relationships" xmlns:p="http://schemas.openxmlformats.org/presentationml/2006/main">
   <p:cSld>
@@ -8078,6 +8352,134 @@
     <p:extLst>
       <p:ext uri="{BB962C8B-B14F-4D97-AF65-F5344CB8AC3E}">
         <p14:creationId xmlns:p14="http://schemas.microsoft.com/office/powerpoint/2010/main" val="3308265844"/>
+      </p:ext>
+    </p:extLst>
+  </p:cSld>
+  <p:clrMapOvr>
+    <a:masterClrMapping/>
+  </p:clrMapOvr>
+  <p:timing>
+    <p:tnLst>
+      <p:par>
+        <p:cTn id="1" dur="indefinite" restart="never" nodeType="tmRoot"/>
+      </p:par>
+    </p:tnLst>
+  </p:timing>
+</p:sld>
+</file>
+
+<file path=ppt/slides/slide30.xml><?xml version="1.0" encoding="utf-8"?>
+<p:sld xmlns:a="http://schemas.openxmlformats.org/drawingml/2006/main" xmlns:r="http://schemas.openxmlformats.org/officeDocument/2006/relationships" xmlns:p="http://schemas.openxmlformats.org/presentationml/2006/main">
+  <p:cSld>
+    <p:spTree>
+      <p:nvGrpSpPr>
+        <p:cNvPr id="1" name=""/>
+        <p:cNvGrpSpPr/>
+        <p:nvPr/>
+      </p:nvGrpSpPr>
+      <p:grpSpPr>
+        <a:xfrm>
+          <a:off x="0" y="0"/>
+          <a:ext cx="0" cy="0"/>
+          <a:chOff x="0" y="0"/>
+          <a:chExt cx="0" cy="0"/>
+        </a:xfrm>
+      </p:grpSpPr>
+      <p:sp>
+        <p:nvSpPr>
+          <p:cNvPr id="2" name="Title 1"/>
+          <p:cNvSpPr>
+            <a:spLocks noGrp="1"/>
+          </p:cNvSpPr>
+          <p:nvPr>
+            <p:ph type="title"/>
+          </p:nvPr>
+        </p:nvSpPr>
+        <p:spPr/>
+        <p:txBody>
+          <a:bodyPr/>
+          <a:lstStyle/>
+          <a:p>
+            <a:r>
+              <a:rPr lang="en-US" dirty="0" smtClean="0"/>
+              <a:t>Công cụ</a:t>
+            </a:r>
+            <a:endParaRPr lang="en-US" dirty="0"/>
+          </a:p>
+        </p:txBody>
+      </p:sp>
+      <p:sp>
+        <p:nvSpPr>
+          <p:cNvPr id="5" name="Content Placeholder 2"/>
+          <p:cNvSpPr>
+            <a:spLocks noGrp="1"/>
+          </p:cNvSpPr>
+          <p:nvPr>
+            <p:ph idx="1"/>
+          </p:nvPr>
+        </p:nvSpPr>
+        <p:spPr>
+          <a:xfrm>
+            <a:off x="628650" y="1825625"/>
+            <a:ext cx="7886700" cy="4351338"/>
+          </a:xfrm>
+        </p:spPr>
+        <p:txBody>
+          <a:bodyPr>
+            <a:normAutofit/>
+          </a:bodyPr>
+          <a:lstStyle/>
+          <a:p>
+            <a:r>
+              <a:rPr lang="vi-VN" sz="2000" b="1" dirty="0"/>
+              <a:t>Công cụ cho việc vẽ model (CASE tool)</a:t>
+            </a:r>
+          </a:p>
+          <a:p>
+            <a:r>
+              <a:rPr lang="vi-VN" sz="2000" b="1" dirty="0" smtClean="0"/>
+              <a:t>Công </a:t>
+            </a:r>
+            <a:r>
+              <a:rPr lang="vi-VN" sz="2000" b="1" dirty="0"/>
+              <a:t>cụ cho việc quản lí yêu cầu (spreadsheet, cơ sở dữ liệu,..)</a:t>
+            </a:r>
+            <a:endParaRPr lang="en-US" sz="1600" dirty="0" smtClean="0"/>
+          </a:p>
+        </p:txBody>
+      </p:sp>
+      <p:sp>
+        <p:nvSpPr>
+          <p:cNvPr id="6" name="Content Placeholder 3"/>
+          <p:cNvSpPr>
+            <a:spLocks noGrp="1"/>
+          </p:cNvSpPr>
+          <p:nvPr>
+            <p:ph sz="quarter" idx="13"/>
+          </p:nvPr>
+        </p:nvSpPr>
+        <p:spPr>
+          <a:xfrm>
+            <a:off x="2362200" y="381000"/>
+            <a:ext cx="5257800" cy="381000"/>
+          </a:xfrm>
+        </p:spPr>
+        <p:txBody>
+          <a:bodyPr/>
+          <a:lstStyle/>
+          <a:p>
+            <a:r>
+              <a:rPr lang="en-US" dirty="0" smtClean="0"/>
+              <a:t>1.8. Yêu cầu phần mềm | Công cụ</a:t>
+            </a:r>
+            <a:endParaRPr lang="en-US" dirty="0"/>
+          </a:p>
+        </p:txBody>
+      </p:sp>
+    </p:spTree>
+    <p:extLst>
+      <p:ext uri="{BB962C8B-B14F-4D97-AF65-F5344CB8AC3E}">
+        <p14:creationId xmlns:p14="http://schemas.microsoft.com/office/powerpoint/2010/main" val="395625922"/>
       </p:ext>
     </p:extLst>
   </p:cSld>
@@ -8662,10 +9064,16 @@
               <a:buChar char="Ø"/>
             </a:pPr>
             <a:r>
-              <a:rPr lang="en-US" sz="1600" dirty="0" smtClean="0"/>
-              <a:t>Yêu cầu đặc tả Emergent properties.</a:t>
-            </a:r>
-            <a:endParaRPr lang="en-US" sz="1600" dirty="0"/>
+              <a:rPr lang="vi-VN" sz="1600" dirty="0"/>
+              <a:t>Yêu cầu đặc tả các thuộc tính nổi bật: là các đặc tả cho các thuộc tính phụ thuộc vào sự vận hành,… đặc biệt là kiến trúc hệ thống. Các thuộc tính này không thể xác định được cho từng thành phần đơn lẻ.</a:t>
+            </a:r>
+          </a:p>
+          <a:p>
+            <a:pPr lvl="1">
+              <a:buFont typeface="Wingdings" panose="05000000000000000000" pitchFamily="2" charset="2"/>
+              <a:buChar char="Ø"/>
+            </a:pPr>
+            <a:endParaRPr lang="vi-VN" sz="1600" dirty="0"/>
           </a:p>
         </p:txBody>
       </p:sp>
@@ -8750,6 +9158,206 @@
           <a:lstStyle/>
           <a:p>
             <a:r>
+              <a:rPr lang="en-US" dirty="0"/>
+              <a:t>Phân loại</a:t>
+            </a:r>
+          </a:p>
+        </p:txBody>
+      </p:sp>
+      <p:sp>
+        <p:nvSpPr>
+          <p:cNvPr id="5" name="Content Placeholder 2"/>
+          <p:cNvSpPr>
+            <a:spLocks noGrp="1"/>
+          </p:cNvSpPr>
+          <p:nvPr>
+            <p:ph idx="1"/>
+          </p:nvPr>
+        </p:nvSpPr>
+        <p:spPr>
+          <a:xfrm>
+            <a:off x="628650" y="1825625"/>
+            <a:ext cx="7886700" cy="4351338"/>
+          </a:xfrm>
+        </p:spPr>
+        <p:txBody>
+          <a:bodyPr/>
+          <a:lstStyle/>
+          <a:p>
+            <a:r>
+              <a:rPr lang="vi-VN" sz="2000" b="1" dirty="0"/>
+              <a:t>Theo tính kiểm </a:t>
+            </a:r>
+            <a:r>
+              <a:rPr lang="vi-VN" sz="2000" b="1" dirty="0" smtClean="0"/>
+              <a:t>định</a:t>
+            </a:r>
+            <a:endParaRPr lang="en-US" sz="2000" b="1" dirty="0" smtClean="0"/>
+          </a:p>
+          <a:p>
+            <a:endParaRPr lang="en-US" sz="2000" b="1" dirty="0" smtClean="0"/>
+          </a:p>
+          <a:p>
+            <a:pPr lvl="1">
+              <a:buFont typeface="Wingdings" panose="05000000000000000000" pitchFamily="2" charset="2"/>
+              <a:buChar char="Ø"/>
+            </a:pPr>
+            <a:r>
+              <a:rPr lang="vi-VN" sz="1600" dirty="0" smtClean="0"/>
+              <a:t> </a:t>
+            </a:r>
+            <a:r>
+              <a:rPr lang="vi-VN" sz="1600" dirty="0"/>
+              <a:t>Mơ hồ, không thể kiểm định</a:t>
+            </a:r>
+          </a:p>
+          <a:p>
+            <a:pPr lvl="1">
+              <a:buFont typeface="Wingdings" panose="05000000000000000000" pitchFamily="2" charset="2"/>
+              <a:buChar char="Ø"/>
+            </a:pPr>
+            <a:r>
+              <a:rPr lang="vi-VN" sz="1600" dirty="0" smtClean="0"/>
+              <a:t> </a:t>
+            </a:r>
+            <a:r>
+              <a:rPr lang="vi-VN" sz="1600" dirty="0"/>
+              <a:t>Rõ </a:t>
+            </a:r>
+            <a:r>
+              <a:rPr lang="vi-VN" sz="1600" dirty="0" smtClean="0"/>
+              <a:t>ràng, định lượng và có thể kiểm định được.</a:t>
+            </a:r>
+            <a:endParaRPr lang="en-US" sz="1600" dirty="0" smtClean="0"/>
+          </a:p>
+          <a:p>
+            <a:pPr lvl="1">
+              <a:buFont typeface="Wingdings" panose="05000000000000000000" pitchFamily="2" charset="2"/>
+              <a:buChar char="Ø"/>
+            </a:pPr>
+            <a:endParaRPr lang="en-US" sz="1600" dirty="0" smtClean="0"/>
+          </a:p>
+          <a:p>
+            <a:r>
+              <a:rPr lang="vi-VN" sz="2000" b="1" dirty="0"/>
+              <a:t>Theo phạm vi đặc </a:t>
+            </a:r>
+            <a:r>
+              <a:rPr lang="vi-VN" sz="2000" b="1" dirty="0" smtClean="0"/>
+              <a:t>tả</a:t>
+            </a:r>
+            <a:endParaRPr lang="en-US" sz="2000" b="1" dirty="0" smtClean="0"/>
+          </a:p>
+          <a:p>
+            <a:endParaRPr lang="en-US" sz="2000" b="1" dirty="0"/>
+          </a:p>
+          <a:p>
+            <a:pPr lvl="1">
+              <a:buFont typeface="Wingdings" panose="05000000000000000000" pitchFamily="2" charset="2"/>
+              <a:buChar char="Ø"/>
+            </a:pPr>
+            <a:r>
+              <a:rPr lang="vi-VN" sz="1600" dirty="0"/>
+              <a:t>Yêu cầu hệ thống: đặc tả các cấu hình, cơ sở hạ tầng, phần cứng, phần mềm, con người, kỹ thuật,… của toàn bộ hệ thống.</a:t>
+            </a:r>
+          </a:p>
+          <a:p>
+            <a:pPr lvl="1">
+              <a:buFont typeface="Wingdings" panose="05000000000000000000" pitchFamily="2" charset="2"/>
+              <a:buChar char="Ø"/>
+            </a:pPr>
+            <a:r>
+              <a:rPr lang="vi-VN" sz="1600" dirty="0" smtClean="0"/>
+              <a:t>Yêu </a:t>
+            </a:r>
+            <a:r>
+              <a:rPr lang="vi-VN" sz="1600" dirty="0"/>
+              <a:t>cầu phần mềm: đặc tả các chức năng, giai diện,… của các cấu phần phần mềm.</a:t>
+            </a:r>
+          </a:p>
+        </p:txBody>
+      </p:sp>
+      <p:sp>
+        <p:nvSpPr>
+          <p:cNvPr id="6" name="Content Placeholder 3"/>
+          <p:cNvSpPr>
+            <a:spLocks noGrp="1"/>
+          </p:cNvSpPr>
+          <p:nvPr>
+            <p:ph sz="quarter" idx="13"/>
+          </p:nvPr>
+        </p:nvSpPr>
+        <p:spPr>
+          <a:xfrm>
+            <a:off x="2362200" y="381000"/>
+            <a:ext cx="5257800" cy="381000"/>
+          </a:xfrm>
+        </p:spPr>
+        <p:txBody>
+          <a:bodyPr/>
+          <a:lstStyle/>
+          <a:p>
+            <a:r>
+              <a:rPr lang="en-US" dirty="0" smtClean="0"/>
+              <a:t>1.1. Yêu cầu phần mềm | Kiến thức cơ bản</a:t>
+            </a:r>
+            <a:endParaRPr lang="en-US" dirty="0"/>
+          </a:p>
+        </p:txBody>
+      </p:sp>
+    </p:spTree>
+    <p:extLst>
+      <p:ext uri="{BB962C8B-B14F-4D97-AF65-F5344CB8AC3E}">
+        <p14:creationId xmlns:p14="http://schemas.microsoft.com/office/powerpoint/2010/main" val="2902919986"/>
+      </p:ext>
+    </p:extLst>
+  </p:cSld>
+  <p:clrMapOvr>
+    <a:masterClrMapping/>
+  </p:clrMapOvr>
+  <p:timing>
+    <p:tnLst>
+      <p:par>
+        <p:cTn id="1" dur="indefinite" restart="never" nodeType="tmRoot"/>
+      </p:par>
+    </p:tnLst>
+  </p:timing>
+</p:sld>
+</file>
+
+<file path=ppt/slides/slide9.xml><?xml version="1.0" encoding="utf-8"?>
+<p:sld xmlns:a="http://schemas.openxmlformats.org/drawingml/2006/main" xmlns:r="http://schemas.openxmlformats.org/officeDocument/2006/relationships" xmlns:p="http://schemas.openxmlformats.org/presentationml/2006/main">
+  <p:cSld>
+    <p:spTree>
+      <p:nvGrpSpPr>
+        <p:cNvPr id="1" name=""/>
+        <p:cNvGrpSpPr/>
+        <p:nvPr/>
+      </p:nvGrpSpPr>
+      <p:grpSpPr>
+        <a:xfrm>
+          <a:off x="0" y="0"/>
+          <a:ext cx="0" cy="0"/>
+          <a:chOff x="0" y="0"/>
+          <a:chExt cx="0" cy="0"/>
+        </a:xfrm>
+      </p:grpSpPr>
+      <p:sp>
+        <p:nvSpPr>
+          <p:cNvPr id="2" name="Title 1"/>
+          <p:cNvSpPr>
+            <a:spLocks noGrp="1"/>
+          </p:cNvSpPr>
+          <p:nvPr>
+            <p:ph type="title"/>
+          </p:nvPr>
+        </p:nvSpPr>
+        <p:spPr/>
+        <p:txBody>
+          <a:bodyPr/>
+          <a:lstStyle/>
+          <a:p>
+            <a:r>
               <a:rPr lang="en-US" b="1" dirty="0" smtClean="0">
                 <a:latin typeface="Verdana" panose="020B0604030504040204" pitchFamily="34" charset="0"/>
                 <a:ea typeface="Verdana" panose="020B0604030504040204" pitchFamily="34" charset="0"/>
@@ -8886,152 +9494,6 @@
     <p:extLst>
       <p:ext uri="{BB962C8B-B14F-4D97-AF65-F5344CB8AC3E}">
         <p14:creationId xmlns:p14="http://schemas.microsoft.com/office/powerpoint/2010/main" val="824416328"/>
-      </p:ext>
-    </p:extLst>
-  </p:cSld>
-  <p:clrMapOvr>
-    <a:masterClrMapping/>
-  </p:clrMapOvr>
-  <p:timing>
-    <p:tnLst>
-      <p:par>
-        <p:cTn id="1" dur="indefinite" restart="never" nodeType="tmRoot"/>
-      </p:par>
-    </p:tnLst>
-  </p:timing>
-</p:sld>
-</file>
-
-<file path=ppt/slides/slide9.xml><?xml version="1.0" encoding="utf-8"?>
-<p:sld xmlns:a="http://schemas.openxmlformats.org/drawingml/2006/main" xmlns:r="http://schemas.openxmlformats.org/officeDocument/2006/relationships" xmlns:p="http://schemas.openxmlformats.org/presentationml/2006/main">
-  <p:cSld>
-    <p:spTree>
-      <p:nvGrpSpPr>
-        <p:cNvPr id="1" name=""/>
-        <p:cNvGrpSpPr/>
-        <p:nvPr/>
-      </p:nvGrpSpPr>
-      <p:grpSpPr>
-        <a:xfrm>
-          <a:off x="0" y="0"/>
-          <a:ext cx="0" cy="0"/>
-          <a:chOff x="0" y="0"/>
-          <a:chExt cx="0" cy="0"/>
-        </a:xfrm>
-      </p:grpSpPr>
-      <p:sp>
-        <p:nvSpPr>
-          <p:cNvPr id="2" name="Title 1"/>
-          <p:cNvSpPr>
-            <a:spLocks noGrp="1"/>
-          </p:cNvSpPr>
-          <p:nvPr>
-            <p:ph type="title"/>
-          </p:nvPr>
-        </p:nvSpPr>
-        <p:spPr/>
-        <p:txBody>
-          <a:bodyPr/>
-          <a:lstStyle/>
-          <a:p>
-            <a:r>
-              <a:rPr lang="en-US" dirty="0" smtClean="0"/>
-              <a:t>Mô hình và tác nhân</a:t>
-            </a:r>
-            <a:endParaRPr lang="en-US" dirty="0"/>
-          </a:p>
-        </p:txBody>
-      </p:sp>
-      <p:sp>
-        <p:nvSpPr>
-          <p:cNvPr id="5" name="Content Placeholder 2"/>
-          <p:cNvSpPr>
-            <a:spLocks noGrp="1"/>
-          </p:cNvSpPr>
-          <p:nvPr>
-            <p:ph idx="1"/>
-          </p:nvPr>
-        </p:nvSpPr>
-        <p:spPr>
-          <a:xfrm>
-            <a:off x="628650" y="1825625"/>
-            <a:ext cx="7886700" cy="4351338"/>
-          </a:xfrm>
-        </p:spPr>
-        <p:txBody>
-          <a:bodyPr/>
-          <a:lstStyle/>
-          <a:p>
-            <a:r>
-              <a:rPr lang="en-US" sz="2000" b="1" dirty="0" smtClean="0"/>
-              <a:t>Mô hình</a:t>
-            </a:r>
-            <a:endParaRPr lang="vi-VN" sz="2000" b="1" dirty="0" smtClean="0"/>
-          </a:p>
-          <a:p>
-            <a:pPr lvl="1">
-              <a:buFont typeface="Wingdings" panose="05000000000000000000" pitchFamily="2" charset="2"/>
-              <a:buChar char="Ø"/>
-            </a:pPr>
-            <a:r>
-              <a:rPr lang="en-US" sz="1600" dirty="0" smtClean="0"/>
-              <a:t>...</a:t>
-            </a:r>
-            <a:endParaRPr lang="vi-VN" sz="1600" dirty="0" smtClean="0"/>
-          </a:p>
-          <a:p>
-            <a:r>
-              <a:rPr lang="en-US" sz="2000" b="1" dirty="0" smtClean="0"/>
-              <a:t>Tác nhân</a:t>
-            </a:r>
-          </a:p>
-          <a:p>
-            <a:pPr lvl="1">
-              <a:buFont typeface="Wingdings" panose="05000000000000000000" pitchFamily="2" charset="2"/>
-              <a:buChar char="Ø"/>
-            </a:pPr>
-            <a:r>
-              <a:rPr lang="en-US" sz="1600" dirty="0" smtClean="0"/>
-              <a:t>...</a:t>
-            </a:r>
-            <a:endParaRPr lang="en-US" sz="1600" dirty="0"/>
-          </a:p>
-        </p:txBody>
-      </p:sp>
-      <p:sp>
-        <p:nvSpPr>
-          <p:cNvPr id="6" name="Content Placeholder 3"/>
-          <p:cNvSpPr>
-            <a:spLocks noGrp="1"/>
-          </p:cNvSpPr>
-          <p:nvPr>
-            <p:ph sz="quarter" idx="13"/>
-          </p:nvPr>
-        </p:nvSpPr>
-        <p:spPr>
-          <a:xfrm>
-            <a:off x="2362200" y="381000"/>
-            <a:ext cx="5257800" cy="381000"/>
-          </a:xfrm>
-        </p:spPr>
-        <p:txBody>
-          <a:bodyPr>
-            <a:normAutofit/>
-          </a:bodyPr>
-          <a:lstStyle/>
-          <a:p>
-            <a:r>
-              <a:rPr lang="en-US" dirty="0" smtClean="0"/>
-              <a:t>1.2. Yêu cầu phần mềm | Quy trình</a:t>
-            </a:r>
-            <a:endParaRPr lang="en-US" dirty="0"/>
-          </a:p>
-        </p:txBody>
-      </p:sp>
-    </p:spTree>
-    <p:extLst>
-      <p:ext uri="{BB962C8B-B14F-4D97-AF65-F5344CB8AC3E}">
-        <p14:creationId xmlns:p14="http://schemas.microsoft.com/office/powerpoint/2010/main" val="1474894134"/>
       </p:ext>
     </p:extLst>
   </p:cSld>
